--- a/API Gateway.pptx
+++ b/API Gateway.pptx
@@ -854,7 +854,7 @@
           <a:p>
             <a:fld id="{FF084CBC-36E0-4CC0-918D-767D7E309F2F}" type="datetimeFigureOut">
               <a:rPr lang="en-US" smtClean="0"/>
-              <a:t>2019-12-09</a:t>
+              <a:t>2019-12-10</a:t>
             </a:fld>
             <a:endParaRPr lang="en-US"/>
           </a:p>
@@ -1459,6 +1459,106 @@
               <a:rPr lang="de-AT" dirty="0" smtClean="0">
                 <a:hlinkClick r:id="rId3"/>
               </a:rPr>
+              <a:t>https://docs.konghq.com/1.4.x/admin-api/#plugin-object</a:t>
+            </a:r>
+            <a:endParaRPr lang="de-AT" dirty="0" smtClean="0"/>
+          </a:p>
+          <a:p>
+            <a:endParaRPr lang="de-AT" dirty="0" smtClean="0"/>
+          </a:p>
+          <a:p>
+            <a:r>
+              <a:rPr lang="en-US" dirty="0" smtClean="0"/>
+              <a:t>When adding a Plugin Configuration to a Service, every request made by a client to that Service will run said Plugin. If a Plugin needs to be tuned to different values for some specific Consumers, you can do so by creating a separate plugin instance that specifies both the Service and the Consumer, through the service and consumer fields.</a:t>
+            </a:r>
+            <a:endParaRPr lang="de-AT" dirty="0"/>
+          </a:p>
+        </p:txBody>
+      </p:sp>
+      <p:sp>
+        <p:nvSpPr>
+          <p:cNvPr id="4" name="Slide Number Placeholder 3"/>
+          <p:cNvSpPr>
+            <a:spLocks noGrp="1"/>
+          </p:cNvSpPr>
+          <p:nvPr>
+            <p:ph type="sldNum" sz="quarter" idx="10"/>
+          </p:nvPr>
+        </p:nvSpPr>
+        <p:spPr/>
+        <p:txBody>
+          <a:bodyPr/>
+          <a:lstStyle/>
+          <a:p>
+            <a:fld id="{CFBC01FF-781E-4D25-A720-185C2D90034C}" type="slidenum">
+              <a:rPr lang="en-US" smtClean="0"/>
+              <a:t>26</a:t>
+            </a:fld>
+            <a:endParaRPr lang="en-US"/>
+          </a:p>
+        </p:txBody>
+      </p:sp>
+    </p:spTree>
+    <p:extLst>
+      <p:ext uri="{BB962C8B-B14F-4D97-AF65-F5344CB8AC3E}">
+        <p14:creationId xmlns:p14="http://schemas.microsoft.com/office/powerpoint/2010/main" val="2882267373"/>
+      </p:ext>
+    </p:extLst>
+  </p:cSld>
+  <p:clrMapOvr>
+    <a:masterClrMapping/>
+  </p:clrMapOvr>
+</p:notes>
+</file>
+
+<file path=ppt/notesSlides/notesSlide13.xml><?xml version="1.0" encoding="utf-8"?>
+<p:notes xmlns:a="http://schemas.openxmlformats.org/drawingml/2006/main" xmlns:r="http://schemas.openxmlformats.org/officeDocument/2006/relationships" xmlns:p="http://schemas.openxmlformats.org/presentationml/2006/main">
+  <p:cSld>
+    <p:spTree>
+      <p:nvGrpSpPr>
+        <p:cNvPr id="1" name=""/>
+        <p:cNvGrpSpPr/>
+        <p:nvPr/>
+      </p:nvGrpSpPr>
+      <p:grpSpPr>
+        <a:xfrm>
+          <a:off x="0" y="0"/>
+          <a:ext cx="0" cy="0"/>
+          <a:chOff x="0" y="0"/>
+          <a:chExt cx="0" cy="0"/>
+        </a:xfrm>
+      </p:grpSpPr>
+      <p:sp>
+        <p:nvSpPr>
+          <p:cNvPr id="2" name="Slide Image Placeholder 1"/>
+          <p:cNvSpPr>
+            <a:spLocks noGrp="1" noRot="1" noChangeAspect="1"/>
+          </p:cNvSpPr>
+          <p:nvPr>
+            <p:ph type="sldImg"/>
+          </p:nvPr>
+        </p:nvSpPr>
+        <p:spPr/>
+      </p:sp>
+      <p:sp>
+        <p:nvSpPr>
+          <p:cNvPr id="3" name="Notes Placeholder 2"/>
+          <p:cNvSpPr>
+            <a:spLocks noGrp="1"/>
+          </p:cNvSpPr>
+          <p:nvPr>
+            <p:ph type="body" idx="1"/>
+          </p:nvPr>
+        </p:nvSpPr>
+        <p:spPr/>
+        <p:txBody>
+          <a:bodyPr/>
+          <a:lstStyle/>
+          <a:p>
+            <a:r>
+              <a:rPr lang="de-AT" dirty="0" smtClean="0">
+                <a:hlinkClick r:id="rId3"/>
+              </a:rPr>
               <a:t>https://docs.konghq.com/1.4.x/admin-api/#health-routes</a:t>
             </a:r>
             <a:endParaRPr lang="de-AT" dirty="0"/>
@@ -1501,7 +1601,7 @@
 </p:notes>
 </file>
 
-<file path=ppt/notesSlides/notesSlide13.xml><?xml version="1.0" encoding="utf-8"?>
+<file path=ppt/notesSlides/notesSlide14.xml><?xml version="1.0" encoding="utf-8"?>
 <p:notes xmlns:a="http://schemas.openxmlformats.org/drawingml/2006/main" xmlns:r="http://schemas.openxmlformats.org/officeDocument/2006/relationships" xmlns:p="http://schemas.openxmlformats.org/presentationml/2006/main">
   <p:cSld>
     <p:spTree>
@@ -2603,7 +2703,7 @@
           <a:p>
             <a:fld id="{8272ECE3-2878-47BE-B879-BFDD2207B1DF}" type="datetimeFigureOut">
               <a:rPr lang="en-US" smtClean="0"/>
-              <a:t>2019-12-09</a:t>
+              <a:t>2019-12-10</a:t>
             </a:fld>
             <a:endParaRPr lang="en-US"/>
           </a:p>
@@ -2801,7 +2901,7 @@
           <a:p>
             <a:fld id="{8272ECE3-2878-47BE-B879-BFDD2207B1DF}" type="datetimeFigureOut">
               <a:rPr lang="en-US" smtClean="0"/>
-              <a:t>2019-12-09</a:t>
+              <a:t>2019-12-10</a:t>
             </a:fld>
             <a:endParaRPr lang="en-US"/>
           </a:p>
@@ -3009,7 +3109,7 @@
           <a:p>
             <a:fld id="{8272ECE3-2878-47BE-B879-BFDD2207B1DF}" type="datetimeFigureOut">
               <a:rPr lang="en-US" smtClean="0"/>
-              <a:t>2019-12-09</a:t>
+              <a:t>2019-12-10</a:t>
             </a:fld>
             <a:endParaRPr lang="en-US"/>
           </a:p>
@@ -3207,7 +3307,7 @@
           <a:p>
             <a:fld id="{8272ECE3-2878-47BE-B879-BFDD2207B1DF}" type="datetimeFigureOut">
               <a:rPr lang="en-US" smtClean="0"/>
-              <a:t>2019-12-09</a:t>
+              <a:t>2019-12-10</a:t>
             </a:fld>
             <a:endParaRPr lang="en-US"/>
           </a:p>
@@ -3482,7 +3582,7 @@
           <a:p>
             <a:fld id="{8272ECE3-2878-47BE-B879-BFDD2207B1DF}" type="datetimeFigureOut">
               <a:rPr lang="en-US" smtClean="0"/>
-              <a:t>2019-12-09</a:t>
+              <a:t>2019-12-10</a:t>
             </a:fld>
             <a:endParaRPr lang="en-US"/>
           </a:p>
@@ -3747,7 +3847,7 @@
           <a:p>
             <a:fld id="{8272ECE3-2878-47BE-B879-BFDD2207B1DF}" type="datetimeFigureOut">
               <a:rPr lang="en-US" smtClean="0"/>
-              <a:t>2019-12-09</a:t>
+              <a:t>2019-12-10</a:t>
             </a:fld>
             <a:endParaRPr lang="en-US"/>
           </a:p>
@@ -4159,7 +4259,7 @@
           <a:p>
             <a:fld id="{8272ECE3-2878-47BE-B879-BFDD2207B1DF}" type="datetimeFigureOut">
               <a:rPr lang="en-US" smtClean="0"/>
-              <a:t>2019-12-09</a:t>
+              <a:t>2019-12-10</a:t>
             </a:fld>
             <a:endParaRPr lang="en-US"/>
           </a:p>
@@ -4300,7 +4400,7 @@
           <a:p>
             <a:fld id="{8272ECE3-2878-47BE-B879-BFDD2207B1DF}" type="datetimeFigureOut">
               <a:rPr lang="en-US" smtClean="0"/>
-              <a:t>2019-12-09</a:t>
+              <a:t>2019-12-10</a:t>
             </a:fld>
             <a:endParaRPr lang="en-US"/>
           </a:p>
@@ -4413,7 +4513,7 @@
           <a:p>
             <a:fld id="{8272ECE3-2878-47BE-B879-BFDD2207B1DF}" type="datetimeFigureOut">
               <a:rPr lang="en-US" smtClean="0"/>
-              <a:t>2019-12-09</a:t>
+              <a:t>2019-12-10</a:t>
             </a:fld>
             <a:endParaRPr lang="en-US"/>
           </a:p>
@@ -4724,7 +4824,7 @@
           <a:p>
             <a:fld id="{8272ECE3-2878-47BE-B879-BFDD2207B1DF}" type="datetimeFigureOut">
               <a:rPr lang="en-US" smtClean="0"/>
-              <a:t>2019-12-09</a:t>
+              <a:t>2019-12-10</a:t>
             </a:fld>
             <a:endParaRPr lang="en-US"/>
           </a:p>
@@ -5012,7 +5112,7 @@
           <a:p>
             <a:fld id="{8272ECE3-2878-47BE-B879-BFDD2207B1DF}" type="datetimeFigureOut">
               <a:rPr lang="en-US" smtClean="0"/>
-              <a:t>2019-12-09</a:t>
+              <a:t>2019-12-10</a:t>
             </a:fld>
             <a:endParaRPr lang="en-US"/>
           </a:p>
@@ -5253,7 +5353,7 @@
           <a:p>
             <a:fld id="{8272ECE3-2878-47BE-B879-BFDD2207B1DF}" type="datetimeFigureOut">
               <a:rPr lang="en-US" smtClean="0"/>
-              <a:t>2019-12-09</a:t>
+              <a:t>2019-12-10</a:t>
             </a:fld>
             <a:endParaRPr lang="en-US"/>
           </a:p>
@@ -6883,11 +6983,7 @@
           <a:p>
             <a:r>
               <a:rPr lang="en-US" dirty="0" smtClean="0"/>
-              <a:t>See:</a:t>
-            </a:r>
-            <a:r>
-              <a:rPr lang="en-US" dirty="0" smtClean="0"/>
-              <a:t> </a:t>
+              <a:t>See: </a:t>
             </a:r>
             <a:r>
               <a:rPr lang="en-US" dirty="0">
@@ -7777,11 +7873,7 @@
           <a:p>
             <a:r>
               <a:rPr lang="en-US" dirty="0" smtClean="0"/>
-              <a:t>See:</a:t>
-            </a:r>
-            <a:r>
-              <a:rPr lang="en-US" dirty="0" smtClean="0"/>
-              <a:t> </a:t>
+              <a:t>See: </a:t>
             </a:r>
             <a:r>
               <a:rPr lang="de-AT" dirty="0">
@@ -8632,13 +8724,7 @@
               <a:rPr lang="en-US" dirty="0" smtClean="0">
                 <a:cs typeface="Calibri Light"/>
               </a:rPr>
-              <a:t>API – </a:t>
-            </a:r>
-            <a:r>
-              <a:rPr lang="en-US" dirty="0" smtClean="0">
-                <a:cs typeface="Calibri Light"/>
-              </a:rPr>
-              <a:t>What?</a:t>
+              <a:t>API – What?</a:t>
             </a:r>
             <a:endParaRPr lang="en-US" dirty="0"/>
           </a:p>
@@ -9113,19 +9199,7 @@
           <a:p>
             <a:r>
               <a:rPr lang="de-AT" dirty="0" smtClean="0"/>
-              <a:t>Kong </a:t>
-            </a:r>
-            <a:r>
-              <a:rPr lang="de-AT" dirty="0" err="1" smtClean="0"/>
-              <a:t>Concepts</a:t>
-            </a:r>
-            <a:r>
-              <a:rPr lang="de-AT" dirty="0"/>
-              <a:t> </a:t>
-            </a:r>
-            <a:r>
-              <a:rPr lang="de-AT" dirty="0" smtClean="0"/>
-              <a:t>- Service</a:t>
+              <a:t>Services</a:t>
             </a:r>
             <a:endParaRPr lang="de-AT" dirty="0"/>
           </a:p>
@@ -9609,16 +9683,8 @@
           <a:lstStyle/>
           <a:p>
             <a:r>
-              <a:rPr lang="de-AT" dirty="0" smtClean="0"/>
-              <a:t>Kong </a:t>
-            </a:r>
-            <a:r>
               <a:rPr lang="de-AT" dirty="0" err="1" smtClean="0"/>
-              <a:t>Concepts</a:t>
-            </a:r>
-            <a:r>
-              <a:rPr lang="de-AT" dirty="0" smtClean="0"/>
-              <a:t> - Route</a:t>
+              <a:t>Routes</a:t>
             </a:r>
             <a:endParaRPr lang="de-AT" dirty="0"/>
           </a:p>
@@ -10097,11 +10163,7 @@
           <a:p>
             <a:r>
               <a:rPr lang="en-US" dirty="0" smtClean="0"/>
-              <a:t>See:</a:t>
-            </a:r>
-            <a:r>
-              <a:rPr lang="en-US" dirty="0" smtClean="0"/>
-              <a:t> </a:t>
+              <a:t>See: </a:t>
             </a:r>
             <a:r>
               <a:rPr lang="de-AT" dirty="0">
@@ -10160,15 +10222,7 @@
           <a:p>
             <a:r>
               <a:rPr lang="de-AT" dirty="0" smtClean="0"/>
-              <a:t>Kong </a:t>
-            </a:r>
-            <a:r>
-              <a:rPr lang="de-AT" dirty="0" err="1" smtClean="0"/>
-              <a:t>Concepts</a:t>
-            </a:r>
-            <a:r>
-              <a:rPr lang="de-AT" dirty="0" smtClean="0"/>
-              <a:t> - Tag</a:t>
+              <a:t>Tags</a:t>
             </a:r>
             <a:endParaRPr lang="de-AT" dirty="0"/>
           </a:p>
@@ -10944,16 +10998,8 @@
           <a:lstStyle/>
           <a:p>
             <a:r>
-              <a:rPr lang="de-AT" dirty="0" smtClean="0"/>
-              <a:t>Kong </a:t>
-            </a:r>
-            <a:r>
               <a:rPr lang="de-AT" dirty="0" err="1" smtClean="0"/>
-              <a:t>Concepts</a:t>
-            </a:r>
-            <a:r>
-              <a:rPr lang="de-AT" dirty="0" smtClean="0"/>
-              <a:t> - Consumer</a:t>
+              <a:t>Consumers</a:t>
             </a:r>
             <a:endParaRPr lang="de-AT" dirty="0"/>
           </a:p>
@@ -11442,20 +11488,8 @@
           <a:lstStyle/>
           <a:p>
             <a:r>
-              <a:rPr lang="de-AT" dirty="0" smtClean="0"/>
-              <a:t>Kong </a:t>
-            </a:r>
-            <a:r>
               <a:rPr lang="de-AT" dirty="0" err="1" smtClean="0"/>
-              <a:t>Concepts</a:t>
-            </a:r>
-            <a:r>
-              <a:rPr lang="de-AT" dirty="0" smtClean="0"/>
-              <a:t> - </a:t>
-            </a:r>
-            <a:r>
-              <a:rPr lang="de-AT" dirty="0" err="1" smtClean="0"/>
-              <a:t>Upstream</a:t>
+              <a:t>Upstreams</a:t>
             </a:r>
             <a:endParaRPr lang="de-AT" dirty="0"/>
           </a:p>
@@ -11546,15 +11580,7 @@
           <a:p>
             <a:r>
               <a:rPr lang="de-AT" dirty="0" smtClean="0"/>
-              <a:t>Kong </a:t>
-            </a:r>
-            <a:r>
-              <a:rPr lang="de-AT" dirty="0" err="1" smtClean="0"/>
-              <a:t>Concepts</a:t>
-            </a:r>
-            <a:r>
-              <a:rPr lang="de-AT" dirty="0" smtClean="0"/>
-              <a:t> - Target</a:t>
+              <a:t>Targets</a:t>
             </a:r>
             <a:endParaRPr lang="de-AT" dirty="0"/>
           </a:p>
@@ -11644,20 +11670,8 @@
           <a:lstStyle/>
           <a:p>
             <a:r>
-              <a:rPr lang="de-AT" dirty="0" smtClean="0"/>
-              <a:t>Kong </a:t>
-            </a:r>
-            <a:r>
               <a:rPr lang="de-AT" dirty="0" err="1" smtClean="0"/>
-              <a:t>Concepts</a:t>
-            </a:r>
-            <a:r>
-              <a:rPr lang="de-AT" dirty="0" smtClean="0"/>
-              <a:t> - </a:t>
-            </a:r>
-            <a:r>
-              <a:rPr lang="de-AT" dirty="0" err="1" smtClean="0"/>
-              <a:t>Plugin</a:t>
+              <a:t>Plugins</a:t>
             </a:r>
             <a:endParaRPr lang="de-AT" dirty="0"/>
           </a:p>
@@ -11673,12 +11687,194 @@
             <p:ph sz="half" idx="1"/>
           </p:nvPr>
         </p:nvSpPr>
-        <p:spPr/>
-        <p:txBody>
-          <a:bodyPr/>
+        <p:spPr>
+          <a:xfrm>
+            <a:off x="838200" y="1825625"/>
+            <a:ext cx="5181600" cy="3319883"/>
+          </a:xfrm>
+        </p:spPr>
+        <p:txBody>
+          <a:bodyPr>
+            <a:spAutoFit/>
+          </a:bodyPr>
           <a:lstStyle/>
           <a:p>
-            <a:endParaRPr lang="de-AT"/>
+            <a:pPr marL="0" indent="0">
+              <a:buNone/>
+            </a:pPr>
+            <a:r>
+              <a:rPr lang="de-AT" dirty="0" err="1" smtClean="0"/>
+              <a:t>Plugins</a:t>
+            </a:r>
+            <a:r>
+              <a:rPr lang="de-AT" dirty="0" smtClean="0"/>
+              <a:t> </a:t>
+            </a:r>
+            <a:r>
+              <a:rPr lang="de-AT" dirty="0" err="1" smtClean="0"/>
+              <a:t>are</a:t>
+            </a:r>
+            <a:r>
+              <a:rPr lang="de-AT" dirty="0" smtClean="0"/>
+              <a:t> </a:t>
+            </a:r>
+            <a:r>
+              <a:rPr lang="de-AT" dirty="0" err="1" smtClean="0"/>
+              <a:t>executed</a:t>
+            </a:r>
+            <a:r>
+              <a:rPr lang="de-AT" dirty="0" smtClean="0"/>
+              <a:t> </a:t>
+            </a:r>
+            <a:r>
+              <a:rPr lang="de-AT" dirty="0" err="1" smtClean="0"/>
+              <a:t>during</a:t>
+            </a:r>
+            <a:r>
+              <a:rPr lang="de-AT" dirty="0" smtClean="0"/>
+              <a:t> HTTP </a:t>
+            </a:r>
+            <a:r>
+              <a:rPr lang="de-AT" dirty="0" err="1" smtClean="0"/>
+              <a:t>request</a:t>
+            </a:r>
+            <a:r>
+              <a:rPr lang="de-AT" dirty="0" smtClean="0"/>
+              <a:t>/</a:t>
+            </a:r>
+            <a:r>
+              <a:rPr lang="de-AT" dirty="0" err="1" smtClean="0"/>
+              <a:t>response</a:t>
+            </a:r>
+            <a:r>
+              <a:rPr lang="de-AT" dirty="0" smtClean="0"/>
+              <a:t> </a:t>
+            </a:r>
+            <a:r>
+              <a:rPr lang="de-AT" dirty="0" err="1" smtClean="0"/>
+              <a:t>lifecycle</a:t>
+            </a:r>
+            <a:endParaRPr lang="de-AT" dirty="0" smtClean="0"/>
+          </a:p>
+          <a:p>
+            <a:pPr marL="0" indent="0">
+              <a:buNone/>
+            </a:pPr>
+            <a:endParaRPr lang="de-AT" dirty="0" smtClean="0"/>
+          </a:p>
+          <a:p>
+            <a:pPr marL="0" indent="0">
+              <a:buNone/>
+            </a:pPr>
+            <a:r>
+              <a:rPr lang="de-AT" dirty="0" err="1" smtClean="0"/>
+              <a:t>Plugins</a:t>
+            </a:r>
+            <a:r>
+              <a:rPr lang="de-AT" dirty="0" smtClean="0"/>
+              <a:t> </a:t>
+            </a:r>
+            <a:r>
+              <a:rPr lang="de-AT" dirty="0" err="1" smtClean="0"/>
+              <a:t>are</a:t>
+            </a:r>
+            <a:r>
+              <a:rPr lang="de-AT" dirty="0" smtClean="0"/>
+              <a:t> </a:t>
+            </a:r>
+            <a:r>
+              <a:rPr lang="de-AT" dirty="0" err="1" smtClean="0"/>
+              <a:t>bound</a:t>
+            </a:r>
+            <a:r>
+              <a:rPr lang="de-AT" dirty="0" smtClean="0"/>
+              <a:t> </a:t>
+            </a:r>
+            <a:r>
+              <a:rPr lang="de-AT" dirty="0" err="1" smtClean="0"/>
+              <a:t>to</a:t>
+            </a:r>
+            <a:r>
+              <a:rPr lang="de-AT" dirty="0" smtClean="0"/>
+              <a:t> </a:t>
+            </a:r>
+            <a:r>
+              <a:rPr lang="de-AT" dirty="0" err="1" smtClean="0"/>
+              <a:t>services</a:t>
+            </a:r>
+            <a:r>
+              <a:rPr lang="de-AT" dirty="0" smtClean="0"/>
+              <a:t>, </a:t>
+            </a:r>
+            <a:r>
+              <a:rPr lang="de-AT" dirty="0" err="1" smtClean="0"/>
+              <a:t>routes</a:t>
+            </a:r>
+            <a:r>
+              <a:rPr lang="de-AT" dirty="0" smtClean="0"/>
+              <a:t> </a:t>
+            </a:r>
+            <a:r>
+              <a:rPr lang="de-AT" dirty="0" err="1" smtClean="0"/>
+              <a:t>and</a:t>
+            </a:r>
+            <a:r>
+              <a:rPr lang="de-AT" dirty="0" smtClean="0"/>
+              <a:t>/</a:t>
+            </a:r>
+            <a:r>
+              <a:rPr lang="de-AT" dirty="0" err="1" smtClean="0"/>
+              <a:t>or</a:t>
+            </a:r>
+            <a:r>
+              <a:rPr lang="de-AT" dirty="0" smtClean="0"/>
+              <a:t> </a:t>
+            </a:r>
+            <a:r>
+              <a:rPr lang="de-AT" dirty="0" err="1" smtClean="0"/>
+              <a:t>consumers</a:t>
+            </a:r>
+            <a:endParaRPr lang="de-AT" dirty="0" smtClean="0"/>
+          </a:p>
+          <a:p>
+            <a:pPr marL="0" indent="0">
+              <a:buNone/>
+            </a:pPr>
+            <a:endParaRPr lang="de-AT" dirty="0"/>
+          </a:p>
+          <a:p>
+            <a:pPr marL="0" indent="0">
+              <a:buNone/>
+            </a:pPr>
+            <a:r>
+              <a:rPr lang="de-AT" dirty="0" err="1" smtClean="0"/>
+              <a:t>Plugins</a:t>
+            </a:r>
+            <a:r>
+              <a:rPr lang="de-AT" dirty="0" smtClean="0"/>
+              <a:t> </a:t>
+            </a:r>
+            <a:r>
+              <a:rPr lang="de-AT" dirty="0" err="1" smtClean="0"/>
+              <a:t>are</a:t>
+            </a:r>
+            <a:r>
+              <a:rPr lang="de-AT" dirty="0" smtClean="0"/>
+              <a:t> </a:t>
+            </a:r>
+            <a:r>
+              <a:rPr lang="de-AT" dirty="0" err="1" smtClean="0"/>
+              <a:t>developed</a:t>
+            </a:r>
+            <a:r>
+              <a:rPr lang="de-AT" dirty="0" smtClean="0"/>
+              <a:t> in </a:t>
+            </a:r>
+            <a:r>
+              <a:rPr lang="de-AT" dirty="0" err="1" smtClean="0"/>
+              <a:t>Lua</a:t>
+            </a:r>
+            <a:endParaRPr lang="de-AT" dirty="0" smtClean="0"/>
           </a:p>
         </p:txBody>
       </p:sp>
@@ -11694,10 +11890,656 @@
         </p:nvSpPr>
         <p:spPr/>
         <p:txBody>
-          <a:bodyPr/>
+          <a:bodyPr>
+            <a:normAutofit fontScale="40000" lnSpcReduction="20000"/>
+          </a:bodyPr>
           <a:lstStyle/>
           <a:p>
-            <a:endParaRPr lang="de-AT"/>
+            <a:pPr marL="0" indent="0">
+              <a:buNone/>
+            </a:pPr>
+            <a:r>
+              <a:rPr lang="de-AT" dirty="0">
+                <a:solidFill>
+                  <a:srgbClr val="000000"/>
+                </a:solidFill>
+                <a:latin typeface="Fira Code, Consolas,  Courier New"/>
+              </a:rPr>
+              <a:t>{</a:t>
+            </a:r>
+          </a:p>
+          <a:p>
+            <a:pPr marL="0" indent="0">
+              <a:buNone/>
+            </a:pPr>
+            <a:r>
+              <a:rPr lang="de-AT" dirty="0">
+                <a:solidFill>
+                  <a:srgbClr val="000000"/>
+                </a:solidFill>
+                <a:latin typeface="Fira Code, Consolas,  Courier New"/>
+              </a:rPr>
+              <a:t>    </a:t>
+            </a:r>
+            <a:r>
+              <a:rPr lang="de-AT" dirty="0">
+                <a:solidFill>
+                  <a:srgbClr val="0451A5"/>
+                </a:solidFill>
+                <a:latin typeface="Fira Code, Consolas,  Courier New"/>
+              </a:rPr>
+              <a:t>"</a:t>
+            </a:r>
+            <a:r>
+              <a:rPr lang="de-AT" dirty="0" err="1">
+                <a:solidFill>
+                  <a:srgbClr val="0451A5"/>
+                </a:solidFill>
+                <a:latin typeface="Fira Code, Consolas,  Courier New"/>
+              </a:rPr>
+              <a:t>name</a:t>
+            </a:r>
+            <a:r>
+              <a:rPr lang="de-AT" dirty="0">
+                <a:solidFill>
+                  <a:srgbClr val="0451A5"/>
+                </a:solidFill>
+                <a:latin typeface="Fira Code, Consolas,  Courier New"/>
+              </a:rPr>
+              <a:t>"</a:t>
+            </a:r>
+            <a:r>
+              <a:rPr lang="de-AT" dirty="0">
+                <a:solidFill>
+                  <a:srgbClr val="000000"/>
+                </a:solidFill>
+                <a:latin typeface="Fira Code, Consolas,  Courier New"/>
+              </a:rPr>
+              <a:t>: </a:t>
+            </a:r>
+            <a:r>
+              <a:rPr lang="de-AT" dirty="0">
+                <a:solidFill>
+                  <a:srgbClr val="A31515"/>
+                </a:solidFill>
+                <a:latin typeface="Fira Code, Consolas,  Courier New"/>
+              </a:rPr>
+              <a:t>"</a:t>
+            </a:r>
+            <a:r>
+              <a:rPr lang="de-AT" dirty="0" err="1">
+                <a:solidFill>
+                  <a:srgbClr val="A31515"/>
+                </a:solidFill>
+                <a:latin typeface="Fira Code, Consolas,  Courier New"/>
+              </a:rPr>
+              <a:t>ip-restriction</a:t>
+            </a:r>
+            <a:r>
+              <a:rPr lang="de-AT" dirty="0">
+                <a:solidFill>
+                  <a:srgbClr val="A31515"/>
+                </a:solidFill>
+                <a:latin typeface="Fira Code, Consolas,  Courier New"/>
+              </a:rPr>
+              <a:t>"</a:t>
+            </a:r>
+            <a:r>
+              <a:rPr lang="de-AT" dirty="0">
+                <a:solidFill>
+                  <a:srgbClr val="000000"/>
+                </a:solidFill>
+                <a:latin typeface="Fira Code, Consolas,  Courier New"/>
+              </a:rPr>
+              <a:t>,</a:t>
+            </a:r>
+          </a:p>
+          <a:p>
+            <a:pPr marL="0" indent="0">
+              <a:buNone/>
+            </a:pPr>
+            <a:r>
+              <a:rPr lang="de-AT" dirty="0">
+                <a:solidFill>
+                  <a:srgbClr val="000000"/>
+                </a:solidFill>
+                <a:latin typeface="Fira Code, Consolas,  Courier New"/>
+              </a:rPr>
+              <a:t>    </a:t>
+            </a:r>
+            <a:r>
+              <a:rPr lang="de-AT" dirty="0">
+                <a:solidFill>
+                  <a:srgbClr val="0451A5"/>
+                </a:solidFill>
+                <a:latin typeface="Fira Code, Consolas,  Courier New"/>
+              </a:rPr>
+              <a:t>"</a:t>
+            </a:r>
+            <a:r>
+              <a:rPr lang="de-AT" dirty="0" err="1">
+                <a:solidFill>
+                  <a:srgbClr val="0451A5"/>
+                </a:solidFill>
+                <a:latin typeface="Fira Code, Consolas,  Courier New"/>
+              </a:rPr>
+              <a:t>config</a:t>
+            </a:r>
+            <a:r>
+              <a:rPr lang="de-AT" dirty="0">
+                <a:solidFill>
+                  <a:srgbClr val="0451A5"/>
+                </a:solidFill>
+                <a:latin typeface="Fira Code, Consolas,  Courier New"/>
+              </a:rPr>
+              <a:t>"</a:t>
+            </a:r>
+            <a:r>
+              <a:rPr lang="de-AT" dirty="0">
+                <a:solidFill>
+                  <a:srgbClr val="000000"/>
+                </a:solidFill>
+                <a:latin typeface="Fira Code, Consolas,  Courier New"/>
+              </a:rPr>
+              <a:t>: {</a:t>
+            </a:r>
+          </a:p>
+          <a:p>
+            <a:pPr marL="0" indent="0">
+              <a:buNone/>
+            </a:pPr>
+            <a:r>
+              <a:rPr lang="de-AT" dirty="0">
+                <a:solidFill>
+                  <a:srgbClr val="000000"/>
+                </a:solidFill>
+                <a:latin typeface="Fira Code, Consolas,  Courier New"/>
+              </a:rPr>
+              <a:t>        </a:t>
+            </a:r>
+            <a:r>
+              <a:rPr lang="de-AT" dirty="0">
+                <a:solidFill>
+                  <a:srgbClr val="0451A5"/>
+                </a:solidFill>
+                <a:latin typeface="Fira Code, Consolas,  Courier New"/>
+              </a:rPr>
+              <a:t>"</a:t>
+            </a:r>
+            <a:r>
+              <a:rPr lang="de-AT" dirty="0" err="1">
+                <a:solidFill>
+                  <a:srgbClr val="0451A5"/>
+                </a:solidFill>
+                <a:latin typeface="Fira Code, Consolas,  Courier New"/>
+              </a:rPr>
+              <a:t>whitelist</a:t>
+            </a:r>
+            <a:r>
+              <a:rPr lang="de-AT" dirty="0">
+                <a:solidFill>
+                  <a:srgbClr val="0451A5"/>
+                </a:solidFill>
+                <a:latin typeface="Fira Code, Consolas,  Courier New"/>
+              </a:rPr>
+              <a:t>"</a:t>
+            </a:r>
+            <a:r>
+              <a:rPr lang="de-AT" dirty="0">
+                <a:solidFill>
+                  <a:srgbClr val="000000"/>
+                </a:solidFill>
+                <a:latin typeface="Fira Code, Consolas,  Courier New"/>
+              </a:rPr>
+              <a:t>: [</a:t>
+            </a:r>
+          </a:p>
+          <a:p>
+            <a:pPr marL="0" indent="0">
+              <a:buNone/>
+            </a:pPr>
+            <a:r>
+              <a:rPr lang="de-AT" dirty="0">
+                <a:solidFill>
+                  <a:srgbClr val="000000"/>
+                </a:solidFill>
+                <a:latin typeface="Fira Code, Consolas,  Courier New"/>
+              </a:rPr>
+              <a:t>            </a:t>
+            </a:r>
+            <a:r>
+              <a:rPr lang="de-AT" dirty="0">
+                <a:solidFill>
+                  <a:srgbClr val="A31515"/>
+                </a:solidFill>
+                <a:latin typeface="Fira Code, Consolas,  Courier New"/>
+              </a:rPr>
+              <a:t>"172.18.0.0/16"</a:t>
+            </a:r>
+            <a:endParaRPr lang="de-AT" dirty="0">
+              <a:solidFill>
+                <a:srgbClr val="000000"/>
+              </a:solidFill>
+              <a:latin typeface="Fira Code, Consolas,  Courier New"/>
+            </a:endParaRPr>
+          </a:p>
+          <a:p>
+            <a:pPr marL="0" indent="0">
+              <a:buNone/>
+            </a:pPr>
+            <a:r>
+              <a:rPr lang="de-AT" dirty="0">
+                <a:solidFill>
+                  <a:srgbClr val="000000"/>
+                </a:solidFill>
+                <a:latin typeface="Fira Code, Consolas,  Courier New"/>
+              </a:rPr>
+              <a:t>        ]</a:t>
+            </a:r>
+          </a:p>
+          <a:p>
+            <a:pPr marL="0" indent="0">
+              <a:buNone/>
+            </a:pPr>
+            <a:r>
+              <a:rPr lang="de-AT" dirty="0">
+                <a:solidFill>
+                  <a:srgbClr val="000000"/>
+                </a:solidFill>
+                <a:latin typeface="Fira Code, Consolas,  Courier New"/>
+              </a:rPr>
+              <a:t>    },</a:t>
+            </a:r>
+          </a:p>
+          <a:p>
+            <a:pPr marL="0" indent="0">
+              <a:buNone/>
+            </a:pPr>
+            <a:r>
+              <a:rPr lang="de-AT" dirty="0">
+                <a:solidFill>
+                  <a:srgbClr val="000000"/>
+                </a:solidFill>
+                <a:latin typeface="Fira Code, Consolas,  Courier New"/>
+              </a:rPr>
+              <a:t>    </a:t>
+            </a:r>
+            <a:r>
+              <a:rPr lang="de-AT" dirty="0">
+                <a:solidFill>
+                  <a:srgbClr val="0451A5"/>
+                </a:solidFill>
+                <a:latin typeface="Fira Code, Consolas,  Courier New"/>
+              </a:rPr>
+              <a:t>"</a:t>
+            </a:r>
+            <a:r>
+              <a:rPr lang="de-AT" dirty="0" err="1">
+                <a:solidFill>
+                  <a:srgbClr val="0451A5"/>
+                </a:solidFill>
+                <a:latin typeface="Fira Code, Consolas,  Courier New"/>
+              </a:rPr>
+              <a:t>consumer</a:t>
+            </a:r>
+            <a:r>
+              <a:rPr lang="de-AT" dirty="0">
+                <a:solidFill>
+                  <a:srgbClr val="0451A5"/>
+                </a:solidFill>
+                <a:latin typeface="Fira Code, Consolas,  Courier New"/>
+              </a:rPr>
+              <a:t>"</a:t>
+            </a:r>
+            <a:r>
+              <a:rPr lang="de-AT" dirty="0">
+                <a:solidFill>
+                  <a:srgbClr val="000000"/>
+                </a:solidFill>
+                <a:latin typeface="Fira Code, Consolas,  Courier New"/>
+              </a:rPr>
+              <a:t>: </a:t>
+            </a:r>
+            <a:r>
+              <a:rPr lang="de-AT" dirty="0">
+                <a:solidFill>
+                  <a:srgbClr val="0000FF"/>
+                </a:solidFill>
+                <a:latin typeface="Fira Code, Consolas,  Courier New"/>
+              </a:rPr>
+              <a:t>null</a:t>
+            </a:r>
+            <a:r>
+              <a:rPr lang="de-AT" dirty="0">
+                <a:solidFill>
+                  <a:srgbClr val="000000"/>
+                </a:solidFill>
+                <a:latin typeface="Fira Code, Consolas,  Courier New"/>
+              </a:rPr>
+              <a:t>,</a:t>
+            </a:r>
+          </a:p>
+          <a:p>
+            <a:pPr marL="0" indent="0">
+              <a:buNone/>
+            </a:pPr>
+            <a:r>
+              <a:rPr lang="de-AT" dirty="0">
+                <a:solidFill>
+                  <a:srgbClr val="000000"/>
+                </a:solidFill>
+                <a:latin typeface="Fira Code, Consolas,  Courier New"/>
+              </a:rPr>
+              <a:t>    </a:t>
+            </a:r>
+            <a:r>
+              <a:rPr lang="de-AT" dirty="0">
+                <a:solidFill>
+                  <a:srgbClr val="0451A5"/>
+                </a:solidFill>
+                <a:latin typeface="Fira Code, Consolas,  Courier New"/>
+              </a:rPr>
+              <a:t>"</a:t>
+            </a:r>
+            <a:r>
+              <a:rPr lang="de-AT" dirty="0" err="1">
+                <a:solidFill>
+                  <a:srgbClr val="0451A5"/>
+                </a:solidFill>
+                <a:latin typeface="Fira Code, Consolas,  Courier New"/>
+              </a:rPr>
+              <a:t>protocols</a:t>
+            </a:r>
+            <a:r>
+              <a:rPr lang="de-AT" dirty="0">
+                <a:solidFill>
+                  <a:srgbClr val="0451A5"/>
+                </a:solidFill>
+                <a:latin typeface="Fira Code, Consolas,  Courier New"/>
+              </a:rPr>
+              <a:t>"</a:t>
+            </a:r>
+            <a:r>
+              <a:rPr lang="de-AT" dirty="0">
+                <a:solidFill>
+                  <a:srgbClr val="000000"/>
+                </a:solidFill>
+                <a:latin typeface="Fira Code, Consolas,  Courier New"/>
+              </a:rPr>
+              <a:t>: [</a:t>
+            </a:r>
+          </a:p>
+          <a:p>
+            <a:pPr marL="0" indent="0">
+              <a:buNone/>
+            </a:pPr>
+            <a:r>
+              <a:rPr lang="de-AT" dirty="0">
+                <a:solidFill>
+                  <a:srgbClr val="000000"/>
+                </a:solidFill>
+                <a:latin typeface="Fira Code, Consolas,  Courier New"/>
+              </a:rPr>
+              <a:t>        </a:t>
+            </a:r>
+            <a:r>
+              <a:rPr lang="de-AT" dirty="0">
+                <a:solidFill>
+                  <a:srgbClr val="A31515"/>
+                </a:solidFill>
+                <a:latin typeface="Fira Code, Consolas,  Courier New"/>
+              </a:rPr>
+              <a:t>"http"</a:t>
+            </a:r>
+            <a:r>
+              <a:rPr lang="de-AT" dirty="0">
+                <a:solidFill>
+                  <a:srgbClr val="000000"/>
+                </a:solidFill>
+                <a:latin typeface="Fira Code, Consolas,  Courier New"/>
+              </a:rPr>
+              <a:t>,</a:t>
+            </a:r>
+          </a:p>
+          <a:p>
+            <a:pPr marL="0" indent="0">
+              <a:buNone/>
+            </a:pPr>
+            <a:r>
+              <a:rPr lang="de-AT" dirty="0">
+                <a:solidFill>
+                  <a:srgbClr val="000000"/>
+                </a:solidFill>
+                <a:latin typeface="Fira Code, Consolas,  Courier New"/>
+              </a:rPr>
+              <a:t>        </a:t>
+            </a:r>
+            <a:r>
+              <a:rPr lang="de-AT" dirty="0">
+                <a:solidFill>
+                  <a:srgbClr val="A31515"/>
+                </a:solidFill>
+                <a:latin typeface="Fira Code, Consolas,  Courier New"/>
+              </a:rPr>
+              <a:t>"https"</a:t>
+            </a:r>
+            <a:endParaRPr lang="de-AT" dirty="0">
+              <a:solidFill>
+                <a:srgbClr val="000000"/>
+              </a:solidFill>
+              <a:latin typeface="Fira Code, Consolas,  Courier New"/>
+            </a:endParaRPr>
+          </a:p>
+          <a:p>
+            <a:pPr marL="0" indent="0">
+              <a:buNone/>
+            </a:pPr>
+            <a:r>
+              <a:rPr lang="de-AT" dirty="0">
+                <a:solidFill>
+                  <a:srgbClr val="000000"/>
+                </a:solidFill>
+                <a:latin typeface="Fira Code, Consolas,  Courier New"/>
+              </a:rPr>
+              <a:t>    ],</a:t>
+            </a:r>
+          </a:p>
+          <a:p>
+            <a:pPr marL="0" indent="0">
+              <a:buNone/>
+            </a:pPr>
+            <a:r>
+              <a:rPr lang="de-AT" dirty="0">
+                <a:solidFill>
+                  <a:srgbClr val="000000"/>
+                </a:solidFill>
+                <a:latin typeface="Fira Code, Consolas,  Courier New"/>
+              </a:rPr>
+              <a:t>    </a:t>
+            </a:r>
+            <a:r>
+              <a:rPr lang="de-AT" dirty="0">
+                <a:solidFill>
+                  <a:srgbClr val="0451A5"/>
+                </a:solidFill>
+                <a:latin typeface="Fira Code, Consolas,  Courier New"/>
+              </a:rPr>
+              <a:t>"route"</a:t>
+            </a:r>
+            <a:r>
+              <a:rPr lang="de-AT" dirty="0">
+                <a:solidFill>
+                  <a:srgbClr val="000000"/>
+                </a:solidFill>
+                <a:latin typeface="Fira Code, Consolas,  Courier New"/>
+              </a:rPr>
+              <a:t>: {</a:t>
+            </a:r>
+          </a:p>
+          <a:p>
+            <a:pPr marL="0" indent="0">
+              <a:buNone/>
+            </a:pPr>
+            <a:r>
+              <a:rPr lang="de-AT" dirty="0">
+                <a:solidFill>
+                  <a:srgbClr val="000000"/>
+                </a:solidFill>
+                <a:latin typeface="Fira Code, Consolas,  Courier New"/>
+              </a:rPr>
+              <a:t>        </a:t>
+            </a:r>
+            <a:r>
+              <a:rPr lang="de-AT" dirty="0">
+                <a:solidFill>
+                  <a:srgbClr val="0451A5"/>
+                </a:solidFill>
+                <a:latin typeface="Fira Code, Consolas,  Courier New"/>
+              </a:rPr>
+              <a:t>"</a:t>
+            </a:r>
+            <a:r>
+              <a:rPr lang="de-AT" dirty="0" err="1">
+                <a:solidFill>
+                  <a:srgbClr val="0451A5"/>
+                </a:solidFill>
+                <a:latin typeface="Fira Code, Consolas,  Courier New"/>
+              </a:rPr>
+              <a:t>id</a:t>
+            </a:r>
+            <a:r>
+              <a:rPr lang="de-AT" dirty="0">
+                <a:solidFill>
+                  <a:srgbClr val="0451A5"/>
+                </a:solidFill>
+                <a:latin typeface="Fira Code, Consolas,  Courier New"/>
+              </a:rPr>
+              <a:t>"</a:t>
+            </a:r>
+            <a:r>
+              <a:rPr lang="de-AT" dirty="0">
+                <a:solidFill>
+                  <a:srgbClr val="000000"/>
+                </a:solidFill>
+                <a:latin typeface="Fira Code, Consolas,  Courier New"/>
+              </a:rPr>
+              <a:t>: </a:t>
+            </a:r>
+            <a:r>
+              <a:rPr lang="de-AT" dirty="0">
+                <a:solidFill>
+                  <a:srgbClr val="A31515"/>
+                </a:solidFill>
+                <a:latin typeface="Fira Code, Consolas,  Courier New"/>
+              </a:rPr>
+              <a:t>"5ff018a3-2a25-567e-8c74-1805c4029fbd"</a:t>
+            </a:r>
+            <a:endParaRPr lang="de-AT" dirty="0">
+              <a:solidFill>
+                <a:srgbClr val="000000"/>
+              </a:solidFill>
+              <a:latin typeface="Fira Code, Consolas,  Courier New"/>
+            </a:endParaRPr>
+          </a:p>
+          <a:p>
+            <a:pPr marL="0" indent="0">
+              <a:buNone/>
+            </a:pPr>
+            <a:r>
+              <a:rPr lang="de-AT" dirty="0">
+                <a:solidFill>
+                  <a:srgbClr val="000000"/>
+                </a:solidFill>
+                <a:latin typeface="Fira Code, Consolas,  Courier New"/>
+              </a:rPr>
+              <a:t>    },</a:t>
+            </a:r>
+          </a:p>
+          <a:p>
+            <a:pPr marL="0" indent="0">
+              <a:buNone/>
+            </a:pPr>
+            <a:r>
+              <a:rPr lang="de-AT" dirty="0">
+                <a:solidFill>
+                  <a:srgbClr val="000000"/>
+                </a:solidFill>
+                <a:latin typeface="Fira Code, Consolas,  Courier New"/>
+              </a:rPr>
+              <a:t>    </a:t>
+            </a:r>
+            <a:r>
+              <a:rPr lang="de-AT" dirty="0">
+                <a:solidFill>
+                  <a:srgbClr val="0451A5"/>
+                </a:solidFill>
+                <a:latin typeface="Fira Code, Consolas,  Courier New"/>
+              </a:rPr>
+              <a:t>"</a:t>
+            </a:r>
+            <a:r>
+              <a:rPr lang="de-AT" dirty="0" err="1">
+                <a:solidFill>
+                  <a:srgbClr val="0451A5"/>
+                </a:solidFill>
+                <a:latin typeface="Fira Code, Consolas,  Courier New"/>
+              </a:rPr>
+              <a:t>service</a:t>
+            </a:r>
+            <a:r>
+              <a:rPr lang="de-AT" dirty="0">
+                <a:solidFill>
+                  <a:srgbClr val="0451A5"/>
+                </a:solidFill>
+                <a:latin typeface="Fira Code, Consolas,  Courier New"/>
+              </a:rPr>
+              <a:t>"</a:t>
+            </a:r>
+            <a:r>
+              <a:rPr lang="de-AT" dirty="0">
+                <a:solidFill>
+                  <a:srgbClr val="000000"/>
+                </a:solidFill>
+                <a:latin typeface="Fira Code, Consolas,  Courier New"/>
+              </a:rPr>
+              <a:t>: </a:t>
+            </a:r>
+            <a:r>
+              <a:rPr lang="de-AT" dirty="0">
+                <a:solidFill>
+                  <a:srgbClr val="0000FF"/>
+                </a:solidFill>
+                <a:latin typeface="Fira Code, Consolas,  Courier New"/>
+              </a:rPr>
+              <a:t>null</a:t>
+            </a:r>
+            <a:endParaRPr lang="de-AT" dirty="0">
+              <a:solidFill>
+                <a:srgbClr val="000000"/>
+              </a:solidFill>
+              <a:latin typeface="Fira Code, Consolas,  Courier New"/>
+            </a:endParaRPr>
+          </a:p>
+          <a:p>
+            <a:pPr marL="0" indent="0">
+              <a:buNone/>
+            </a:pPr>
+            <a:r>
+              <a:rPr lang="de-AT" dirty="0">
+                <a:solidFill>
+                  <a:srgbClr val="000000"/>
+                </a:solidFill>
+                <a:latin typeface="Fira Code, Consolas,  Courier New"/>
+              </a:rPr>
+              <a:t>}</a:t>
+            </a:r>
+            <a:endParaRPr lang="de-AT" b="0" dirty="0">
+              <a:solidFill>
+                <a:srgbClr val="000000"/>
+              </a:solidFill>
+              <a:effectLst/>
+              <a:latin typeface="Fira Code, Consolas,  Courier New"/>
+            </a:endParaRPr>
           </a:p>
         </p:txBody>
       </p:sp>
@@ -13970,11 +14812,7 @@
             </a:r>
             <a:r>
               <a:rPr lang="de-AT" dirty="0" smtClean="0"/>
-              <a:t> - Java </a:t>
-            </a:r>
-            <a:r>
-              <a:rPr lang="de-AT" dirty="0" smtClean="0"/>
-              <a:t>RMI</a:t>
+              <a:t> - Java RMI</a:t>
             </a:r>
             <a:endParaRPr lang="de-AT" dirty="0"/>
           </a:p>

--- a/API Gateway.pptx
+++ b/API Gateway.pptx
@@ -5,7 +5,7 @@
     <p:sldMasterId id="2147483648" r:id="rId1"/>
   </p:sldMasterIdLst>
   <p:notesMasterIdLst>
-    <p:notesMasterId r:id="rId33"/>
+    <p:notesMasterId r:id="rId37"/>
   </p:notesMasterIdLst>
   <p:sldIdLst>
     <p:sldId id="256" r:id="rId2"/>
@@ -20,25 +20,29 @@
     <p:sldId id="318" r:id="rId11"/>
     <p:sldId id="311" r:id="rId12"/>
     <p:sldId id="317" r:id="rId13"/>
-    <p:sldId id="336" r:id="rId14"/>
-    <p:sldId id="337" r:id="rId15"/>
-    <p:sldId id="344" r:id="rId16"/>
-    <p:sldId id="346" r:id="rId17"/>
-    <p:sldId id="338" r:id="rId18"/>
-    <p:sldId id="339" r:id="rId19"/>
+    <p:sldId id="338" r:id="rId14"/>
+    <p:sldId id="339" r:id="rId15"/>
+    <p:sldId id="336" r:id="rId16"/>
+    <p:sldId id="337" r:id="rId17"/>
+    <p:sldId id="346" r:id="rId18"/>
+    <p:sldId id="344" r:id="rId19"/>
     <p:sldId id="340" r:id="rId20"/>
     <p:sldId id="327" r:id="rId21"/>
     <p:sldId id="328" r:id="rId22"/>
     <p:sldId id="333" r:id="rId23"/>
     <p:sldId id="329" r:id="rId24"/>
-    <p:sldId id="331" r:id="rId25"/>
-    <p:sldId id="332" r:id="rId26"/>
-    <p:sldId id="330" r:id="rId27"/>
-    <p:sldId id="342" r:id="rId28"/>
-    <p:sldId id="343" r:id="rId29"/>
-    <p:sldId id="335" r:id="rId30"/>
-    <p:sldId id="321" r:id="rId31"/>
-    <p:sldId id="341" r:id="rId32"/>
+    <p:sldId id="347" r:id="rId25"/>
+    <p:sldId id="348" r:id="rId26"/>
+    <p:sldId id="349" r:id="rId27"/>
+    <p:sldId id="350" r:id="rId28"/>
+    <p:sldId id="331" r:id="rId29"/>
+    <p:sldId id="332" r:id="rId30"/>
+    <p:sldId id="330" r:id="rId31"/>
+    <p:sldId id="342" r:id="rId32"/>
+    <p:sldId id="343" r:id="rId33"/>
+    <p:sldId id="335" r:id="rId34"/>
+    <p:sldId id="321" r:id="rId35"/>
+    <p:sldId id="341" r:id="rId36"/>
   </p:sldIdLst>
   <p:sldSz cx="12192000" cy="6858000"/>
   <p:notesSz cx="6858000" cy="9144000"/>
@@ -1492,7 +1496,7 @@
           <a:p>
             <a:fld id="{CFBC01FF-781E-4D25-A720-185C2D90034C}" type="slidenum">
               <a:rPr lang="en-US" smtClean="0"/>
-              <a:t>26</a:t>
+              <a:t>30</a:t>
             </a:fld>
             <a:endParaRPr lang="en-US"/>
           </a:p>
@@ -1582,7 +1586,7 @@
           <a:p>
             <a:fld id="{CFBC01FF-781E-4D25-A720-185C2D90034C}" type="slidenum">
               <a:rPr lang="en-US" smtClean="0"/>
-              <a:t>28</a:t>
+              <a:t>32</a:t>
             </a:fld>
             <a:endParaRPr lang="en-US"/>
           </a:p>
@@ -1666,7 +1670,7 @@
           <a:p>
             <a:fld id="{CFBC01FF-781E-4D25-A720-185C2D90034C}" type="slidenum">
               <a:rPr lang="en-US" smtClean="0"/>
-              <a:t>29</a:t>
+              <a:t>33</a:t>
             </a:fld>
             <a:endParaRPr lang="en-US"/>
           </a:p>
@@ -1851,10 +1855,20 @@
           <a:lstStyle/>
           <a:p>
             <a:r>
-              <a:rPr lang="de-AT" dirty="0" smtClean="0">
-                <a:hlinkClick r:id="rId3"/>
-              </a:rPr>
-              <a:t>https://konghq.com/install/</a:t>
+              <a:rPr lang="de-AT" dirty="0" smtClean="0"/>
+              <a:t>Link </a:t>
+            </a:r>
+            <a:r>
+              <a:rPr lang="de-AT" dirty="0" err="1" smtClean="0"/>
+              <a:t>to</a:t>
+            </a:r>
+            <a:r>
+              <a:rPr lang="de-AT" dirty="0" smtClean="0"/>
+              <a:t> </a:t>
+            </a:r>
+            <a:r>
+              <a:rPr lang="de-AT" dirty="0" err="1" smtClean="0"/>
+              <a:t>Archi</a:t>
             </a:r>
             <a:endParaRPr lang="de-AT" dirty="0" smtClean="0"/>
           </a:p>
@@ -1865,13 +1879,8 @@
             </a:pPr>
             <a:r>
               <a:rPr lang="de-AT" dirty="0" smtClean="0"/>
-              <a:t>Linux </a:t>
-            </a:r>
-            <a:r>
-              <a:rPr lang="de-AT" dirty="0" err="1" smtClean="0"/>
-              <a:t>Distributions</a:t>
-            </a:r>
-            <a:endParaRPr lang="de-AT" dirty="0" smtClean="0"/>
+              <a:t>Simple</a:t>
+            </a:r>
           </a:p>
           <a:p>
             <a:pPr marL="171450" indent="-171450">
@@ -1880,56 +1889,12 @@
             </a:pPr>
             <a:r>
               <a:rPr lang="de-AT" dirty="0" smtClean="0"/>
-              <a:t>Docker</a:t>
-            </a:r>
-          </a:p>
-          <a:p>
-            <a:pPr marL="171450" indent="-171450">
-              <a:buFontTx/>
-              <a:buChar char="-"/>
-            </a:pPr>
+              <a:t>VERBUND OpenShift </a:t>
+            </a:r>
             <a:r>
               <a:rPr lang="de-AT" dirty="0" err="1" smtClean="0"/>
-              <a:t>Kubernetes</a:t>
-            </a:r>
-            <a:endParaRPr lang="de-AT" dirty="0" smtClean="0"/>
-          </a:p>
-          <a:p>
-            <a:pPr marL="171450" indent="-171450">
-              <a:buFontTx/>
-              <a:buChar char="-"/>
-            </a:pPr>
-            <a:r>
-              <a:rPr lang="de-AT" dirty="0" err="1" smtClean="0"/>
-              <a:t>Azure</a:t>
-            </a:r>
-            <a:endParaRPr lang="de-AT" dirty="0" smtClean="0"/>
-          </a:p>
-          <a:p>
-            <a:pPr marL="171450" indent="-171450">
-              <a:buFontTx/>
-              <a:buChar char="-"/>
-            </a:pPr>
-            <a:r>
-              <a:rPr lang="de-AT" dirty="0" smtClean="0"/>
-              <a:t>AWS</a:t>
-            </a:r>
-          </a:p>
-          <a:p>
-            <a:pPr marL="171450" indent="-171450">
-              <a:buFontTx/>
-              <a:buChar char="-"/>
-            </a:pPr>
-            <a:r>
-              <a:rPr lang="de-AT" dirty="0" smtClean="0"/>
-              <a:t>GCP</a:t>
-            </a:r>
-          </a:p>
-          <a:p>
-            <a:pPr marL="171450" indent="-171450">
-              <a:buFontTx/>
-              <a:buChar char="-"/>
-            </a:pPr>
+              <a:t>Deployment</a:t>
+            </a:r>
             <a:endParaRPr lang="de-AT" dirty="0"/>
           </a:p>
         </p:txBody>
@@ -1960,7 +1925,7 @@
     </p:spTree>
     <p:extLst>
       <p:ext uri="{BB962C8B-B14F-4D97-AF65-F5344CB8AC3E}">
-        <p14:creationId xmlns:p14="http://schemas.microsoft.com/office/powerpoint/2010/main" val="1884093684"/>
+        <p14:creationId xmlns:p14="http://schemas.microsoft.com/office/powerpoint/2010/main" val="2434513362"/>
       </p:ext>
     </p:extLst>
   </p:cSld>
@@ -2014,6 +1979,12 @@
           <a:bodyPr/>
           <a:lstStyle/>
           <a:p>
+            <a:r>
+              <a:rPr lang="de-AT" dirty="0" smtClean="0">
+                <a:hlinkClick r:id="rId3"/>
+              </a:rPr>
+              <a:t>https://docs.konghq.com/1.4.x/db-less-and-declarative-config/</a:t>
+            </a:r>
             <a:endParaRPr lang="de-AT" dirty="0"/>
           </a:p>
         </p:txBody>
@@ -2044,7 +2015,7 @@
     </p:spTree>
     <p:extLst>
       <p:ext uri="{BB962C8B-B14F-4D97-AF65-F5344CB8AC3E}">
-        <p14:creationId xmlns:p14="http://schemas.microsoft.com/office/powerpoint/2010/main" val="1899104220"/>
+        <p14:creationId xmlns:p14="http://schemas.microsoft.com/office/powerpoint/2010/main" val="670475549"/>
       </p:ext>
     </p:extLst>
   </p:cSld>
@@ -2102,8 +2073,82 @@
               <a:rPr lang="de-AT" dirty="0" smtClean="0">
                 <a:hlinkClick r:id="rId3"/>
               </a:rPr>
-              <a:t>https://docs.konghq.com/1.4.x/clustering/</a:t>
-            </a:r>
+              <a:t>https://konghq.com/install/</a:t>
+            </a:r>
+            <a:endParaRPr lang="de-AT" dirty="0" smtClean="0"/>
+          </a:p>
+          <a:p>
+            <a:pPr marL="171450" indent="-171450">
+              <a:buFontTx/>
+              <a:buChar char="-"/>
+            </a:pPr>
+            <a:r>
+              <a:rPr lang="de-AT" dirty="0" smtClean="0"/>
+              <a:t>Linux </a:t>
+            </a:r>
+            <a:r>
+              <a:rPr lang="de-AT" dirty="0" err="1" smtClean="0"/>
+              <a:t>Distributions</a:t>
+            </a:r>
+            <a:endParaRPr lang="de-AT" dirty="0" smtClean="0"/>
+          </a:p>
+          <a:p>
+            <a:pPr marL="171450" indent="-171450">
+              <a:buFontTx/>
+              <a:buChar char="-"/>
+            </a:pPr>
+            <a:r>
+              <a:rPr lang="de-AT" dirty="0" smtClean="0"/>
+              <a:t>Docker</a:t>
+            </a:r>
+          </a:p>
+          <a:p>
+            <a:pPr marL="171450" indent="-171450">
+              <a:buFontTx/>
+              <a:buChar char="-"/>
+            </a:pPr>
+            <a:r>
+              <a:rPr lang="de-AT" dirty="0" err="1" smtClean="0"/>
+              <a:t>Kubernetes</a:t>
+            </a:r>
+            <a:endParaRPr lang="de-AT" dirty="0" smtClean="0"/>
+          </a:p>
+          <a:p>
+            <a:pPr marL="171450" indent="-171450">
+              <a:buFontTx/>
+              <a:buChar char="-"/>
+            </a:pPr>
+            <a:r>
+              <a:rPr lang="de-AT" dirty="0" err="1" smtClean="0"/>
+              <a:t>Azure</a:t>
+            </a:r>
+            <a:endParaRPr lang="de-AT" dirty="0" smtClean="0"/>
+          </a:p>
+          <a:p>
+            <a:pPr marL="171450" indent="-171450">
+              <a:buFontTx/>
+              <a:buChar char="-"/>
+            </a:pPr>
+            <a:r>
+              <a:rPr lang="de-AT" dirty="0" smtClean="0"/>
+              <a:t>AWS</a:t>
+            </a:r>
+          </a:p>
+          <a:p>
+            <a:pPr marL="171450" indent="-171450">
+              <a:buFontTx/>
+              <a:buChar char="-"/>
+            </a:pPr>
+            <a:r>
+              <a:rPr lang="de-AT" dirty="0" smtClean="0"/>
+              <a:t>GCP</a:t>
+            </a:r>
+          </a:p>
+          <a:p>
+            <a:pPr marL="171450" indent="-171450">
+              <a:buFontTx/>
+              <a:buChar char="-"/>
+            </a:pPr>
             <a:endParaRPr lang="de-AT" dirty="0"/>
           </a:p>
         </p:txBody>
@@ -2134,7 +2179,7 @@
     </p:spTree>
     <p:extLst>
       <p:ext uri="{BB962C8B-B14F-4D97-AF65-F5344CB8AC3E}">
-        <p14:creationId xmlns:p14="http://schemas.microsoft.com/office/powerpoint/2010/main" val="2911641481"/>
+        <p14:creationId xmlns:p14="http://schemas.microsoft.com/office/powerpoint/2010/main" val="1884093684"/>
       </p:ext>
     </p:extLst>
   </p:cSld>
@@ -2188,47 +2233,6 @@
           <a:bodyPr/>
           <a:lstStyle/>
           <a:p>
-            <a:r>
-              <a:rPr lang="de-AT" dirty="0" smtClean="0"/>
-              <a:t>Link </a:t>
-            </a:r>
-            <a:r>
-              <a:rPr lang="de-AT" dirty="0" err="1" smtClean="0"/>
-              <a:t>to</a:t>
-            </a:r>
-            <a:r>
-              <a:rPr lang="de-AT" dirty="0" smtClean="0"/>
-              <a:t> </a:t>
-            </a:r>
-            <a:r>
-              <a:rPr lang="de-AT" dirty="0" err="1" smtClean="0"/>
-              <a:t>Archi</a:t>
-            </a:r>
-            <a:endParaRPr lang="de-AT" dirty="0" smtClean="0"/>
-          </a:p>
-          <a:p>
-            <a:pPr marL="171450" indent="-171450">
-              <a:buFontTx/>
-              <a:buChar char="-"/>
-            </a:pPr>
-            <a:r>
-              <a:rPr lang="de-AT" dirty="0" smtClean="0"/>
-              <a:t>Simple</a:t>
-            </a:r>
-          </a:p>
-          <a:p>
-            <a:pPr marL="171450" indent="-171450">
-              <a:buFontTx/>
-              <a:buChar char="-"/>
-            </a:pPr>
-            <a:r>
-              <a:rPr lang="de-AT" dirty="0" smtClean="0"/>
-              <a:t>VERBUND OpenShift </a:t>
-            </a:r>
-            <a:r>
-              <a:rPr lang="de-AT" dirty="0" err="1" smtClean="0"/>
-              <a:t>Deployment</a:t>
-            </a:r>
             <a:endParaRPr lang="de-AT" dirty="0"/>
           </a:p>
         </p:txBody>
@@ -2250,7 +2254,7 @@
           <a:p>
             <a:fld id="{CFBC01FF-781E-4D25-A720-185C2D90034C}" type="slidenum">
               <a:rPr lang="en-US" smtClean="0"/>
-              <a:t>17</a:t>
+              <a:t>16</a:t>
             </a:fld>
             <a:endParaRPr lang="en-US"/>
           </a:p>
@@ -2259,7 +2263,7 @@
     </p:spTree>
     <p:extLst>
       <p:ext uri="{BB962C8B-B14F-4D97-AF65-F5344CB8AC3E}">
-        <p14:creationId xmlns:p14="http://schemas.microsoft.com/office/powerpoint/2010/main" val="2434513362"/>
+        <p14:creationId xmlns:p14="http://schemas.microsoft.com/office/powerpoint/2010/main" val="1899104220"/>
       </p:ext>
     </p:extLst>
   </p:cSld>
@@ -2317,7 +2321,7 @@
               <a:rPr lang="de-AT" dirty="0" smtClean="0">
                 <a:hlinkClick r:id="rId3"/>
               </a:rPr>
-              <a:t>https://docs.konghq.com/1.4.x/db-less-and-declarative-config/</a:t>
+              <a:t>https://docs.konghq.com/1.4.x/clustering/</a:t>
             </a:r>
             <a:endParaRPr lang="de-AT" dirty="0"/>
           </a:p>
@@ -2349,7 +2353,7 @@
     </p:spTree>
     <p:extLst>
       <p:ext uri="{BB962C8B-B14F-4D97-AF65-F5344CB8AC3E}">
-        <p14:creationId xmlns:p14="http://schemas.microsoft.com/office/powerpoint/2010/main" val="670475549"/>
+        <p14:creationId xmlns:p14="http://schemas.microsoft.com/office/powerpoint/2010/main" val="2911641481"/>
       </p:ext>
     </p:extLst>
   </p:cSld>
@@ -6824,6 +6828,547 @@
           <a:p>
             <a:r>
               <a:rPr lang="de-AT" dirty="0" smtClean="0"/>
+              <a:t>Database</a:t>
+            </a:r>
+            <a:endParaRPr lang="de-AT" dirty="0"/>
+          </a:p>
+        </p:txBody>
+      </p:sp>
+      <p:pic>
+        <p:nvPicPr>
+          <p:cNvPr id="4" name="Picture 3"/>
+          <p:cNvPicPr>
+            <a:picLocks noChangeAspect="1"/>
+          </p:cNvPicPr>
+          <p:nvPr/>
+        </p:nvPicPr>
+        <p:blipFill>
+          <a:blip r:embed="rId3"/>
+          <a:stretch>
+            <a:fillRect/>
+          </a:stretch>
+        </p:blipFill>
+        <p:spPr>
+          <a:xfrm>
+            <a:off x="2496000" y="1676400"/>
+            <a:ext cx="7200000" cy="3575709"/>
+          </a:xfrm>
+          <a:prstGeom prst="rect">
+            <a:avLst/>
+          </a:prstGeom>
+        </p:spPr>
+      </p:pic>
+      <p:sp>
+        <p:nvSpPr>
+          <p:cNvPr id="5" name="TextBox 1">
+            <a:extLst>
+              <a:ext uri="{FF2B5EF4-FFF2-40B4-BE49-F238E27FC236}">
+                <a16:creationId xmlns:a16="http://schemas.microsoft.com/office/drawing/2014/main" id="{E55A1FC0-8E30-4FAB-B566-BDFED0EBDD27}"/>
+              </a:ext>
+            </a:extLst>
+          </p:cNvPr>
+          <p:cNvSpPr txBox="1"/>
+          <p:nvPr/>
+        </p:nvSpPr>
+        <p:spPr>
+          <a:xfrm>
+            <a:off x="43543" y="6438899"/>
+            <a:ext cx="8068126" cy="369332"/>
+          </a:xfrm>
+          <a:prstGeom prst="rect">
+            <a:avLst/>
+          </a:prstGeom>
+          <a:noFill/>
+        </p:spPr>
+        <p:txBody>
+          <a:bodyPr rot="0" spcFirstLastPara="0" vert="horz" wrap="square" lIns="91440" tIns="45720" rIns="91440" bIns="45720" numCol="1" spcCol="0" rtlCol="0" fromWordArt="0" anchor="t" anchorCtr="0" forceAA="0" compatLnSpc="1">
+            <a:prstTxWarp prst="textNoShape">
+              <a:avLst/>
+            </a:prstTxWarp>
+            <a:spAutoFit/>
+          </a:bodyPr>
+          <a:lstStyle>
+            <a:defPPr>
+              <a:defRPr lang="en-US"/>
+            </a:defPPr>
+            <a:lvl1pPr marL="0" algn="l" defTabSz="914400" rtl="0" eaLnBrk="1" latinLnBrk="0" hangingPunct="1">
+              <a:defRPr sz="1800" kern="1200">
+                <a:solidFill>
+                  <a:schemeClr val="tx1"/>
+                </a:solidFill>
+                <a:latin typeface="+mn-lt"/>
+                <a:ea typeface="+mn-ea"/>
+                <a:cs typeface="+mn-cs"/>
+              </a:defRPr>
+            </a:lvl1pPr>
+            <a:lvl2pPr marL="457200" algn="l" defTabSz="914400" rtl="0" eaLnBrk="1" latinLnBrk="0" hangingPunct="1">
+              <a:defRPr sz="1800" kern="1200">
+                <a:solidFill>
+                  <a:schemeClr val="tx1"/>
+                </a:solidFill>
+                <a:latin typeface="+mn-lt"/>
+                <a:ea typeface="+mn-ea"/>
+                <a:cs typeface="+mn-cs"/>
+              </a:defRPr>
+            </a:lvl2pPr>
+            <a:lvl3pPr marL="914400" algn="l" defTabSz="914400" rtl="0" eaLnBrk="1" latinLnBrk="0" hangingPunct="1">
+              <a:defRPr sz="1800" kern="1200">
+                <a:solidFill>
+                  <a:schemeClr val="tx1"/>
+                </a:solidFill>
+                <a:latin typeface="+mn-lt"/>
+                <a:ea typeface="+mn-ea"/>
+                <a:cs typeface="+mn-cs"/>
+              </a:defRPr>
+            </a:lvl3pPr>
+            <a:lvl4pPr marL="1371600" algn="l" defTabSz="914400" rtl="0" eaLnBrk="1" latinLnBrk="0" hangingPunct="1">
+              <a:defRPr sz="1800" kern="1200">
+                <a:solidFill>
+                  <a:schemeClr val="tx1"/>
+                </a:solidFill>
+                <a:latin typeface="+mn-lt"/>
+                <a:ea typeface="+mn-ea"/>
+                <a:cs typeface="+mn-cs"/>
+              </a:defRPr>
+            </a:lvl4pPr>
+            <a:lvl5pPr marL="1828800" algn="l" defTabSz="914400" rtl="0" eaLnBrk="1" latinLnBrk="0" hangingPunct="1">
+              <a:defRPr sz="1800" kern="1200">
+                <a:solidFill>
+                  <a:schemeClr val="tx1"/>
+                </a:solidFill>
+                <a:latin typeface="+mn-lt"/>
+                <a:ea typeface="+mn-ea"/>
+                <a:cs typeface="+mn-cs"/>
+              </a:defRPr>
+            </a:lvl5pPr>
+            <a:lvl6pPr marL="2286000" algn="l" defTabSz="914400" rtl="0" eaLnBrk="1" latinLnBrk="0" hangingPunct="1">
+              <a:defRPr sz="1800" kern="1200">
+                <a:solidFill>
+                  <a:schemeClr val="tx1"/>
+                </a:solidFill>
+                <a:latin typeface="+mn-lt"/>
+                <a:ea typeface="+mn-ea"/>
+                <a:cs typeface="+mn-cs"/>
+              </a:defRPr>
+            </a:lvl6pPr>
+            <a:lvl7pPr marL="2743200" algn="l" defTabSz="914400" rtl="0" eaLnBrk="1" latinLnBrk="0" hangingPunct="1">
+              <a:defRPr sz="1800" kern="1200">
+                <a:solidFill>
+                  <a:schemeClr val="tx1"/>
+                </a:solidFill>
+                <a:latin typeface="+mn-lt"/>
+                <a:ea typeface="+mn-ea"/>
+                <a:cs typeface="+mn-cs"/>
+              </a:defRPr>
+            </a:lvl7pPr>
+            <a:lvl8pPr marL="3200400" algn="l" defTabSz="914400" rtl="0" eaLnBrk="1" latinLnBrk="0" hangingPunct="1">
+              <a:defRPr sz="1800" kern="1200">
+                <a:solidFill>
+                  <a:schemeClr val="tx1"/>
+                </a:solidFill>
+                <a:latin typeface="+mn-lt"/>
+                <a:ea typeface="+mn-ea"/>
+                <a:cs typeface="+mn-cs"/>
+              </a:defRPr>
+            </a:lvl8pPr>
+            <a:lvl9pPr marL="3657600" algn="l" defTabSz="914400" rtl="0" eaLnBrk="1" latinLnBrk="0" hangingPunct="1">
+              <a:defRPr sz="1800" kern="1200">
+                <a:solidFill>
+                  <a:schemeClr val="tx1"/>
+                </a:solidFill>
+                <a:latin typeface="+mn-lt"/>
+                <a:ea typeface="+mn-ea"/>
+                <a:cs typeface="+mn-cs"/>
+              </a:defRPr>
+            </a:lvl9pPr>
+          </a:lstStyle>
+          <a:p>
+            <a:r>
+              <a:rPr lang="en-US" dirty="0" err="1"/>
+              <a:t>Siehe</a:t>
+            </a:r>
+            <a:r>
+              <a:rPr lang="en-US" dirty="0" smtClean="0"/>
+              <a:t>:</a:t>
+            </a:r>
+            <a:r>
+              <a:rPr lang="en-US" dirty="0"/>
+              <a:t> </a:t>
+            </a:r>
+            <a:r>
+              <a:rPr lang="de-AT" dirty="0">
+                <a:hlinkClick r:id="rId4"/>
+              </a:rPr>
+              <a:t>https://</a:t>
+            </a:r>
+            <a:r>
+              <a:rPr lang="de-AT" dirty="0" smtClean="0">
+                <a:hlinkClick r:id="rId4"/>
+              </a:rPr>
+              <a:t>www.archimatetool.com</a:t>
+            </a:r>
+            <a:endParaRPr lang="en-US" dirty="0"/>
+          </a:p>
+        </p:txBody>
+      </p:sp>
+      <p:pic>
+        <p:nvPicPr>
+          <p:cNvPr id="2050" name="Picture 2" descr="https://www.archimatetool.com/wp-content/uploads/2018/07/header.png"/>
+          <p:cNvPicPr>
+            <a:picLocks noChangeAspect="1" noChangeArrowheads="1"/>
+          </p:cNvPicPr>
+          <p:nvPr/>
+        </p:nvPicPr>
+        <p:blipFill>
+          <a:blip r:embed="rId5">
+            <a:extLst>
+              <a:ext uri="{28A0092B-C50C-407E-A947-70E740481C1C}">
+                <a14:useLocalDpi xmlns:a14="http://schemas.microsoft.com/office/drawing/2010/main" val="0"/>
+              </a:ext>
+            </a:extLst>
+          </a:blip>
+          <a:srcRect/>
+          <a:stretch>
+            <a:fillRect/>
+          </a:stretch>
+        </p:blipFill>
+        <p:spPr bwMode="auto">
+          <a:xfrm>
+            <a:off x="10101942" y="365125"/>
+            <a:ext cx="1631287" cy="598637"/>
+          </a:xfrm>
+          <a:prstGeom prst="rect">
+            <a:avLst/>
+          </a:prstGeom>
+          <a:noFill/>
+          <a:extLst>
+            <a:ext uri="{909E8E84-426E-40DD-AFC4-6F175D3DCCD1}">
+              <a14:hiddenFill xmlns:a14="http://schemas.microsoft.com/office/drawing/2010/main">
+                <a:solidFill>
+                  <a:srgbClr val="FFFFFF"/>
+                </a:solidFill>
+              </a14:hiddenFill>
+            </a:ext>
+          </a:extLst>
+        </p:spPr>
+      </p:pic>
+    </p:spTree>
+    <p:extLst>
+      <p:ext uri="{BB962C8B-B14F-4D97-AF65-F5344CB8AC3E}">
+        <p14:creationId xmlns:p14="http://schemas.microsoft.com/office/powerpoint/2010/main" val="2237333450"/>
+      </p:ext>
+    </p:extLst>
+  </p:cSld>
+  <p:clrMapOvr>
+    <a:masterClrMapping/>
+  </p:clrMapOvr>
+</p:sld>
+</file>
+
+<file path=ppt/slides/slide14.xml><?xml version="1.0" encoding="utf-8"?>
+<p:sld xmlns:a="http://schemas.openxmlformats.org/drawingml/2006/main" xmlns:r="http://schemas.openxmlformats.org/officeDocument/2006/relationships" xmlns:p="http://schemas.openxmlformats.org/presentationml/2006/main">
+  <p:cSld>
+    <p:spTree>
+      <p:nvGrpSpPr>
+        <p:cNvPr id="1" name=""/>
+        <p:cNvGrpSpPr/>
+        <p:nvPr/>
+      </p:nvGrpSpPr>
+      <p:grpSpPr>
+        <a:xfrm>
+          <a:off x="0" y="0"/>
+          <a:ext cx="0" cy="0"/>
+          <a:chOff x="0" y="0"/>
+          <a:chExt cx="0" cy="0"/>
+        </a:xfrm>
+      </p:grpSpPr>
+      <p:sp>
+        <p:nvSpPr>
+          <p:cNvPr id="2" name="Title 1"/>
+          <p:cNvSpPr>
+            <a:spLocks noGrp="1"/>
+          </p:cNvSpPr>
+          <p:nvPr>
+            <p:ph type="title"/>
+          </p:nvPr>
+        </p:nvSpPr>
+        <p:spPr/>
+        <p:txBody>
+          <a:bodyPr/>
+          <a:lstStyle/>
+          <a:p>
+            <a:r>
+              <a:rPr lang="de-AT" dirty="0" smtClean="0"/>
+              <a:t>DB-</a:t>
+            </a:r>
+            <a:r>
+              <a:rPr lang="de-AT" dirty="0" err="1" smtClean="0"/>
+              <a:t>less</a:t>
+            </a:r>
+            <a:endParaRPr lang="de-AT" dirty="0"/>
+          </a:p>
+        </p:txBody>
+      </p:sp>
+      <p:pic>
+        <p:nvPicPr>
+          <p:cNvPr id="4" name="Content Placeholder 3"/>
+          <p:cNvPicPr>
+            <a:picLocks noGrp="1" noChangeAspect="1"/>
+          </p:cNvPicPr>
+          <p:nvPr>
+            <p:ph idx="1"/>
+          </p:nvPr>
+        </p:nvPicPr>
+        <p:blipFill>
+          <a:blip r:embed="rId3"/>
+          <a:stretch>
+            <a:fillRect/>
+          </a:stretch>
+        </p:blipFill>
+        <p:spPr>
+          <a:xfrm>
+            <a:off x="2496000" y="2020389"/>
+            <a:ext cx="7200000" cy="3744551"/>
+          </a:xfrm>
+          <a:prstGeom prst="rect">
+            <a:avLst/>
+          </a:prstGeom>
+        </p:spPr>
+      </p:pic>
+      <p:pic>
+        <p:nvPicPr>
+          <p:cNvPr id="5" name="Picture 2" descr="https://www.archimatetool.com/wp-content/uploads/2018/07/header.png"/>
+          <p:cNvPicPr>
+            <a:picLocks noChangeAspect="1" noChangeArrowheads="1"/>
+          </p:cNvPicPr>
+          <p:nvPr/>
+        </p:nvPicPr>
+        <p:blipFill>
+          <a:blip r:embed="rId4">
+            <a:extLst>
+              <a:ext uri="{28A0092B-C50C-407E-A947-70E740481C1C}">
+                <a14:useLocalDpi xmlns:a14="http://schemas.microsoft.com/office/drawing/2010/main" val="0"/>
+              </a:ext>
+            </a:extLst>
+          </a:blip>
+          <a:srcRect/>
+          <a:stretch>
+            <a:fillRect/>
+          </a:stretch>
+        </p:blipFill>
+        <p:spPr bwMode="auto">
+          <a:xfrm>
+            <a:off x="10101942" y="365125"/>
+            <a:ext cx="1631287" cy="598637"/>
+          </a:xfrm>
+          <a:prstGeom prst="rect">
+            <a:avLst/>
+          </a:prstGeom>
+          <a:noFill/>
+          <a:extLst>
+            <a:ext uri="{909E8E84-426E-40DD-AFC4-6F175D3DCCD1}">
+              <a14:hiddenFill xmlns:a14="http://schemas.microsoft.com/office/drawing/2010/main">
+                <a:solidFill>
+                  <a:srgbClr val="FFFFFF"/>
+                </a:solidFill>
+              </a14:hiddenFill>
+            </a:ext>
+          </a:extLst>
+        </p:spPr>
+      </p:pic>
+      <p:sp>
+        <p:nvSpPr>
+          <p:cNvPr id="6" name="TextBox 1">
+            <a:extLst>
+              <a:ext uri="{FF2B5EF4-FFF2-40B4-BE49-F238E27FC236}">
+                <a16:creationId xmlns:a16="http://schemas.microsoft.com/office/drawing/2014/main" id="{E55A1FC0-8E30-4FAB-B566-BDFED0EBDD27}"/>
+              </a:ext>
+            </a:extLst>
+          </p:cNvPr>
+          <p:cNvSpPr txBox="1"/>
+          <p:nvPr/>
+        </p:nvSpPr>
+        <p:spPr>
+          <a:xfrm>
+            <a:off x="43543" y="6438899"/>
+            <a:ext cx="8068126" cy="369332"/>
+          </a:xfrm>
+          <a:prstGeom prst="rect">
+            <a:avLst/>
+          </a:prstGeom>
+          <a:noFill/>
+        </p:spPr>
+        <p:txBody>
+          <a:bodyPr rot="0" spcFirstLastPara="0" vert="horz" wrap="square" lIns="91440" tIns="45720" rIns="91440" bIns="45720" numCol="1" spcCol="0" rtlCol="0" fromWordArt="0" anchor="t" anchorCtr="0" forceAA="0" compatLnSpc="1">
+            <a:prstTxWarp prst="textNoShape">
+              <a:avLst/>
+            </a:prstTxWarp>
+            <a:spAutoFit/>
+          </a:bodyPr>
+          <a:lstStyle>
+            <a:defPPr>
+              <a:defRPr lang="en-US"/>
+            </a:defPPr>
+            <a:lvl1pPr marL="0" algn="l" defTabSz="914400" rtl="0" eaLnBrk="1" latinLnBrk="0" hangingPunct="1">
+              <a:defRPr sz="1800" kern="1200">
+                <a:solidFill>
+                  <a:schemeClr val="tx1"/>
+                </a:solidFill>
+                <a:latin typeface="+mn-lt"/>
+                <a:ea typeface="+mn-ea"/>
+                <a:cs typeface="+mn-cs"/>
+              </a:defRPr>
+            </a:lvl1pPr>
+            <a:lvl2pPr marL="457200" algn="l" defTabSz="914400" rtl="0" eaLnBrk="1" latinLnBrk="0" hangingPunct="1">
+              <a:defRPr sz="1800" kern="1200">
+                <a:solidFill>
+                  <a:schemeClr val="tx1"/>
+                </a:solidFill>
+                <a:latin typeface="+mn-lt"/>
+                <a:ea typeface="+mn-ea"/>
+                <a:cs typeface="+mn-cs"/>
+              </a:defRPr>
+            </a:lvl2pPr>
+            <a:lvl3pPr marL="914400" algn="l" defTabSz="914400" rtl="0" eaLnBrk="1" latinLnBrk="0" hangingPunct="1">
+              <a:defRPr sz="1800" kern="1200">
+                <a:solidFill>
+                  <a:schemeClr val="tx1"/>
+                </a:solidFill>
+                <a:latin typeface="+mn-lt"/>
+                <a:ea typeface="+mn-ea"/>
+                <a:cs typeface="+mn-cs"/>
+              </a:defRPr>
+            </a:lvl3pPr>
+            <a:lvl4pPr marL="1371600" algn="l" defTabSz="914400" rtl="0" eaLnBrk="1" latinLnBrk="0" hangingPunct="1">
+              <a:defRPr sz="1800" kern="1200">
+                <a:solidFill>
+                  <a:schemeClr val="tx1"/>
+                </a:solidFill>
+                <a:latin typeface="+mn-lt"/>
+                <a:ea typeface="+mn-ea"/>
+                <a:cs typeface="+mn-cs"/>
+              </a:defRPr>
+            </a:lvl4pPr>
+            <a:lvl5pPr marL="1828800" algn="l" defTabSz="914400" rtl="0" eaLnBrk="1" latinLnBrk="0" hangingPunct="1">
+              <a:defRPr sz="1800" kern="1200">
+                <a:solidFill>
+                  <a:schemeClr val="tx1"/>
+                </a:solidFill>
+                <a:latin typeface="+mn-lt"/>
+                <a:ea typeface="+mn-ea"/>
+                <a:cs typeface="+mn-cs"/>
+              </a:defRPr>
+            </a:lvl5pPr>
+            <a:lvl6pPr marL="2286000" algn="l" defTabSz="914400" rtl="0" eaLnBrk="1" latinLnBrk="0" hangingPunct="1">
+              <a:defRPr sz="1800" kern="1200">
+                <a:solidFill>
+                  <a:schemeClr val="tx1"/>
+                </a:solidFill>
+                <a:latin typeface="+mn-lt"/>
+                <a:ea typeface="+mn-ea"/>
+                <a:cs typeface="+mn-cs"/>
+              </a:defRPr>
+            </a:lvl6pPr>
+            <a:lvl7pPr marL="2743200" algn="l" defTabSz="914400" rtl="0" eaLnBrk="1" latinLnBrk="0" hangingPunct="1">
+              <a:defRPr sz="1800" kern="1200">
+                <a:solidFill>
+                  <a:schemeClr val="tx1"/>
+                </a:solidFill>
+                <a:latin typeface="+mn-lt"/>
+                <a:ea typeface="+mn-ea"/>
+                <a:cs typeface="+mn-cs"/>
+              </a:defRPr>
+            </a:lvl7pPr>
+            <a:lvl8pPr marL="3200400" algn="l" defTabSz="914400" rtl="0" eaLnBrk="1" latinLnBrk="0" hangingPunct="1">
+              <a:defRPr sz="1800" kern="1200">
+                <a:solidFill>
+                  <a:schemeClr val="tx1"/>
+                </a:solidFill>
+                <a:latin typeface="+mn-lt"/>
+                <a:ea typeface="+mn-ea"/>
+                <a:cs typeface="+mn-cs"/>
+              </a:defRPr>
+            </a:lvl8pPr>
+            <a:lvl9pPr marL="3657600" algn="l" defTabSz="914400" rtl="0" eaLnBrk="1" latinLnBrk="0" hangingPunct="1">
+              <a:defRPr sz="1800" kern="1200">
+                <a:solidFill>
+                  <a:schemeClr val="tx1"/>
+                </a:solidFill>
+                <a:latin typeface="+mn-lt"/>
+                <a:ea typeface="+mn-ea"/>
+                <a:cs typeface="+mn-cs"/>
+              </a:defRPr>
+            </a:lvl9pPr>
+          </a:lstStyle>
+          <a:p>
+            <a:r>
+              <a:rPr lang="en-US" dirty="0" smtClean="0"/>
+              <a:t>See: </a:t>
+            </a:r>
+            <a:r>
+              <a:rPr lang="de-AT" dirty="0">
+                <a:hlinkClick r:id="rId5"/>
+              </a:rPr>
+              <a:t>https://docs.konghq.com/1.4.x/db-less-and-declarative-config/</a:t>
+            </a:r>
+            <a:endParaRPr lang="en-US" dirty="0"/>
+          </a:p>
+        </p:txBody>
+      </p:sp>
+    </p:spTree>
+    <p:extLst>
+      <p:ext uri="{BB962C8B-B14F-4D97-AF65-F5344CB8AC3E}">
+        <p14:creationId xmlns:p14="http://schemas.microsoft.com/office/powerpoint/2010/main" val="1120640164"/>
+      </p:ext>
+    </p:extLst>
+  </p:cSld>
+  <p:clrMapOvr>
+    <a:masterClrMapping/>
+  </p:clrMapOvr>
+  <p:timing>
+    <p:tnLst>
+      <p:par>
+        <p:cTn id="1" dur="indefinite" restart="never" nodeType="tmRoot"/>
+      </p:par>
+    </p:tnLst>
+  </p:timing>
+</p:sld>
+</file>
+
+<file path=ppt/slides/slide15.xml><?xml version="1.0" encoding="utf-8"?>
+<p:sld xmlns:a="http://schemas.openxmlformats.org/drawingml/2006/main" xmlns:r="http://schemas.openxmlformats.org/officeDocument/2006/relationships" xmlns:p="http://schemas.openxmlformats.org/presentationml/2006/main">
+  <p:cSld>
+    <p:spTree>
+      <p:nvGrpSpPr>
+        <p:cNvPr id="1" name=""/>
+        <p:cNvGrpSpPr/>
+        <p:nvPr/>
+      </p:nvGrpSpPr>
+      <p:grpSpPr>
+        <a:xfrm>
+          <a:off x="0" y="0"/>
+          <a:ext cx="0" cy="0"/>
+          <a:chOff x="0" y="0"/>
+          <a:chExt cx="0" cy="0"/>
+        </a:xfrm>
+      </p:grpSpPr>
+      <p:sp>
+        <p:nvSpPr>
+          <p:cNvPr id="2" name="Title 1"/>
+          <p:cNvSpPr>
+            <a:spLocks noGrp="1"/>
+          </p:cNvSpPr>
+          <p:nvPr>
+            <p:ph type="title"/>
+          </p:nvPr>
+        </p:nvSpPr>
+        <p:spPr/>
+        <p:txBody>
+          <a:bodyPr/>
+          <a:lstStyle/>
+          <a:p>
+            <a:r>
+              <a:rPr lang="de-AT" dirty="0" smtClean="0"/>
               <a:t>Installation</a:t>
             </a:r>
             <a:endParaRPr lang="de-AT" dirty="0"/>
@@ -7014,7 +7559,7 @@
 </p:sld>
 </file>
 
-<file path=ppt/slides/slide14.xml><?xml version="1.0" encoding="utf-8"?>
+<file path=ppt/slides/slide16.xml><?xml version="1.0" encoding="utf-8"?>
 <p:sld xmlns:a="http://schemas.openxmlformats.org/drawingml/2006/main" xmlns:r="http://schemas.openxmlformats.org/officeDocument/2006/relationships" xmlns:p="http://schemas.openxmlformats.org/presentationml/2006/main">
   <p:cSld>
     <p:spTree>
@@ -7223,7 +7768,152 @@
 </p:sld>
 </file>
 
-<file path=ppt/slides/slide15.xml><?xml version="1.0" encoding="utf-8"?>
+<file path=ppt/slides/slide17.xml><?xml version="1.0" encoding="utf-8"?>
+<p:sld xmlns:a="http://schemas.openxmlformats.org/drawingml/2006/main" xmlns:r="http://schemas.openxmlformats.org/officeDocument/2006/relationships" xmlns:p="http://schemas.openxmlformats.org/presentationml/2006/main">
+  <p:cSld>
+    <p:spTree>
+      <p:nvGrpSpPr>
+        <p:cNvPr id="1" name=""/>
+        <p:cNvGrpSpPr/>
+        <p:nvPr/>
+      </p:nvGrpSpPr>
+      <p:grpSpPr>
+        <a:xfrm>
+          <a:off x="0" y="0"/>
+          <a:ext cx="0" cy="0"/>
+          <a:chOff x="0" y="0"/>
+          <a:chExt cx="0" cy="0"/>
+        </a:xfrm>
+      </p:grpSpPr>
+      <p:sp>
+        <p:nvSpPr>
+          <p:cNvPr id="2" name="Title 1">
+            <a:extLst>
+              <a:ext uri="{FF2B5EF4-FFF2-40B4-BE49-F238E27FC236}">
+                <a16:creationId xmlns:a16="http://schemas.microsoft.com/office/drawing/2014/main" id="{04A30FA5-BC0C-476B-88DD-73B4FBB9406C}"/>
+              </a:ext>
+            </a:extLst>
+          </p:cNvPr>
+          <p:cNvSpPr>
+            <a:spLocks noGrp="1"/>
+          </p:cNvSpPr>
+          <p:nvPr>
+            <p:ph type="ctrTitle"/>
+          </p:nvPr>
+        </p:nvSpPr>
+        <p:spPr/>
+        <p:txBody>
+          <a:bodyPr/>
+          <a:lstStyle/>
+          <a:p>
+            <a:r>
+              <a:rPr lang="de-AT" smtClean="0"/>
+              <a:t>Hands-On</a:t>
+            </a:r>
+            <a:endParaRPr lang="en-US" dirty="0"/>
+          </a:p>
+        </p:txBody>
+      </p:sp>
+      <p:sp>
+        <p:nvSpPr>
+          <p:cNvPr id="3" name="Content Placeholder 2">
+            <a:extLst>
+              <a:ext uri="{FF2B5EF4-FFF2-40B4-BE49-F238E27FC236}">
+                <a16:creationId xmlns:a16="http://schemas.microsoft.com/office/drawing/2014/main" id="{2B106E46-C4D6-49F9-9B77-5E5E6EFEC57E}"/>
+              </a:ext>
+            </a:extLst>
+          </p:cNvPr>
+          <p:cNvSpPr>
+            <a:spLocks noGrp="1"/>
+          </p:cNvSpPr>
+          <p:nvPr>
+            <p:ph type="subTitle" idx="1"/>
+          </p:nvPr>
+        </p:nvSpPr>
+        <p:spPr>
+          <a:xfrm>
+            <a:off x="1524000" y="3602038"/>
+            <a:ext cx="9144000" cy="424732"/>
+          </a:xfrm>
+        </p:spPr>
+        <p:txBody>
+          <a:bodyPr>
+            <a:spAutoFit/>
+          </a:bodyPr>
+          <a:lstStyle/>
+          <a:p>
+            <a:r>
+              <a:rPr lang="en-US" dirty="0">
+                <a:hlinkClick r:id="rId2"/>
+              </a:rPr>
+              <a:t>github.com/danielwagn3r/</a:t>
+            </a:r>
+            <a:r>
+              <a:rPr lang="en-US" dirty="0" err="1">
+                <a:hlinkClick r:id="rId2"/>
+              </a:rPr>
+              <a:t>apimgmt</a:t>
+            </a:r>
+            <a:r>
+              <a:rPr lang="en-US">
+                <a:hlinkClick r:id="rId2"/>
+              </a:rPr>
+              <a:t>-workshop</a:t>
+            </a:r>
+            <a:endParaRPr lang="en-US" dirty="0"/>
+          </a:p>
+        </p:txBody>
+      </p:sp>
+      <p:pic>
+        <p:nvPicPr>
+          <p:cNvPr id="8" name="Picture 7">
+            <a:extLst>
+              <a:ext uri="{FF2B5EF4-FFF2-40B4-BE49-F238E27FC236}">
+                <a16:creationId xmlns:a16="http://schemas.microsoft.com/office/drawing/2014/main" id="{A6966702-4737-41A1-A211-D462668C4834}"/>
+              </a:ext>
+            </a:extLst>
+          </p:cNvPr>
+          <p:cNvPicPr>
+            <a:picLocks noChangeAspect="1"/>
+          </p:cNvPicPr>
+          <p:nvPr/>
+        </p:nvPicPr>
+        <p:blipFill>
+          <a:blip r:embed="rId3">
+            <a:extLst>
+              <a:ext uri="{28A0092B-C50C-407E-A947-70E740481C1C}">
+                <a14:useLocalDpi xmlns:a14="http://schemas.microsoft.com/office/drawing/2010/main" val="0"/>
+              </a:ext>
+            </a:extLst>
+          </a:blip>
+          <a:stretch>
+            <a:fillRect/>
+          </a:stretch>
+        </p:blipFill>
+        <p:spPr>
+          <a:xfrm>
+            <a:off x="2497810" y="3509604"/>
+            <a:ext cx="609600" cy="609600"/>
+          </a:xfrm>
+          <a:prstGeom prst="rect">
+            <a:avLst/>
+          </a:prstGeom>
+        </p:spPr>
+      </p:pic>
+    </p:spTree>
+    <p:extLst>
+      <p:ext uri="{BB962C8B-B14F-4D97-AF65-F5344CB8AC3E}">
+        <p14:creationId xmlns:p14="http://schemas.microsoft.com/office/powerpoint/2010/main" val="2985596720"/>
+      </p:ext>
+    </p:extLst>
+  </p:cSld>
+  <p:clrMapOvr>
+    <a:masterClrMapping/>
+  </p:clrMapOvr>
+</p:sld>
+</file>
+
+<file path=ppt/slides/slide18.xml><?xml version="1.0" encoding="utf-8"?>
 <p:sld xmlns:a="http://schemas.openxmlformats.org/drawingml/2006/main" xmlns:r="http://schemas.openxmlformats.org/officeDocument/2006/relationships" xmlns:p="http://schemas.openxmlformats.org/presentationml/2006/main">
   <p:cSld>
     <p:spTree>
@@ -7898,692 +8588,6 @@
 </p:sld>
 </file>
 
-<file path=ppt/slides/slide16.xml><?xml version="1.0" encoding="utf-8"?>
-<p:sld xmlns:a="http://schemas.openxmlformats.org/drawingml/2006/main" xmlns:r="http://schemas.openxmlformats.org/officeDocument/2006/relationships" xmlns:p="http://schemas.openxmlformats.org/presentationml/2006/main">
-  <p:cSld>
-    <p:spTree>
-      <p:nvGrpSpPr>
-        <p:cNvPr id="1" name=""/>
-        <p:cNvGrpSpPr/>
-        <p:nvPr/>
-      </p:nvGrpSpPr>
-      <p:grpSpPr>
-        <a:xfrm>
-          <a:off x="0" y="0"/>
-          <a:ext cx="0" cy="0"/>
-          <a:chOff x="0" y="0"/>
-          <a:chExt cx="0" cy="0"/>
-        </a:xfrm>
-      </p:grpSpPr>
-      <p:sp>
-        <p:nvSpPr>
-          <p:cNvPr id="2" name="Title 1">
-            <a:extLst>
-              <a:ext uri="{FF2B5EF4-FFF2-40B4-BE49-F238E27FC236}">
-                <a16:creationId xmlns:a16="http://schemas.microsoft.com/office/drawing/2014/main" id="{04A30FA5-BC0C-476B-88DD-73B4FBB9406C}"/>
-              </a:ext>
-            </a:extLst>
-          </p:cNvPr>
-          <p:cNvSpPr>
-            <a:spLocks noGrp="1"/>
-          </p:cNvSpPr>
-          <p:nvPr>
-            <p:ph type="ctrTitle"/>
-          </p:nvPr>
-        </p:nvSpPr>
-        <p:spPr/>
-        <p:txBody>
-          <a:bodyPr/>
-          <a:lstStyle/>
-          <a:p>
-            <a:r>
-              <a:rPr lang="de-AT" smtClean="0"/>
-              <a:t>Hands-On</a:t>
-            </a:r>
-            <a:endParaRPr lang="en-US" dirty="0"/>
-          </a:p>
-        </p:txBody>
-      </p:sp>
-      <p:sp>
-        <p:nvSpPr>
-          <p:cNvPr id="3" name="Content Placeholder 2">
-            <a:extLst>
-              <a:ext uri="{FF2B5EF4-FFF2-40B4-BE49-F238E27FC236}">
-                <a16:creationId xmlns:a16="http://schemas.microsoft.com/office/drawing/2014/main" id="{2B106E46-C4D6-49F9-9B77-5E5E6EFEC57E}"/>
-              </a:ext>
-            </a:extLst>
-          </p:cNvPr>
-          <p:cNvSpPr>
-            <a:spLocks noGrp="1"/>
-          </p:cNvSpPr>
-          <p:nvPr>
-            <p:ph type="subTitle" idx="1"/>
-          </p:nvPr>
-        </p:nvSpPr>
-        <p:spPr>
-          <a:xfrm>
-            <a:off x="1524000" y="3602038"/>
-            <a:ext cx="9144000" cy="424732"/>
-          </a:xfrm>
-        </p:spPr>
-        <p:txBody>
-          <a:bodyPr>
-            <a:spAutoFit/>
-          </a:bodyPr>
-          <a:lstStyle/>
-          <a:p>
-            <a:r>
-              <a:rPr lang="en-US" dirty="0">
-                <a:hlinkClick r:id="rId2"/>
-              </a:rPr>
-              <a:t>github.com/danielwagn3r/</a:t>
-            </a:r>
-            <a:r>
-              <a:rPr lang="en-US" dirty="0" err="1">
-                <a:hlinkClick r:id="rId2"/>
-              </a:rPr>
-              <a:t>apimgmt</a:t>
-            </a:r>
-            <a:r>
-              <a:rPr lang="en-US">
-                <a:hlinkClick r:id="rId2"/>
-              </a:rPr>
-              <a:t>-workshop</a:t>
-            </a:r>
-            <a:endParaRPr lang="en-US" dirty="0"/>
-          </a:p>
-        </p:txBody>
-      </p:sp>
-      <p:pic>
-        <p:nvPicPr>
-          <p:cNvPr id="8" name="Picture 7">
-            <a:extLst>
-              <a:ext uri="{FF2B5EF4-FFF2-40B4-BE49-F238E27FC236}">
-                <a16:creationId xmlns:a16="http://schemas.microsoft.com/office/drawing/2014/main" id="{A6966702-4737-41A1-A211-D462668C4834}"/>
-              </a:ext>
-            </a:extLst>
-          </p:cNvPr>
-          <p:cNvPicPr>
-            <a:picLocks noChangeAspect="1"/>
-          </p:cNvPicPr>
-          <p:nvPr/>
-        </p:nvPicPr>
-        <p:blipFill>
-          <a:blip r:embed="rId3">
-            <a:extLst>
-              <a:ext uri="{28A0092B-C50C-407E-A947-70E740481C1C}">
-                <a14:useLocalDpi xmlns:a14="http://schemas.microsoft.com/office/drawing/2010/main" val="0"/>
-              </a:ext>
-            </a:extLst>
-          </a:blip>
-          <a:stretch>
-            <a:fillRect/>
-          </a:stretch>
-        </p:blipFill>
-        <p:spPr>
-          <a:xfrm>
-            <a:off x="2497810" y="3509604"/>
-            <a:ext cx="609600" cy="609600"/>
-          </a:xfrm>
-          <a:prstGeom prst="rect">
-            <a:avLst/>
-          </a:prstGeom>
-        </p:spPr>
-      </p:pic>
-    </p:spTree>
-    <p:extLst>
-      <p:ext uri="{BB962C8B-B14F-4D97-AF65-F5344CB8AC3E}">
-        <p14:creationId xmlns:p14="http://schemas.microsoft.com/office/powerpoint/2010/main" val="2985596720"/>
-      </p:ext>
-    </p:extLst>
-  </p:cSld>
-  <p:clrMapOvr>
-    <a:masterClrMapping/>
-  </p:clrMapOvr>
-</p:sld>
-</file>
-
-<file path=ppt/slides/slide17.xml><?xml version="1.0" encoding="utf-8"?>
-<p:sld xmlns:a="http://schemas.openxmlformats.org/drawingml/2006/main" xmlns:r="http://schemas.openxmlformats.org/officeDocument/2006/relationships" xmlns:p="http://schemas.openxmlformats.org/presentationml/2006/main">
-  <p:cSld>
-    <p:spTree>
-      <p:nvGrpSpPr>
-        <p:cNvPr id="1" name=""/>
-        <p:cNvGrpSpPr/>
-        <p:nvPr/>
-      </p:nvGrpSpPr>
-      <p:grpSpPr>
-        <a:xfrm>
-          <a:off x="0" y="0"/>
-          <a:ext cx="0" cy="0"/>
-          <a:chOff x="0" y="0"/>
-          <a:chExt cx="0" cy="0"/>
-        </a:xfrm>
-      </p:grpSpPr>
-      <p:sp>
-        <p:nvSpPr>
-          <p:cNvPr id="2" name="Title 1"/>
-          <p:cNvSpPr>
-            <a:spLocks noGrp="1"/>
-          </p:cNvSpPr>
-          <p:nvPr>
-            <p:ph type="title"/>
-          </p:nvPr>
-        </p:nvSpPr>
-        <p:spPr/>
-        <p:txBody>
-          <a:bodyPr/>
-          <a:lstStyle/>
-          <a:p>
-            <a:r>
-              <a:rPr lang="de-AT" dirty="0" smtClean="0"/>
-              <a:t>Database</a:t>
-            </a:r>
-            <a:endParaRPr lang="de-AT" dirty="0"/>
-          </a:p>
-        </p:txBody>
-      </p:sp>
-      <p:pic>
-        <p:nvPicPr>
-          <p:cNvPr id="4" name="Picture 3"/>
-          <p:cNvPicPr>
-            <a:picLocks noChangeAspect="1"/>
-          </p:cNvPicPr>
-          <p:nvPr/>
-        </p:nvPicPr>
-        <p:blipFill>
-          <a:blip r:embed="rId3"/>
-          <a:stretch>
-            <a:fillRect/>
-          </a:stretch>
-        </p:blipFill>
-        <p:spPr>
-          <a:xfrm>
-            <a:off x="2496000" y="1676400"/>
-            <a:ext cx="7200000" cy="3575709"/>
-          </a:xfrm>
-          <a:prstGeom prst="rect">
-            <a:avLst/>
-          </a:prstGeom>
-        </p:spPr>
-      </p:pic>
-      <p:sp>
-        <p:nvSpPr>
-          <p:cNvPr id="5" name="TextBox 1">
-            <a:extLst>
-              <a:ext uri="{FF2B5EF4-FFF2-40B4-BE49-F238E27FC236}">
-                <a16:creationId xmlns:a16="http://schemas.microsoft.com/office/drawing/2014/main" id="{E55A1FC0-8E30-4FAB-B566-BDFED0EBDD27}"/>
-              </a:ext>
-            </a:extLst>
-          </p:cNvPr>
-          <p:cNvSpPr txBox="1"/>
-          <p:nvPr/>
-        </p:nvSpPr>
-        <p:spPr>
-          <a:xfrm>
-            <a:off x="43543" y="6438899"/>
-            <a:ext cx="8068126" cy="369332"/>
-          </a:xfrm>
-          <a:prstGeom prst="rect">
-            <a:avLst/>
-          </a:prstGeom>
-          <a:noFill/>
-        </p:spPr>
-        <p:txBody>
-          <a:bodyPr rot="0" spcFirstLastPara="0" vert="horz" wrap="square" lIns="91440" tIns="45720" rIns="91440" bIns="45720" numCol="1" spcCol="0" rtlCol="0" fromWordArt="0" anchor="t" anchorCtr="0" forceAA="0" compatLnSpc="1">
-            <a:prstTxWarp prst="textNoShape">
-              <a:avLst/>
-            </a:prstTxWarp>
-            <a:spAutoFit/>
-          </a:bodyPr>
-          <a:lstStyle>
-            <a:defPPr>
-              <a:defRPr lang="en-US"/>
-            </a:defPPr>
-            <a:lvl1pPr marL="0" algn="l" defTabSz="914400" rtl="0" eaLnBrk="1" latinLnBrk="0" hangingPunct="1">
-              <a:defRPr sz="1800" kern="1200">
-                <a:solidFill>
-                  <a:schemeClr val="tx1"/>
-                </a:solidFill>
-                <a:latin typeface="+mn-lt"/>
-                <a:ea typeface="+mn-ea"/>
-                <a:cs typeface="+mn-cs"/>
-              </a:defRPr>
-            </a:lvl1pPr>
-            <a:lvl2pPr marL="457200" algn="l" defTabSz="914400" rtl="0" eaLnBrk="1" latinLnBrk="0" hangingPunct="1">
-              <a:defRPr sz="1800" kern="1200">
-                <a:solidFill>
-                  <a:schemeClr val="tx1"/>
-                </a:solidFill>
-                <a:latin typeface="+mn-lt"/>
-                <a:ea typeface="+mn-ea"/>
-                <a:cs typeface="+mn-cs"/>
-              </a:defRPr>
-            </a:lvl2pPr>
-            <a:lvl3pPr marL="914400" algn="l" defTabSz="914400" rtl="0" eaLnBrk="1" latinLnBrk="0" hangingPunct="1">
-              <a:defRPr sz="1800" kern="1200">
-                <a:solidFill>
-                  <a:schemeClr val="tx1"/>
-                </a:solidFill>
-                <a:latin typeface="+mn-lt"/>
-                <a:ea typeface="+mn-ea"/>
-                <a:cs typeface="+mn-cs"/>
-              </a:defRPr>
-            </a:lvl3pPr>
-            <a:lvl4pPr marL="1371600" algn="l" defTabSz="914400" rtl="0" eaLnBrk="1" latinLnBrk="0" hangingPunct="1">
-              <a:defRPr sz="1800" kern="1200">
-                <a:solidFill>
-                  <a:schemeClr val="tx1"/>
-                </a:solidFill>
-                <a:latin typeface="+mn-lt"/>
-                <a:ea typeface="+mn-ea"/>
-                <a:cs typeface="+mn-cs"/>
-              </a:defRPr>
-            </a:lvl4pPr>
-            <a:lvl5pPr marL="1828800" algn="l" defTabSz="914400" rtl="0" eaLnBrk="1" latinLnBrk="0" hangingPunct="1">
-              <a:defRPr sz="1800" kern="1200">
-                <a:solidFill>
-                  <a:schemeClr val="tx1"/>
-                </a:solidFill>
-                <a:latin typeface="+mn-lt"/>
-                <a:ea typeface="+mn-ea"/>
-                <a:cs typeface="+mn-cs"/>
-              </a:defRPr>
-            </a:lvl5pPr>
-            <a:lvl6pPr marL="2286000" algn="l" defTabSz="914400" rtl="0" eaLnBrk="1" latinLnBrk="0" hangingPunct="1">
-              <a:defRPr sz="1800" kern="1200">
-                <a:solidFill>
-                  <a:schemeClr val="tx1"/>
-                </a:solidFill>
-                <a:latin typeface="+mn-lt"/>
-                <a:ea typeface="+mn-ea"/>
-                <a:cs typeface="+mn-cs"/>
-              </a:defRPr>
-            </a:lvl6pPr>
-            <a:lvl7pPr marL="2743200" algn="l" defTabSz="914400" rtl="0" eaLnBrk="1" latinLnBrk="0" hangingPunct="1">
-              <a:defRPr sz="1800" kern="1200">
-                <a:solidFill>
-                  <a:schemeClr val="tx1"/>
-                </a:solidFill>
-                <a:latin typeface="+mn-lt"/>
-                <a:ea typeface="+mn-ea"/>
-                <a:cs typeface="+mn-cs"/>
-              </a:defRPr>
-            </a:lvl7pPr>
-            <a:lvl8pPr marL="3200400" algn="l" defTabSz="914400" rtl="0" eaLnBrk="1" latinLnBrk="0" hangingPunct="1">
-              <a:defRPr sz="1800" kern="1200">
-                <a:solidFill>
-                  <a:schemeClr val="tx1"/>
-                </a:solidFill>
-                <a:latin typeface="+mn-lt"/>
-                <a:ea typeface="+mn-ea"/>
-                <a:cs typeface="+mn-cs"/>
-              </a:defRPr>
-            </a:lvl8pPr>
-            <a:lvl9pPr marL="3657600" algn="l" defTabSz="914400" rtl="0" eaLnBrk="1" latinLnBrk="0" hangingPunct="1">
-              <a:defRPr sz="1800" kern="1200">
-                <a:solidFill>
-                  <a:schemeClr val="tx1"/>
-                </a:solidFill>
-                <a:latin typeface="+mn-lt"/>
-                <a:ea typeface="+mn-ea"/>
-                <a:cs typeface="+mn-cs"/>
-              </a:defRPr>
-            </a:lvl9pPr>
-          </a:lstStyle>
-          <a:p>
-            <a:r>
-              <a:rPr lang="en-US" dirty="0" err="1"/>
-              <a:t>Siehe</a:t>
-            </a:r>
-            <a:r>
-              <a:rPr lang="en-US" dirty="0" smtClean="0"/>
-              <a:t>:</a:t>
-            </a:r>
-            <a:r>
-              <a:rPr lang="en-US" dirty="0"/>
-              <a:t> </a:t>
-            </a:r>
-            <a:r>
-              <a:rPr lang="de-AT" dirty="0">
-                <a:hlinkClick r:id="rId4"/>
-              </a:rPr>
-              <a:t>https://</a:t>
-            </a:r>
-            <a:r>
-              <a:rPr lang="de-AT" dirty="0" smtClean="0">
-                <a:hlinkClick r:id="rId4"/>
-              </a:rPr>
-              <a:t>www.archimatetool.com</a:t>
-            </a:r>
-            <a:endParaRPr lang="en-US" dirty="0"/>
-          </a:p>
-        </p:txBody>
-      </p:sp>
-      <p:pic>
-        <p:nvPicPr>
-          <p:cNvPr id="2050" name="Picture 2" descr="https://www.archimatetool.com/wp-content/uploads/2018/07/header.png"/>
-          <p:cNvPicPr>
-            <a:picLocks noChangeAspect="1" noChangeArrowheads="1"/>
-          </p:cNvPicPr>
-          <p:nvPr/>
-        </p:nvPicPr>
-        <p:blipFill>
-          <a:blip r:embed="rId5">
-            <a:extLst>
-              <a:ext uri="{28A0092B-C50C-407E-A947-70E740481C1C}">
-                <a14:useLocalDpi xmlns:a14="http://schemas.microsoft.com/office/drawing/2010/main" val="0"/>
-              </a:ext>
-            </a:extLst>
-          </a:blip>
-          <a:srcRect/>
-          <a:stretch>
-            <a:fillRect/>
-          </a:stretch>
-        </p:blipFill>
-        <p:spPr bwMode="auto">
-          <a:xfrm>
-            <a:off x="10101942" y="365125"/>
-            <a:ext cx="1631287" cy="598637"/>
-          </a:xfrm>
-          <a:prstGeom prst="rect">
-            <a:avLst/>
-          </a:prstGeom>
-          <a:noFill/>
-          <a:extLst>
-            <a:ext uri="{909E8E84-426E-40DD-AFC4-6F175D3DCCD1}">
-              <a14:hiddenFill xmlns:a14="http://schemas.microsoft.com/office/drawing/2010/main">
-                <a:solidFill>
-                  <a:srgbClr val="FFFFFF"/>
-                </a:solidFill>
-              </a14:hiddenFill>
-            </a:ext>
-          </a:extLst>
-        </p:spPr>
-      </p:pic>
-    </p:spTree>
-    <p:extLst>
-      <p:ext uri="{BB962C8B-B14F-4D97-AF65-F5344CB8AC3E}">
-        <p14:creationId xmlns:p14="http://schemas.microsoft.com/office/powerpoint/2010/main" val="2237333450"/>
-      </p:ext>
-    </p:extLst>
-  </p:cSld>
-  <p:clrMapOvr>
-    <a:masterClrMapping/>
-  </p:clrMapOvr>
-</p:sld>
-</file>
-
-<file path=ppt/slides/slide18.xml><?xml version="1.0" encoding="utf-8"?>
-<p:sld xmlns:a="http://schemas.openxmlformats.org/drawingml/2006/main" xmlns:r="http://schemas.openxmlformats.org/officeDocument/2006/relationships" xmlns:p="http://schemas.openxmlformats.org/presentationml/2006/main">
-  <p:cSld>
-    <p:spTree>
-      <p:nvGrpSpPr>
-        <p:cNvPr id="1" name=""/>
-        <p:cNvGrpSpPr/>
-        <p:nvPr/>
-      </p:nvGrpSpPr>
-      <p:grpSpPr>
-        <a:xfrm>
-          <a:off x="0" y="0"/>
-          <a:ext cx="0" cy="0"/>
-          <a:chOff x="0" y="0"/>
-          <a:chExt cx="0" cy="0"/>
-        </a:xfrm>
-      </p:grpSpPr>
-      <p:sp>
-        <p:nvSpPr>
-          <p:cNvPr id="2" name="Title 1"/>
-          <p:cNvSpPr>
-            <a:spLocks noGrp="1"/>
-          </p:cNvSpPr>
-          <p:nvPr>
-            <p:ph type="title"/>
-          </p:nvPr>
-        </p:nvSpPr>
-        <p:spPr/>
-        <p:txBody>
-          <a:bodyPr/>
-          <a:lstStyle/>
-          <a:p>
-            <a:r>
-              <a:rPr lang="de-AT" dirty="0" smtClean="0"/>
-              <a:t>DB-</a:t>
-            </a:r>
-            <a:r>
-              <a:rPr lang="de-AT" dirty="0" err="1" smtClean="0"/>
-              <a:t>less</a:t>
-            </a:r>
-            <a:endParaRPr lang="de-AT" dirty="0"/>
-          </a:p>
-        </p:txBody>
-      </p:sp>
-      <p:pic>
-        <p:nvPicPr>
-          <p:cNvPr id="4" name="Content Placeholder 3"/>
-          <p:cNvPicPr>
-            <a:picLocks noGrp="1" noChangeAspect="1"/>
-          </p:cNvPicPr>
-          <p:nvPr>
-            <p:ph idx="1"/>
-          </p:nvPr>
-        </p:nvPicPr>
-        <p:blipFill>
-          <a:blip r:embed="rId3"/>
-          <a:stretch>
-            <a:fillRect/>
-          </a:stretch>
-        </p:blipFill>
-        <p:spPr>
-          <a:xfrm>
-            <a:off x="2496000" y="2020389"/>
-            <a:ext cx="7200000" cy="3744551"/>
-          </a:xfrm>
-          <a:prstGeom prst="rect">
-            <a:avLst/>
-          </a:prstGeom>
-        </p:spPr>
-      </p:pic>
-      <p:pic>
-        <p:nvPicPr>
-          <p:cNvPr id="5" name="Picture 2" descr="https://www.archimatetool.com/wp-content/uploads/2018/07/header.png"/>
-          <p:cNvPicPr>
-            <a:picLocks noChangeAspect="1" noChangeArrowheads="1"/>
-          </p:cNvPicPr>
-          <p:nvPr/>
-        </p:nvPicPr>
-        <p:blipFill>
-          <a:blip r:embed="rId4">
-            <a:extLst>
-              <a:ext uri="{28A0092B-C50C-407E-A947-70E740481C1C}">
-                <a14:useLocalDpi xmlns:a14="http://schemas.microsoft.com/office/drawing/2010/main" val="0"/>
-              </a:ext>
-            </a:extLst>
-          </a:blip>
-          <a:srcRect/>
-          <a:stretch>
-            <a:fillRect/>
-          </a:stretch>
-        </p:blipFill>
-        <p:spPr bwMode="auto">
-          <a:xfrm>
-            <a:off x="10101942" y="365125"/>
-            <a:ext cx="1631287" cy="598637"/>
-          </a:xfrm>
-          <a:prstGeom prst="rect">
-            <a:avLst/>
-          </a:prstGeom>
-          <a:noFill/>
-          <a:extLst>
-            <a:ext uri="{909E8E84-426E-40DD-AFC4-6F175D3DCCD1}">
-              <a14:hiddenFill xmlns:a14="http://schemas.microsoft.com/office/drawing/2010/main">
-                <a:solidFill>
-                  <a:srgbClr val="FFFFFF"/>
-                </a:solidFill>
-              </a14:hiddenFill>
-            </a:ext>
-          </a:extLst>
-        </p:spPr>
-      </p:pic>
-      <p:sp>
-        <p:nvSpPr>
-          <p:cNvPr id="6" name="TextBox 1">
-            <a:extLst>
-              <a:ext uri="{FF2B5EF4-FFF2-40B4-BE49-F238E27FC236}">
-                <a16:creationId xmlns:a16="http://schemas.microsoft.com/office/drawing/2014/main" id="{E55A1FC0-8E30-4FAB-B566-BDFED0EBDD27}"/>
-              </a:ext>
-            </a:extLst>
-          </p:cNvPr>
-          <p:cNvSpPr txBox="1"/>
-          <p:nvPr/>
-        </p:nvSpPr>
-        <p:spPr>
-          <a:xfrm>
-            <a:off x="43543" y="6438899"/>
-            <a:ext cx="8068126" cy="369332"/>
-          </a:xfrm>
-          <a:prstGeom prst="rect">
-            <a:avLst/>
-          </a:prstGeom>
-          <a:noFill/>
-        </p:spPr>
-        <p:txBody>
-          <a:bodyPr rot="0" spcFirstLastPara="0" vert="horz" wrap="square" lIns="91440" tIns="45720" rIns="91440" bIns="45720" numCol="1" spcCol="0" rtlCol="0" fromWordArt="0" anchor="t" anchorCtr="0" forceAA="0" compatLnSpc="1">
-            <a:prstTxWarp prst="textNoShape">
-              <a:avLst/>
-            </a:prstTxWarp>
-            <a:spAutoFit/>
-          </a:bodyPr>
-          <a:lstStyle>
-            <a:defPPr>
-              <a:defRPr lang="en-US"/>
-            </a:defPPr>
-            <a:lvl1pPr marL="0" algn="l" defTabSz="914400" rtl="0" eaLnBrk="1" latinLnBrk="0" hangingPunct="1">
-              <a:defRPr sz="1800" kern="1200">
-                <a:solidFill>
-                  <a:schemeClr val="tx1"/>
-                </a:solidFill>
-                <a:latin typeface="+mn-lt"/>
-                <a:ea typeface="+mn-ea"/>
-                <a:cs typeface="+mn-cs"/>
-              </a:defRPr>
-            </a:lvl1pPr>
-            <a:lvl2pPr marL="457200" algn="l" defTabSz="914400" rtl="0" eaLnBrk="1" latinLnBrk="0" hangingPunct="1">
-              <a:defRPr sz="1800" kern="1200">
-                <a:solidFill>
-                  <a:schemeClr val="tx1"/>
-                </a:solidFill>
-                <a:latin typeface="+mn-lt"/>
-                <a:ea typeface="+mn-ea"/>
-                <a:cs typeface="+mn-cs"/>
-              </a:defRPr>
-            </a:lvl2pPr>
-            <a:lvl3pPr marL="914400" algn="l" defTabSz="914400" rtl="0" eaLnBrk="1" latinLnBrk="0" hangingPunct="1">
-              <a:defRPr sz="1800" kern="1200">
-                <a:solidFill>
-                  <a:schemeClr val="tx1"/>
-                </a:solidFill>
-                <a:latin typeface="+mn-lt"/>
-                <a:ea typeface="+mn-ea"/>
-                <a:cs typeface="+mn-cs"/>
-              </a:defRPr>
-            </a:lvl3pPr>
-            <a:lvl4pPr marL="1371600" algn="l" defTabSz="914400" rtl="0" eaLnBrk="1" latinLnBrk="0" hangingPunct="1">
-              <a:defRPr sz="1800" kern="1200">
-                <a:solidFill>
-                  <a:schemeClr val="tx1"/>
-                </a:solidFill>
-                <a:latin typeface="+mn-lt"/>
-                <a:ea typeface="+mn-ea"/>
-                <a:cs typeface="+mn-cs"/>
-              </a:defRPr>
-            </a:lvl4pPr>
-            <a:lvl5pPr marL="1828800" algn="l" defTabSz="914400" rtl="0" eaLnBrk="1" latinLnBrk="0" hangingPunct="1">
-              <a:defRPr sz="1800" kern="1200">
-                <a:solidFill>
-                  <a:schemeClr val="tx1"/>
-                </a:solidFill>
-                <a:latin typeface="+mn-lt"/>
-                <a:ea typeface="+mn-ea"/>
-                <a:cs typeface="+mn-cs"/>
-              </a:defRPr>
-            </a:lvl5pPr>
-            <a:lvl6pPr marL="2286000" algn="l" defTabSz="914400" rtl="0" eaLnBrk="1" latinLnBrk="0" hangingPunct="1">
-              <a:defRPr sz="1800" kern="1200">
-                <a:solidFill>
-                  <a:schemeClr val="tx1"/>
-                </a:solidFill>
-                <a:latin typeface="+mn-lt"/>
-                <a:ea typeface="+mn-ea"/>
-                <a:cs typeface="+mn-cs"/>
-              </a:defRPr>
-            </a:lvl6pPr>
-            <a:lvl7pPr marL="2743200" algn="l" defTabSz="914400" rtl="0" eaLnBrk="1" latinLnBrk="0" hangingPunct="1">
-              <a:defRPr sz="1800" kern="1200">
-                <a:solidFill>
-                  <a:schemeClr val="tx1"/>
-                </a:solidFill>
-                <a:latin typeface="+mn-lt"/>
-                <a:ea typeface="+mn-ea"/>
-                <a:cs typeface="+mn-cs"/>
-              </a:defRPr>
-            </a:lvl7pPr>
-            <a:lvl8pPr marL="3200400" algn="l" defTabSz="914400" rtl="0" eaLnBrk="1" latinLnBrk="0" hangingPunct="1">
-              <a:defRPr sz="1800" kern="1200">
-                <a:solidFill>
-                  <a:schemeClr val="tx1"/>
-                </a:solidFill>
-                <a:latin typeface="+mn-lt"/>
-                <a:ea typeface="+mn-ea"/>
-                <a:cs typeface="+mn-cs"/>
-              </a:defRPr>
-            </a:lvl8pPr>
-            <a:lvl9pPr marL="3657600" algn="l" defTabSz="914400" rtl="0" eaLnBrk="1" latinLnBrk="0" hangingPunct="1">
-              <a:defRPr sz="1800" kern="1200">
-                <a:solidFill>
-                  <a:schemeClr val="tx1"/>
-                </a:solidFill>
-                <a:latin typeface="+mn-lt"/>
-                <a:ea typeface="+mn-ea"/>
-                <a:cs typeface="+mn-cs"/>
-              </a:defRPr>
-            </a:lvl9pPr>
-          </a:lstStyle>
-          <a:p>
-            <a:r>
-              <a:rPr lang="en-US" dirty="0" smtClean="0"/>
-              <a:t>See: </a:t>
-            </a:r>
-            <a:r>
-              <a:rPr lang="de-AT" dirty="0">
-                <a:hlinkClick r:id="rId5"/>
-              </a:rPr>
-              <a:t>https://docs.konghq.com/1.4.x/db-less-and-declarative-config/</a:t>
-            </a:r>
-            <a:endParaRPr lang="en-US" dirty="0"/>
-          </a:p>
-        </p:txBody>
-      </p:sp>
-    </p:spTree>
-    <p:extLst>
-      <p:ext uri="{BB962C8B-B14F-4D97-AF65-F5344CB8AC3E}">
-        <p14:creationId xmlns:p14="http://schemas.microsoft.com/office/powerpoint/2010/main" val="1120640164"/>
-      </p:ext>
-    </p:extLst>
-  </p:cSld>
-  <p:clrMapOvr>
-    <a:masterClrMapping/>
-  </p:clrMapOvr>
-  <p:timing>
-    <p:tnLst>
-      <p:par>
-        <p:cTn id="1" dur="indefinite" restart="never" nodeType="tmRoot"/>
-      </p:par>
-    </p:tnLst>
-  </p:timing>
-</p:sld>
-</file>
-
 <file path=ppt/slides/slide19.xml><?xml version="1.0" encoding="utf-8"?>
 <p:sld xmlns:a="http://schemas.openxmlformats.org/drawingml/2006/main" xmlns:r="http://schemas.openxmlformats.org/officeDocument/2006/relationships" xmlns:p="http://schemas.openxmlformats.org/presentationml/2006/main">
   <p:cSld>
@@ -11017,7 +11021,9 @@
         </p:nvSpPr>
         <p:spPr/>
         <p:txBody>
-          <a:bodyPr/>
+          <a:bodyPr>
+            <a:normAutofit lnSpcReduction="10000"/>
+          </a:bodyPr>
           <a:lstStyle/>
           <a:p>
             <a:pPr marL="0" indent="0">
@@ -11127,6 +11133,22 @@
             <a:r>
               <a:rPr lang="de-AT" dirty="0" smtClean="0"/>
               <a:t>OAuth2</a:t>
+            </a:r>
+          </a:p>
+          <a:p>
+            <a:pPr>
+              <a:buFontTx/>
+              <a:buChar char="-"/>
+            </a:pPr>
+            <a:endParaRPr lang="de-AT" dirty="0"/>
+          </a:p>
+          <a:p>
+            <a:pPr marL="0" indent="0">
+              <a:buNone/>
+            </a:pPr>
+            <a:r>
+              <a:rPr lang="de-AT" dirty="0" smtClean="0"/>
+              <a:t>Groups</a:t>
             </a:r>
             <a:endParaRPr lang="de-AT" dirty="0"/>
           </a:p>
@@ -11144,7 +11166,9 @@
         </p:nvSpPr>
         <p:spPr/>
         <p:txBody>
-          <a:bodyPr/>
+          <a:bodyPr>
+            <a:normAutofit lnSpcReduction="10000"/>
+          </a:bodyPr>
           <a:lstStyle/>
           <a:p>
             <a:pPr marL="0" indent="0">
@@ -11489,54 +11513,63 @@
           <a:p>
             <a:r>
               <a:rPr lang="de-AT" dirty="0" err="1" smtClean="0"/>
-              <a:t>Upstreams</a:t>
+              <a:t>Healthchecks</a:t>
+            </a:r>
+            <a:r>
+              <a:rPr lang="de-AT" dirty="0" smtClean="0"/>
+              <a:t> Basics</a:t>
             </a:r>
             <a:endParaRPr lang="de-AT" dirty="0"/>
           </a:p>
         </p:txBody>
       </p:sp>
-      <p:sp>
-        <p:nvSpPr>
-          <p:cNvPr id="4" name="Content Placeholder 3"/>
-          <p:cNvSpPr>
-            <a:spLocks noGrp="1"/>
-          </p:cNvSpPr>
+      <p:pic>
+        <p:nvPicPr>
+          <p:cNvPr id="1026" name="Picture 2" descr="https://2tjosk2rxzc21medji3nfn1g-wpengine.netdna-ssl.com/wp-content/uploads/2018/03/diagram-001.jpg"/>
+          <p:cNvPicPr>
+            <a:picLocks noGrp="1" noChangeAspect="1" noChangeArrowheads="1"/>
+          </p:cNvPicPr>
           <p:nvPr>
-            <p:ph sz="half" idx="1"/>
+            <p:ph idx="1"/>
           </p:nvPr>
-        </p:nvSpPr>
-        <p:spPr/>
-        <p:txBody>
-          <a:bodyPr/>
-          <a:lstStyle/>
-          <a:p>
-            <a:endParaRPr lang="de-AT"/>
-          </a:p>
-        </p:txBody>
-      </p:sp>
-      <p:sp>
-        <p:nvSpPr>
-          <p:cNvPr id="5" name="Content Placeholder 4"/>
-          <p:cNvSpPr>
-            <a:spLocks noGrp="1"/>
-          </p:cNvSpPr>
-          <p:nvPr>
-            <p:ph sz="half" idx="2"/>
-          </p:nvPr>
-        </p:nvSpPr>
-        <p:spPr/>
-        <p:txBody>
-          <a:bodyPr/>
-          <a:lstStyle/>
-          <a:p>
-            <a:endParaRPr lang="de-AT"/>
-          </a:p>
-        </p:txBody>
-      </p:sp>
+        </p:nvPicPr>
+        <p:blipFill>
+          <a:blip r:embed="rId2">
+            <a:extLst>
+              <a:ext uri="{28A0092B-C50C-407E-A947-70E740481C1C}">
+                <a14:useLocalDpi xmlns:a14="http://schemas.microsoft.com/office/drawing/2010/main" val="0"/>
+              </a:ext>
+            </a:extLst>
+          </a:blip>
+          <a:srcRect/>
+          <a:stretch>
+            <a:fillRect/>
+          </a:stretch>
+        </p:blipFill>
+        <p:spPr bwMode="auto">
+          <a:xfrm>
+            <a:off x="838200" y="2044576"/>
+            <a:ext cx="10515600" cy="3913436"/>
+          </a:xfrm>
+          <a:prstGeom prst="rect">
+            <a:avLst/>
+          </a:prstGeom>
+          <a:noFill/>
+          <a:extLst>
+            <a:ext uri="{909E8E84-426E-40DD-AFC4-6F175D3DCCD1}">
+              <a14:hiddenFill xmlns:a14="http://schemas.microsoft.com/office/drawing/2010/main">
+                <a:solidFill>
+                  <a:srgbClr val="FFFFFF"/>
+                </a:solidFill>
+              </a14:hiddenFill>
+            </a:ext>
+          </a:extLst>
+        </p:spPr>
+      </p:pic>
     </p:spTree>
     <p:extLst>
       <p:ext uri="{BB962C8B-B14F-4D97-AF65-F5344CB8AC3E}">
-        <p14:creationId xmlns:p14="http://schemas.microsoft.com/office/powerpoint/2010/main" val="3387577602"/>
+        <p14:creationId xmlns:p14="http://schemas.microsoft.com/office/powerpoint/2010/main" val="4003436163"/>
       </p:ext>
     </p:extLst>
   </p:cSld>
@@ -11579,55 +11612,55 @@
           <a:lstStyle/>
           <a:p>
             <a:r>
+              <a:rPr lang="de-AT" dirty="0" err="1" smtClean="0"/>
+              <a:t>Active</a:t>
+            </a:r>
+            <a:r>
               <a:rPr lang="de-AT" dirty="0" smtClean="0"/>
-              <a:t>Targets</a:t>
+              <a:t> </a:t>
+            </a:r>
+            <a:r>
+              <a:rPr lang="de-AT" dirty="0" err="1" smtClean="0"/>
+              <a:t>Health</a:t>
+            </a:r>
+            <a:r>
+              <a:rPr lang="de-AT" dirty="0" smtClean="0"/>
+              <a:t> Check</a:t>
             </a:r>
             <a:endParaRPr lang="de-AT" dirty="0"/>
           </a:p>
         </p:txBody>
       </p:sp>
-      <p:sp>
-        <p:nvSpPr>
-          <p:cNvPr id="4" name="Content Placeholder 3"/>
-          <p:cNvSpPr>
-            <a:spLocks noGrp="1"/>
-          </p:cNvSpPr>
+      <p:pic>
+        <p:nvPicPr>
+          <p:cNvPr id="5" name="Content Placeholder 4"/>
+          <p:cNvPicPr>
+            <a:picLocks noGrp="1" noChangeAspect="1"/>
+          </p:cNvPicPr>
           <p:nvPr>
-            <p:ph sz="half" idx="1"/>
+            <p:ph idx="1"/>
           </p:nvPr>
-        </p:nvSpPr>
-        <p:spPr/>
-        <p:txBody>
-          <a:bodyPr/>
-          <a:lstStyle/>
-          <a:p>
-            <a:endParaRPr lang="de-AT" dirty="0"/>
-          </a:p>
-        </p:txBody>
-      </p:sp>
-      <p:sp>
-        <p:nvSpPr>
-          <p:cNvPr id="5" name="Content Placeholder 4"/>
-          <p:cNvSpPr>
-            <a:spLocks noGrp="1"/>
-          </p:cNvSpPr>
-          <p:nvPr>
-            <p:ph sz="half" idx="2"/>
-          </p:nvPr>
-        </p:nvSpPr>
-        <p:spPr/>
-        <p:txBody>
-          <a:bodyPr/>
-          <a:lstStyle/>
-          <a:p>
-            <a:endParaRPr lang="de-AT"/>
-          </a:p>
-        </p:txBody>
-      </p:sp>
+        </p:nvPicPr>
+        <p:blipFill>
+          <a:blip r:embed="rId2"/>
+          <a:stretch>
+            <a:fillRect/>
+          </a:stretch>
+        </p:blipFill>
+        <p:spPr>
+          <a:xfrm>
+            <a:off x="838200" y="2044576"/>
+            <a:ext cx="10515600" cy="3913436"/>
+          </a:xfrm>
+          <a:prstGeom prst="rect">
+            <a:avLst/>
+          </a:prstGeom>
+        </p:spPr>
+      </p:pic>
     </p:spTree>
     <p:extLst>
       <p:ext uri="{BB962C8B-B14F-4D97-AF65-F5344CB8AC3E}">
-        <p14:creationId xmlns:p14="http://schemas.microsoft.com/office/powerpoint/2010/main" val="4258409465"/>
+        <p14:creationId xmlns:p14="http://schemas.microsoft.com/office/powerpoint/2010/main" val="2318157801"/>
       </p:ext>
     </p:extLst>
   </p:cSld>
@@ -11670,883 +11703,51 @@
           <a:lstStyle/>
           <a:p>
             <a:r>
+              <a:rPr lang="de-AT" dirty="0" smtClean="0"/>
+              <a:t>Circuit </a:t>
+            </a:r>
+            <a:r>
               <a:rPr lang="de-AT" dirty="0" err="1" smtClean="0"/>
-              <a:t>Plugins</a:t>
+              <a:t>Breaker</a:t>
+            </a:r>
+            <a:r>
+              <a:rPr lang="de-AT" dirty="0" smtClean="0"/>
+              <a:t> (1)</a:t>
             </a:r>
             <a:endParaRPr lang="de-AT" dirty="0"/>
           </a:p>
         </p:txBody>
       </p:sp>
-      <p:sp>
-        <p:nvSpPr>
-          <p:cNvPr id="4" name="Content Placeholder 3"/>
-          <p:cNvSpPr>
-            <a:spLocks noGrp="1"/>
-          </p:cNvSpPr>
+      <p:pic>
+        <p:nvPicPr>
+          <p:cNvPr id="8" name="Content Placeholder 7"/>
+          <p:cNvPicPr>
+            <a:picLocks noGrp="1" noChangeAspect="1"/>
+          </p:cNvPicPr>
           <p:nvPr>
-            <p:ph sz="half" idx="1"/>
+            <p:ph idx="1"/>
           </p:nvPr>
-        </p:nvSpPr>
+        </p:nvPicPr>
+        <p:blipFill>
+          <a:blip r:embed="rId2"/>
+          <a:stretch>
+            <a:fillRect/>
+          </a:stretch>
+        </p:blipFill>
         <p:spPr>
           <a:xfrm>
-            <a:off x="838200" y="1825625"/>
-            <a:ext cx="5181600" cy="3319883"/>
+            <a:off x="838200" y="2044576"/>
+            <a:ext cx="10515600" cy="3913436"/>
           </a:xfrm>
+          <a:prstGeom prst="rect">
+            <a:avLst/>
+          </a:prstGeom>
         </p:spPr>
-        <p:txBody>
-          <a:bodyPr>
-            <a:spAutoFit/>
-          </a:bodyPr>
-          <a:lstStyle/>
-          <a:p>
-            <a:pPr marL="0" indent="0">
-              <a:buNone/>
-            </a:pPr>
-            <a:r>
-              <a:rPr lang="de-AT" dirty="0" err="1" smtClean="0"/>
-              <a:t>Plugins</a:t>
-            </a:r>
-            <a:r>
-              <a:rPr lang="de-AT" dirty="0" smtClean="0"/>
-              <a:t> </a:t>
-            </a:r>
-            <a:r>
-              <a:rPr lang="de-AT" dirty="0" err="1" smtClean="0"/>
-              <a:t>are</a:t>
-            </a:r>
-            <a:r>
-              <a:rPr lang="de-AT" dirty="0" smtClean="0"/>
-              <a:t> </a:t>
-            </a:r>
-            <a:r>
-              <a:rPr lang="de-AT" dirty="0" err="1" smtClean="0"/>
-              <a:t>executed</a:t>
-            </a:r>
-            <a:r>
-              <a:rPr lang="de-AT" dirty="0" smtClean="0"/>
-              <a:t> </a:t>
-            </a:r>
-            <a:r>
-              <a:rPr lang="de-AT" dirty="0" err="1" smtClean="0"/>
-              <a:t>during</a:t>
-            </a:r>
-            <a:r>
-              <a:rPr lang="de-AT" dirty="0" smtClean="0"/>
-              <a:t> HTTP </a:t>
-            </a:r>
-            <a:r>
-              <a:rPr lang="de-AT" dirty="0" err="1" smtClean="0"/>
-              <a:t>request</a:t>
-            </a:r>
-            <a:r>
-              <a:rPr lang="de-AT" dirty="0" smtClean="0"/>
-              <a:t>/</a:t>
-            </a:r>
-            <a:r>
-              <a:rPr lang="de-AT" dirty="0" err="1" smtClean="0"/>
-              <a:t>response</a:t>
-            </a:r>
-            <a:r>
-              <a:rPr lang="de-AT" dirty="0" smtClean="0"/>
-              <a:t> </a:t>
-            </a:r>
-            <a:r>
-              <a:rPr lang="de-AT" dirty="0" err="1" smtClean="0"/>
-              <a:t>lifecycle</a:t>
-            </a:r>
-            <a:endParaRPr lang="de-AT" dirty="0" smtClean="0"/>
-          </a:p>
-          <a:p>
-            <a:pPr marL="0" indent="0">
-              <a:buNone/>
-            </a:pPr>
-            <a:endParaRPr lang="de-AT" dirty="0" smtClean="0"/>
-          </a:p>
-          <a:p>
-            <a:pPr marL="0" indent="0">
-              <a:buNone/>
-            </a:pPr>
-            <a:r>
-              <a:rPr lang="de-AT" dirty="0" err="1" smtClean="0"/>
-              <a:t>Plugins</a:t>
-            </a:r>
-            <a:r>
-              <a:rPr lang="de-AT" dirty="0" smtClean="0"/>
-              <a:t> </a:t>
-            </a:r>
-            <a:r>
-              <a:rPr lang="de-AT" dirty="0" err="1" smtClean="0"/>
-              <a:t>are</a:t>
-            </a:r>
-            <a:r>
-              <a:rPr lang="de-AT" dirty="0" smtClean="0"/>
-              <a:t> </a:t>
-            </a:r>
-            <a:r>
-              <a:rPr lang="de-AT" dirty="0" err="1" smtClean="0"/>
-              <a:t>bound</a:t>
-            </a:r>
-            <a:r>
-              <a:rPr lang="de-AT" dirty="0" smtClean="0"/>
-              <a:t> </a:t>
-            </a:r>
-            <a:r>
-              <a:rPr lang="de-AT" dirty="0" err="1" smtClean="0"/>
-              <a:t>to</a:t>
-            </a:r>
-            <a:r>
-              <a:rPr lang="de-AT" dirty="0" smtClean="0"/>
-              <a:t> </a:t>
-            </a:r>
-            <a:r>
-              <a:rPr lang="de-AT" dirty="0" err="1" smtClean="0"/>
-              <a:t>services</a:t>
-            </a:r>
-            <a:r>
-              <a:rPr lang="de-AT" dirty="0" smtClean="0"/>
-              <a:t>, </a:t>
-            </a:r>
-            <a:r>
-              <a:rPr lang="de-AT" dirty="0" err="1" smtClean="0"/>
-              <a:t>routes</a:t>
-            </a:r>
-            <a:r>
-              <a:rPr lang="de-AT" dirty="0" smtClean="0"/>
-              <a:t> </a:t>
-            </a:r>
-            <a:r>
-              <a:rPr lang="de-AT" dirty="0" err="1" smtClean="0"/>
-              <a:t>and</a:t>
-            </a:r>
-            <a:r>
-              <a:rPr lang="de-AT" dirty="0" smtClean="0"/>
-              <a:t>/</a:t>
-            </a:r>
-            <a:r>
-              <a:rPr lang="de-AT" dirty="0" err="1" smtClean="0"/>
-              <a:t>or</a:t>
-            </a:r>
-            <a:r>
-              <a:rPr lang="de-AT" dirty="0" smtClean="0"/>
-              <a:t> </a:t>
-            </a:r>
-            <a:r>
-              <a:rPr lang="de-AT" dirty="0" err="1" smtClean="0"/>
-              <a:t>consumers</a:t>
-            </a:r>
-            <a:endParaRPr lang="de-AT" dirty="0" smtClean="0"/>
-          </a:p>
-          <a:p>
-            <a:pPr marL="0" indent="0">
-              <a:buNone/>
-            </a:pPr>
-            <a:endParaRPr lang="de-AT" dirty="0"/>
-          </a:p>
-          <a:p>
-            <a:pPr marL="0" indent="0">
-              <a:buNone/>
-            </a:pPr>
-            <a:r>
-              <a:rPr lang="de-AT" dirty="0" err="1" smtClean="0"/>
-              <a:t>Plugins</a:t>
-            </a:r>
-            <a:r>
-              <a:rPr lang="de-AT" dirty="0" smtClean="0"/>
-              <a:t> </a:t>
-            </a:r>
-            <a:r>
-              <a:rPr lang="de-AT" dirty="0" err="1" smtClean="0"/>
-              <a:t>are</a:t>
-            </a:r>
-            <a:r>
-              <a:rPr lang="de-AT" dirty="0" smtClean="0"/>
-              <a:t> </a:t>
-            </a:r>
-            <a:r>
-              <a:rPr lang="de-AT" dirty="0" err="1" smtClean="0"/>
-              <a:t>developed</a:t>
-            </a:r>
-            <a:r>
-              <a:rPr lang="de-AT" dirty="0" smtClean="0"/>
-              <a:t> in </a:t>
-            </a:r>
-            <a:r>
-              <a:rPr lang="de-AT" dirty="0" err="1" smtClean="0"/>
-              <a:t>Lua</a:t>
-            </a:r>
-            <a:endParaRPr lang="de-AT" dirty="0" smtClean="0"/>
-          </a:p>
-        </p:txBody>
-      </p:sp>
-      <p:sp>
-        <p:nvSpPr>
-          <p:cNvPr id="5" name="Content Placeholder 4"/>
-          <p:cNvSpPr>
-            <a:spLocks noGrp="1"/>
-          </p:cNvSpPr>
-          <p:nvPr>
-            <p:ph sz="half" idx="2"/>
-          </p:nvPr>
-        </p:nvSpPr>
-        <p:spPr/>
-        <p:txBody>
-          <a:bodyPr>
-            <a:normAutofit fontScale="40000" lnSpcReduction="20000"/>
-          </a:bodyPr>
-          <a:lstStyle/>
-          <a:p>
-            <a:pPr marL="0" indent="0">
-              <a:buNone/>
-            </a:pPr>
-            <a:r>
-              <a:rPr lang="de-AT" dirty="0">
-                <a:solidFill>
-                  <a:srgbClr val="000000"/>
-                </a:solidFill>
-                <a:latin typeface="Fira Code, Consolas,  Courier New"/>
-              </a:rPr>
-              <a:t>{</a:t>
-            </a:r>
-          </a:p>
-          <a:p>
-            <a:pPr marL="0" indent="0">
-              <a:buNone/>
-            </a:pPr>
-            <a:r>
-              <a:rPr lang="de-AT" dirty="0">
-                <a:solidFill>
-                  <a:srgbClr val="000000"/>
-                </a:solidFill>
-                <a:latin typeface="Fira Code, Consolas,  Courier New"/>
-              </a:rPr>
-              <a:t>    </a:t>
-            </a:r>
-            <a:r>
-              <a:rPr lang="de-AT" dirty="0">
-                <a:solidFill>
-                  <a:srgbClr val="0451A5"/>
-                </a:solidFill>
-                <a:latin typeface="Fira Code, Consolas,  Courier New"/>
-              </a:rPr>
-              <a:t>"</a:t>
-            </a:r>
-            <a:r>
-              <a:rPr lang="de-AT" dirty="0" err="1">
-                <a:solidFill>
-                  <a:srgbClr val="0451A5"/>
-                </a:solidFill>
-                <a:latin typeface="Fira Code, Consolas,  Courier New"/>
-              </a:rPr>
-              <a:t>name</a:t>
-            </a:r>
-            <a:r>
-              <a:rPr lang="de-AT" dirty="0">
-                <a:solidFill>
-                  <a:srgbClr val="0451A5"/>
-                </a:solidFill>
-                <a:latin typeface="Fira Code, Consolas,  Courier New"/>
-              </a:rPr>
-              <a:t>"</a:t>
-            </a:r>
-            <a:r>
-              <a:rPr lang="de-AT" dirty="0">
-                <a:solidFill>
-                  <a:srgbClr val="000000"/>
-                </a:solidFill>
-                <a:latin typeface="Fira Code, Consolas,  Courier New"/>
-              </a:rPr>
-              <a:t>: </a:t>
-            </a:r>
-            <a:r>
-              <a:rPr lang="de-AT" dirty="0">
-                <a:solidFill>
-                  <a:srgbClr val="A31515"/>
-                </a:solidFill>
-                <a:latin typeface="Fira Code, Consolas,  Courier New"/>
-              </a:rPr>
-              <a:t>"</a:t>
-            </a:r>
-            <a:r>
-              <a:rPr lang="de-AT" dirty="0" err="1">
-                <a:solidFill>
-                  <a:srgbClr val="A31515"/>
-                </a:solidFill>
-                <a:latin typeface="Fira Code, Consolas,  Courier New"/>
-              </a:rPr>
-              <a:t>ip-restriction</a:t>
-            </a:r>
-            <a:r>
-              <a:rPr lang="de-AT" dirty="0">
-                <a:solidFill>
-                  <a:srgbClr val="A31515"/>
-                </a:solidFill>
-                <a:latin typeface="Fira Code, Consolas,  Courier New"/>
-              </a:rPr>
-              <a:t>"</a:t>
-            </a:r>
-            <a:r>
-              <a:rPr lang="de-AT" dirty="0">
-                <a:solidFill>
-                  <a:srgbClr val="000000"/>
-                </a:solidFill>
-                <a:latin typeface="Fira Code, Consolas,  Courier New"/>
-              </a:rPr>
-              <a:t>,</a:t>
-            </a:r>
-          </a:p>
-          <a:p>
-            <a:pPr marL="0" indent="0">
-              <a:buNone/>
-            </a:pPr>
-            <a:r>
-              <a:rPr lang="de-AT" dirty="0">
-                <a:solidFill>
-                  <a:srgbClr val="000000"/>
-                </a:solidFill>
-                <a:latin typeface="Fira Code, Consolas,  Courier New"/>
-              </a:rPr>
-              <a:t>    </a:t>
-            </a:r>
-            <a:r>
-              <a:rPr lang="de-AT" dirty="0">
-                <a:solidFill>
-                  <a:srgbClr val="0451A5"/>
-                </a:solidFill>
-                <a:latin typeface="Fira Code, Consolas,  Courier New"/>
-              </a:rPr>
-              <a:t>"</a:t>
-            </a:r>
-            <a:r>
-              <a:rPr lang="de-AT" dirty="0" err="1">
-                <a:solidFill>
-                  <a:srgbClr val="0451A5"/>
-                </a:solidFill>
-                <a:latin typeface="Fira Code, Consolas,  Courier New"/>
-              </a:rPr>
-              <a:t>config</a:t>
-            </a:r>
-            <a:r>
-              <a:rPr lang="de-AT" dirty="0">
-                <a:solidFill>
-                  <a:srgbClr val="0451A5"/>
-                </a:solidFill>
-                <a:latin typeface="Fira Code, Consolas,  Courier New"/>
-              </a:rPr>
-              <a:t>"</a:t>
-            </a:r>
-            <a:r>
-              <a:rPr lang="de-AT" dirty="0">
-                <a:solidFill>
-                  <a:srgbClr val="000000"/>
-                </a:solidFill>
-                <a:latin typeface="Fira Code, Consolas,  Courier New"/>
-              </a:rPr>
-              <a:t>: {</a:t>
-            </a:r>
-          </a:p>
-          <a:p>
-            <a:pPr marL="0" indent="0">
-              <a:buNone/>
-            </a:pPr>
-            <a:r>
-              <a:rPr lang="de-AT" dirty="0">
-                <a:solidFill>
-                  <a:srgbClr val="000000"/>
-                </a:solidFill>
-                <a:latin typeface="Fira Code, Consolas,  Courier New"/>
-              </a:rPr>
-              <a:t>        </a:t>
-            </a:r>
-            <a:r>
-              <a:rPr lang="de-AT" dirty="0">
-                <a:solidFill>
-                  <a:srgbClr val="0451A5"/>
-                </a:solidFill>
-                <a:latin typeface="Fira Code, Consolas,  Courier New"/>
-              </a:rPr>
-              <a:t>"</a:t>
-            </a:r>
-            <a:r>
-              <a:rPr lang="de-AT" dirty="0" err="1">
-                <a:solidFill>
-                  <a:srgbClr val="0451A5"/>
-                </a:solidFill>
-                <a:latin typeface="Fira Code, Consolas,  Courier New"/>
-              </a:rPr>
-              <a:t>whitelist</a:t>
-            </a:r>
-            <a:r>
-              <a:rPr lang="de-AT" dirty="0">
-                <a:solidFill>
-                  <a:srgbClr val="0451A5"/>
-                </a:solidFill>
-                <a:latin typeface="Fira Code, Consolas,  Courier New"/>
-              </a:rPr>
-              <a:t>"</a:t>
-            </a:r>
-            <a:r>
-              <a:rPr lang="de-AT" dirty="0">
-                <a:solidFill>
-                  <a:srgbClr val="000000"/>
-                </a:solidFill>
-                <a:latin typeface="Fira Code, Consolas,  Courier New"/>
-              </a:rPr>
-              <a:t>: [</a:t>
-            </a:r>
-          </a:p>
-          <a:p>
-            <a:pPr marL="0" indent="0">
-              <a:buNone/>
-            </a:pPr>
-            <a:r>
-              <a:rPr lang="de-AT" dirty="0">
-                <a:solidFill>
-                  <a:srgbClr val="000000"/>
-                </a:solidFill>
-                <a:latin typeface="Fira Code, Consolas,  Courier New"/>
-              </a:rPr>
-              <a:t>            </a:t>
-            </a:r>
-            <a:r>
-              <a:rPr lang="de-AT" dirty="0">
-                <a:solidFill>
-                  <a:srgbClr val="A31515"/>
-                </a:solidFill>
-                <a:latin typeface="Fira Code, Consolas,  Courier New"/>
-              </a:rPr>
-              <a:t>"172.18.0.0/16"</a:t>
-            </a:r>
-            <a:endParaRPr lang="de-AT" dirty="0">
-              <a:solidFill>
-                <a:srgbClr val="000000"/>
-              </a:solidFill>
-              <a:latin typeface="Fira Code, Consolas,  Courier New"/>
-            </a:endParaRPr>
-          </a:p>
-          <a:p>
-            <a:pPr marL="0" indent="0">
-              <a:buNone/>
-            </a:pPr>
-            <a:r>
-              <a:rPr lang="de-AT" dirty="0">
-                <a:solidFill>
-                  <a:srgbClr val="000000"/>
-                </a:solidFill>
-                <a:latin typeface="Fira Code, Consolas,  Courier New"/>
-              </a:rPr>
-              <a:t>        ]</a:t>
-            </a:r>
-          </a:p>
-          <a:p>
-            <a:pPr marL="0" indent="0">
-              <a:buNone/>
-            </a:pPr>
-            <a:r>
-              <a:rPr lang="de-AT" dirty="0">
-                <a:solidFill>
-                  <a:srgbClr val="000000"/>
-                </a:solidFill>
-                <a:latin typeface="Fira Code, Consolas,  Courier New"/>
-              </a:rPr>
-              <a:t>    },</a:t>
-            </a:r>
-          </a:p>
-          <a:p>
-            <a:pPr marL="0" indent="0">
-              <a:buNone/>
-            </a:pPr>
-            <a:r>
-              <a:rPr lang="de-AT" dirty="0">
-                <a:solidFill>
-                  <a:srgbClr val="000000"/>
-                </a:solidFill>
-                <a:latin typeface="Fira Code, Consolas,  Courier New"/>
-              </a:rPr>
-              <a:t>    </a:t>
-            </a:r>
-            <a:r>
-              <a:rPr lang="de-AT" dirty="0">
-                <a:solidFill>
-                  <a:srgbClr val="0451A5"/>
-                </a:solidFill>
-                <a:latin typeface="Fira Code, Consolas,  Courier New"/>
-              </a:rPr>
-              <a:t>"</a:t>
-            </a:r>
-            <a:r>
-              <a:rPr lang="de-AT" dirty="0" err="1">
-                <a:solidFill>
-                  <a:srgbClr val="0451A5"/>
-                </a:solidFill>
-                <a:latin typeface="Fira Code, Consolas,  Courier New"/>
-              </a:rPr>
-              <a:t>consumer</a:t>
-            </a:r>
-            <a:r>
-              <a:rPr lang="de-AT" dirty="0">
-                <a:solidFill>
-                  <a:srgbClr val="0451A5"/>
-                </a:solidFill>
-                <a:latin typeface="Fira Code, Consolas,  Courier New"/>
-              </a:rPr>
-              <a:t>"</a:t>
-            </a:r>
-            <a:r>
-              <a:rPr lang="de-AT" dirty="0">
-                <a:solidFill>
-                  <a:srgbClr val="000000"/>
-                </a:solidFill>
-                <a:latin typeface="Fira Code, Consolas,  Courier New"/>
-              </a:rPr>
-              <a:t>: </a:t>
-            </a:r>
-            <a:r>
-              <a:rPr lang="de-AT" dirty="0">
-                <a:solidFill>
-                  <a:srgbClr val="0000FF"/>
-                </a:solidFill>
-                <a:latin typeface="Fira Code, Consolas,  Courier New"/>
-              </a:rPr>
-              <a:t>null</a:t>
-            </a:r>
-            <a:r>
-              <a:rPr lang="de-AT" dirty="0">
-                <a:solidFill>
-                  <a:srgbClr val="000000"/>
-                </a:solidFill>
-                <a:latin typeface="Fira Code, Consolas,  Courier New"/>
-              </a:rPr>
-              <a:t>,</a:t>
-            </a:r>
-          </a:p>
-          <a:p>
-            <a:pPr marL="0" indent="0">
-              <a:buNone/>
-            </a:pPr>
-            <a:r>
-              <a:rPr lang="de-AT" dirty="0">
-                <a:solidFill>
-                  <a:srgbClr val="000000"/>
-                </a:solidFill>
-                <a:latin typeface="Fira Code, Consolas,  Courier New"/>
-              </a:rPr>
-              <a:t>    </a:t>
-            </a:r>
-            <a:r>
-              <a:rPr lang="de-AT" dirty="0">
-                <a:solidFill>
-                  <a:srgbClr val="0451A5"/>
-                </a:solidFill>
-                <a:latin typeface="Fira Code, Consolas,  Courier New"/>
-              </a:rPr>
-              <a:t>"</a:t>
-            </a:r>
-            <a:r>
-              <a:rPr lang="de-AT" dirty="0" err="1">
-                <a:solidFill>
-                  <a:srgbClr val="0451A5"/>
-                </a:solidFill>
-                <a:latin typeface="Fira Code, Consolas,  Courier New"/>
-              </a:rPr>
-              <a:t>protocols</a:t>
-            </a:r>
-            <a:r>
-              <a:rPr lang="de-AT" dirty="0">
-                <a:solidFill>
-                  <a:srgbClr val="0451A5"/>
-                </a:solidFill>
-                <a:latin typeface="Fira Code, Consolas,  Courier New"/>
-              </a:rPr>
-              <a:t>"</a:t>
-            </a:r>
-            <a:r>
-              <a:rPr lang="de-AT" dirty="0">
-                <a:solidFill>
-                  <a:srgbClr val="000000"/>
-                </a:solidFill>
-                <a:latin typeface="Fira Code, Consolas,  Courier New"/>
-              </a:rPr>
-              <a:t>: [</a:t>
-            </a:r>
-          </a:p>
-          <a:p>
-            <a:pPr marL="0" indent="0">
-              <a:buNone/>
-            </a:pPr>
-            <a:r>
-              <a:rPr lang="de-AT" dirty="0">
-                <a:solidFill>
-                  <a:srgbClr val="000000"/>
-                </a:solidFill>
-                <a:latin typeface="Fira Code, Consolas,  Courier New"/>
-              </a:rPr>
-              <a:t>        </a:t>
-            </a:r>
-            <a:r>
-              <a:rPr lang="de-AT" dirty="0">
-                <a:solidFill>
-                  <a:srgbClr val="A31515"/>
-                </a:solidFill>
-                <a:latin typeface="Fira Code, Consolas,  Courier New"/>
-              </a:rPr>
-              <a:t>"http"</a:t>
-            </a:r>
-            <a:r>
-              <a:rPr lang="de-AT" dirty="0">
-                <a:solidFill>
-                  <a:srgbClr val="000000"/>
-                </a:solidFill>
-                <a:latin typeface="Fira Code, Consolas,  Courier New"/>
-              </a:rPr>
-              <a:t>,</a:t>
-            </a:r>
-          </a:p>
-          <a:p>
-            <a:pPr marL="0" indent="0">
-              <a:buNone/>
-            </a:pPr>
-            <a:r>
-              <a:rPr lang="de-AT" dirty="0">
-                <a:solidFill>
-                  <a:srgbClr val="000000"/>
-                </a:solidFill>
-                <a:latin typeface="Fira Code, Consolas,  Courier New"/>
-              </a:rPr>
-              <a:t>        </a:t>
-            </a:r>
-            <a:r>
-              <a:rPr lang="de-AT" dirty="0">
-                <a:solidFill>
-                  <a:srgbClr val="A31515"/>
-                </a:solidFill>
-                <a:latin typeface="Fira Code, Consolas,  Courier New"/>
-              </a:rPr>
-              <a:t>"https"</a:t>
-            </a:r>
-            <a:endParaRPr lang="de-AT" dirty="0">
-              <a:solidFill>
-                <a:srgbClr val="000000"/>
-              </a:solidFill>
-              <a:latin typeface="Fira Code, Consolas,  Courier New"/>
-            </a:endParaRPr>
-          </a:p>
-          <a:p>
-            <a:pPr marL="0" indent="0">
-              <a:buNone/>
-            </a:pPr>
-            <a:r>
-              <a:rPr lang="de-AT" dirty="0">
-                <a:solidFill>
-                  <a:srgbClr val="000000"/>
-                </a:solidFill>
-                <a:latin typeface="Fira Code, Consolas,  Courier New"/>
-              </a:rPr>
-              <a:t>    ],</a:t>
-            </a:r>
-          </a:p>
-          <a:p>
-            <a:pPr marL="0" indent="0">
-              <a:buNone/>
-            </a:pPr>
-            <a:r>
-              <a:rPr lang="de-AT" dirty="0">
-                <a:solidFill>
-                  <a:srgbClr val="000000"/>
-                </a:solidFill>
-                <a:latin typeface="Fira Code, Consolas,  Courier New"/>
-              </a:rPr>
-              <a:t>    </a:t>
-            </a:r>
-            <a:r>
-              <a:rPr lang="de-AT" dirty="0">
-                <a:solidFill>
-                  <a:srgbClr val="0451A5"/>
-                </a:solidFill>
-                <a:latin typeface="Fira Code, Consolas,  Courier New"/>
-              </a:rPr>
-              <a:t>"route"</a:t>
-            </a:r>
-            <a:r>
-              <a:rPr lang="de-AT" dirty="0">
-                <a:solidFill>
-                  <a:srgbClr val="000000"/>
-                </a:solidFill>
-                <a:latin typeface="Fira Code, Consolas,  Courier New"/>
-              </a:rPr>
-              <a:t>: {</a:t>
-            </a:r>
-          </a:p>
-          <a:p>
-            <a:pPr marL="0" indent="0">
-              <a:buNone/>
-            </a:pPr>
-            <a:r>
-              <a:rPr lang="de-AT" dirty="0">
-                <a:solidFill>
-                  <a:srgbClr val="000000"/>
-                </a:solidFill>
-                <a:latin typeface="Fira Code, Consolas,  Courier New"/>
-              </a:rPr>
-              <a:t>        </a:t>
-            </a:r>
-            <a:r>
-              <a:rPr lang="de-AT" dirty="0">
-                <a:solidFill>
-                  <a:srgbClr val="0451A5"/>
-                </a:solidFill>
-                <a:latin typeface="Fira Code, Consolas,  Courier New"/>
-              </a:rPr>
-              <a:t>"</a:t>
-            </a:r>
-            <a:r>
-              <a:rPr lang="de-AT" dirty="0" err="1">
-                <a:solidFill>
-                  <a:srgbClr val="0451A5"/>
-                </a:solidFill>
-                <a:latin typeface="Fira Code, Consolas,  Courier New"/>
-              </a:rPr>
-              <a:t>id</a:t>
-            </a:r>
-            <a:r>
-              <a:rPr lang="de-AT" dirty="0">
-                <a:solidFill>
-                  <a:srgbClr val="0451A5"/>
-                </a:solidFill>
-                <a:latin typeface="Fira Code, Consolas,  Courier New"/>
-              </a:rPr>
-              <a:t>"</a:t>
-            </a:r>
-            <a:r>
-              <a:rPr lang="de-AT" dirty="0">
-                <a:solidFill>
-                  <a:srgbClr val="000000"/>
-                </a:solidFill>
-                <a:latin typeface="Fira Code, Consolas,  Courier New"/>
-              </a:rPr>
-              <a:t>: </a:t>
-            </a:r>
-            <a:r>
-              <a:rPr lang="de-AT" dirty="0">
-                <a:solidFill>
-                  <a:srgbClr val="A31515"/>
-                </a:solidFill>
-                <a:latin typeface="Fira Code, Consolas,  Courier New"/>
-              </a:rPr>
-              <a:t>"5ff018a3-2a25-567e-8c74-1805c4029fbd"</a:t>
-            </a:r>
-            <a:endParaRPr lang="de-AT" dirty="0">
-              <a:solidFill>
-                <a:srgbClr val="000000"/>
-              </a:solidFill>
-              <a:latin typeface="Fira Code, Consolas,  Courier New"/>
-            </a:endParaRPr>
-          </a:p>
-          <a:p>
-            <a:pPr marL="0" indent="0">
-              <a:buNone/>
-            </a:pPr>
-            <a:r>
-              <a:rPr lang="de-AT" dirty="0">
-                <a:solidFill>
-                  <a:srgbClr val="000000"/>
-                </a:solidFill>
-                <a:latin typeface="Fira Code, Consolas,  Courier New"/>
-              </a:rPr>
-              <a:t>    },</a:t>
-            </a:r>
-          </a:p>
-          <a:p>
-            <a:pPr marL="0" indent="0">
-              <a:buNone/>
-            </a:pPr>
-            <a:r>
-              <a:rPr lang="de-AT" dirty="0">
-                <a:solidFill>
-                  <a:srgbClr val="000000"/>
-                </a:solidFill>
-                <a:latin typeface="Fira Code, Consolas,  Courier New"/>
-              </a:rPr>
-              <a:t>    </a:t>
-            </a:r>
-            <a:r>
-              <a:rPr lang="de-AT" dirty="0">
-                <a:solidFill>
-                  <a:srgbClr val="0451A5"/>
-                </a:solidFill>
-                <a:latin typeface="Fira Code, Consolas,  Courier New"/>
-              </a:rPr>
-              <a:t>"</a:t>
-            </a:r>
-            <a:r>
-              <a:rPr lang="de-AT" dirty="0" err="1">
-                <a:solidFill>
-                  <a:srgbClr val="0451A5"/>
-                </a:solidFill>
-                <a:latin typeface="Fira Code, Consolas,  Courier New"/>
-              </a:rPr>
-              <a:t>service</a:t>
-            </a:r>
-            <a:r>
-              <a:rPr lang="de-AT" dirty="0">
-                <a:solidFill>
-                  <a:srgbClr val="0451A5"/>
-                </a:solidFill>
-                <a:latin typeface="Fira Code, Consolas,  Courier New"/>
-              </a:rPr>
-              <a:t>"</a:t>
-            </a:r>
-            <a:r>
-              <a:rPr lang="de-AT" dirty="0">
-                <a:solidFill>
-                  <a:srgbClr val="000000"/>
-                </a:solidFill>
-                <a:latin typeface="Fira Code, Consolas,  Courier New"/>
-              </a:rPr>
-              <a:t>: </a:t>
-            </a:r>
-            <a:r>
-              <a:rPr lang="de-AT" dirty="0">
-                <a:solidFill>
-                  <a:srgbClr val="0000FF"/>
-                </a:solidFill>
-                <a:latin typeface="Fira Code, Consolas,  Courier New"/>
-              </a:rPr>
-              <a:t>null</a:t>
-            </a:r>
-            <a:endParaRPr lang="de-AT" dirty="0">
-              <a:solidFill>
-                <a:srgbClr val="000000"/>
-              </a:solidFill>
-              <a:latin typeface="Fira Code, Consolas,  Courier New"/>
-            </a:endParaRPr>
-          </a:p>
-          <a:p>
-            <a:pPr marL="0" indent="0">
-              <a:buNone/>
-            </a:pPr>
-            <a:r>
-              <a:rPr lang="de-AT" dirty="0">
-                <a:solidFill>
-                  <a:srgbClr val="000000"/>
-                </a:solidFill>
-                <a:latin typeface="Fira Code, Consolas,  Courier New"/>
-              </a:rPr>
-              <a:t>}</a:t>
-            </a:r>
-            <a:endParaRPr lang="de-AT" b="0" dirty="0">
-              <a:solidFill>
-                <a:srgbClr val="000000"/>
-              </a:solidFill>
-              <a:effectLst/>
-              <a:latin typeface="Fira Code, Consolas,  Courier New"/>
-            </a:endParaRPr>
-          </a:p>
-        </p:txBody>
-      </p:sp>
+      </p:pic>
     </p:spTree>
     <p:extLst>
       <p:ext uri="{BB962C8B-B14F-4D97-AF65-F5344CB8AC3E}">
-        <p14:creationId xmlns:p14="http://schemas.microsoft.com/office/powerpoint/2010/main" val="2735879224"/>
+        <p14:creationId xmlns:p14="http://schemas.microsoft.com/office/powerpoint/2010/main" val="1377814905"/>
       </p:ext>
     </p:extLst>
   </p:cSld>
@@ -12590,111 +11791,50 @@
           <a:p>
             <a:r>
               <a:rPr lang="de-AT" dirty="0" smtClean="0"/>
-              <a:t>Service Design</a:t>
+              <a:t>Circuit </a:t>
+            </a:r>
+            <a:r>
+              <a:rPr lang="de-AT" dirty="0" err="1" smtClean="0"/>
+              <a:t>Breaker</a:t>
+            </a:r>
+            <a:r>
+              <a:rPr lang="de-AT" dirty="0" smtClean="0"/>
+              <a:t> (2)</a:t>
             </a:r>
             <a:endParaRPr lang="de-AT" dirty="0"/>
           </a:p>
         </p:txBody>
       </p:sp>
-      <p:sp>
-        <p:nvSpPr>
-          <p:cNvPr id="3" name="Content Placeholder 2"/>
-          <p:cNvSpPr>
-            <a:spLocks noGrp="1"/>
-          </p:cNvSpPr>
+      <p:pic>
+        <p:nvPicPr>
+          <p:cNvPr id="5" name="Content Placeholder 4"/>
+          <p:cNvPicPr>
+            <a:picLocks noGrp="1" noChangeAspect="1"/>
+          </p:cNvPicPr>
           <p:nvPr>
             <p:ph idx="1"/>
           </p:nvPr>
-        </p:nvSpPr>
-        <p:spPr/>
-        <p:txBody>
-          <a:bodyPr/>
-          <a:lstStyle/>
-          <a:p>
-            <a:pPr marL="0" indent="0">
-              <a:buNone/>
-            </a:pPr>
-            <a:endParaRPr lang="de-AT" dirty="0" smtClean="0"/>
-          </a:p>
-          <a:p>
-            <a:pPr marL="0" indent="0">
-              <a:buNone/>
-            </a:pPr>
-            <a:r>
-              <a:rPr lang="de-AT" dirty="0" smtClean="0"/>
-              <a:t>Who </a:t>
-            </a:r>
-            <a:r>
-              <a:rPr lang="de-AT" dirty="0" err="1" smtClean="0"/>
-              <a:t>operates</a:t>
-            </a:r>
-            <a:r>
-              <a:rPr lang="de-AT" dirty="0" smtClean="0"/>
-              <a:t> </a:t>
-            </a:r>
-            <a:r>
-              <a:rPr lang="de-AT" dirty="0" err="1" smtClean="0"/>
-              <a:t>your</a:t>
-            </a:r>
-            <a:r>
-              <a:rPr lang="de-AT" dirty="0" smtClean="0"/>
-              <a:t> </a:t>
-            </a:r>
-            <a:r>
-              <a:rPr lang="de-AT" dirty="0" err="1" smtClean="0"/>
-              <a:t>gateway</a:t>
-            </a:r>
-            <a:r>
-              <a:rPr lang="de-AT" dirty="0" smtClean="0"/>
-              <a:t>?</a:t>
-            </a:r>
-          </a:p>
-          <a:p>
-            <a:pPr marL="0" indent="0">
-              <a:buNone/>
-            </a:pPr>
-            <a:endParaRPr lang="de-AT" dirty="0"/>
-          </a:p>
-          <a:p>
-            <a:pPr marL="0" indent="0">
-              <a:buNone/>
-            </a:pPr>
-            <a:r>
-              <a:rPr lang="de-AT" dirty="0" smtClean="0"/>
-              <a:t>Who </a:t>
-            </a:r>
-            <a:r>
-              <a:rPr lang="de-AT" dirty="0" err="1" smtClean="0"/>
-              <a:t>uses</a:t>
-            </a:r>
-            <a:r>
-              <a:rPr lang="de-AT" dirty="0" smtClean="0"/>
-              <a:t> </a:t>
-            </a:r>
-            <a:r>
-              <a:rPr lang="de-AT" dirty="0" err="1" smtClean="0"/>
-              <a:t>your</a:t>
-            </a:r>
-            <a:r>
-              <a:rPr lang="de-AT" dirty="0" smtClean="0"/>
-              <a:t> </a:t>
-            </a:r>
-            <a:r>
-              <a:rPr lang="de-AT" dirty="0" err="1" smtClean="0"/>
-              <a:t>gateway</a:t>
-            </a:r>
-            <a:r>
-              <a:rPr lang="de-AT" dirty="0" smtClean="0"/>
-              <a:t>?</a:t>
-            </a:r>
-            <a:endParaRPr lang="de-AT" dirty="0"/>
-          </a:p>
-        </p:txBody>
-      </p:sp>
+        </p:nvPicPr>
+        <p:blipFill>
+          <a:blip r:embed="rId2"/>
+          <a:stretch>
+            <a:fillRect/>
+          </a:stretch>
+        </p:blipFill>
+        <p:spPr>
+          <a:xfrm>
+            <a:off x="838200" y="2129760"/>
+            <a:ext cx="10515600" cy="3743068"/>
+          </a:xfrm>
+          <a:prstGeom prst="rect">
+            <a:avLst/>
+          </a:prstGeom>
+        </p:spPr>
+      </p:pic>
     </p:spTree>
     <p:extLst>
       <p:ext uri="{BB962C8B-B14F-4D97-AF65-F5344CB8AC3E}">
-        <p14:creationId xmlns:p14="http://schemas.microsoft.com/office/powerpoint/2010/main" val="2848102619"/>
+        <p14:creationId xmlns:p14="http://schemas.microsoft.com/office/powerpoint/2010/main" val="849917032"/>
       </p:ext>
     </p:extLst>
   </p:cSld>
@@ -12738,6 +11878,1414 @@
           <a:p>
             <a:r>
               <a:rPr lang="de-AT" dirty="0" err="1" smtClean="0"/>
+              <a:t>Upstreams</a:t>
+            </a:r>
+            <a:endParaRPr lang="de-AT" dirty="0"/>
+          </a:p>
+        </p:txBody>
+      </p:sp>
+      <p:sp>
+        <p:nvSpPr>
+          <p:cNvPr id="4" name="Content Placeholder 3"/>
+          <p:cNvSpPr>
+            <a:spLocks noGrp="1"/>
+          </p:cNvSpPr>
+          <p:nvPr>
+            <p:ph sz="half" idx="1"/>
+          </p:nvPr>
+        </p:nvSpPr>
+        <p:spPr/>
+        <p:txBody>
+          <a:bodyPr/>
+          <a:lstStyle/>
+          <a:p>
+            <a:endParaRPr lang="de-AT"/>
+          </a:p>
+        </p:txBody>
+      </p:sp>
+      <p:sp>
+        <p:nvSpPr>
+          <p:cNvPr id="5" name="Content Placeholder 4"/>
+          <p:cNvSpPr>
+            <a:spLocks noGrp="1"/>
+          </p:cNvSpPr>
+          <p:nvPr>
+            <p:ph sz="half" idx="2"/>
+          </p:nvPr>
+        </p:nvSpPr>
+        <p:spPr/>
+        <p:txBody>
+          <a:bodyPr/>
+          <a:lstStyle/>
+          <a:p>
+            <a:endParaRPr lang="de-AT"/>
+          </a:p>
+        </p:txBody>
+      </p:sp>
+    </p:spTree>
+    <p:extLst>
+      <p:ext uri="{BB962C8B-B14F-4D97-AF65-F5344CB8AC3E}">
+        <p14:creationId xmlns:p14="http://schemas.microsoft.com/office/powerpoint/2010/main" val="3387577602"/>
+      </p:ext>
+    </p:extLst>
+  </p:cSld>
+  <p:clrMapOvr>
+    <a:masterClrMapping/>
+  </p:clrMapOvr>
+</p:sld>
+</file>
+
+<file path=ppt/slides/slide29.xml><?xml version="1.0" encoding="utf-8"?>
+<p:sld xmlns:a="http://schemas.openxmlformats.org/drawingml/2006/main" xmlns:r="http://schemas.openxmlformats.org/officeDocument/2006/relationships" xmlns:p="http://schemas.openxmlformats.org/presentationml/2006/main">
+  <p:cSld>
+    <p:spTree>
+      <p:nvGrpSpPr>
+        <p:cNvPr id="1" name=""/>
+        <p:cNvGrpSpPr/>
+        <p:nvPr/>
+      </p:nvGrpSpPr>
+      <p:grpSpPr>
+        <a:xfrm>
+          <a:off x="0" y="0"/>
+          <a:ext cx="0" cy="0"/>
+          <a:chOff x="0" y="0"/>
+          <a:chExt cx="0" cy="0"/>
+        </a:xfrm>
+      </p:grpSpPr>
+      <p:sp>
+        <p:nvSpPr>
+          <p:cNvPr id="2" name="Title 1"/>
+          <p:cNvSpPr>
+            <a:spLocks noGrp="1"/>
+          </p:cNvSpPr>
+          <p:nvPr>
+            <p:ph type="title"/>
+          </p:nvPr>
+        </p:nvSpPr>
+        <p:spPr/>
+        <p:txBody>
+          <a:bodyPr/>
+          <a:lstStyle/>
+          <a:p>
+            <a:r>
+              <a:rPr lang="de-AT" dirty="0" smtClean="0"/>
+              <a:t>Targets</a:t>
+            </a:r>
+            <a:endParaRPr lang="de-AT" dirty="0"/>
+          </a:p>
+        </p:txBody>
+      </p:sp>
+      <p:sp>
+        <p:nvSpPr>
+          <p:cNvPr id="4" name="Content Placeholder 3"/>
+          <p:cNvSpPr>
+            <a:spLocks noGrp="1"/>
+          </p:cNvSpPr>
+          <p:nvPr>
+            <p:ph sz="half" idx="1"/>
+          </p:nvPr>
+        </p:nvSpPr>
+        <p:spPr/>
+        <p:txBody>
+          <a:bodyPr/>
+          <a:lstStyle/>
+          <a:p>
+            <a:endParaRPr lang="de-AT" dirty="0"/>
+          </a:p>
+        </p:txBody>
+      </p:sp>
+      <p:sp>
+        <p:nvSpPr>
+          <p:cNvPr id="5" name="Content Placeholder 4"/>
+          <p:cNvSpPr>
+            <a:spLocks noGrp="1"/>
+          </p:cNvSpPr>
+          <p:nvPr>
+            <p:ph sz="half" idx="2"/>
+          </p:nvPr>
+        </p:nvSpPr>
+        <p:spPr/>
+        <p:txBody>
+          <a:bodyPr/>
+          <a:lstStyle/>
+          <a:p>
+            <a:endParaRPr lang="de-AT"/>
+          </a:p>
+        </p:txBody>
+      </p:sp>
+    </p:spTree>
+    <p:extLst>
+      <p:ext uri="{BB962C8B-B14F-4D97-AF65-F5344CB8AC3E}">
+        <p14:creationId xmlns:p14="http://schemas.microsoft.com/office/powerpoint/2010/main" val="4258409465"/>
+      </p:ext>
+    </p:extLst>
+  </p:cSld>
+  <p:clrMapOvr>
+    <a:masterClrMapping/>
+  </p:clrMapOvr>
+</p:sld>
+</file>
+
+<file path=ppt/slides/slide3.xml><?xml version="1.0" encoding="utf-8"?>
+<p:sld xmlns:a="http://schemas.openxmlformats.org/drawingml/2006/main" xmlns:r="http://schemas.openxmlformats.org/officeDocument/2006/relationships" xmlns:p="http://schemas.openxmlformats.org/presentationml/2006/main">
+  <p:cSld>
+    <p:spTree>
+      <p:nvGrpSpPr>
+        <p:cNvPr id="1" name=""/>
+        <p:cNvGrpSpPr/>
+        <p:nvPr/>
+      </p:nvGrpSpPr>
+      <p:grpSpPr>
+        <a:xfrm>
+          <a:off x="0" y="0"/>
+          <a:ext cx="0" cy="0"/>
+          <a:chOff x="0" y="0"/>
+          <a:chExt cx="0" cy="0"/>
+        </a:xfrm>
+      </p:grpSpPr>
+      <p:sp>
+        <p:nvSpPr>
+          <p:cNvPr id="2" name="Title 1"/>
+          <p:cNvSpPr>
+            <a:spLocks noGrp="1"/>
+          </p:cNvSpPr>
+          <p:nvPr>
+            <p:ph type="title"/>
+          </p:nvPr>
+        </p:nvSpPr>
+        <p:spPr/>
+        <p:txBody>
+          <a:bodyPr/>
+          <a:lstStyle/>
+          <a:p>
+            <a:r>
+              <a:rPr lang="de-AT" dirty="0" err="1" smtClean="0"/>
+              <a:t>Excursus</a:t>
+            </a:r>
+            <a:r>
+              <a:rPr lang="de-AT" dirty="0" smtClean="0"/>
+              <a:t>: </a:t>
+            </a:r>
+            <a:r>
+              <a:rPr lang="de-AT" dirty="0" err="1" smtClean="0"/>
+              <a:t>Documentation</a:t>
+            </a:r>
+            <a:endParaRPr lang="de-AT" dirty="0"/>
+          </a:p>
+        </p:txBody>
+      </p:sp>
+      <p:pic>
+        <p:nvPicPr>
+          <p:cNvPr id="5" name="Content Placeholder 4"/>
+          <p:cNvPicPr>
+            <a:picLocks noGrp="1" noChangeAspect="1"/>
+          </p:cNvPicPr>
+          <p:nvPr>
+            <p:ph idx="1"/>
+          </p:nvPr>
+        </p:nvPicPr>
+        <p:blipFill>
+          <a:blip r:embed="rId3"/>
+          <a:stretch>
+            <a:fillRect/>
+          </a:stretch>
+        </p:blipFill>
+        <p:spPr>
+          <a:xfrm>
+            <a:off x="6644640" y="457199"/>
+            <a:ext cx="5061458" cy="6035821"/>
+          </a:xfrm>
+          <a:prstGeom prst="rect">
+            <a:avLst/>
+          </a:prstGeom>
+        </p:spPr>
+      </p:pic>
+      <p:sp>
+        <p:nvSpPr>
+          <p:cNvPr id="4" name="Text Placeholder 3"/>
+          <p:cNvSpPr>
+            <a:spLocks noGrp="1"/>
+          </p:cNvSpPr>
+          <p:nvPr>
+            <p:ph type="body" sz="half" idx="2"/>
+          </p:nvPr>
+        </p:nvSpPr>
+        <p:spPr/>
+        <p:txBody>
+          <a:bodyPr/>
+          <a:lstStyle/>
+          <a:p>
+            <a:endParaRPr lang="de-AT" dirty="0" smtClean="0"/>
+          </a:p>
+          <a:p>
+            <a:r>
+              <a:rPr lang="de-AT" dirty="0" err="1" smtClean="0"/>
+              <a:t>OpenAPI</a:t>
+            </a:r>
+            <a:r>
+              <a:rPr lang="de-AT" dirty="0" smtClean="0"/>
+              <a:t> </a:t>
+            </a:r>
+            <a:r>
+              <a:rPr lang="de-AT" dirty="0"/>
+              <a:t>aka </a:t>
+            </a:r>
+            <a:r>
+              <a:rPr lang="de-AT" dirty="0" err="1"/>
+              <a:t>Swagger</a:t>
+            </a:r>
+            <a:endParaRPr lang="de-AT" dirty="0"/>
+          </a:p>
+          <a:p>
+            <a:r>
+              <a:rPr lang="de-AT" dirty="0" err="1"/>
+              <a:t>Example</a:t>
+            </a:r>
+            <a:r>
+              <a:rPr lang="de-AT" dirty="0"/>
+              <a:t> .NET Core </a:t>
+            </a:r>
+            <a:r>
+              <a:rPr lang="de-AT" dirty="0" err="1" smtClean="0"/>
+              <a:t>see</a:t>
+            </a:r>
+            <a:endParaRPr lang="de-AT" dirty="0" smtClean="0"/>
+          </a:p>
+          <a:p>
+            <a:r>
+              <a:rPr lang="de-AT" dirty="0">
+                <a:hlinkClick r:id="rId4"/>
+              </a:rPr>
+              <a:t>https://docs.microsoft.com/en-us/aspnet/core/tutorials/web-api-help-pages-using-swagger?view=aspnetcore-3.1</a:t>
+            </a:r>
+            <a:endParaRPr lang="de-AT" dirty="0"/>
+          </a:p>
+          <a:p>
+            <a:r>
+              <a:rPr lang="de-AT" dirty="0"/>
+              <a:t/>
+            </a:r>
+            <a:br>
+              <a:rPr lang="de-AT" dirty="0"/>
+            </a:br>
+            <a:endParaRPr lang="de-AT" dirty="0"/>
+          </a:p>
+        </p:txBody>
+      </p:sp>
+    </p:spTree>
+    <p:extLst>
+      <p:ext uri="{BB962C8B-B14F-4D97-AF65-F5344CB8AC3E}">
+        <p14:creationId xmlns:p14="http://schemas.microsoft.com/office/powerpoint/2010/main" val="1156229624"/>
+      </p:ext>
+    </p:extLst>
+  </p:cSld>
+  <p:clrMapOvr>
+    <a:masterClrMapping/>
+  </p:clrMapOvr>
+</p:sld>
+</file>
+
+<file path=ppt/slides/slide30.xml><?xml version="1.0" encoding="utf-8"?>
+<p:sld xmlns:a="http://schemas.openxmlformats.org/drawingml/2006/main" xmlns:r="http://schemas.openxmlformats.org/officeDocument/2006/relationships" xmlns:p="http://schemas.openxmlformats.org/presentationml/2006/main">
+  <p:cSld>
+    <p:spTree>
+      <p:nvGrpSpPr>
+        <p:cNvPr id="1" name=""/>
+        <p:cNvGrpSpPr/>
+        <p:nvPr/>
+      </p:nvGrpSpPr>
+      <p:grpSpPr>
+        <a:xfrm>
+          <a:off x="0" y="0"/>
+          <a:ext cx="0" cy="0"/>
+          <a:chOff x="0" y="0"/>
+          <a:chExt cx="0" cy="0"/>
+        </a:xfrm>
+      </p:grpSpPr>
+      <p:sp>
+        <p:nvSpPr>
+          <p:cNvPr id="2" name="Title 1"/>
+          <p:cNvSpPr>
+            <a:spLocks noGrp="1"/>
+          </p:cNvSpPr>
+          <p:nvPr>
+            <p:ph type="title"/>
+          </p:nvPr>
+        </p:nvSpPr>
+        <p:spPr/>
+        <p:txBody>
+          <a:bodyPr/>
+          <a:lstStyle/>
+          <a:p>
+            <a:r>
+              <a:rPr lang="de-AT" dirty="0" err="1" smtClean="0"/>
+              <a:t>Plugins</a:t>
+            </a:r>
+            <a:endParaRPr lang="de-AT" dirty="0"/>
+          </a:p>
+        </p:txBody>
+      </p:sp>
+      <p:sp>
+        <p:nvSpPr>
+          <p:cNvPr id="4" name="Content Placeholder 3"/>
+          <p:cNvSpPr>
+            <a:spLocks noGrp="1"/>
+          </p:cNvSpPr>
+          <p:nvPr>
+            <p:ph sz="half" idx="1"/>
+          </p:nvPr>
+        </p:nvSpPr>
+        <p:spPr>
+          <a:xfrm>
+            <a:off x="838200" y="1825625"/>
+            <a:ext cx="5181600" cy="3319883"/>
+          </a:xfrm>
+        </p:spPr>
+        <p:txBody>
+          <a:bodyPr>
+            <a:spAutoFit/>
+          </a:bodyPr>
+          <a:lstStyle/>
+          <a:p>
+            <a:pPr marL="0" indent="0">
+              <a:buNone/>
+            </a:pPr>
+            <a:r>
+              <a:rPr lang="de-AT" dirty="0" err="1" smtClean="0"/>
+              <a:t>Plugins</a:t>
+            </a:r>
+            <a:r>
+              <a:rPr lang="de-AT" dirty="0" smtClean="0"/>
+              <a:t> </a:t>
+            </a:r>
+            <a:r>
+              <a:rPr lang="de-AT" dirty="0" err="1" smtClean="0"/>
+              <a:t>are</a:t>
+            </a:r>
+            <a:r>
+              <a:rPr lang="de-AT" dirty="0" smtClean="0"/>
+              <a:t> </a:t>
+            </a:r>
+            <a:r>
+              <a:rPr lang="de-AT" dirty="0" err="1" smtClean="0"/>
+              <a:t>executed</a:t>
+            </a:r>
+            <a:r>
+              <a:rPr lang="de-AT" dirty="0" smtClean="0"/>
+              <a:t> </a:t>
+            </a:r>
+            <a:r>
+              <a:rPr lang="de-AT" dirty="0" err="1" smtClean="0"/>
+              <a:t>during</a:t>
+            </a:r>
+            <a:r>
+              <a:rPr lang="de-AT" dirty="0" smtClean="0"/>
+              <a:t> HTTP </a:t>
+            </a:r>
+            <a:r>
+              <a:rPr lang="de-AT" dirty="0" err="1" smtClean="0"/>
+              <a:t>request</a:t>
+            </a:r>
+            <a:r>
+              <a:rPr lang="de-AT" dirty="0" smtClean="0"/>
+              <a:t>/</a:t>
+            </a:r>
+            <a:r>
+              <a:rPr lang="de-AT" dirty="0" err="1" smtClean="0"/>
+              <a:t>response</a:t>
+            </a:r>
+            <a:r>
+              <a:rPr lang="de-AT" dirty="0" smtClean="0"/>
+              <a:t> </a:t>
+            </a:r>
+            <a:r>
+              <a:rPr lang="de-AT" dirty="0" err="1" smtClean="0"/>
+              <a:t>lifecycle</a:t>
+            </a:r>
+            <a:endParaRPr lang="de-AT" dirty="0" smtClean="0"/>
+          </a:p>
+          <a:p>
+            <a:pPr marL="0" indent="0">
+              <a:buNone/>
+            </a:pPr>
+            <a:endParaRPr lang="de-AT" dirty="0" smtClean="0"/>
+          </a:p>
+          <a:p>
+            <a:pPr marL="0" indent="0">
+              <a:buNone/>
+            </a:pPr>
+            <a:r>
+              <a:rPr lang="de-AT" dirty="0" err="1" smtClean="0"/>
+              <a:t>Plugins</a:t>
+            </a:r>
+            <a:r>
+              <a:rPr lang="de-AT" dirty="0" smtClean="0"/>
+              <a:t> </a:t>
+            </a:r>
+            <a:r>
+              <a:rPr lang="de-AT" dirty="0" err="1" smtClean="0"/>
+              <a:t>are</a:t>
+            </a:r>
+            <a:r>
+              <a:rPr lang="de-AT" dirty="0" smtClean="0"/>
+              <a:t> </a:t>
+            </a:r>
+            <a:r>
+              <a:rPr lang="de-AT" dirty="0" err="1" smtClean="0"/>
+              <a:t>bound</a:t>
+            </a:r>
+            <a:r>
+              <a:rPr lang="de-AT" dirty="0" smtClean="0"/>
+              <a:t> </a:t>
+            </a:r>
+            <a:r>
+              <a:rPr lang="de-AT" dirty="0" err="1" smtClean="0"/>
+              <a:t>to</a:t>
+            </a:r>
+            <a:r>
+              <a:rPr lang="de-AT" dirty="0" smtClean="0"/>
+              <a:t> </a:t>
+            </a:r>
+            <a:r>
+              <a:rPr lang="de-AT" dirty="0" err="1" smtClean="0"/>
+              <a:t>services</a:t>
+            </a:r>
+            <a:r>
+              <a:rPr lang="de-AT" dirty="0" smtClean="0"/>
+              <a:t>, </a:t>
+            </a:r>
+            <a:r>
+              <a:rPr lang="de-AT" dirty="0" err="1" smtClean="0"/>
+              <a:t>routes</a:t>
+            </a:r>
+            <a:r>
+              <a:rPr lang="de-AT" dirty="0" smtClean="0"/>
+              <a:t> </a:t>
+            </a:r>
+            <a:r>
+              <a:rPr lang="de-AT" dirty="0" err="1" smtClean="0"/>
+              <a:t>and</a:t>
+            </a:r>
+            <a:r>
+              <a:rPr lang="de-AT" dirty="0" smtClean="0"/>
+              <a:t>/</a:t>
+            </a:r>
+            <a:r>
+              <a:rPr lang="de-AT" dirty="0" err="1" smtClean="0"/>
+              <a:t>or</a:t>
+            </a:r>
+            <a:r>
+              <a:rPr lang="de-AT" dirty="0" smtClean="0"/>
+              <a:t> </a:t>
+            </a:r>
+            <a:r>
+              <a:rPr lang="de-AT" dirty="0" err="1" smtClean="0"/>
+              <a:t>consumers</a:t>
+            </a:r>
+            <a:endParaRPr lang="de-AT" dirty="0" smtClean="0"/>
+          </a:p>
+          <a:p>
+            <a:pPr marL="0" indent="0">
+              <a:buNone/>
+            </a:pPr>
+            <a:endParaRPr lang="de-AT" dirty="0"/>
+          </a:p>
+          <a:p>
+            <a:pPr marL="0" indent="0">
+              <a:buNone/>
+            </a:pPr>
+            <a:r>
+              <a:rPr lang="de-AT" dirty="0" err="1" smtClean="0"/>
+              <a:t>Plugins</a:t>
+            </a:r>
+            <a:r>
+              <a:rPr lang="de-AT" dirty="0" smtClean="0"/>
+              <a:t> </a:t>
+            </a:r>
+            <a:r>
+              <a:rPr lang="de-AT" dirty="0" err="1" smtClean="0"/>
+              <a:t>are</a:t>
+            </a:r>
+            <a:r>
+              <a:rPr lang="de-AT" dirty="0" smtClean="0"/>
+              <a:t> </a:t>
+            </a:r>
+            <a:r>
+              <a:rPr lang="de-AT" dirty="0" err="1" smtClean="0"/>
+              <a:t>developed</a:t>
+            </a:r>
+            <a:r>
+              <a:rPr lang="de-AT" dirty="0" smtClean="0"/>
+              <a:t> in </a:t>
+            </a:r>
+            <a:r>
+              <a:rPr lang="de-AT" dirty="0" err="1" smtClean="0"/>
+              <a:t>Lua</a:t>
+            </a:r>
+            <a:endParaRPr lang="de-AT" dirty="0" smtClean="0"/>
+          </a:p>
+        </p:txBody>
+      </p:sp>
+      <p:sp>
+        <p:nvSpPr>
+          <p:cNvPr id="5" name="Content Placeholder 4"/>
+          <p:cNvSpPr>
+            <a:spLocks noGrp="1"/>
+          </p:cNvSpPr>
+          <p:nvPr>
+            <p:ph sz="half" idx="2"/>
+          </p:nvPr>
+        </p:nvSpPr>
+        <p:spPr/>
+        <p:txBody>
+          <a:bodyPr>
+            <a:normAutofit fontScale="40000" lnSpcReduction="20000"/>
+          </a:bodyPr>
+          <a:lstStyle/>
+          <a:p>
+            <a:pPr marL="0" indent="0">
+              <a:buNone/>
+            </a:pPr>
+            <a:r>
+              <a:rPr lang="de-AT" dirty="0">
+                <a:solidFill>
+                  <a:srgbClr val="000000"/>
+                </a:solidFill>
+                <a:latin typeface="Fira Code, Consolas,  Courier New"/>
+              </a:rPr>
+              <a:t>{</a:t>
+            </a:r>
+          </a:p>
+          <a:p>
+            <a:pPr marL="0" indent="0">
+              <a:buNone/>
+            </a:pPr>
+            <a:r>
+              <a:rPr lang="de-AT" dirty="0">
+                <a:solidFill>
+                  <a:srgbClr val="000000"/>
+                </a:solidFill>
+                <a:latin typeface="Fira Code, Consolas,  Courier New"/>
+              </a:rPr>
+              <a:t>    </a:t>
+            </a:r>
+            <a:r>
+              <a:rPr lang="de-AT" dirty="0">
+                <a:solidFill>
+                  <a:srgbClr val="0451A5"/>
+                </a:solidFill>
+                <a:latin typeface="Fira Code, Consolas,  Courier New"/>
+              </a:rPr>
+              <a:t>"</a:t>
+            </a:r>
+            <a:r>
+              <a:rPr lang="de-AT" dirty="0" err="1">
+                <a:solidFill>
+                  <a:srgbClr val="0451A5"/>
+                </a:solidFill>
+                <a:latin typeface="Fira Code, Consolas,  Courier New"/>
+              </a:rPr>
+              <a:t>name</a:t>
+            </a:r>
+            <a:r>
+              <a:rPr lang="de-AT" dirty="0">
+                <a:solidFill>
+                  <a:srgbClr val="0451A5"/>
+                </a:solidFill>
+                <a:latin typeface="Fira Code, Consolas,  Courier New"/>
+              </a:rPr>
+              <a:t>"</a:t>
+            </a:r>
+            <a:r>
+              <a:rPr lang="de-AT" dirty="0">
+                <a:solidFill>
+                  <a:srgbClr val="000000"/>
+                </a:solidFill>
+                <a:latin typeface="Fira Code, Consolas,  Courier New"/>
+              </a:rPr>
+              <a:t>: </a:t>
+            </a:r>
+            <a:r>
+              <a:rPr lang="de-AT" dirty="0">
+                <a:solidFill>
+                  <a:srgbClr val="A31515"/>
+                </a:solidFill>
+                <a:latin typeface="Fira Code, Consolas,  Courier New"/>
+              </a:rPr>
+              <a:t>"</a:t>
+            </a:r>
+            <a:r>
+              <a:rPr lang="de-AT" dirty="0" err="1">
+                <a:solidFill>
+                  <a:srgbClr val="A31515"/>
+                </a:solidFill>
+                <a:latin typeface="Fira Code, Consolas,  Courier New"/>
+              </a:rPr>
+              <a:t>ip-restriction</a:t>
+            </a:r>
+            <a:r>
+              <a:rPr lang="de-AT" dirty="0">
+                <a:solidFill>
+                  <a:srgbClr val="A31515"/>
+                </a:solidFill>
+                <a:latin typeface="Fira Code, Consolas,  Courier New"/>
+              </a:rPr>
+              <a:t>"</a:t>
+            </a:r>
+            <a:r>
+              <a:rPr lang="de-AT" dirty="0">
+                <a:solidFill>
+                  <a:srgbClr val="000000"/>
+                </a:solidFill>
+                <a:latin typeface="Fira Code, Consolas,  Courier New"/>
+              </a:rPr>
+              <a:t>,</a:t>
+            </a:r>
+          </a:p>
+          <a:p>
+            <a:pPr marL="0" indent="0">
+              <a:buNone/>
+            </a:pPr>
+            <a:r>
+              <a:rPr lang="de-AT" dirty="0">
+                <a:solidFill>
+                  <a:srgbClr val="000000"/>
+                </a:solidFill>
+                <a:latin typeface="Fira Code, Consolas,  Courier New"/>
+              </a:rPr>
+              <a:t>    </a:t>
+            </a:r>
+            <a:r>
+              <a:rPr lang="de-AT" dirty="0">
+                <a:solidFill>
+                  <a:srgbClr val="0451A5"/>
+                </a:solidFill>
+                <a:latin typeface="Fira Code, Consolas,  Courier New"/>
+              </a:rPr>
+              <a:t>"</a:t>
+            </a:r>
+            <a:r>
+              <a:rPr lang="de-AT" dirty="0" err="1">
+                <a:solidFill>
+                  <a:srgbClr val="0451A5"/>
+                </a:solidFill>
+                <a:latin typeface="Fira Code, Consolas,  Courier New"/>
+              </a:rPr>
+              <a:t>config</a:t>
+            </a:r>
+            <a:r>
+              <a:rPr lang="de-AT" dirty="0">
+                <a:solidFill>
+                  <a:srgbClr val="0451A5"/>
+                </a:solidFill>
+                <a:latin typeface="Fira Code, Consolas,  Courier New"/>
+              </a:rPr>
+              <a:t>"</a:t>
+            </a:r>
+            <a:r>
+              <a:rPr lang="de-AT" dirty="0">
+                <a:solidFill>
+                  <a:srgbClr val="000000"/>
+                </a:solidFill>
+                <a:latin typeface="Fira Code, Consolas,  Courier New"/>
+              </a:rPr>
+              <a:t>: {</a:t>
+            </a:r>
+          </a:p>
+          <a:p>
+            <a:pPr marL="0" indent="0">
+              <a:buNone/>
+            </a:pPr>
+            <a:r>
+              <a:rPr lang="de-AT" dirty="0">
+                <a:solidFill>
+                  <a:srgbClr val="000000"/>
+                </a:solidFill>
+                <a:latin typeface="Fira Code, Consolas,  Courier New"/>
+              </a:rPr>
+              <a:t>        </a:t>
+            </a:r>
+            <a:r>
+              <a:rPr lang="de-AT" dirty="0">
+                <a:solidFill>
+                  <a:srgbClr val="0451A5"/>
+                </a:solidFill>
+                <a:latin typeface="Fira Code, Consolas,  Courier New"/>
+              </a:rPr>
+              <a:t>"</a:t>
+            </a:r>
+            <a:r>
+              <a:rPr lang="de-AT" dirty="0" err="1">
+                <a:solidFill>
+                  <a:srgbClr val="0451A5"/>
+                </a:solidFill>
+                <a:latin typeface="Fira Code, Consolas,  Courier New"/>
+              </a:rPr>
+              <a:t>whitelist</a:t>
+            </a:r>
+            <a:r>
+              <a:rPr lang="de-AT" dirty="0">
+                <a:solidFill>
+                  <a:srgbClr val="0451A5"/>
+                </a:solidFill>
+                <a:latin typeface="Fira Code, Consolas,  Courier New"/>
+              </a:rPr>
+              <a:t>"</a:t>
+            </a:r>
+            <a:r>
+              <a:rPr lang="de-AT" dirty="0">
+                <a:solidFill>
+                  <a:srgbClr val="000000"/>
+                </a:solidFill>
+                <a:latin typeface="Fira Code, Consolas,  Courier New"/>
+              </a:rPr>
+              <a:t>: [</a:t>
+            </a:r>
+          </a:p>
+          <a:p>
+            <a:pPr marL="0" indent="0">
+              <a:buNone/>
+            </a:pPr>
+            <a:r>
+              <a:rPr lang="de-AT" dirty="0">
+                <a:solidFill>
+                  <a:srgbClr val="000000"/>
+                </a:solidFill>
+                <a:latin typeface="Fira Code, Consolas,  Courier New"/>
+              </a:rPr>
+              <a:t>            </a:t>
+            </a:r>
+            <a:r>
+              <a:rPr lang="de-AT" dirty="0">
+                <a:solidFill>
+                  <a:srgbClr val="A31515"/>
+                </a:solidFill>
+                <a:latin typeface="Fira Code, Consolas,  Courier New"/>
+              </a:rPr>
+              <a:t>"172.18.0.0/16"</a:t>
+            </a:r>
+            <a:endParaRPr lang="de-AT" dirty="0">
+              <a:solidFill>
+                <a:srgbClr val="000000"/>
+              </a:solidFill>
+              <a:latin typeface="Fira Code, Consolas,  Courier New"/>
+            </a:endParaRPr>
+          </a:p>
+          <a:p>
+            <a:pPr marL="0" indent="0">
+              <a:buNone/>
+            </a:pPr>
+            <a:r>
+              <a:rPr lang="de-AT" dirty="0">
+                <a:solidFill>
+                  <a:srgbClr val="000000"/>
+                </a:solidFill>
+                <a:latin typeface="Fira Code, Consolas,  Courier New"/>
+              </a:rPr>
+              <a:t>        ]</a:t>
+            </a:r>
+          </a:p>
+          <a:p>
+            <a:pPr marL="0" indent="0">
+              <a:buNone/>
+            </a:pPr>
+            <a:r>
+              <a:rPr lang="de-AT" dirty="0">
+                <a:solidFill>
+                  <a:srgbClr val="000000"/>
+                </a:solidFill>
+                <a:latin typeface="Fira Code, Consolas,  Courier New"/>
+              </a:rPr>
+              <a:t>    },</a:t>
+            </a:r>
+          </a:p>
+          <a:p>
+            <a:pPr marL="0" indent="0">
+              <a:buNone/>
+            </a:pPr>
+            <a:r>
+              <a:rPr lang="de-AT" dirty="0">
+                <a:solidFill>
+                  <a:srgbClr val="000000"/>
+                </a:solidFill>
+                <a:latin typeface="Fira Code, Consolas,  Courier New"/>
+              </a:rPr>
+              <a:t>    </a:t>
+            </a:r>
+            <a:r>
+              <a:rPr lang="de-AT" dirty="0">
+                <a:solidFill>
+                  <a:srgbClr val="0451A5"/>
+                </a:solidFill>
+                <a:latin typeface="Fira Code, Consolas,  Courier New"/>
+              </a:rPr>
+              <a:t>"</a:t>
+            </a:r>
+            <a:r>
+              <a:rPr lang="de-AT" dirty="0" err="1">
+                <a:solidFill>
+                  <a:srgbClr val="0451A5"/>
+                </a:solidFill>
+                <a:latin typeface="Fira Code, Consolas,  Courier New"/>
+              </a:rPr>
+              <a:t>consumer</a:t>
+            </a:r>
+            <a:r>
+              <a:rPr lang="de-AT" dirty="0">
+                <a:solidFill>
+                  <a:srgbClr val="0451A5"/>
+                </a:solidFill>
+                <a:latin typeface="Fira Code, Consolas,  Courier New"/>
+              </a:rPr>
+              <a:t>"</a:t>
+            </a:r>
+            <a:r>
+              <a:rPr lang="de-AT" dirty="0">
+                <a:solidFill>
+                  <a:srgbClr val="000000"/>
+                </a:solidFill>
+                <a:latin typeface="Fira Code, Consolas,  Courier New"/>
+              </a:rPr>
+              <a:t>: </a:t>
+            </a:r>
+            <a:r>
+              <a:rPr lang="de-AT" dirty="0">
+                <a:solidFill>
+                  <a:srgbClr val="0000FF"/>
+                </a:solidFill>
+                <a:latin typeface="Fira Code, Consolas,  Courier New"/>
+              </a:rPr>
+              <a:t>null</a:t>
+            </a:r>
+            <a:r>
+              <a:rPr lang="de-AT" dirty="0">
+                <a:solidFill>
+                  <a:srgbClr val="000000"/>
+                </a:solidFill>
+                <a:latin typeface="Fira Code, Consolas,  Courier New"/>
+              </a:rPr>
+              <a:t>,</a:t>
+            </a:r>
+          </a:p>
+          <a:p>
+            <a:pPr marL="0" indent="0">
+              <a:buNone/>
+            </a:pPr>
+            <a:r>
+              <a:rPr lang="de-AT" dirty="0">
+                <a:solidFill>
+                  <a:srgbClr val="000000"/>
+                </a:solidFill>
+                <a:latin typeface="Fira Code, Consolas,  Courier New"/>
+              </a:rPr>
+              <a:t>    </a:t>
+            </a:r>
+            <a:r>
+              <a:rPr lang="de-AT" dirty="0">
+                <a:solidFill>
+                  <a:srgbClr val="0451A5"/>
+                </a:solidFill>
+                <a:latin typeface="Fira Code, Consolas,  Courier New"/>
+              </a:rPr>
+              <a:t>"</a:t>
+            </a:r>
+            <a:r>
+              <a:rPr lang="de-AT" dirty="0" err="1">
+                <a:solidFill>
+                  <a:srgbClr val="0451A5"/>
+                </a:solidFill>
+                <a:latin typeface="Fira Code, Consolas,  Courier New"/>
+              </a:rPr>
+              <a:t>protocols</a:t>
+            </a:r>
+            <a:r>
+              <a:rPr lang="de-AT" dirty="0">
+                <a:solidFill>
+                  <a:srgbClr val="0451A5"/>
+                </a:solidFill>
+                <a:latin typeface="Fira Code, Consolas,  Courier New"/>
+              </a:rPr>
+              <a:t>"</a:t>
+            </a:r>
+            <a:r>
+              <a:rPr lang="de-AT" dirty="0">
+                <a:solidFill>
+                  <a:srgbClr val="000000"/>
+                </a:solidFill>
+                <a:latin typeface="Fira Code, Consolas,  Courier New"/>
+              </a:rPr>
+              <a:t>: [</a:t>
+            </a:r>
+          </a:p>
+          <a:p>
+            <a:pPr marL="0" indent="0">
+              <a:buNone/>
+            </a:pPr>
+            <a:r>
+              <a:rPr lang="de-AT" dirty="0">
+                <a:solidFill>
+                  <a:srgbClr val="000000"/>
+                </a:solidFill>
+                <a:latin typeface="Fira Code, Consolas,  Courier New"/>
+              </a:rPr>
+              <a:t>        </a:t>
+            </a:r>
+            <a:r>
+              <a:rPr lang="de-AT" dirty="0">
+                <a:solidFill>
+                  <a:srgbClr val="A31515"/>
+                </a:solidFill>
+                <a:latin typeface="Fira Code, Consolas,  Courier New"/>
+              </a:rPr>
+              <a:t>"http"</a:t>
+            </a:r>
+            <a:r>
+              <a:rPr lang="de-AT" dirty="0">
+                <a:solidFill>
+                  <a:srgbClr val="000000"/>
+                </a:solidFill>
+                <a:latin typeface="Fira Code, Consolas,  Courier New"/>
+              </a:rPr>
+              <a:t>,</a:t>
+            </a:r>
+          </a:p>
+          <a:p>
+            <a:pPr marL="0" indent="0">
+              <a:buNone/>
+            </a:pPr>
+            <a:r>
+              <a:rPr lang="de-AT" dirty="0">
+                <a:solidFill>
+                  <a:srgbClr val="000000"/>
+                </a:solidFill>
+                <a:latin typeface="Fira Code, Consolas,  Courier New"/>
+              </a:rPr>
+              <a:t>        </a:t>
+            </a:r>
+            <a:r>
+              <a:rPr lang="de-AT" dirty="0">
+                <a:solidFill>
+                  <a:srgbClr val="A31515"/>
+                </a:solidFill>
+                <a:latin typeface="Fira Code, Consolas,  Courier New"/>
+              </a:rPr>
+              <a:t>"https"</a:t>
+            </a:r>
+            <a:endParaRPr lang="de-AT" dirty="0">
+              <a:solidFill>
+                <a:srgbClr val="000000"/>
+              </a:solidFill>
+              <a:latin typeface="Fira Code, Consolas,  Courier New"/>
+            </a:endParaRPr>
+          </a:p>
+          <a:p>
+            <a:pPr marL="0" indent="0">
+              <a:buNone/>
+            </a:pPr>
+            <a:r>
+              <a:rPr lang="de-AT" dirty="0">
+                <a:solidFill>
+                  <a:srgbClr val="000000"/>
+                </a:solidFill>
+                <a:latin typeface="Fira Code, Consolas,  Courier New"/>
+              </a:rPr>
+              <a:t>    ],</a:t>
+            </a:r>
+          </a:p>
+          <a:p>
+            <a:pPr marL="0" indent="0">
+              <a:buNone/>
+            </a:pPr>
+            <a:r>
+              <a:rPr lang="de-AT" dirty="0">
+                <a:solidFill>
+                  <a:srgbClr val="000000"/>
+                </a:solidFill>
+                <a:latin typeface="Fira Code, Consolas,  Courier New"/>
+              </a:rPr>
+              <a:t>    </a:t>
+            </a:r>
+            <a:r>
+              <a:rPr lang="de-AT" dirty="0">
+                <a:solidFill>
+                  <a:srgbClr val="0451A5"/>
+                </a:solidFill>
+                <a:latin typeface="Fira Code, Consolas,  Courier New"/>
+              </a:rPr>
+              <a:t>"route"</a:t>
+            </a:r>
+            <a:r>
+              <a:rPr lang="de-AT" dirty="0">
+                <a:solidFill>
+                  <a:srgbClr val="000000"/>
+                </a:solidFill>
+                <a:latin typeface="Fira Code, Consolas,  Courier New"/>
+              </a:rPr>
+              <a:t>: {</a:t>
+            </a:r>
+          </a:p>
+          <a:p>
+            <a:pPr marL="0" indent="0">
+              <a:buNone/>
+            </a:pPr>
+            <a:r>
+              <a:rPr lang="de-AT" dirty="0">
+                <a:solidFill>
+                  <a:srgbClr val="000000"/>
+                </a:solidFill>
+                <a:latin typeface="Fira Code, Consolas,  Courier New"/>
+              </a:rPr>
+              <a:t>        </a:t>
+            </a:r>
+            <a:r>
+              <a:rPr lang="de-AT" dirty="0">
+                <a:solidFill>
+                  <a:srgbClr val="0451A5"/>
+                </a:solidFill>
+                <a:latin typeface="Fira Code, Consolas,  Courier New"/>
+              </a:rPr>
+              <a:t>"</a:t>
+            </a:r>
+            <a:r>
+              <a:rPr lang="de-AT" dirty="0" err="1">
+                <a:solidFill>
+                  <a:srgbClr val="0451A5"/>
+                </a:solidFill>
+                <a:latin typeface="Fira Code, Consolas,  Courier New"/>
+              </a:rPr>
+              <a:t>id</a:t>
+            </a:r>
+            <a:r>
+              <a:rPr lang="de-AT" dirty="0">
+                <a:solidFill>
+                  <a:srgbClr val="0451A5"/>
+                </a:solidFill>
+                <a:latin typeface="Fira Code, Consolas,  Courier New"/>
+              </a:rPr>
+              <a:t>"</a:t>
+            </a:r>
+            <a:r>
+              <a:rPr lang="de-AT" dirty="0">
+                <a:solidFill>
+                  <a:srgbClr val="000000"/>
+                </a:solidFill>
+                <a:latin typeface="Fira Code, Consolas,  Courier New"/>
+              </a:rPr>
+              <a:t>: </a:t>
+            </a:r>
+            <a:r>
+              <a:rPr lang="de-AT" dirty="0">
+                <a:solidFill>
+                  <a:srgbClr val="A31515"/>
+                </a:solidFill>
+                <a:latin typeface="Fira Code, Consolas,  Courier New"/>
+              </a:rPr>
+              <a:t>"5ff018a3-2a25-567e-8c74-1805c4029fbd"</a:t>
+            </a:r>
+            <a:endParaRPr lang="de-AT" dirty="0">
+              <a:solidFill>
+                <a:srgbClr val="000000"/>
+              </a:solidFill>
+              <a:latin typeface="Fira Code, Consolas,  Courier New"/>
+            </a:endParaRPr>
+          </a:p>
+          <a:p>
+            <a:pPr marL="0" indent="0">
+              <a:buNone/>
+            </a:pPr>
+            <a:r>
+              <a:rPr lang="de-AT" dirty="0">
+                <a:solidFill>
+                  <a:srgbClr val="000000"/>
+                </a:solidFill>
+                <a:latin typeface="Fira Code, Consolas,  Courier New"/>
+              </a:rPr>
+              <a:t>    },</a:t>
+            </a:r>
+          </a:p>
+          <a:p>
+            <a:pPr marL="0" indent="0">
+              <a:buNone/>
+            </a:pPr>
+            <a:r>
+              <a:rPr lang="de-AT" dirty="0">
+                <a:solidFill>
+                  <a:srgbClr val="000000"/>
+                </a:solidFill>
+                <a:latin typeface="Fira Code, Consolas,  Courier New"/>
+              </a:rPr>
+              <a:t>    </a:t>
+            </a:r>
+            <a:r>
+              <a:rPr lang="de-AT" dirty="0">
+                <a:solidFill>
+                  <a:srgbClr val="0451A5"/>
+                </a:solidFill>
+                <a:latin typeface="Fira Code, Consolas,  Courier New"/>
+              </a:rPr>
+              <a:t>"</a:t>
+            </a:r>
+            <a:r>
+              <a:rPr lang="de-AT" dirty="0" err="1">
+                <a:solidFill>
+                  <a:srgbClr val="0451A5"/>
+                </a:solidFill>
+                <a:latin typeface="Fira Code, Consolas,  Courier New"/>
+              </a:rPr>
+              <a:t>service</a:t>
+            </a:r>
+            <a:r>
+              <a:rPr lang="de-AT" dirty="0">
+                <a:solidFill>
+                  <a:srgbClr val="0451A5"/>
+                </a:solidFill>
+                <a:latin typeface="Fira Code, Consolas,  Courier New"/>
+              </a:rPr>
+              <a:t>"</a:t>
+            </a:r>
+            <a:r>
+              <a:rPr lang="de-AT" dirty="0">
+                <a:solidFill>
+                  <a:srgbClr val="000000"/>
+                </a:solidFill>
+                <a:latin typeface="Fira Code, Consolas,  Courier New"/>
+              </a:rPr>
+              <a:t>: </a:t>
+            </a:r>
+            <a:r>
+              <a:rPr lang="de-AT" dirty="0">
+                <a:solidFill>
+                  <a:srgbClr val="0000FF"/>
+                </a:solidFill>
+                <a:latin typeface="Fira Code, Consolas,  Courier New"/>
+              </a:rPr>
+              <a:t>null</a:t>
+            </a:r>
+            <a:endParaRPr lang="de-AT" dirty="0">
+              <a:solidFill>
+                <a:srgbClr val="000000"/>
+              </a:solidFill>
+              <a:latin typeface="Fira Code, Consolas,  Courier New"/>
+            </a:endParaRPr>
+          </a:p>
+          <a:p>
+            <a:pPr marL="0" indent="0">
+              <a:buNone/>
+            </a:pPr>
+            <a:r>
+              <a:rPr lang="de-AT" dirty="0">
+                <a:solidFill>
+                  <a:srgbClr val="000000"/>
+                </a:solidFill>
+                <a:latin typeface="Fira Code, Consolas,  Courier New"/>
+              </a:rPr>
+              <a:t>}</a:t>
+            </a:r>
+            <a:endParaRPr lang="de-AT" b="0" dirty="0">
+              <a:solidFill>
+                <a:srgbClr val="000000"/>
+              </a:solidFill>
+              <a:effectLst/>
+              <a:latin typeface="Fira Code, Consolas,  Courier New"/>
+            </a:endParaRPr>
+          </a:p>
+        </p:txBody>
+      </p:sp>
+    </p:spTree>
+    <p:extLst>
+      <p:ext uri="{BB962C8B-B14F-4D97-AF65-F5344CB8AC3E}">
+        <p14:creationId xmlns:p14="http://schemas.microsoft.com/office/powerpoint/2010/main" val="2735879224"/>
+      </p:ext>
+    </p:extLst>
+  </p:cSld>
+  <p:clrMapOvr>
+    <a:masterClrMapping/>
+  </p:clrMapOvr>
+</p:sld>
+</file>
+
+<file path=ppt/slides/slide31.xml><?xml version="1.0" encoding="utf-8"?>
+<p:sld xmlns:a="http://schemas.openxmlformats.org/drawingml/2006/main" xmlns:r="http://schemas.openxmlformats.org/officeDocument/2006/relationships" xmlns:p="http://schemas.openxmlformats.org/presentationml/2006/main">
+  <p:cSld>
+    <p:spTree>
+      <p:nvGrpSpPr>
+        <p:cNvPr id="1" name=""/>
+        <p:cNvGrpSpPr/>
+        <p:nvPr/>
+      </p:nvGrpSpPr>
+      <p:grpSpPr>
+        <a:xfrm>
+          <a:off x="0" y="0"/>
+          <a:ext cx="0" cy="0"/>
+          <a:chOff x="0" y="0"/>
+          <a:chExt cx="0" cy="0"/>
+        </a:xfrm>
+      </p:grpSpPr>
+      <p:sp>
+        <p:nvSpPr>
+          <p:cNvPr id="2" name="Title 1"/>
+          <p:cNvSpPr>
+            <a:spLocks noGrp="1"/>
+          </p:cNvSpPr>
+          <p:nvPr>
+            <p:ph type="title"/>
+          </p:nvPr>
+        </p:nvSpPr>
+        <p:spPr/>
+        <p:txBody>
+          <a:bodyPr/>
+          <a:lstStyle/>
+          <a:p>
+            <a:r>
+              <a:rPr lang="de-AT" dirty="0" smtClean="0"/>
+              <a:t>Service Design</a:t>
+            </a:r>
+            <a:endParaRPr lang="de-AT" dirty="0"/>
+          </a:p>
+        </p:txBody>
+      </p:sp>
+      <p:sp>
+        <p:nvSpPr>
+          <p:cNvPr id="3" name="Content Placeholder 2"/>
+          <p:cNvSpPr>
+            <a:spLocks noGrp="1"/>
+          </p:cNvSpPr>
+          <p:nvPr>
+            <p:ph idx="1"/>
+          </p:nvPr>
+        </p:nvSpPr>
+        <p:spPr/>
+        <p:txBody>
+          <a:bodyPr/>
+          <a:lstStyle/>
+          <a:p>
+            <a:pPr marL="0" indent="0">
+              <a:buNone/>
+            </a:pPr>
+            <a:endParaRPr lang="de-AT" dirty="0" smtClean="0"/>
+          </a:p>
+          <a:p>
+            <a:pPr marL="0" indent="0">
+              <a:buNone/>
+            </a:pPr>
+            <a:r>
+              <a:rPr lang="de-AT" dirty="0" smtClean="0"/>
+              <a:t>Who </a:t>
+            </a:r>
+            <a:r>
+              <a:rPr lang="de-AT" dirty="0" err="1" smtClean="0"/>
+              <a:t>operates</a:t>
+            </a:r>
+            <a:r>
+              <a:rPr lang="de-AT" dirty="0" smtClean="0"/>
+              <a:t> </a:t>
+            </a:r>
+            <a:r>
+              <a:rPr lang="de-AT" dirty="0" err="1" smtClean="0"/>
+              <a:t>your</a:t>
+            </a:r>
+            <a:r>
+              <a:rPr lang="de-AT" dirty="0" smtClean="0"/>
+              <a:t> </a:t>
+            </a:r>
+            <a:r>
+              <a:rPr lang="de-AT" dirty="0" err="1" smtClean="0"/>
+              <a:t>gateway</a:t>
+            </a:r>
+            <a:r>
+              <a:rPr lang="de-AT" dirty="0" smtClean="0"/>
+              <a:t>?</a:t>
+            </a:r>
+          </a:p>
+          <a:p>
+            <a:pPr marL="0" indent="0">
+              <a:buNone/>
+            </a:pPr>
+            <a:endParaRPr lang="de-AT" dirty="0"/>
+          </a:p>
+          <a:p>
+            <a:pPr marL="0" indent="0">
+              <a:buNone/>
+            </a:pPr>
+            <a:r>
+              <a:rPr lang="de-AT" dirty="0" smtClean="0"/>
+              <a:t>Who </a:t>
+            </a:r>
+            <a:r>
+              <a:rPr lang="de-AT" dirty="0" err="1" smtClean="0"/>
+              <a:t>uses</a:t>
+            </a:r>
+            <a:r>
+              <a:rPr lang="de-AT" dirty="0" smtClean="0"/>
+              <a:t> </a:t>
+            </a:r>
+            <a:r>
+              <a:rPr lang="de-AT" dirty="0" err="1" smtClean="0"/>
+              <a:t>your</a:t>
+            </a:r>
+            <a:r>
+              <a:rPr lang="de-AT" dirty="0" smtClean="0"/>
+              <a:t> </a:t>
+            </a:r>
+            <a:r>
+              <a:rPr lang="de-AT" dirty="0" err="1" smtClean="0"/>
+              <a:t>gateway</a:t>
+            </a:r>
+            <a:r>
+              <a:rPr lang="de-AT" dirty="0" smtClean="0"/>
+              <a:t>?</a:t>
+            </a:r>
+            <a:endParaRPr lang="de-AT" dirty="0"/>
+          </a:p>
+        </p:txBody>
+      </p:sp>
+    </p:spTree>
+    <p:extLst>
+      <p:ext uri="{BB962C8B-B14F-4D97-AF65-F5344CB8AC3E}">
+        <p14:creationId xmlns:p14="http://schemas.microsoft.com/office/powerpoint/2010/main" val="2848102619"/>
+      </p:ext>
+    </p:extLst>
+  </p:cSld>
+  <p:clrMapOvr>
+    <a:masterClrMapping/>
+  </p:clrMapOvr>
+</p:sld>
+</file>
+
+<file path=ppt/slides/slide32.xml><?xml version="1.0" encoding="utf-8"?>
+<p:sld xmlns:a="http://schemas.openxmlformats.org/drawingml/2006/main" xmlns:r="http://schemas.openxmlformats.org/officeDocument/2006/relationships" xmlns:p="http://schemas.openxmlformats.org/presentationml/2006/main">
+  <p:cSld>
+    <p:spTree>
+      <p:nvGrpSpPr>
+        <p:cNvPr id="1" name=""/>
+        <p:cNvGrpSpPr/>
+        <p:nvPr/>
+      </p:nvGrpSpPr>
+      <p:grpSpPr>
+        <a:xfrm>
+          <a:off x="0" y="0"/>
+          <a:ext cx="0" cy="0"/>
+          <a:chOff x="0" y="0"/>
+          <a:chExt cx="0" cy="0"/>
+        </a:xfrm>
+      </p:grpSpPr>
+      <p:sp>
+        <p:nvSpPr>
+          <p:cNvPr id="2" name="Title 1"/>
+          <p:cNvSpPr>
+            <a:spLocks noGrp="1"/>
+          </p:cNvSpPr>
+          <p:nvPr>
+            <p:ph type="title"/>
+          </p:nvPr>
+        </p:nvSpPr>
+        <p:spPr/>
+        <p:txBody>
+          <a:bodyPr/>
+          <a:lstStyle/>
+          <a:p>
+            <a:r>
+              <a:rPr lang="de-AT" dirty="0" err="1" smtClean="0"/>
               <a:t>Logging</a:t>
             </a:r>
             <a:r>
@@ -13782,7 +14330,7 @@
 </p:sld>
 </file>
 
-<file path=ppt/slides/slide29.xml><?xml version="1.0" encoding="utf-8"?>
+<file path=ppt/slides/slide33.xml><?xml version="1.0" encoding="utf-8"?>
 <p:sld xmlns:a="http://schemas.openxmlformats.org/drawingml/2006/main" xmlns:r="http://schemas.openxmlformats.org/officeDocument/2006/relationships" xmlns:p="http://schemas.openxmlformats.org/presentationml/2006/main">
   <p:cSld>
     <p:spTree>
@@ -14181,166 +14729,7 @@
 </p:sld>
 </file>
 
-<file path=ppt/slides/slide3.xml><?xml version="1.0" encoding="utf-8"?>
-<p:sld xmlns:a="http://schemas.openxmlformats.org/drawingml/2006/main" xmlns:r="http://schemas.openxmlformats.org/officeDocument/2006/relationships" xmlns:p="http://schemas.openxmlformats.org/presentationml/2006/main">
-  <p:cSld>
-    <p:spTree>
-      <p:nvGrpSpPr>
-        <p:cNvPr id="1" name=""/>
-        <p:cNvGrpSpPr/>
-        <p:nvPr/>
-      </p:nvGrpSpPr>
-      <p:grpSpPr>
-        <a:xfrm>
-          <a:off x="0" y="0"/>
-          <a:ext cx="0" cy="0"/>
-          <a:chOff x="0" y="0"/>
-          <a:chExt cx="0" cy="0"/>
-        </a:xfrm>
-      </p:grpSpPr>
-      <p:sp>
-        <p:nvSpPr>
-          <p:cNvPr id="2" name="Title 1"/>
-          <p:cNvSpPr>
-            <a:spLocks noGrp="1"/>
-          </p:cNvSpPr>
-          <p:nvPr>
-            <p:ph type="title"/>
-          </p:nvPr>
-        </p:nvSpPr>
-        <p:spPr/>
-        <p:txBody>
-          <a:bodyPr/>
-          <a:lstStyle/>
-          <a:p>
-            <a:r>
-              <a:rPr lang="de-AT" dirty="0" err="1" smtClean="0"/>
-              <a:t>Excursus</a:t>
-            </a:r>
-            <a:r>
-              <a:rPr lang="de-AT" dirty="0" smtClean="0"/>
-              <a:t>: </a:t>
-            </a:r>
-            <a:r>
-              <a:rPr lang="de-AT" dirty="0" err="1" smtClean="0"/>
-              <a:t>Documentation</a:t>
-            </a:r>
-            <a:endParaRPr lang="de-AT" dirty="0"/>
-          </a:p>
-        </p:txBody>
-      </p:sp>
-      <p:pic>
-        <p:nvPicPr>
-          <p:cNvPr id="5" name="Content Placeholder 4"/>
-          <p:cNvPicPr>
-            <a:picLocks noGrp="1" noChangeAspect="1"/>
-          </p:cNvPicPr>
-          <p:nvPr>
-            <p:ph idx="1"/>
-          </p:nvPr>
-        </p:nvPicPr>
-        <p:blipFill>
-          <a:blip r:embed="rId3"/>
-          <a:stretch>
-            <a:fillRect/>
-          </a:stretch>
-        </p:blipFill>
-        <p:spPr>
-          <a:xfrm>
-            <a:off x="6644640" y="457199"/>
-            <a:ext cx="5061458" cy="6035821"/>
-          </a:xfrm>
-          <a:prstGeom prst="rect">
-            <a:avLst/>
-          </a:prstGeom>
-        </p:spPr>
-      </p:pic>
-      <p:sp>
-        <p:nvSpPr>
-          <p:cNvPr id="4" name="Text Placeholder 3"/>
-          <p:cNvSpPr>
-            <a:spLocks noGrp="1"/>
-          </p:cNvSpPr>
-          <p:nvPr>
-            <p:ph type="body" sz="half" idx="2"/>
-          </p:nvPr>
-        </p:nvSpPr>
-        <p:spPr/>
-        <p:txBody>
-          <a:bodyPr/>
-          <a:lstStyle/>
-          <a:p>
-            <a:endParaRPr lang="de-AT" dirty="0" smtClean="0"/>
-          </a:p>
-          <a:p>
-            <a:r>
-              <a:rPr lang="de-AT" dirty="0" err="1" smtClean="0"/>
-              <a:t>OpenAPI</a:t>
-            </a:r>
-            <a:r>
-              <a:rPr lang="de-AT" dirty="0" smtClean="0"/>
-              <a:t> </a:t>
-            </a:r>
-            <a:r>
-              <a:rPr lang="de-AT" dirty="0"/>
-              <a:t>aka </a:t>
-            </a:r>
-            <a:r>
-              <a:rPr lang="de-AT" dirty="0" err="1"/>
-              <a:t>Swagger</a:t>
-            </a:r>
-            <a:endParaRPr lang="de-AT" dirty="0"/>
-          </a:p>
-          <a:p>
-            <a:r>
-              <a:rPr lang="de-AT" dirty="0" err="1"/>
-              <a:t>Example</a:t>
-            </a:r>
-            <a:r>
-              <a:rPr lang="de-AT" dirty="0"/>
-              <a:t> .NET Core </a:t>
-            </a:r>
-            <a:r>
-              <a:rPr lang="de-AT" dirty="0" err="1" smtClean="0"/>
-              <a:t>see</a:t>
-            </a:r>
-            <a:endParaRPr lang="de-AT" dirty="0" smtClean="0"/>
-          </a:p>
-          <a:p>
-            <a:r>
-              <a:rPr lang="de-AT" dirty="0">
-                <a:hlinkClick r:id="rId4"/>
-              </a:rPr>
-              <a:t>https://docs.microsoft.com/en-us/aspnet/core/tutorials/web-api-help-pages-using-swagger?view=aspnetcore-3.1</a:t>
-            </a:r>
-            <a:endParaRPr lang="de-AT" dirty="0"/>
-          </a:p>
-          <a:p>
-            <a:r>
-              <a:rPr lang="de-AT" dirty="0"/>
-              <a:t/>
-            </a:r>
-            <a:br>
-              <a:rPr lang="de-AT" dirty="0"/>
-            </a:br>
-            <a:endParaRPr lang="de-AT" dirty="0"/>
-          </a:p>
-        </p:txBody>
-      </p:sp>
-    </p:spTree>
-    <p:extLst>
-      <p:ext uri="{BB962C8B-B14F-4D97-AF65-F5344CB8AC3E}">
-        <p14:creationId xmlns:p14="http://schemas.microsoft.com/office/powerpoint/2010/main" val="1156229624"/>
-      </p:ext>
-    </p:extLst>
-  </p:cSld>
-  <p:clrMapOvr>
-    <a:masterClrMapping/>
-  </p:clrMapOvr>
-</p:sld>
-</file>
-
-<file path=ppt/slides/slide30.xml><?xml version="1.0" encoding="utf-8"?>
+<file path=ppt/slides/slide34.xml><?xml version="1.0" encoding="utf-8"?>
 <p:sld xmlns:a="http://schemas.openxmlformats.org/drawingml/2006/main" xmlns:r="http://schemas.openxmlformats.org/officeDocument/2006/relationships" xmlns:p="http://schemas.openxmlformats.org/presentationml/2006/main">
   <p:cSld>
     <p:spTree>
@@ -14485,7 +14874,7 @@
 </p:sld>
 </file>
 
-<file path=ppt/slides/slide31.xml><?xml version="1.0" encoding="utf-8"?>
+<file path=ppt/slides/slide35.xml><?xml version="1.0" encoding="utf-8"?>
 <p:sld xmlns:a="http://schemas.openxmlformats.org/drawingml/2006/main" xmlns:r="http://schemas.openxmlformats.org/officeDocument/2006/relationships" xmlns:p="http://schemas.openxmlformats.org/presentationml/2006/main">
   <p:cSld>
     <p:spTree>

--- a/API Gateway.pptx
+++ b/API Gateway.pptx
@@ -11899,7 +11899,139 @@
           <a:bodyPr/>
           <a:lstStyle/>
           <a:p>
-            <a:endParaRPr lang="de-AT"/>
+            <a:r>
+              <a:rPr lang="de-AT" dirty="0" err="1" smtClean="0"/>
+              <a:t>virtual</a:t>
+            </a:r>
+            <a:r>
+              <a:rPr lang="de-AT" dirty="0" smtClean="0"/>
+              <a:t> </a:t>
+            </a:r>
+            <a:r>
+              <a:rPr lang="de-AT" dirty="0" err="1" smtClean="0"/>
+              <a:t>hostname</a:t>
+            </a:r>
+            <a:endParaRPr lang="de-AT" dirty="0" smtClean="0"/>
+          </a:p>
+          <a:p>
+            <a:r>
+              <a:rPr lang="de-AT" dirty="0" err="1" smtClean="0"/>
+              <a:t>load-balances</a:t>
+            </a:r>
+            <a:r>
+              <a:rPr lang="de-AT" dirty="0" smtClean="0"/>
+              <a:t> </a:t>
+            </a:r>
+            <a:r>
+              <a:rPr lang="de-AT" dirty="0" err="1" smtClean="0"/>
+              <a:t>requests</a:t>
+            </a:r>
+            <a:r>
+              <a:rPr lang="de-AT" dirty="0" smtClean="0"/>
+              <a:t> </a:t>
+            </a:r>
+            <a:r>
+              <a:rPr lang="de-AT" dirty="0" err="1" smtClean="0"/>
+              <a:t>to</a:t>
+            </a:r>
+            <a:r>
+              <a:rPr lang="de-AT" dirty="0" smtClean="0"/>
+              <a:t> (multiple) </a:t>
+            </a:r>
+            <a:r>
+              <a:rPr lang="de-AT" dirty="0" err="1" smtClean="0"/>
+              <a:t>services</a:t>
+            </a:r>
+            <a:r>
+              <a:rPr lang="de-AT" dirty="0" smtClean="0"/>
+              <a:t> (</a:t>
+            </a:r>
+            <a:r>
+              <a:rPr lang="de-AT" dirty="0" err="1" smtClean="0"/>
+              <a:t>targets</a:t>
+            </a:r>
+            <a:r>
+              <a:rPr lang="de-AT" dirty="0" smtClean="0"/>
+              <a:t>)</a:t>
+            </a:r>
+          </a:p>
+          <a:p>
+            <a:r>
+              <a:rPr lang="de-AT" dirty="0" err="1" smtClean="0"/>
+              <a:t>includes</a:t>
+            </a:r>
+            <a:r>
+              <a:rPr lang="de-AT" dirty="0" smtClean="0"/>
+              <a:t> </a:t>
+            </a:r>
+            <a:r>
+              <a:rPr lang="de-AT" dirty="0" err="1" smtClean="0"/>
+              <a:t>health</a:t>
+            </a:r>
+            <a:r>
+              <a:rPr lang="de-AT" dirty="0" smtClean="0"/>
+              <a:t> </a:t>
+            </a:r>
+            <a:r>
+              <a:rPr lang="de-AT" dirty="0" err="1" smtClean="0"/>
+              <a:t>checker</a:t>
+            </a:r>
+            <a:endParaRPr lang="de-AT" dirty="0"/>
+          </a:p>
+          <a:p>
+            <a:r>
+              <a:rPr lang="de-AT" dirty="0" err="1" smtClean="0"/>
+              <a:t>disables</a:t>
+            </a:r>
+            <a:r>
+              <a:rPr lang="de-AT" dirty="0" smtClean="0"/>
+              <a:t> </a:t>
+            </a:r>
+            <a:r>
+              <a:rPr lang="de-AT" dirty="0" err="1" smtClean="0"/>
+              <a:t>targets</a:t>
+            </a:r>
+            <a:r>
+              <a:rPr lang="de-AT" dirty="0"/>
+              <a:t> </a:t>
+            </a:r>
+            <a:r>
+              <a:rPr lang="de-AT" dirty="0" err="1" smtClean="0"/>
+              <a:t>based</a:t>
+            </a:r>
+            <a:r>
+              <a:rPr lang="de-AT" dirty="0" smtClean="0"/>
+              <a:t> on </a:t>
+            </a:r>
+            <a:r>
+              <a:rPr lang="de-AT" dirty="0" err="1" smtClean="0"/>
+              <a:t>inability</a:t>
+            </a:r>
+            <a:r>
+              <a:rPr lang="de-AT" dirty="0" smtClean="0"/>
+              <a:t> </a:t>
+            </a:r>
+            <a:r>
+              <a:rPr lang="de-AT" dirty="0" err="1" smtClean="0"/>
+              <a:t>to</a:t>
+            </a:r>
+            <a:r>
+              <a:rPr lang="de-AT" dirty="0" smtClean="0"/>
+              <a:t> </a:t>
+            </a:r>
+            <a:r>
+              <a:rPr lang="de-AT" dirty="0" err="1" smtClean="0"/>
+              <a:t>serve</a:t>
+            </a:r>
+            <a:r>
+              <a:rPr lang="de-AT" dirty="0" smtClean="0"/>
+              <a:t> </a:t>
+            </a:r>
+            <a:r>
+              <a:rPr lang="de-AT" dirty="0" err="1" smtClean="0"/>
+              <a:t>requests</a:t>
+            </a:r>
+            <a:endParaRPr lang="de-AT" dirty="0"/>
           </a:p>
         </p:txBody>
       </p:sp>
@@ -11918,7 +12050,103 @@
           <a:bodyPr/>
           <a:lstStyle/>
           <a:p>
-            <a:endParaRPr lang="de-AT"/>
+            <a:pPr marL="0" indent="0">
+              <a:buNone/>
+            </a:pPr>
+            <a:r>
+              <a:rPr lang="de-AT" dirty="0">
+                <a:solidFill>
+                  <a:srgbClr val="000000"/>
+                </a:solidFill>
+                <a:latin typeface="Fira Code, Consolas,  Courier New"/>
+              </a:rPr>
+              <a:t>{</a:t>
+            </a:r>
+          </a:p>
+          <a:p>
+            <a:pPr marL="0" indent="0">
+              <a:buNone/>
+            </a:pPr>
+            <a:r>
+              <a:rPr lang="de-AT" dirty="0">
+                <a:solidFill>
+                  <a:srgbClr val="000000"/>
+                </a:solidFill>
+                <a:latin typeface="Fira Code, Consolas,  Courier New"/>
+              </a:rPr>
+              <a:t>  </a:t>
+            </a:r>
+            <a:r>
+              <a:rPr lang="de-AT" dirty="0">
+                <a:solidFill>
+                  <a:srgbClr val="0451A5"/>
+                </a:solidFill>
+                <a:latin typeface="Fira Code, Consolas,  Courier New"/>
+              </a:rPr>
+              <a:t>"</a:t>
+            </a:r>
+            <a:r>
+              <a:rPr lang="de-AT" dirty="0" err="1">
+                <a:solidFill>
+                  <a:srgbClr val="0451A5"/>
+                </a:solidFill>
+                <a:latin typeface="Fira Code, Consolas,  Courier New"/>
+              </a:rPr>
+              <a:t>name</a:t>
+            </a:r>
+            <a:r>
+              <a:rPr lang="de-AT" dirty="0">
+                <a:solidFill>
+                  <a:srgbClr val="0451A5"/>
+                </a:solidFill>
+                <a:latin typeface="Fira Code, Consolas,  Courier New"/>
+              </a:rPr>
+              <a:t>"</a:t>
+            </a:r>
+            <a:r>
+              <a:rPr lang="de-AT" dirty="0">
+                <a:solidFill>
+                  <a:srgbClr val="000000"/>
+                </a:solidFill>
+                <a:latin typeface="Fira Code, Consolas,  Courier New"/>
+              </a:rPr>
+              <a:t>: </a:t>
+            </a:r>
+            <a:r>
+              <a:rPr lang="de-AT" dirty="0">
+                <a:solidFill>
+                  <a:srgbClr val="A31515"/>
+                </a:solidFill>
+                <a:latin typeface="Fira Code, Consolas,  Courier New"/>
+              </a:rPr>
+              <a:t>"calcapi.v1.service"</a:t>
+            </a:r>
+            <a:endParaRPr lang="de-AT" dirty="0">
+              <a:solidFill>
+                <a:srgbClr val="000000"/>
+              </a:solidFill>
+              <a:latin typeface="Fira Code, Consolas,  Courier New"/>
+            </a:endParaRPr>
+          </a:p>
+          <a:p>
+            <a:pPr marL="0" indent="0">
+              <a:buNone/>
+            </a:pPr>
+            <a:r>
+              <a:rPr lang="de-AT" dirty="0" smtClean="0">
+                <a:solidFill>
+                  <a:srgbClr val="000000"/>
+                </a:solidFill>
+                <a:latin typeface="Fira Code, Consolas,  Courier New"/>
+              </a:rPr>
+              <a:t>}</a:t>
+            </a:r>
+            <a:endParaRPr lang="de-AT" dirty="0">
+              <a:solidFill>
+                <a:srgbClr val="000000"/>
+              </a:solidFill>
+              <a:latin typeface="Fira Code, Consolas,  Courier New"/>
+            </a:endParaRPr>
           </a:p>
         </p:txBody>
       </p:sp>
@@ -11990,7 +12218,135 @@
           <a:bodyPr/>
           <a:lstStyle/>
           <a:p>
+            <a:r>
+              <a:rPr lang="de-AT" dirty="0" smtClean="0"/>
+              <a:t>IP-</a:t>
+            </a:r>
+            <a:r>
+              <a:rPr lang="de-AT" dirty="0" err="1" smtClean="0"/>
+              <a:t>adress</a:t>
+            </a:r>
+            <a:r>
+              <a:rPr lang="de-AT" dirty="0" smtClean="0"/>
+              <a:t> </a:t>
+            </a:r>
+            <a:r>
+              <a:rPr lang="de-AT" dirty="0" err="1" smtClean="0"/>
+              <a:t>or</a:t>
+            </a:r>
+            <a:r>
+              <a:rPr lang="de-AT" dirty="0" smtClean="0"/>
+              <a:t> </a:t>
+            </a:r>
+            <a:r>
+              <a:rPr lang="de-AT" dirty="0" err="1" smtClean="0"/>
+              <a:t>hostname</a:t>
+            </a:r>
+            <a:r>
+              <a:rPr lang="de-AT" dirty="0" smtClean="0"/>
+              <a:t> w/ </a:t>
+            </a:r>
+            <a:r>
+              <a:rPr lang="de-AT" dirty="0" err="1" smtClean="0"/>
+              <a:t>port</a:t>
+            </a:r>
+            <a:r>
+              <a:rPr lang="de-AT" dirty="0" smtClean="0"/>
+              <a:t> </a:t>
+            </a:r>
+            <a:r>
+              <a:rPr lang="de-AT" dirty="0" err="1" smtClean="0"/>
+              <a:t>identifying</a:t>
+            </a:r>
+            <a:r>
+              <a:rPr lang="de-AT" dirty="0" smtClean="0"/>
+              <a:t> an </a:t>
+            </a:r>
+            <a:r>
+              <a:rPr lang="de-AT" dirty="0" err="1" smtClean="0"/>
+              <a:t>instance</a:t>
+            </a:r>
+            <a:r>
+              <a:rPr lang="de-AT" dirty="0" smtClean="0"/>
+              <a:t> </a:t>
+            </a:r>
+            <a:r>
+              <a:rPr lang="de-AT" dirty="0" err="1" smtClean="0"/>
+              <a:t>of</a:t>
+            </a:r>
+            <a:r>
+              <a:rPr lang="de-AT" dirty="0" smtClean="0"/>
+              <a:t> a backend </a:t>
+            </a:r>
+            <a:r>
+              <a:rPr lang="de-AT" dirty="0" err="1" smtClean="0"/>
+              <a:t>service</a:t>
+            </a:r>
+            <a:endParaRPr lang="de-AT" dirty="0" smtClean="0"/>
+          </a:p>
+          <a:p>
             <a:endParaRPr lang="de-AT" dirty="0"/>
+          </a:p>
+          <a:p>
+            <a:r>
+              <a:rPr lang="de-AT" dirty="0" smtClean="0"/>
+              <a:t>Dynamic </a:t>
+            </a:r>
+            <a:r>
+              <a:rPr lang="de-AT" dirty="0" err="1" smtClean="0"/>
+              <a:t>list</a:t>
+            </a:r>
+            <a:r>
+              <a:rPr lang="de-AT" dirty="0" smtClean="0"/>
+              <a:t> </a:t>
+            </a:r>
+            <a:r>
+              <a:rPr lang="de-AT" dirty="0" err="1" smtClean="0"/>
+              <a:t>with</a:t>
+            </a:r>
+            <a:r>
+              <a:rPr lang="de-AT" dirty="0" smtClean="0"/>
+              <a:t> </a:t>
+            </a:r>
+            <a:r>
+              <a:rPr lang="de-AT" dirty="0" err="1" smtClean="0"/>
+              <a:t>weights</a:t>
+            </a:r>
+            <a:r>
+              <a:rPr lang="de-AT" dirty="0" smtClean="0"/>
+              <a:t> per </a:t>
+            </a:r>
+            <a:r>
+              <a:rPr lang="de-AT" dirty="0" err="1" smtClean="0"/>
+              <a:t>upstream</a:t>
+            </a:r>
+            <a:endParaRPr lang="de-AT" dirty="0" smtClean="0"/>
+          </a:p>
+          <a:p>
+            <a:endParaRPr lang="de-AT" dirty="0"/>
+          </a:p>
+          <a:p>
+            <a:r>
+              <a:rPr lang="de-AT" dirty="0" err="1" smtClean="0"/>
+              <a:t>Cannot</a:t>
+            </a:r>
+            <a:r>
+              <a:rPr lang="de-AT" dirty="0" smtClean="0"/>
+              <a:t> </a:t>
+            </a:r>
+            <a:r>
+              <a:rPr lang="de-AT" dirty="0" err="1" smtClean="0"/>
+              <a:t>be</a:t>
+            </a:r>
+            <a:r>
+              <a:rPr lang="de-AT" dirty="0" smtClean="0"/>
+              <a:t> </a:t>
+            </a:r>
+            <a:r>
+              <a:rPr lang="de-AT" dirty="0" err="1" smtClean="0"/>
+              <a:t>deleted</a:t>
+            </a:r>
+            <a:endParaRPr lang="de-AT" dirty="0" smtClean="0"/>
           </a:p>
         </p:txBody>
       </p:sp>
@@ -12009,7 +12365,172 @@
           <a:bodyPr/>
           <a:lstStyle/>
           <a:p>
-            <a:endParaRPr lang="de-AT"/>
+            <a:pPr marL="0" indent="0">
+              <a:buNone/>
+            </a:pPr>
+            <a:r>
+              <a:rPr lang="de-AT" dirty="0">
+                <a:solidFill>
+                  <a:srgbClr val="000000"/>
+                </a:solidFill>
+                <a:latin typeface="Fira Code, Consolas,  Courier New"/>
+              </a:rPr>
+              <a:t>{</a:t>
+            </a:r>
+          </a:p>
+          <a:p>
+            <a:pPr marL="0" indent="0">
+              <a:buNone/>
+            </a:pPr>
+            <a:r>
+              <a:rPr lang="de-AT" dirty="0">
+                <a:solidFill>
+                  <a:srgbClr val="000000"/>
+                </a:solidFill>
+                <a:latin typeface="Fira Code, Consolas,  Courier New"/>
+              </a:rPr>
+              <a:t>    </a:t>
+            </a:r>
+            <a:r>
+              <a:rPr lang="de-AT" dirty="0">
+                <a:solidFill>
+                  <a:srgbClr val="0451A5"/>
+                </a:solidFill>
+                <a:latin typeface="Fira Code, Consolas,  Courier New"/>
+              </a:rPr>
+              <a:t>"</a:t>
+            </a:r>
+            <a:r>
+              <a:rPr lang="de-AT" dirty="0" err="1">
+                <a:solidFill>
+                  <a:srgbClr val="0451A5"/>
+                </a:solidFill>
+                <a:latin typeface="Fira Code, Consolas,  Courier New"/>
+              </a:rPr>
+              <a:t>target</a:t>
+            </a:r>
+            <a:r>
+              <a:rPr lang="de-AT" dirty="0">
+                <a:solidFill>
+                  <a:srgbClr val="0451A5"/>
+                </a:solidFill>
+                <a:latin typeface="Fira Code, Consolas,  Courier New"/>
+              </a:rPr>
+              <a:t>"</a:t>
+            </a:r>
+            <a:r>
+              <a:rPr lang="de-AT" dirty="0">
+                <a:solidFill>
+                  <a:srgbClr val="000000"/>
+                </a:solidFill>
+                <a:latin typeface="Fira Code, Consolas,  Courier New"/>
+              </a:rPr>
+              <a:t> : </a:t>
+            </a:r>
+            <a:r>
+              <a:rPr lang="de-AT" dirty="0">
+                <a:solidFill>
+                  <a:srgbClr val="A31515"/>
+                </a:solidFill>
+                <a:latin typeface="Fira Code, Consolas,  Courier New"/>
+              </a:rPr>
+              <a:t>"calc-api:80"</a:t>
+            </a:r>
+            <a:r>
+              <a:rPr lang="de-AT" dirty="0">
+                <a:solidFill>
+                  <a:srgbClr val="000000"/>
+                </a:solidFill>
+                <a:latin typeface="Fira Code, Consolas,  Courier New"/>
+              </a:rPr>
+              <a:t>,</a:t>
+            </a:r>
+          </a:p>
+          <a:p>
+            <a:pPr marL="0" indent="0">
+              <a:buNone/>
+            </a:pPr>
+            <a:r>
+              <a:rPr lang="de-AT" dirty="0">
+                <a:solidFill>
+                  <a:srgbClr val="000000"/>
+                </a:solidFill>
+                <a:latin typeface="Fira Code, Consolas,  Courier New"/>
+              </a:rPr>
+              <a:t>    </a:t>
+            </a:r>
+            <a:r>
+              <a:rPr lang="de-AT" dirty="0">
+                <a:solidFill>
+                  <a:srgbClr val="0451A5"/>
+                </a:solidFill>
+                <a:latin typeface="Fira Code, Consolas,  Courier New"/>
+              </a:rPr>
+              <a:t>"</a:t>
+            </a:r>
+            <a:r>
+              <a:rPr lang="de-AT" dirty="0" err="1">
+                <a:solidFill>
+                  <a:srgbClr val="0451A5"/>
+                </a:solidFill>
+                <a:latin typeface="Fira Code, Consolas,  Courier New"/>
+              </a:rPr>
+              <a:t>weight</a:t>
+            </a:r>
+            <a:r>
+              <a:rPr lang="de-AT" dirty="0">
+                <a:solidFill>
+                  <a:srgbClr val="0451A5"/>
+                </a:solidFill>
+                <a:latin typeface="Fira Code, Consolas,  Courier New"/>
+              </a:rPr>
+              <a:t>"</a:t>
+            </a:r>
+            <a:r>
+              <a:rPr lang="de-AT" dirty="0">
+                <a:solidFill>
+                  <a:srgbClr val="000000"/>
+                </a:solidFill>
+                <a:latin typeface="Fira Code, Consolas,  Courier New"/>
+              </a:rPr>
+              <a:t>: </a:t>
+            </a:r>
+            <a:r>
+              <a:rPr lang="de-AT" dirty="0">
+                <a:solidFill>
+                  <a:srgbClr val="09885A"/>
+                </a:solidFill>
+                <a:latin typeface="Fira Code, Consolas,  Courier New"/>
+              </a:rPr>
+              <a:t>100</a:t>
+            </a:r>
+            <a:endParaRPr lang="de-AT" dirty="0">
+              <a:solidFill>
+                <a:srgbClr val="000000"/>
+              </a:solidFill>
+              <a:latin typeface="Fira Code, Consolas,  Courier New"/>
+            </a:endParaRPr>
+          </a:p>
+          <a:p>
+            <a:pPr marL="0" indent="0">
+              <a:buNone/>
+            </a:pPr>
+            <a:r>
+              <a:rPr lang="de-AT" dirty="0">
+                <a:solidFill>
+                  <a:srgbClr val="000000"/>
+                </a:solidFill>
+                <a:latin typeface="Fira Code, Consolas,  Courier New"/>
+              </a:rPr>
+              <a:t>}</a:t>
+            </a:r>
+            <a:endParaRPr lang="de-AT" b="0" dirty="0">
+              <a:solidFill>
+                <a:srgbClr val="000000"/>
+              </a:solidFill>
+              <a:effectLst/>
+              <a:latin typeface="Fira Code, Consolas,  Courier New"/>
+            </a:endParaRPr>
           </a:p>
         </p:txBody>
       </p:sp>

--- a/API Gateway.pptx
+++ b/API Gateway.pptx
@@ -1463,17 +1463,7 @@
               <a:rPr lang="de-AT" dirty="0" smtClean="0">
                 <a:hlinkClick r:id="rId3"/>
               </a:rPr>
-              <a:t>https://docs.konghq.com/1.4.x/admin-api/#plugin-object</a:t>
-            </a:r>
-            <a:endParaRPr lang="de-AT" dirty="0" smtClean="0"/>
-          </a:p>
-          <a:p>
-            <a:endParaRPr lang="de-AT" dirty="0" smtClean="0"/>
-          </a:p>
-          <a:p>
-            <a:r>
-              <a:rPr lang="en-US" dirty="0" smtClean="0"/>
-              <a:t>When adding a Plugin Configuration to a Service, every request made by a client to that Service will run said Plugin. If a Plugin needs to be tuned to different values for some specific Consumers, you can do so by creating a separate plugin instance that specifies both the Service and the Consumer, through the service and consumer fields.</a:t>
+              <a:t>https://docs.konghq.com/1.4.x/admin-api/#upstream-object</a:t>
             </a:r>
             <a:endParaRPr lang="de-AT" dirty="0"/>
           </a:p>
@@ -1496,7 +1486,7 @@
           <a:p>
             <a:fld id="{CFBC01FF-781E-4D25-A720-185C2D90034C}" type="slidenum">
               <a:rPr lang="en-US" smtClean="0"/>
-              <a:t>30</a:t>
+              <a:t>28</a:t>
             </a:fld>
             <a:endParaRPr lang="en-US"/>
           </a:p>
@@ -1505,7 +1495,7 @@
     </p:spTree>
     <p:extLst>
       <p:ext uri="{BB962C8B-B14F-4D97-AF65-F5344CB8AC3E}">
-        <p14:creationId xmlns:p14="http://schemas.microsoft.com/office/powerpoint/2010/main" val="2882267373"/>
+        <p14:creationId xmlns:p14="http://schemas.microsoft.com/office/powerpoint/2010/main" val="1487895432"/>
       </p:ext>
     </p:extLst>
   </p:cSld>
@@ -1560,6 +1550,194 @@
           <a:lstStyle/>
           <a:p>
             <a:r>
+              <a:rPr lang="de-AT" dirty="0" smtClean="0"/>
+              <a:t>https://docs.konghq.com/1.4.x/admin-api/#target-object</a:t>
+            </a:r>
+            <a:endParaRPr lang="de-AT" dirty="0"/>
+          </a:p>
+        </p:txBody>
+      </p:sp>
+      <p:sp>
+        <p:nvSpPr>
+          <p:cNvPr id="4" name="Slide Number Placeholder 3"/>
+          <p:cNvSpPr>
+            <a:spLocks noGrp="1"/>
+          </p:cNvSpPr>
+          <p:nvPr>
+            <p:ph type="sldNum" sz="quarter" idx="10"/>
+          </p:nvPr>
+        </p:nvSpPr>
+        <p:spPr/>
+        <p:txBody>
+          <a:bodyPr/>
+          <a:lstStyle/>
+          <a:p>
+            <a:fld id="{CFBC01FF-781E-4D25-A720-185C2D90034C}" type="slidenum">
+              <a:rPr lang="en-US" smtClean="0"/>
+              <a:t>29</a:t>
+            </a:fld>
+            <a:endParaRPr lang="en-US"/>
+          </a:p>
+        </p:txBody>
+      </p:sp>
+    </p:spTree>
+    <p:extLst>
+      <p:ext uri="{BB962C8B-B14F-4D97-AF65-F5344CB8AC3E}">
+        <p14:creationId xmlns:p14="http://schemas.microsoft.com/office/powerpoint/2010/main" val="640080758"/>
+      </p:ext>
+    </p:extLst>
+  </p:cSld>
+  <p:clrMapOvr>
+    <a:masterClrMapping/>
+  </p:clrMapOvr>
+</p:notes>
+</file>
+
+<file path=ppt/notesSlides/notesSlide14.xml><?xml version="1.0" encoding="utf-8"?>
+<p:notes xmlns:a="http://schemas.openxmlformats.org/drawingml/2006/main" xmlns:r="http://schemas.openxmlformats.org/officeDocument/2006/relationships" xmlns:p="http://schemas.openxmlformats.org/presentationml/2006/main">
+  <p:cSld>
+    <p:spTree>
+      <p:nvGrpSpPr>
+        <p:cNvPr id="1" name=""/>
+        <p:cNvGrpSpPr/>
+        <p:nvPr/>
+      </p:nvGrpSpPr>
+      <p:grpSpPr>
+        <a:xfrm>
+          <a:off x="0" y="0"/>
+          <a:ext cx="0" cy="0"/>
+          <a:chOff x="0" y="0"/>
+          <a:chExt cx="0" cy="0"/>
+        </a:xfrm>
+      </p:grpSpPr>
+      <p:sp>
+        <p:nvSpPr>
+          <p:cNvPr id="2" name="Slide Image Placeholder 1"/>
+          <p:cNvSpPr>
+            <a:spLocks noGrp="1" noRot="1" noChangeAspect="1"/>
+          </p:cNvSpPr>
+          <p:nvPr>
+            <p:ph type="sldImg"/>
+          </p:nvPr>
+        </p:nvSpPr>
+        <p:spPr/>
+      </p:sp>
+      <p:sp>
+        <p:nvSpPr>
+          <p:cNvPr id="3" name="Notes Placeholder 2"/>
+          <p:cNvSpPr>
+            <a:spLocks noGrp="1"/>
+          </p:cNvSpPr>
+          <p:nvPr>
+            <p:ph type="body" idx="1"/>
+          </p:nvPr>
+        </p:nvSpPr>
+        <p:spPr/>
+        <p:txBody>
+          <a:bodyPr/>
+          <a:lstStyle/>
+          <a:p>
+            <a:r>
+              <a:rPr lang="de-AT" dirty="0" smtClean="0">
+                <a:hlinkClick r:id="rId3"/>
+              </a:rPr>
+              <a:t>https://docs.konghq.com/1.4.x/admin-api/#plugin-object</a:t>
+            </a:r>
+            <a:endParaRPr lang="de-AT" dirty="0" smtClean="0"/>
+          </a:p>
+          <a:p>
+            <a:endParaRPr lang="de-AT" dirty="0" smtClean="0"/>
+          </a:p>
+          <a:p>
+            <a:r>
+              <a:rPr lang="en-US" dirty="0" smtClean="0"/>
+              <a:t>When adding a Plugin Configuration to a Service, every request made by a client to that Service will run said Plugin. If a Plugin needs to be tuned to different values for some specific Consumers, you can do so by creating a separate plugin instance that specifies both the Service and the Consumer, through the service and consumer fields.</a:t>
+            </a:r>
+            <a:endParaRPr lang="de-AT" dirty="0"/>
+          </a:p>
+        </p:txBody>
+      </p:sp>
+      <p:sp>
+        <p:nvSpPr>
+          <p:cNvPr id="4" name="Slide Number Placeholder 3"/>
+          <p:cNvSpPr>
+            <a:spLocks noGrp="1"/>
+          </p:cNvSpPr>
+          <p:nvPr>
+            <p:ph type="sldNum" sz="quarter" idx="10"/>
+          </p:nvPr>
+        </p:nvSpPr>
+        <p:spPr/>
+        <p:txBody>
+          <a:bodyPr/>
+          <a:lstStyle/>
+          <a:p>
+            <a:fld id="{CFBC01FF-781E-4D25-A720-185C2D90034C}" type="slidenum">
+              <a:rPr lang="en-US" smtClean="0"/>
+              <a:t>30</a:t>
+            </a:fld>
+            <a:endParaRPr lang="en-US"/>
+          </a:p>
+        </p:txBody>
+      </p:sp>
+    </p:spTree>
+    <p:extLst>
+      <p:ext uri="{BB962C8B-B14F-4D97-AF65-F5344CB8AC3E}">
+        <p14:creationId xmlns:p14="http://schemas.microsoft.com/office/powerpoint/2010/main" val="2882267373"/>
+      </p:ext>
+    </p:extLst>
+  </p:cSld>
+  <p:clrMapOvr>
+    <a:masterClrMapping/>
+  </p:clrMapOvr>
+</p:notes>
+</file>
+
+<file path=ppt/notesSlides/notesSlide15.xml><?xml version="1.0" encoding="utf-8"?>
+<p:notes xmlns:a="http://schemas.openxmlformats.org/drawingml/2006/main" xmlns:r="http://schemas.openxmlformats.org/officeDocument/2006/relationships" xmlns:p="http://schemas.openxmlformats.org/presentationml/2006/main">
+  <p:cSld>
+    <p:spTree>
+      <p:nvGrpSpPr>
+        <p:cNvPr id="1" name=""/>
+        <p:cNvGrpSpPr/>
+        <p:nvPr/>
+      </p:nvGrpSpPr>
+      <p:grpSpPr>
+        <a:xfrm>
+          <a:off x="0" y="0"/>
+          <a:ext cx="0" cy="0"/>
+          <a:chOff x="0" y="0"/>
+          <a:chExt cx="0" cy="0"/>
+        </a:xfrm>
+      </p:grpSpPr>
+      <p:sp>
+        <p:nvSpPr>
+          <p:cNvPr id="2" name="Slide Image Placeholder 1"/>
+          <p:cNvSpPr>
+            <a:spLocks noGrp="1" noRot="1" noChangeAspect="1"/>
+          </p:cNvSpPr>
+          <p:nvPr>
+            <p:ph type="sldImg"/>
+          </p:nvPr>
+        </p:nvSpPr>
+        <p:spPr/>
+      </p:sp>
+      <p:sp>
+        <p:nvSpPr>
+          <p:cNvPr id="3" name="Notes Placeholder 2"/>
+          <p:cNvSpPr>
+            <a:spLocks noGrp="1"/>
+          </p:cNvSpPr>
+          <p:nvPr>
+            <p:ph type="body" idx="1"/>
+          </p:nvPr>
+        </p:nvSpPr>
+        <p:spPr/>
+        <p:txBody>
+          <a:bodyPr/>
+          <a:lstStyle/>
+          <a:p>
+            <a:r>
               <a:rPr lang="de-AT" dirty="0" smtClean="0">
                 <a:hlinkClick r:id="rId3"/>
               </a:rPr>
@@ -1605,7 +1783,7 @@
 </p:notes>
 </file>
 
-<file path=ppt/notesSlides/notesSlide14.xml><?xml version="1.0" encoding="utf-8"?>
+<file path=ppt/notesSlides/notesSlide16.xml><?xml version="1.0" encoding="utf-8"?>
 <p:notes xmlns:a="http://schemas.openxmlformats.org/drawingml/2006/main" xmlns:r="http://schemas.openxmlformats.org/officeDocument/2006/relationships" xmlns:p="http://schemas.openxmlformats.org/presentationml/2006/main">
   <p:cSld>
     <p:spTree>
@@ -12150,6 +12328,151 @@
           </a:p>
         </p:txBody>
       </p:sp>
+      <p:sp>
+        <p:nvSpPr>
+          <p:cNvPr id="6" name="TextBox 1">
+            <a:extLst>
+              <a:ext uri="{FF2B5EF4-FFF2-40B4-BE49-F238E27FC236}">
+                <a16:creationId xmlns:a16="http://schemas.microsoft.com/office/drawing/2014/main" id="{E55A1FC0-8E30-4FAB-B566-BDFED0EBDD27}"/>
+              </a:ext>
+            </a:extLst>
+          </p:cNvPr>
+          <p:cNvSpPr txBox="1"/>
+          <p:nvPr/>
+        </p:nvSpPr>
+        <p:spPr>
+          <a:xfrm>
+            <a:off x="43543" y="6438899"/>
+            <a:ext cx="8068126" cy="369332"/>
+          </a:xfrm>
+          <a:prstGeom prst="rect">
+            <a:avLst/>
+          </a:prstGeom>
+          <a:noFill/>
+        </p:spPr>
+        <p:txBody>
+          <a:bodyPr rot="0" spcFirstLastPara="0" vert="horz" wrap="square" lIns="91440" tIns="45720" rIns="91440" bIns="45720" numCol="1" spcCol="0" rtlCol="0" fromWordArt="0" anchor="t" anchorCtr="0" forceAA="0" compatLnSpc="1">
+            <a:prstTxWarp prst="textNoShape">
+              <a:avLst/>
+            </a:prstTxWarp>
+            <a:spAutoFit/>
+          </a:bodyPr>
+          <a:lstStyle>
+            <a:defPPr>
+              <a:defRPr lang="en-US"/>
+            </a:defPPr>
+            <a:lvl1pPr marL="0" algn="l" defTabSz="914400" rtl="0" eaLnBrk="1" latinLnBrk="0" hangingPunct="1">
+              <a:defRPr sz="1800" kern="1200">
+                <a:solidFill>
+                  <a:schemeClr val="tx1"/>
+                </a:solidFill>
+                <a:latin typeface="+mn-lt"/>
+                <a:ea typeface="+mn-ea"/>
+                <a:cs typeface="+mn-cs"/>
+              </a:defRPr>
+            </a:lvl1pPr>
+            <a:lvl2pPr marL="457200" algn="l" defTabSz="914400" rtl="0" eaLnBrk="1" latinLnBrk="0" hangingPunct="1">
+              <a:defRPr sz="1800" kern="1200">
+                <a:solidFill>
+                  <a:schemeClr val="tx1"/>
+                </a:solidFill>
+                <a:latin typeface="+mn-lt"/>
+                <a:ea typeface="+mn-ea"/>
+                <a:cs typeface="+mn-cs"/>
+              </a:defRPr>
+            </a:lvl2pPr>
+            <a:lvl3pPr marL="914400" algn="l" defTabSz="914400" rtl="0" eaLnBrk="1" latinLnBrk="0" hangingPunct="1">
+              <a:defRPr sz="1800" kern="1200">
+                <a:solidFill>
+                  <a:schemeClr val="tx1"/>
+                </a:solidFill>
+                <a:latin typeface="+mn-lt"/>
+                <a:ea typeface="+mn-ea"/>
+                <a:cs typeface="+mn-cs"/>
+              </a:defRPr>
+            </a:lvl3pPr>
+            <a:lvl4pPr marL="1371600" algn="l" defTabSz="914400" rtl="0" eaLnBrk="1" latinLnBrk="0" hangingPunct="1">
+              <a:defRPr sz="1800" kern="1200">
+                <a:solidFill>
+                  <a:schemeClr val="tx1"/>
+                </a:solidFill>
+                <a:latin typeface="+mn-lt"/>
+                <a:ea typeface="+mn-ea"/>
+                <a:cs typeface="+mn-cs"/>
+              </a:defRPr>
+            </a:lvl4pPr>
+            <a:lvl5pPr marL="1828800" algn="l" defTabSz="914400" rtl="0" eaLnBrk="1" latinLnBrk="0" hangingPunct="1">
+              <a:defRPr sz="1800" kern="1200">
+                <a:solidFill>
+                  <a:schemeClr val="tx1"/>
+                </a:solidFill>
+                <a:latin typeface="+mn-lt"/>
+                <a:ea typeface="+mn-ea"/>
+                <a:cs typeface="+mn-cs"/>
+              </a:defRPr>
+            </a:lvl5pPr>
+            <a:lvl6pPr marL="2286000" algn="l" defTabSz="914400" rtl="0" eaLnBrk="1" latinLnBrk="0" hangingPunct="1">
+              <a:defRPr sz="1800" kern="1200">
+                <a:solidFill>
+                  <a:schemeClr val="tx1"/>
+                </a:solidFill>
+                <a:latin typeface="+mn-lt"/>
+                <a:ea typeface="+mn-ea"/>
+                <a:cs typeface="+mn-cs"/>
+              </a:defRPr>
+            </a:lvl6pPr>
+            <a:lvl7pPr marL="2743200" algn="l" defTabSz="914400" rtl="0" eaLnBrk="1" latinLnBrk="0" hangingPunct="1">
+              <a:defRPr sz="1800" kern="1200">
+                <a:solidFill>
+                  <a:schemeClr val="tx1"/>
+                </a:solidFill>
+                <a:latin typeface="+mn-lt"/>
+                <a:ea typeface="+mn-ea"/>
+                <a:cs typeface="+mn-cs"/>
+              </a:defRPr>
+            </a:lvl7pPr>
+            <a:lvl8pPr marL="3200400" algn="l" defTabSz="914400" rtl="0" eaLnBrk="1" latinLnBrk="0" hangingPunct="1">
+              <a:defRPr sz="1800" kern="1200">
+                <a:solidFill>
+                  <a:schemeClr val="tx1"/>
+                </a:solidFill>
+                <a:latin typeface="+mn-lt"/>
+                <a:ea typeface="+mn-ea"/>
+                <a:cs typeface="+mn-cs"/>
+              </a:defRPr>
+            </a:lvl8pPr>
+            <a:lvl9pPr marL="3657600" algn="l" defTabSz="914400" rtl="0" eaLnBrk="1" latinLnBrk="0" hangingPunct="1">
+              <a:defRPr sz="1800" kern="1200">
+                <a:solidFill>
+                  <a:schemeClr val="tx1"/>
+                </a:solidFill>
+                <a:latin typeface="+mn-lt"/>
+                <a:ea typeface="+mn-ea"/>
+                <a:cs typeface="+mn-cs"/>
+              </a:defRPr>
+            </a:lvl9pPr>
+          </a:lstStyle>
+          <a:p>
+            <a:r>
+              <a:rPr lang="en-US" dirty="0" smtClean="0"/>
+              <a:t>See: </a:t>
+            </a:r>
+            <a:r>
+              <a:rPr lang="de-AT" dirty="0">
+                <a:hlinkClick r:id="rId3"/>
+              </a:rPr>
+              <a:t>https://docs.konghq.com/1.4.x/admin-api/#</a:t>
+            </a:r>
+            <a:r>
+              <a:rPr lang="de-AT" dirty="0" smtClean="0">
+                <a:hlinkClick r:id="rId3"/>
+              </a:rPr>
+              <a:t>upstream-object</a:t>
+            </a:r>
+            <a:endParaRPr lang="en-US" dirty="0"/>
+          </a:p>
+        </p:txBody>
+      </p:sp>
     </p:spTree>
     <p:extLst>
       <p:ext uri="{BB962C8B-B14F-4D97-AF65-F5344CB8AC3E}">
@@ -12534,6 +12857,155 @@
           </a:p>
         </p:txBody>
       </p:sp>
+      <p:sp>
+        <p:nvSpPr>
+          <p:cNvPr id="6" name="TextBox 1">
+            <a:extLst>
+              <a:ext uri="{FF2B5EF4-FFF2-40B4-BE49-F238E27FC236}">
+                <a16:creationId xmlns:a16="http://schemas.microsoft.com/office/drawing/2014/main" id="{E55A1FC0-8E30-4FAB-B566-BDFED0EBDD27}"/>
+              </a:ext>
+            </a:extLst>
+          </p:cNvPr>
+          <p:cNvSpPr txBox="1"/>
+          <p:nvPr/>
+        </p:nvSpPr>
+        <p:spPr>
+          <a:xfrm>
+            <a:off x="43543" y="6438899"/>
+            <a:ext cx="8068126" cy="369332"/>
+          </a:xfrm>
+          <a:prstGeom prst="rect">
+            <a:avLst/>
+          </a:prstGeom>
+          <a:noFill/>
+        </p:spPr>
+        <p:txBody>
+          <a:bodyPr rot="0" spcFirstLastPara="0" vert="horz" wrap="square" lIns="91440" tIns="45720" rIns="91440" bIns="45720" numCol="1" spcCol="0" rtlCol="0" fromWordArt="0" anchor="t" anchorCtr="0" forceAA="0" compatLnSpc="1">
+            <a:prstTxWarp prst="textNoShape">
+              <a:avLst/>
+            </a:prstTxWarp>
+            <a:spAutoFit/>
+          </a:bodyPr>
+          <a:lstStyle>
+            <a:defPPr>
+              <a:defRPr lang="en-US"/>
+            </a:defPPr>
+            <a:lvl1pPr marL="0" algn="l" defTabSz="914400" rtl="0" eaLnBrk="1" latinLnBrk="0" hangingPunct="1">
+              <a:defRPr sz="1800" kern="1200">
+                <a:solidFill>
+                  <a:schemeClr val="tx1"/>
+                </a:solidFill>
+                <a:latin typeface="+mn-lt"/>
+                <a:ea typeface="+mn-ea"/>
+                <a:cs typeface="+mn-cs"/>
+              </a:defRPr>
+            </a:lvl1pPr>
+            <a:lvl2pPr marL="457200" algn="l" defTabSz="914400" rtl="0" eaLnBrk="1" latinLnBrk="0" hangingPunct="1">
+              <a:defRPr sz="1800" kern="1200">
+                <a:solidFill>
+                  <a:schemeClr val="tx1"/>
+                </a:solidFill>
+                <a:latin typeface="+mn-lt"/>
+                <a:ea typeface="+mn-ea"/>
+                <a:cs typeface="+mn-cs"/>
+              </a:defRPr>
+            </a:lvl2pPr>
+            <a:lvl3pPr marL="914400" algn="l" defTabSz="914400" rtl="0" eaLnBrk="1" latinLnBrk="0" hangingPunct="1">
+              <a:defRPr sz="1800" kern="1200">
+                <a:solidFill>
+                  <a:schemeClr val="tx1"/>
+                </a:solidFill>
+                <a:latin typeface="+mn-lt"/>
+                <a:ea typeface="+mn-ea"/>
+                <a:cs typeface="+mn-cs"/>
+              </a:defRPr>
+            </a:lvl3pPr>
+            <a:lvl4pPr marL="1371600" algn="l" defTabSz="914400" rtl="0" eaLnBrk="1" latinLnBrk="0" hangingPunct="1">
+              <a:defRPr sz="1800" kern="1200">
+                <a:solidFill>
+                  <a:schemeClr val="tx1"/>
+                </a:solidFill>
+                <a:latin typeface="+mn-lt"/>
+                <a:ea typeface="+mn-ea"/>
+                <a:cs typeface="+mn-cs"/>
+              </a:defRPr>
+            </a:lvl4pPr>
+            <a:lvl5pPr marL="1828800" algn="l" defTabSz="914400" rtl="0" eaLnBrk="1" latinLnBrk="0" hangingPunct="1">
+              <a:defRPr sz="1800" kern="1200">
+                <a:solidFill>
+                  <a:schemeClr val="tx1"/>
+                </a:solidFill>
+                <a:latin typeface="+mn-lt"/>
+                <a:ea typeface="+mn-ea"/>
+                <a:cs typeface="+mn-cs"/>
+              </a:defRPr>
+            </a:lvl5pPr>
+            <a:lvl6pPr marL="2286000" algn="l" defTabSz="914400" rtl="0" eaLnBrk="1" latinLnBrk="0" hangingPunct="1">
+              <a:defRPr sz="1800" kern="1200">
+                <a:solidFill>
+                  <a:schemeClr val="tx1"/>
+                </a:solidFill>
+                <a:latin typeface="+mn-lt"/>
+                <a:ea typeface="+mn-ea"/>
+                <a:cs typeface="+mn-cs"/>
+              </a:defRPr>
+            </a:lvl6pPr>
+            <a:lvl7pPr marL="2743200" algn="l" defTabSz="914400" rtl="0" eaLnBrk="1" latinLnBrk="0" hangingPunct="1">
+              <a:defRPr sz="1800" kern="1200">
+                <a:solidFill>
+                  <a:schemeClr val="tx1"/>
+                </a:solidFill>
+                <a:latin typeface="+mn-lt"/>
+                <a:ea typeface="+mn-ea"/>
+                <a:cs typeface="+mn-cs"/>
+              </a:defRPr>
+            </a:lvl7pPr>
+            <a:lvl8pPr marL="3200400" algn="l" defTabSz="914400" rtl="0" eaLnBrk="1" latinLnBrk="0" hangingPunct="1">
+              <a:defRPr sz="1800" kern="1200">
+                <a:solidFill>
+                  <a:schemeClr val="tx1"/>
+                </a:solidFill>
+                <a:latin typeface="+mn-lt"/>
+                <a:ea typeface="+mn-ea"/>
+                <a:cs typeface="+mn-cs"/>
+              </a:defRPr>
+            </a:lvl8pPr>
+            <a:lvl9pPr marL="3657600" algn="l" defTabSz="914400" rtl="0" eaLnBrk="1" latinLnBrk="0" hangingPunct="1">
+              <a:defRPr sz="1800" kern="1200">
+                <a:solidFill>
+                  <a:schemeClr val="tx1"/>
+                </a:solidFill>
+                <a:latin typeface="+mn-lt"/>
+                <a:ea typeface="+mn-ea"/>
+                <a:cs typeface="+mn-cs"/>
+              </a:defRPr>
+            </a:lvl9pPr>
+          </a:lstStyle>
+          <a:p>
+            <a:r>
+              <a:rPr lang="en-US" dirty="0" smtClean="0"/>
+              <a:t>See</a:t>
+            </a:r>
+            <a:r>
+              <a:rPr lang="en-US" dirty="0"/>
+              <a:t>: </a:t>
+            </a:r>
+            <a:r>
+              <a:rPr lang="en-US" dirty="0">
+                <a:hlinkClick r:id="rId3"/>
+              </a:rPr>
+              <a:t>https://docs.konghq.com/1.4.x/admin-api/#</a:t>
+            </a:r>
+            <a:r>
+              <a:rPr lang="en-US" dirty="0" smtClean="0">
+                <a:hlinkClick r:id="rId3"/>
+              </a:rPr>
+              <a:t>target-object</a:t>
+            </a:r>
+            <a:endParaRPr lang="en-US" dirty="0"/>
+          </a:p>
+        </p:txBody>
+      </p:sp>
     </p:spTree>
     <p:extLst>
       <p:ext uri="{BB962C8B-B14F-4D97-AF65-F5344CB8AC3E}">
@@ -13609,6 +14081,151 @@
               <a:effectLst/>
               <a:latin typeface="Fira Code, Consolas,  Courier New"/>
             </a:endParaRPr>
+          </a:p>
+        </p:txBody>
+      </p:sp>
+      <p:sp>
+        <p:nvSpPr>
+          <p:cNvPr id="6" name="TextBox 1">
+            <a:extLst>
+              <a:ext uri="{FF2B5EF4-FFF2-40B4-BE49-F238E27FC236}">
+                <a16:creationId xmlns:a16="http://schemas.microsoft.com/office/drawing/2014/main" id="{E55A1FC0-8E30-4FAB-B566-BDFED0EBDD27}"/>
+              </a:ext>
+            </a:extLst>
+          </p:cNvPr>
+          <p:cNvSpPr txBox="1"/>
+          <p:nvPr/>
+        </p:nvSpPr>
+        <p:spPr>
+          <a:xfrm>
+            <a:off x="43543" y="6438899"/>
+            <a:ext cx="8068126" cy="369332"/>
+          </a:xfrm>
+          <a:prstGeom prst="rect">
+            <a:avLst/>
+          </a:prstGeom>
+          <a:noFill/>
+        </p:spPr>
+        <p:txBody>
+          <a:bodyPr rot="0" spcFirstLastPara="0" vert="horz" wrap="square" lIns="91440" tIns="45720" rIns="91440" bIns="45720" numCol="1" spcCol="0" rtlCol="0" fromWordArt="0" anchor="t" anchorCtr="0" forceAA="0" compatLnSpc="1">
+            <a:prstTxWarp prst="textNoShape">
+              <a:avLst/>
+            </a:prstTxWarp>
+            <a:spAutoFit/>
+          </a:bodyPr>
+          <a:lstStyle>
+            <a:defPPr>
+              <a:defRPr lang="en-US"/>
+            </a:defPPr>
+            <a:lvl1pPr marL="0" algn="l" defTabSz="914400" rtl="0" eaLnBrk="1" latinLnBrk="0" hangingPunct="1">
+              <a:defRPr sz="1800" kern="1200">
+                <a:solidFill>
+                  <a:schemeClr val="tx1"/>
+                </a:solidFill>
+                <a:latin typeface="+mn-lt"/>
+                <a:ea typeface="+mn-ea"/>
+                <a:cs typeface="+mn-cs"/>
+              </a:defRPr>
+            </a:lvl1pPr>
+            <a:lvl2pPr marL="457200" algn="l" defTabSz="914400" rtl="0" eaLnBrk="1" latinLnBrk="0" hangingPunct="1">
+              <a:defRPr sz="1800" kern="1200">
+                <a:solidFill>
+                  <a:schemeClr val="tx1"/>
+                </a:solidFill>
+                <a:latin typeface="+mn-lt"/>
+                <a:ea typeface="+mn-ea"/>
+                <a:cs typeface="+mn-cs"/>
+              </a:defRPr>
+            </a:lvl2pPr>
+            <a:lvl3pPr marL="914400" algn="l" defTabSz="914400" rtl="0" eaLnBrk="1" latinLnBrk="0" hangingPunct="1">
+              <a:defRPr sz="1800" kern="1200">
+                <a:solidFill>
+                  <a:schemeClr val="tx1"/>
+                </a:solidFill>
+                <a:latin typeface="+mn-lt"/>
+                <a:ea typeface="+mn-ea"/>
+                <a:cs typeface="+mn-cs"/>
+              </a:defRPr>
+            </a:lvl3pPr>
+            <a:lvl4pPr marL="1371600" algn="l" defTabSz="914400" rtl="0" eaLnBrk="1" latinLnBrk="0" hangingPunct="1">
+              <a:defRPr sz="1800" kern="1200">
+                <a:solidFill>
+                  <a:schemeClr val="tx1"/>
+                </a:solidFill>
+                <a:latin typeface="+mn-lt"/>
+                <a:ea typeface="+mn-ea"/>
+                <a:cs typeface="+mn-cs"/>
+              </a:defRPr>
+            </a:lvl4pPr>
+            <a:lvl5pPr marL="1828800" algn="l" defTabSz="914400" rtl="0" eaLnBrk="1" latinLnBrk="0" hangingPunct="1">
+              <a:defRPr sz="1800" kern="1200">
+                <a:solidFill>
+                  <a:schemeClr val="tx1"/>
+                </a:solidFill>
+                <a:latin typeface="+mn-lt"/>
+                <a:ea typeface="+mn-ea"/>
+                <a:cs typeface="+mn-cs"/>
+              </a:defRPr>
+            </a:lvl5pPr>
+            <a:lvl6pPr marL="2286000" algn="l" defTabSz="914400" rtl="0" eaLnBrk="1" latinLnBrk="0" hangingPunct="1">
+              <a:defRPr sz="1800" kern="1200">
+                <a:solidFill>
+                  <a:schemeClr val="tx1"/>
+                </a:solidFill>
+                <a:latin typeface="+mn-lt"/>
+                <a:ea typeface="+mn-ea"/>
+                <a:cs typeface="+mn-cs"/>
+              </a:defRPr>
+            </a:lvl6pPr>
+            <a:lvl7pPr marL="2743200" algn="l" defTabSz="914400" rtl="0" eaLnBrk="1" latinLnBrk="0" hangingPunct="1">
+              <a:defRPr sz="1800" kern="1200">
+                <a:solidFill>
+                  <a:schemeClr val="tx1"/>
+                </a:solidFill>
+                <a:latin typeface="+mn-lt"/>
+                <a:ea typeface="+mn-ea"/>
+                <a:cs typeface="+mn-cs"/>
+              </a:defRPr>
+            </a:lvl7pPr>
+            <a:lvl8pPr marL="3200400" algn="l" defTabSz="914400" rtl="0" eaLnBrk="1" latinLnBrk="0" hangingPunct="1">
+              <a:defRPr sz="1800" kern="1200">
+                <a:solidFill>
+                  <a:schemeClr val="tx1"/>
+                </a:solidFill>
+                <a:latin typeface="+mn-lt"/>
+                <a:ea typeface="+mn-ea"/>
+                <a:cs typeface="+mn-cs"/>
+              </a:defRPr>
+            </a:lvl8pPr>
+            <a:lvl9pPr marL="3657600" algn="l" defTabSz="914400" rtl="0" eaLnBrk="1" latinLnBrk="0" hangingPunct="1">
+              <a:defRPr sz="1800" kern="1200">
+                <a:solidFill>
+                  <a:schemeClr val="tx1"/>
+                </a:solidFill>
+                <a:latin typeface="+mn-lt"/>
+                <a:ea typeface="+mn-ea"/>
+                <a:cs typeface="+mn-cs"/>
+              </a:defRPr>
+            </a:lvl9pPr>
+          </a:lstStyle>
+          <a:p>
+            <a:r>
+              <a:rPr lang="en-US" dirty="0" smtClean="0"/>
+              <a:t>See: </a:t>
+            </a:r>
+            <a:r>
+              <a:rPr lang="de-AT" dirty="0">
+                <a:hlinkClick r:id="rId3"/>
+              </a:rPr>
+              <a:t>https://docs.konghq.com/1.4.x/admin-api/#</a:t>
+            </a:r>
+            <a:r>
+              <a:rPr lang="de-AT" dirty="0" smtClean="0">
+                <a:hlinkClick r:id="rId3"/>
+              </a:rPr>
+              <a:t>plugin-object</a:t>
+            </a:r>
+            <a:endParaRPr lang="en-US" dirty="0"/>
           </a:p>
         </p:txBody>
       </p:sp>

--- a/API Gateway.pptx
+++ b/API Gateway.pptx
@@ -858,7 +858,7 @@
           <a:p>
             <a:fld id="{FF084CBC-36E0-4CC0-918D-767D7E309F2F}" type="datetimeFigureOut">
               <a:rPr lang="en-US" smtClean="0"/>
-              <a:t>2019-12-10</a:t>
+              <a:t>2019-12-11</a:t>
             </a:fld>
             <a:endParaRPr lang="en-US"/>
           </a:p>
@@ -2885,7 +2885,7 @@
           <a:p>
             <a:fld id="{8272ECE3-2878-47BE-B879-BFDD2207B1DF}" type="datetimeFigureOut">
               <a:rPr lang="en-US" smtClean="0"/>
-              <a:t>2019-12-10</a:t>
+              <a:t>2019-12-11</a:t>
             </a:fld>
             <a:endParaRPr lang="en-US"/>
           </a:p>
@@ -3083,7 +3083,7 @@
           <a:p>
             <a:fld id="{8272ECE3-2878-47BE-B879-BFDD2207B1DF}" type="datetimeFigureOut">
               <a:rPr lang="en-US" smtClean="0"/>
-              <a:t>2019-12-10</a:t>
+              <a:t>2019-12-11</a:t>
             </a:fld>
             <a:endParaRPr lang="en-US"/>
           </a:p>
@@ -3291,7 +3291,7 @@
           <a:p>
             <a:fld id="{8272ECE3-2878-47BE-B879-BFDD2207B1DF}" type="datetimeFigureOut">
               <a:rPr lang="en-US" smtClean="0"/>
-              <a:t>2019-12-10</a:t>
+              <a:t>2019-12-11</a:t>
             </a:fld>
             <a:endParaRPr lang="en-US"/>
           </a:p>
@@ -3489,7 +3489,7 @@
           <a:p>
             <a:fld id="{8272ECE3-2878-47BE-B879-BFDD2207B1DF}" type="datetimeFigureOut">
               <a:rPr lang="en-US" smtClean="0"/>
-              <a:t>2019-12-10</a:t>
+              <a:t>2019-12-11</a:t>
             </a:fld>
             <a:endParaRPr lang="en-US"/>
           </a:p>
@@ -3764,7 +3764,7 @@
           <a:p>
             <a:fld id="{8272ECE3-2878-47BE-B879-BFDD2207B1DF}" type="datetimeFigureOut">
               <a:rPr lang="en-US" smtClean="0"/>
-              <a:t>2019-12-10</a:t>
+              <a:t>2019-12-11</a:t>
             </a:fld>
             <a:endParaRPr lang="en-US"/>
           </a:p>
@@ -4029,7 +4029,7 @@
           <a:p>
             <a:fld id="{8272ECE3-2878-47BE-B879-BFDD2207B1DF}" type="datetimeFigureOut">
               <a:rPr lang="en-US" smtClean="0"/>
-              <a:t>2019-12-10</a:t>
+              <a:t>2019-12-11</a:t>
             </a:fld>
             <a:endParaRPr lang="en-US"/>
           </a:p>
@@ -4441,7 +4441,7 @@
           <a:p>
             <a:fld id="{8272ECE3-2878-47BE-B879-BFDD2207B1DF}" type="datetimeFigureOut">
               <a:rPr lang="en-US" smtClean="0"/>
-              <a:t>2019-12-10</a:t>
+              <a:t>2019-12-11</a:t>
             </a:fld>
             <a:endParaRPr lang="en-US"/>
           </a:p>
@@ -4582,7 +4582,7 @@
           <a:p>
             <a:fld id="{8272ECE3-2878-47BE-B879-BFDD2207B1DF}" type="datetimeFigureOut">
               <a:rPr lang="en-US" smtClean="0"/>
-              <a:t>2019-12-10</a:t>
+              <a:t>2019-12-11</a:t>
             </a:fld>
             <a:endParaRPr lang="en-US"/>
           </a:p>
@@ -4695,7 +4695,7 @@
           <a:p>
             <a:fld id="{8272ECE3-2878-47BE-B879-BFDD2207B1DF}" type="datetimeFigureOut">
               <a:rPr lang="en-US" smtClean="0"/>
-              <a:t>2019-12-10</a:t>
+              <a:t>2019-12-11</a:t>
             </a:fld>
             <a:endParaRPr lang="en-US"/>
           </a:p>
@@ -5006,7 +5006,7 @@
           <a:p>
             <a:fld id="{8272ECE3-2878-47BE-B879-BFDD2207B1DF}" type="datetimeFigureOut">
               <a:rPr lang="en-US" smtClean="0"/>
-              <a:t>2019-12-10</a:t>
+              <a:t>2019-12-11</a:t>
             </a:fld>
             <a:endParaRPr lang="en-US"/>
           </a:p>
@@ -5294,7 +5294,7 @@
           <a:p>
             <a:fld id="{8272ECE3-2878-47BE-B879-BFDD2207B1DF}" type="datetimeFigureOut">
               <a:rPr lang="en-US" smtClean="0"/>
-              <a:t>2019-12-10</a:t>
+              <a:t>2019-12-11</a:t>
             </a:fld>
             <a:endParaRPr lang="en-US"/>
           </a:p>
@@ -5535,7 +5535,7 @@
           <a:p>
             <a:fld id="{8272ECE3-2878-47BE-B879-BFDD2207B1DF}" type="datetimeFigureOut">
               <a:rPr lang="en-US" smtClean="0"/>
-              <a:t>2019-12-10</a:t>
+              <a:t>2019-12-11</a:t>
             </a:fld>
             <a:endParaRPr lang="en-US"/>
           </a:p>
@@ -15906,8 +15906,12 @@
           <a:lstStyle/>
           <a:p>
             <a:r>
-              <a:rPr lang="de-AT" smtClean="0"/>
-              <a:t>Hands-On</a:t>
+              <a:rPr lang="de-AT" dirty="0" err="1" smtClean="0"/>
+              <a:t>Slides</a:t>
+            </a:r>
+            <a:r>
+              <a:rPr lang="de-AT" dirty="0" smtClean="0"/>
+              <a:t> &amp; Hands-On</a:t>
             </a:r>
             <a:endParaRPr lang="en-US" dirty="0"/>
           </a:p>

--- a/API Gateway.pptx
+++ b/API Gateway.pptx
@@ -5,7 +5,7 @@
     <p:sldMasterId id="2147483648" r:id="rId1"/>
   </p:sldMasterIdLst>
   <p:notesMasterIdLst>
-    <p:notesMasterId r:id="rId37"/>
+    <p:notesMasterId r:id="rId38"/>
   </p:notesMasterIdLst>
   <p:sldIdLst>
     <p:sldId id="256" r:id="rId2"/>
@@ -27,22 +27,23 @@
     <p:sldId id="346" r:id="rId18"/>
     <p:sldId id="344" r:id="rId19"/>
     <p:sldId id="340" r:id="rId20"/>
-    <p:sldId id="327" r:id="rId21"/>
-    <p:sldId id="328" r:id="rId22"/>
-    <p:sldId id="333" r:id="rId23"/>
-    <p:sldId id="329" r:id="rId24"/>
-    <p:sldId id="347" r:id="rId25"/>
-    <p:sldId id="348" r:id="rId26"/>
-    <p:sldId id="349" r:id="rId27"/>
-    <p:sldId id="350" r:id="rId28"/>
-    <p:sldId id="331" r:id="rId29"/>
-    <p:sldId id="332" r:id="rId30"/>
-    <p:sldId id="330" r:id="rId31"/>
-    <p:sldId id="342" r:id="rId32"/>
-    <p:sldId id="343" r:id="rId33"/>
-    <p:sldId id="335" r:id="rId34"/>
-    <p:sldId id="321" r:id="rId35"/>
-    <p:sldId id="341" r:id="rId36"/>
+    <p:sldId id="351" r:id="rId21"/>
+    <p:sldId id="327" r:id="rId22"/>
+    <p:sldId id="328" r:id="rId23"/>
+    <p:sldId id="333" r:id="rId24"/>
+    <p:sldId id="329" r:id="rId25"/>
+    <p:sldId id="347" r:id="rId26"/>
+    <p:sldId id="348" r:id="rId27"/>
+    <p:sldId id="349" r:id="rId28"/>
+    <p:sldId id="350" r:id="rId29"/>
+    <p:sldId id="331" r:id="rId30"/>
+    <p:sldId id="332" r:id="rId31"/>
+    <p:sldId id="330" r:id="rId32"/>
+    <p:sldId id="342" r:id="rId33"/>
+    <p:sldId id="343" r:id="rId34"/>
+    <p:sldId id="335" r:id="rId35"/>
+    <p:sldId id="321" r:id="rId36"/>
+    <p:sldId id="341" r:id="rId37"/>
   </p:sldIdLst>
   <p:sldSz cx="12192000" cy="6858000"/>
   <p:notesSz cx="6858000" cy="9144000"/>
@@ -1279,13 +1280,30 @@
           <a:bodyPr/>
           <a:lstStyle/>
           <a:p>
+            <a:pPr marL="0" marR="0" lvl="0" indent="0" algn="l" defTabSz="914400" rtl="0" eaLnBrk="1" fontAlgn="auto" latinLnBrk="0" hangingPunct="1">
+              <a:lnSpc>
+                <a:spcPct val="100000"/>
+              </a:lnSpc>
+              <a:spcBef>
+                <a:spcPts val="0"/>
+              </a:spcBef>
+              <a:spcAft>
+                <a:spcPts val="0"/>
+              </a:spcAft>
+              <a:buClrTx/>
+              <a:buSzTx/>
+              <a:buFontTx/>
+              <a:buNone/>
+              <a:tabLst/>
+              <a:defRPr/>
+            </a:pPr>
             <a:r>
               <a:rPr lang="de-AT" dirty="0" smtClean="0">
                 <a:hlinkClick r:id="rId3"/>
               </a:rPr>
-              <a:t>https://docs.konghq.com/1.4.x/admin-api/#tags</a:t>
-            </a:r>
-            <a:endParaRPr lang="de-AT" dirty="0"/>
+              <a:t>https://docs.konghq.com/1.4.x/admin-api/#route-object</a:t>
+            </a:r>
+            <a:endParaRPr lang="en-US" dirty="0" smtClean="0"/>
           </a:p>
         </p:txBody>
       </p:sp>
@@ -1315,7 +1333,7 @@
     </p:spTree>
     <p:extLst>
       <p:ext uri="{BB962C8B-B14F-4D97-AF65-F5344CB8AC3E}">
-        <p14:creationId xmlns:p14="http://schemas.microsoft.com/office/powerpoint/2010/main" val="2793833890"/>
+        <p14:creationId xmlns:p14="http://schemas.microsoft.com/office/powerpoint/2010/main" val="1750014258"/>
       </p:ext>
     </p:extLst>
   </p:cSld>
@@ -1373,7 +1391,7 @@
               <a:rPr lang="de-AT" dirty="0" smtClean="0">
                 <a:hlinkClick r:id="rId3"/>
               </a:rPr>
-              <a:t>https://docs.konghq.com/1.4.x/admin-api/#consumer-object</a:t>
+              <a:t>https://docs.konghq.com/1.4.x/admin-api/#tags</a:t>
             </a:r>
             <a:endParaRPr lang="de-AT" dirty="0"/>
           </a:p>
@@ -1405,7 +1423,7 @@
     </p:spTree>
     <p:extLst>
       <p:ext uri="{BB962C8B-B14F-4D97-AF65-F5344CB8AC3E}">
-        <p14:creationId xmlns:p14="http://schemas.microsoft.com/office/powerpoint/2010/main" val="682028252"/>
+        <p14:creationId xmlns:p14="http://schemas.microsoft.com/office/powerpoint/2010/main" val="2793833890"/>
       </p:ext>
     </p:extLst>
   </p:cSld>
@@ -1463,7 +1481,7 @@
               <a:rPr lang="de-AT" dirty="0" smtClean="0">
                 <a:hlinkClick r:id="rId3"/>
               </a:rPr>
-              <a:t>https://docs.konghq.com/1.4.x/admin-api/#upstream-object</a:t>
+              <a:t>https://docs.konghq.com/1.4.x/admin-api/#consumer-object</a:t>
             </a:r>
             <a:endParaRPr lang="de-AT" dirty="0"/>
           </a:p>
@@ -1486,7 +1504,7 @@
           <a:p>
             <a:fld id="{CFBC01FF-781E-4D25-A720-185C2D90034C}" type="slidenum">
               <a:rPr lang="en-US" smtClean="0"/>
-              <a:t>28</a:t>
+              <a:t>24</a:t>
             </a:fld>
             <a:endParaRPr lang="en-US"/>
           </a:p>
@@ -1495,7 +1513,7 @@
     </p:spTree>
     <p:extLst>
       <p:ext uri="{BB962C8B-B14F-4D97-AF65-F5344CB8AC3E}">
-        <p14:creationId xmlns:p14="http://schemas.microsoft.com/office/powerpoint/2010/main" val="1487895432"/>
+        <p14:creationId xmlns:p14="http://schemas.microsoft.com/office/powerpoint/2010/main" val="682028252"/>
       </p:ext>
     </p:extLst>
   </p:cSld>
@@ -1550,8 +1568,10 @@
           <a:lstStyle/>
           <a:p>
             <a:r>
-              <a:rPr lang="de-AT" dirty="0" smtClean="0"/>
-              <a:t>https://docs.konghq.com/1.4.x/admin-api/#target-object</a:t>
+              <a:rPr lang="de-AT" dirty="0" smtClean="0">
+                <a:hlinkClick r:id="rId3"/>
+              </a:rPr>
+              <a:t>https://docs.konghq.com/1.4.x/admin-api/#upstream-object</a:t>
             </a:r>
             <a:endParaRPr lang="de-AT" dirty="0"/>
           </a:p>
@@ -1583,7 +1603,7 @@
     </p:spTree>
     <p:extLst>
       <p:ext uri="{BB962C8B-B14F-4D97-AF65-F5344CB8AC3E}">
-        <p14:creationId xmlns:p14="http://schemas.microsoft.com/office/powerpoint/2010/main" val="640080758"/>
+        <p14:creationId xmlns:p14="http://schemas.microsoft.com/office/powerpoint/2010/main" val="1487895432"/>
       </p:ext>
     </p:extLst>
   </p:cSld>
@@ -1638,20 +1658,8 @@
           <a:lstStyle/>
           <a:p>
             <a:r>
-              <a:rPr lang="de-AT" dirty="0" smtClean="0">
-                <a:hlinkClick r:id="rId3"/>
-              </a:rPr>
-              <a:t>https://docs.konghq.com/1.4.x/admin-api/#plugin-object</a:t>
-            </a:r>
-            <a:endParaRPr lang="de-AT" dirty="0" smtClean="0"/>
-          </a:p>
-          <a:p>
-            <a:endParaRPr lang="de-AT" dirty="0" smtClean="0"/>
-          </a:p>
-          <a:p>
-            <a:r>
-              <a:rPr lang="en-US" dirty="0" smtClean="0"/>
-              <a:t>When adding a Plugin Configuration to a Service, every request made by a client to that Service will run said Plugin. If a Plugin needs to be tuned to different values for some specific Consumers, you can do so by creating a separate plugin instance that specifies both the Service and the Consumer, through the service and consumer fields.</a:t>
+              <a:rPr lang="de-AT" dirty="0" smtClean="0"/>
+              <a:t>https://docs.konghq.com/1.4.x/admin-api/#target-object</a:t>
             </a:r>
             <a:endParaRPr lang="de-AT" dirty="0"/>
           </a:p>
@@ -1683,7 +1691,7 @@
     </p:spTree>
     <p:extLst>
       <p:ext uri="{BB962C8B-B14F-4D97-AF65-F5344CB8AC3E}">
-        <p14:creationId xmlns:p14="http://schemas.microsoft.com/office/powerpoint/2010/main" val="2882267373"/>
+        <p14:creationId xmlns:p14="http://schemas.microsoft.com/office/powerpoint/2010/main" val="640080758"/>
       </p:ext>
     </p:extLst>
   </p:cSld>
@@ -1741,7 +1749,17 @@
               <a:rPr lang="de-AT" dirty="0" smtClean="0">
                 <a:hlinkClick r:id="rId3"/>
               </a:rPr>
-              <a:t>https://docs.konghq.com/1.4.x/admin-api/#health-routes</a:t>
+              <a:t>https://docs.konghq.com/1.4.x/admin-api/#plugin-object</a:t>
+            </a:r>
+            <a:endParaRPr lang="de-AT" dirty="0" smtClean="0"/>
+          </a:p>
+          <a:p>
+            <a:endParaRPr lang="de-AT" dirty="0" smtClean="0"/>
+          </a:p>
+          <a:p>
+            <a:r>
+              <a:rPr lang="en-US" dirty="0" smtClean="0"/>
+              <a:t>When adding a Plugin Configuration to a Service, every request made by a client to that Service will run said Plugin. If a Plugin needs to be tuned to different values for some specific Consumers, you can do so by creating a separate plugin instance that specifies both the Service and the Consumer, through the service and consumer fields.</a:t>
             </a:r>
             <a:endParaRPr lang="de-AT" dirty="0"/>
           </a:p>
@@ -1764,7 +1782,7 @@
           <a:p>
             <a:fld id="{CFBC01FF-781E-4D25-A720-185C2D90034C}" type="slidenum">
               <a:rPr lang="en-US" smtClean="0"/>
-              <a:t>32</a:t>
+              <a:t>31</a:t>
             </a:fld>
             <a:endParaRPr lang="en-US"/>
           </a:p>
@@ -1773,7 +1791,7 @@
     </p:spTree>
     <p:extLst>
       <p:ext uri="{BB962C8B-B14F-4D97-AF65-F5344CB8AC3E}">
-        <p14:creationId xmlns:p14="http://schemas.microsoft.com/office/powerpoint/2010/main" val="288928120"/>
+        <p14:creationId xmlns:p14="http://schemas.microsoft.com/office/powerpoint/2010/main" val="2882267373"/>
       </p:ext>
     </p:extLst>
   </p:cSld>
@@ -1827,7 +1845,13 @@
           <a:bodyPr/>
           <a:lstStyle/>
           <a:p>
-            <a:endParaRPr lang="de-AT" dirty="0"/>
+            <a:r>
+              <a:rPr lang="de-AT" smtClean="0">
+                <a:hlinkClick r:id="rId3"/>
+              </a:rPr>
+              <a:t>https://www.flaticon.com/packs/software-development</a:t>
+            </a:r>
+            <a:endParaRPr lang="de-AT"/>
           </a:p>
         </p:txBody>
       </p:sp>
@@ -1848,7 +1872,181 @@
           <a:p>
             <a:fld id="{CFBC01FF-781E-4D25-A720-185C2D90034C}" type="slidenum">
               <a:rPr lang="en-US" smtClean="0"/>
+              <a:t>32</a:t>
+            </a:fld>
+            <a:endParaRPr lang="en-US"/>
+          </a:p>
+        </p:txBody>
+      </p:sp>
+    </p:spTree>
+    <p:extLst>
+      <p:ext uri="{BB962C8B-B14F-4D97-AF65-F5344CB8AC3E}">
+        <p14:creationId xmlns:p14="http://schemas.microsoft.com/office/powerpoint/2010/main" val="504219891"/>
+      </p:ext>
+    </p:extLst>
+  </p:cSld>
+  <p:clrMapOvr>
+    <a:masterClrMapping/>
+  </p:clrMapOvr>
+</p:notes>
+</file>
+
+<file path=ppt/notesSlides/notesSlide17.xml><?xml version="1.0" encoding="utf-8"?>
+<p:notes xmlns:a="http://schemas.openxmlformats.org/drawingml/2006/main" xmlns:r="http://schemas.openxmlformats.org/officeDocument/2006/relationships" xmlns:p="http://schemas.openxmlformats.org/presentationml/2006/main">
+  <p:cSld>
+    <p:spTree>
+      <p:nvGrpSpPr>
+        <p:cNvPr id="1" name=""/>
+        <p:cNvGrpSpPr/>
+        <p:nvPr/>
+      </p:nvGrpSpPr>
+      <p:grpSpPr>
+        <a:xfrm>
+          <a:off x="0" y="0"/>
+          <a:ext cx="0" cy="0"/>
+          <a:chOff x="0" y="0"/>
+          <a:chExt cx="0" cy="0"/>
+        </a:xfrm>
+      </p:grpSpPr>
+      <p:sp>
+        <p:nvSpPr>
+          <p:cNvPr id="2" name="Slide Image Placeholder 1"/>
+          <p:cNvSpPr>
+            <a:spLocks noGrp="1" noRot="1" noChangeAspect="1"/>
+          </p:cNvSpPr>
+          <p:nvPr>
+            <p:ph type="sldImg"/>
+          </p:nvPr>
+        </p:nvSpPr>
+        <p:spPr/>
+      </p:sp>
+      <p:sp>
+        <p:nvSpPr>
+          <p:cNvPr id="3" name="Notes Placeholder 2"/>
+          <p:cNvSpPr>
+            <a:spLocks noGrp="1"/>
+          </p:cNvSpPr>
+          <p:nvPr>
+            <p:ph type="body" idx="1"/>
+          </p:nvPr>
+        </p:nvSpPr>
+        <p:spPr/>
+        <p:txBody>
+          <a:bodyPr/>
+          <a:lstStyle/>
+          <a:p>
+            <a:r>
+              <a:rPr lang="de-AT" dirty="0" smtClean="0">
+                <a:hlinkClick r:id="rId3"/>
+              </a:rPr>
+              <a:t>https://docs.konghq.com/1.4.x/admin-api/#health-routes</a:t>
+            </a:r>
+            <a:endParaRPr lang="de-AT" dirty="0"/>
+          </a:p>
+        </p:txBody>
+      </p:sp>
+      <p:sp>
+        <p:nvSpPr>
+          <p:cNvPr id="4" name="Slide Number Placeholder 3"/>
+          <p:cNvSpPr>
+            <a:spLocks noGrp="1"/>
+          </p:cNvSpPr>
+          <p:nvPr>
+            <p:ph type="sldNum" sz="quarter" idx="10"/>
+          </p:nvPr>
+        </p:nvSpPr>
+        <p:spPr/>
+        <p:txBody>
+          <a:bodyPr/>
+          <a:lstStyle/>
+          <a:p>
+            <a:fld id="{CFBC01FF-781E-4D25-A720-185C2D90034C}" type="slidenum">
+              <a:rPr lang="en-US" smtClean="0"/>
               <a:t>33</a:t>
+            </a:fld>
+            <a:endParaRPr lang="en-US"/>
+          </a:p>
+        </p:txBody>
+      </p:sp>
+    </p:spTree>
+    <p:extLst>
+      <p:ext uri="{BB962C8B-B14F-4D97-AF65-F5344CB8AC3E}">
+        <p14:creationId xmlns:p14="http://schemas.microsoft.com/office/powerpoint/2010/main" val="288928120"/>
+      </p:ext>
+    </p:extLst>
+  </p:cSld>
+  <p:clrMapOvr>
+    <a:masterClrMapping/>
+  </p:clrMapOvr>
+</p:notes>
+</file>
+
+<file path=ppt/notesSlides/notesSlide18.xml><?xml version="1.0" encoding="utf-8"?>
+<p:notes xmlns:a="http://schemas.openxmlformats.org/drawingml/2006/main" xmlns:r="http://schemas.openxmlformats.org/officeDocument/2006/relationships" xmlns:p="http://schemas.openxmlformats.org/presentationml/2006/main">
+  <p:cSld>
+    <p:spTree>
+      <p:nvGrpSpPr>
+        <p:cNvPr id="1" name=""/>
+        <p:cNvGrpSpPr/>
+        <p:nvPr/>
+      </p:nvGrpSpPr>
+      <p:grpSpPr>
+        <a:xfrm>
+          <a:off x="0" y="0"/>
+          <a:ext cx="0" cy="0"/>
+          <a:chOff x="0" y="0"/>
+          <a:chExt cx="0" cy="0"/>
+        </a:xfrm>
+      </p:grpSpPr>
+      <p:sp>
+        <p:nvSpPr>
+          <p:cNvPr id="2" name="Slide Image Placeholder 1"/>
+          <p:cNvSpPr>
+            <a:spLocks noGrp="1" noRot="1" noChangeAspect="1"/>
+          </p:cNvSpPr>
+          <p:nvPr>
+            <p:ph type="sldImg"/>
+          </p:nvPr>
+        </p:nvSpPr>
+        <p:spPr/>
+      </p:sp>
+      <p:sp>
+        <p:nvSpPr>
+          <p:cNvPr id="3" name="Notes Placeholder 2"/>
+          <p:cNvSpPr>
+            <a:spLocks noGrp="1"/>
+          </p:cNvSpPr>
+          <p:nvPr>
+            <p:ph type="body" idx="1"/>
+          </p:nvPr>
+        </p:nvSpPr>
+        <p:spPr/>
+        <p:txBody>
+          <a:bodyPr/>
+          <a:lstStyle/>
+          <a:p>
+            <a:endParaRPr lang="de-AT" dirty="0"/>
+          </a:p>
+        </p:txBody>
+      </p:sp>
+      <p:sp>
+        <p:nvSpPr>
+          <p:cNvPr id="4" name="Slide Number Placeholder 3"/>
+          <p:cNvSpPr>
+            <a:spLocks noGrp="1"/>
+          </p:cNvSpPr>
+          <p:nvPr>
+            <p:ph type="sldNum" sz="quarter" idx="10"/>
+          </p:nvPr>
+        </p:nvSpPr>
+        <p:spPr/>
+        <p:txBody>
+          <a:bodyPr/>
+          <a:lstStyle/>
+          <a:p>
+            <a:fld id="{CFBC01FF-781E-4D25-A720-185C2D90034C}" type="slidenum">
+              <a:rPr lang="en-US" smtClean="0"/>
+              <a:t>34</a:t>
             </a:fld>
             <a:endParaRPr lang="en-US"/>
           </a:p>
@@ -2327,6 +2525,26 @@
               <a:buFontTx/>
               <a:buChar char="-"/>
             </a:pPr>
+            <a:endParaRPr lang="de-AT" dirty="0" smtClean="0"/>
+          </a:p>
+          <a:p>
+            <a:pPr marL="171450" indent="-171450">
+              <a:buFontTx/>
+              <a:buChar char="-"/>
+            </a:pPr>
+            <a:endParaRPr lang="de-AT" dirty="0" smtClean="0"/>
+          </a:p>
+          <a:p>
+            <a:pPr marL="0" indent="0">
+              <a:buFontTx/>
+              <a:buNone/>
+            </a:pPr>
+            <a:r>
+              <a:rPr lang="de-AT" smtClean="0">
+                <a:hlinkClick r:id="rId4"/>
+              </a:rPr>
+              <a:t>https://hub.docker.com/_/kong</a:t>
+            </a:r>
             <a:endParaRPr lang="de-AT" dirty="0"/>
           </a:p>
         </p:txBody>
@@ -2621,7 +2839,7 @@
     </p:spTree>
     <p:extLst>
       <p:ext uri="{BB962C8B-B14F-4D97-AF65-F5344CB8AC3E}">
-        <p14:creationId xmlns:p14="http://schemas.microsoft.com/office/powerpoint/2010/main" val="2298561363"/>
+        <p14:creationId xmlns:p14="http://schemas.microsoft.com/office/powerpoint/2010/main" val="1077067728"/>
       </p:ext>
     </p:extLst>
   </p:cSld>
@@ -2675,30 +2893,13 @@
           <a:bodyPr/>
           <a:lstStyle/>
           <a:p>
-            <a:pPr marL="0" marR="0" lvl="0" indent="0" algn="l" defTabSz="914400" rtl="0" eaLnBrk="1" fontAlgn="auto" latinLnBrk="0" hangingPunct="1">
-              <a:lnSpc>
-                <a:spcPct val="100000"/>
-              </a:lnSpc>
-              <a:spcBef>
-                <a:spcPts val="0"/>
-              </a:spcBef>
-              <a:spcAft>
-                <a:spcPts val="0"/>
-              </a:spcAft>
-              <a:buClrTx/>
-              <a:buSzTx/>
-              <a:buFontTx/>
-              <a:buNone/>
-              <a:tabLst/>
-              <a:defRPr/>
-            </a:pPr>
             <a:r>
               <a:rPr lang="de-AT" dirty="0" smtClean="0">
                 <a:hlinkClick r:id="rId3"/>
               </a:rPr>
-              <a:t>https://docs.konghq.com/1.4.x/admin-api/#route-object</a:t>
-            </a:r>
-            <a:endParaRPr lang="en-US" dirty="0" smtClean="0"/>
+              <a:t>https://docs.konghq.com/1.4.x/admin-api/#service-object</a:t>
+            </a:r>
+            <a:endParaRPr lang="de-AT" dirty="0"/>
           </a:p>
         </p:txBody>
       </p:sp>
@@ -2728,7 +2929,7 @@
     </p:spTree>
     <p:extLst>
       <p:ext uri="{BB962C8B-B14F-4D97-AF65-F5344CB8AC3E}">
-        <p14:creationId xmlns:p14="http://schemas.microsoft.com/office/powerpoint/2010/main" val="1750014258"/>
+        <p14:creationId xmlns:p14="http://schemas.microsoft.com/office/powerpoint/2010/main" val="2298561363"/>
       </p:ext>
     </p:extLst>
   </p:cSld>
@@ -6643,12 +6844,12 @@
           <a:lstStyle/>
           <a:p>
             <a:r>
-              <a:rPr lang="de-AT" dirty="0" err="1"/>
+              <a:rPr lang="de-AT" dirty="0" err="1" smtClean="0"/>
               <a:t>Excursus</a:t>
             </a:r>
             <a:r>
-              <a:rPr lang="de-AT" dirty="0"/>
-              <a:t> : </a:t>
+              <a:rPr lang="de-AT" dirty="0" smtClean="0"/>
+              <a:t>: </a:t>
             </a:r>
             <a:r>
               <a:rPr lang="de-AT" dirty="0" err="1" smtClean="0"/>
@@ -7005,8 +7206,20 @@
           <a:lstStyle/>
           <a:p>
             <a:r>
+              <a:rPr lang="de-AT" dirty="0" err="1" smtClean="0"/>
+              <a:t>Deployment</a:t>
+            </a:r>
+            <a:r>
               <a:rPr lang="de-AT" dirty="0" smtClean="0"/>
-              <a:t>Database</a:t>
+              <a:t> </a:t>
+            </a:r>
+            <a:r>
+              <a:rPr lang="de-AT" dirty="0" err="1" smtClean="0"/>
+              <a:t>with</a:t>
+            </a:r>
+            <a:r>
+              <a:rPr lang="de-AT" dirty="0" smtClean="0"/>
+              <a:t> Database</a:t>
             </a:r>
             <a:endParaRPr lang="de-AT" dirty="0"/>
           </a:p>
@@ -7282,6 +7495,14 @@
             <a:r>
               <a:rPr lang="de-AT" dirty="0" err="1" smtClean="0"/>
               <a:t>less</a:t>
+            </a:r>
+            <a:r>
+              <a:rPr lang="de-AT" dirty="0"/>
+              <a:t> </a:t>
+            </a:r>
+            <a:r>
+              <a:rPr lang="de-AT" dirty="0" smtClean="0"/>
+              <a:t>Mode</a:t>
             </a:r>
             <a:endParaRPr lang="de-AT" dirty="0"/>
           </a:p>
@@ -9380,8 +9601,8 @@
           <a:lstStyle/>
           <a:p>
             <a:r>
-              <a:rPr lang="de-AT" dirty="0" smtClean="0"/>
-              <a:t>Services</a:t>
+              <a:rPr lang="de-AT" dirty="0" err="1" smtClean="0"/>
+              <a:t>Concepts</a:t>
             </a:r>
             <a:endParaRPr lang="de-AT" dirty="0"/>
           </a:p>
@@ -9394,7 +9615,7 @@
             <a:spLocks noGrp="1"/>
           </p:cNvSpPr>
           <p:nvPr>
-            <p:ph sz="half" idx="1"/>
+            <p:ph idx="1"/>
           </p:nvPr>
         </p:nvSpPr>
         <p:spPr/>
@@ -9402,274 +9623,42 @@
           <a:bodyPr/>
           <a:lstStyle/>
           <a:p>
-            <a:pPr marL="0" indent="0">
-              <a:buNone/>
-            </a:pPr>
             <a:r>
               <a:rPr lang="en-US" dirty="0" smtClean="0"/>
-              <a:t>Abstractions </a:t>
-            </a:r>
-            <a:r>
-              <a:rPr lang="en-US" dirty="0"/>
-              <a:t>of each of your own upstream </a:t>
-            </a:r>
+              <a:t>Services</a:t>
+            </a:r>
+          </a:p>
+          <a:p>
             <a:r>
               <a:rPr lang="en-US" dirty="0" smtClean="0"/>
-              <a:t>services.</a:t>
-            </a:r>
-          </a:p>
-          <a:p>
-            <a:pPr marL="0" indent="0">
-              <a:buNone/>
-            </a:pPr>
-            <a:endParaRPr lang="en-US" dirty="0"/>
-          </a:p>
-          <a:p>
-            <a:pPr marL="0" indent="0">
-              <a:buNone/>
-            </a:pPr>
+              <a:t>Routes</a:t>
+            </a:r>
+          </a:p>
+          <a:p>
             <a:r>
               <a:rPr lang="en-US" dirty="0" smtClean="0"/>
-              <a:t>Examples:</a:t>
-            </a:r>
-          </a:p>
-          <a:p>
-            <a:pPr>
-              <a:buFontTx/>
-              <a:buChar char="-"/>
-            </a:pPr>
+              <a:t>Consumers</a:t>
+            </a:r>
+          </a:p>
+          <a:p>
             <a:r>
               <a:rPr lang="en-US" dirty="0" smtClean="0"/>
-              <a:t>billing</a:t>
-            </a:r>
-          </a:p>
-          <a:p>
-            <a:pPr>
-              <a:buFontTx/>
-              <a:buChar char="-"/>
-            </a:pPr>
+              <a:t>Plugins</a:t>
+            </a:r>
+          </a:p>
+          <a:p>
+            <a:r>
+              <a:rPr lang="en-US" dirty="0" err="1" smtClean="0"/>
+              <a:t>Upstreams</a:t>
+            </a:r>
+            <a:endParaRPr lang="en-US" dirty="0" smtClean="0"/>
+          </a:p>
+          <a:p>
             <a:r>
               <a:rPr lang="en-US" dirty="0" smtClean="0"/>
-              <a:t>checkout</a:t>
-            </a:r>
-          </a:p>
-          <a:p>
-            <a:pPr>
-              <a:buFontTx/>
-              <a:buChar char="-"/>
-            </a:pPr>
-            <a:r>
-              <a:rPr lang="en-US" dirty="0" smtClean="0"/>
-              <a:t>product</a:t>
-            </a:r>
-          </a:p>
-          <a:p>
-            <a:pPr>
-              <a:buFontTx/>
-              <a:buChar char="-"/>
-            </a:pPr>
+              <a:t>Targets</a:t>
+            </a:r>
             <a:endParaRPr lang="de-AT" dirty="0"/>
-          </a:p>
-        </p:txBody>
-      </p:sp>
-      <p:sp>
-        <p:nvSpPr>
-          <p:cNvPr id="5" name="Content Placeholder 4"/>
-          <p:cNvSpPr>
-            <a:spLocks noGrp="1"/>
-          </p:cNvSpPr>
-          <p:nvPr>
-            <p:ph sz="half" idx="2"/>
-          </p:nvPr>
-        </p:nvSpPr>
-        <p:spPr/>
-        <p:txBody>
-          <a:bodyPr/>
-          <a:lstStyle/>
-          <a:p>
-            <a:pPr marL="0" indent="0">
-              <a:buNone/>
-            </a:pPr>
-            <a:r>
-              <a:rPr lang="de-AT" dirty="0">
-                <a:solidFill>
-                  <a:srgbClr val="000000"/>
-                </a:solidFill>
-                <a:latin typeface="Fira Code, Consolas,  Courier New"/>
-              </a:rPr>
-              <a:t>{</a:t>
-            </a:r>
-          </a:p>
-          <a:p>
-            <a:pPr marL="0" indent="0">
-              <a:buNone/>
-            </a:pPr>
-            <a:r>
-              <a:rPr lang="de-AT" dirty="0">
-                <a:solidFill>
-                  <a:srgbClr val="000000"/>
-                </a:solidFill>
-                <a:latin typeface="Fira Code, Consolas,  Courier New"/>
-              </a:rPr>
-              <a:t>    </a:t>
-            </a:r>
-            <a:r>
-              <a:rPr lang="de-AT" dirty="0">
-                <a:solidFill>
-                  <a:srgbClr val="0451A5"/>
-                </a:solidFill>
-                <a:latin typeface="Fira Code, Consolas,  Courier New"/>
-              </a:rPr>
-              <a:t>"</a:t>
-            </a:r>
-            <a:r>
-              <a:rPr lang="de-AT" dirty="0" err="1">
-                <a:solidFill>
-                  <a:srgbClr val="0451A5"/>
-                </a:solidFill>
-                <a:latin typeface="Fira Code, Consolas,  Courier New"/>
-              </a:rPr>
-              <a:t>name</a:t>
-            </a:r>
-            <a:r>
-              <a:rPr lang="de-AT" dirty="0">
-                <a:solidFill>
-                  <a:srgbClr val="0451A5"/>
-                </a:solidFill>
-                <a:latin typeface="Fira Code, Consolas,  Courier New"/>
-              </a:rPr>
-              <a:t>"</a:t>
-            </a:r>
-            <a:r>
-              <a:rPr lang="de-AT" dirty="0">
-                <a:solidFill>
-                  <a:srgbClr val="000000"/>
-                </a:solidFill>
-                <a:latin typeface="Fira Code, Consolas,  Courier New"/>
-              </a:rPr>
-              <a:t> : </a:t>
-            </a:r>
-            <a:r>
-              <a:rPr lang="de-AT" dirty="0">
-                <a:solidFill>
-                  <a:srgbClr val="A31515"/>
-                </a:solidFill>
-                <a:latin typeface="Fira Code, Consolas,  Courier New"/>
-              </a:rPr>
-              <a:t>"</a:t>
-            </a:r>
-            <a:r>
-              <a:rPr lang="de-AT" dirty="0" err="1">
-                <a:solidFill>
-                  <a:srgbClr val="A31515"/>
-                </a:solidFill>
-                <a:latin typeface="Fira Code, Consolas,  Courier New"/>
-              </a:rPr>
-              <a:t>calcapi</a:t>
-            </a:r>
-            <a:r>
-              <a:rPr lang="de-AT" dirty="0">
-                <a:solidFill>
-                  <a:srgbClr val="A31515"/>
-                </a:solidFill>
-                <a:latin typeface="Fira Code, Consolas,  Courier New"/>
-              </a:rPr>
-              <a:t>-service"</a:t>
-            </a:r>
-            <a:r>
-              <a:rPr lang="de-AT" dirty="0">
-                <a:solidFill>
-                  <a:srgbClr val="000000"/>
-                </a:solidFill>
-                <a:latin typeface="Fira Code, Consolas,  Courier New"/>
-              </a:rPr>
-              <a:t>,</a:t>
-            </a:r>
-          </a:p>
-          <a:p>
-            <a:pPr marL="0" indent="0">
-              <a:buNone/>
-            </a:pPr>
-            <a:r>
-              <a:rPr lang="de-AT" dirty="0">
-                <a:solidFill>
-                  <a:srgbClr val="000000"/>
-                </a:solidFill>
-                <a:latin typeface="Fira Code, Consolas,  Courier New"/>
-              </a:rPr>
-              <a:t>    </a:t>
-            </a:r>
-            <a:r>
-              <a:rPr lang="de-AT" dirty="0">
-                <a:solidFill>
-                  <a:srgbClr val="0451A5"/>
-                </a:solidFill>
-                <a:latin typeface="Fira Code, Consolas,  Courier New"/>
-              </a:rPr>
-              <a:t>"</a:t>
-            </a:r>
-            <a:r>
-              <a:rPr lang="de-AT" dirty="0" err="1">
-                <a:solidFill>
-                  <a:srgbClr val="0451A5"/>
-                </a:solidFill>
-                <a:latin typeface="Fira Code, Consolas,  Courier New"/>
-              </a:rPr>
-              <a:t>url</a:t>
-            </a:r>
-            <a:r>
-              <a:rPr lang="de-AT" dirty="0">
-                <a:solidFill>
-                  <a:srgbClr val="0451A5"/>
-                </a:solidFill>
-                <a:latin typeface="Fira Code, Consolas,  Courier New"/>
-              </a:rPr>
-              <a:t>"</a:t>
-            </a:r>
-            <a:r>
-              <a:rPr lang="de-AT" dirty="0">
-                <a:solidFill>
-                  <a:srgbClr val="000000"/>
-                </a:solidFill>
-                <a:latin typeface="Fira Code, Consolas,  Courier New"/>
-              </a:rPr>
-              <a:t> : </a:t>
-            </a:r>
-            <a:r>
-              <a:rPr lang="de-AT" dirty="0">
-                <a:solidFill>
-                  <a:srgbClr val="A31515"/>
-                </a:solidFill>
-                <a:latin typeface="Fira Code, Consolas,  Courier New"/>
-              </a:rPr>
-              <a:t>"http://calc-api:80"</a:t>
-            </a:r>
-            <a:endParaRPr lang="de-AT" dirty="0">
-              <a:solidFill>
-                <a:srgbClr val="000000"/>
-              </a:solidFill>
-              <a:latin typeface="Fira Code, Consolas,  Courier New"/>
-            </a:endParaRPr>
-          </a:p>
-          <a:p>
-            <a:pPr marL="0" indent="0">
-              <a:buNone/>
-            </a:pPr>
-            <a:r>
-              <a:rPr lang="de-AT" dirty="0" smtClean="0">
-                <a:solidFill>
-                  <a:srgbClr val="000000"/>
-                </a:solidFill>
-                <a:latin typeface="Fira Code, Consolas,  Courier New"/>
-              </a:rPr>
-              <a:t>}</a:t>
-            </a:r>
-            <a:endParaRPr lang="de-AT" dirty="0">
-              <a:solidFill>
-                <a:srgbClr val="000000"/>
-              </a:solidFill>
-              <a:latin typeface="Fira Code, Consolas,  Courier New"/>
-            </a:endParaRPr>
           </a:p>
         </p:txBody>
       </p:sp>
@@ -9815,7 +9804,7 @@
     </p:spTree>
     <p:extLst>
       <p:ext uri="{BB962C8B-B14F-4D97-AF65-F5344CB8AC3E}">
-        <p14:creationId xmlns:p14="http://schemas.microsoft.com/office/powerpoint/2010/main" val="1753089440"/>
+        <p14:creationId xmlns:p14="http://schemas.microsoft.com/office/powerpoint/2010/main" val="4108361185"/>
       </p:ext>
     </p:extLst>
   </p:cSld>
@@ -9865,8 +9854,8 @@
           <a:lstStyle/>
           <a:p>
             <a:r>
-              <a:rPr lang="de-AT" dirty="0" err="1" smtClean="0"/>
-              <a:t>Routes</a:t>
+              <a:rPr lang="de-AT" dirty="0" smtClean="0"/>
+              <a:t>Services</a:t>
             </a:r>
             <a:endParaRPr lang="de-AT" dirty="0"/>
           </a:p>
@@ -9874,7 +9863,7 @@
       </p:sp>
       <p:sp>
         <p:nvSpPr>
-          <p:cNvPr id="4" name="Content Placeholder 3"/>
+          <p:cNvPr id="3" name="Content Placeholder 2"/>
           <p:cNvSpPr>
             <a:spLocks noGrp="1"/>
           </p:cNvSpPr>
@@ -9891,101 +9880,69 @@
               <a:buNone/>
             </a:pPr>
             <a:r>
-              <a:rPr lang="de-AT" dirty="0" err="1" smtClean="0"/>
-              <a:t>Routes</a:t>
-            </a:r>
-            <a:r>
-              <a:rPr lang="de-AT" dirty="0" smtClean="0"/>
-              <a:t> </a:t>
-            </a:r>
-            <a:r>
-              <a:rPr lang="de-AT" dirty="0" err="1" smtClean="0"/>
-              <a:t>defines</a:t>
-            </a:r>
-            <a:r>
-              <a:rPr lang="de-AT" dirty="0" smtClean="0"/>
-              <a:t> </a:t>
-            </a:r>
-            <a:r>
-              <a:rPr lang="de-AT" dirty="0" err="1" smtClean="0"/>
-              <a:t>rules</a:t>
-            </a:r>
-            <a:r>
-              <a:rPr lang="de-AT" dirty="0" smtClean="0"/>
-              <a:t> </a:t>
-            </a:r>
-            <a:r>
-              <a:rPr lang="de-AT" dirty="0" err="1" smtClean="0"/>
-              <a:t>to</a:t>
-            </a:r>
-            <a:r>
-              <a:rPr lang="de-AT" dirty="0" smtClean="0"/>
-              <a:t> </a:t>
-            </a:r>
-            <a:r>
-              <a:rPr lang="de-AT" dirty="0" err="1" smtClean="0"/>
-              <a:t>match</a:t>
-            </a:r>
-            <a:r>
-              <a:rPr lang="de-AT" dirty="0" smtClean="0"/>
-              <a:t> </a:t>
-            </a:r>
-            <a:r>
-              <a:rPr lang="de-AT" dirty="0" err="1" smtClean="0"/>
-              <a:t>client</a:t>
-            </a:r>
-            <a:r>
-              <a:rPr lang="de-AT" dirty="0" smtClean="0"/>
-              <a:t> </a:t>
-            </a:r>
-            <a:r>
-              <a:rPr lang="de-AT" dirty="0" err="1" smtClean="0"/>
-              <a:t>requests</a:t>
-            </a:r>
-            <a:endParaRPr lang="de-AT" dirty="0" smtClean="0"/>
+              <a:rPr lang="en-US" dirty="0" smtClean="0"/>
+              <a:t>Abstractions </a:t>
+            </a:r>
+            <a:r>
+              <a:rPr lang="en-US" dirty="0"/>
+              <a:t>of each of your own upstream </a:t>
+            </a:r>
+            <a:r>
+              <a:rPr lang="en-US" dirty="0" smtClean="0"/>
+              <a:t>services.</a:t>
+            </a:r>
           </a:p>
           <a:p>
             <a:pPr marL="0" indent="0">
               <a:buNone/>
             </a:pPr>
-            <a:endParaRPr lang="de-AT" dirty="0"/>
+            <a:endParaRPr lang="en-US" dirty="0"/>
           </a:p>
           <a:p>
             <a:pPr marL="0" indent="0">
               <a:buNone/>
             </a:pPr>
             <a:r>
-              <a:rPr lang="de-AT" dirty="0" err="1" smtClean="0"/>
-              <a:t>Routes</a:t>
-            </a:r>
-            <a:r>
-              <a:rPr lang="de-AT" dirty="0" smtClean="0"/>
-              <a:t> </a:t>
-            </a:r>
-            <a:r>
-              <a:rPr lang="de-AT" dirty="0" err="1" smtClean="0"/>
-              <a:t>are</a:t>
-            </a:r>
-            <a:r>
-              <a:rPr lang="de-AT" dirty="0" smtClean="0"/>
-              <a:t> </a:t>
-            </a:r>
-            <a:r>
-              <a:rPr lang="de-AT" dirty="0" err="1" smtClean="0"/>
-              <a:t>associated</a:t>
-            </a:r>
-            <a:r>
-              <a:rPr lang="de-AT" dirty="0" smtClean="0"/>
-              <a:t> </a:t>
-            </a:r>
-            <a:r>
-              <a:rPr lang="de-AT" dirty="0" err="1" smtClean="0"/>
-              <a:t>with</a:t>
-            </a:r>
-            <a:r>
-              <a:rPr lang="de-AT" dirty="0" smtClean="0"/>
-              <a:t> a Service</a:t>
-            </a:r>
+              <a:rPr lang="en-US" dirty="0" smtClean="0"/>
+              <a:t>Examples:</a:t>
+            </a:r>
+          </a:p>
+          <a:p>
+            <a:pPr>
+              <a:buFontTx/>
+              <a:buChar char="-"/>
+            </a:pPr>
+            <a:r>
+              <a:rPr lang="en-US" dirty="0" smtClean="0"/>
+              <a:t>billing</a:t>
+            </a:r>
+          </a:p>
+          <a:p>
+            <a:pPr>
+              <a:buFontTx/>
+              <a:buChar char="-"/>
+            </a:pPr>
+            <a:r>
+              <a:rPr lang="en-US" dirty="0" smtClean="0"/>
+              <a:t>checkout</a:t>
+            </a:r>
+          </a:p>
+          <a:p>
+            <a:pPr>
+              <a:buFontTx/>
+              <a:buChar char="-"/>
+            </a:pPr>
+            <a:r>
+              <a:rPr lang="en-US" dirty="0" smtClean="0"/>
+              <a:t>product</a:t>
+            </a:r>
+          </a:p>
+          <a:p>
+            <a:pPr>
+              <a:buFontTx/>
+              <a:buChar char="-"/>
+            </a:pPr>
+            <a:endParaRPr lang="de-AT" dirty="0"/>
           </a:p>
         </p:txBody>
       </p:sp>
@@ -10091,7 +10048,7 @@
                 </a:solidFill>
                 <a:latin typeface="Fira Code, Consolas,  Courier New"/>
               </a:rPr>
-              <a:t>-route"</a:t>
+              <a:t>-service"</a:t>
             </a:r>
             <a:r>
               <a:rPr lang="de-AT" dirty="0">
@@ -10132,7 +10089,7 @@
                 </a:solidFill>
                 <a:latin typeface="Fira Code, Consolas,  Courier New"/>
               </a:rPr>
-              <a:t>hosts</a:t>
+              <a:t>url</a:t>
             </a:r>
             <a:r>
               <a:rPr lang="de-AT" dirty="0">
@@ -10150,21 +10107,7 @@
                 </a:solidFill>
                 <a:latin typeface="Fira Code, Consolas,  Courier New"/>
               </a:rPr>
-              <a:t> : [</a:t>
-            </a:r>
-          </a:p>
-          <a:p>
-            <a:pPr marL="0" indent="0">
-              <a:buNone/>
-            </a:pPr>
-            <a:r>
-              <a:rPr lang="de-AT" dirty="0">
-                <a:solidFill>
-                  <a:srgbClr val="000000"/>
-                </a:solidFill>
-                <a:latin typeface="Fira Code, Consolas,  Courier New"/>
-              </a:rPr>
-              <a:t>        </a:t>
+              <a:t> : </a:t>
             </a:r>
             <a:r>
               <a:rPr lang="de-AT" dirty="0">
@@ -10173,7 +10116,7 @@
                 </a:solidFill>
                 <a:latin typeface="Fira Code, Consolas,  Courier New"/>
               </a:rPr>
-              <a:t>"calcapi.com"</a:t>
+              <a:t>"http://calc-api:80"</a:t>
             </a:r>
             <a:endParaRPr lang="de-AT" dirty="0">
               <a:solidFill>
@@ -10187,20 +10130,6 @@
               <a:buNone/>
             </a:pPr>
             <a:r>
-              <a:rPr lang="de-AT" dirty="0">
-                <a:solidFill>
-                  <a:srgbClr val="000000"/>
-                </a:solidFill>
-                <a:latin typeface="Fira Code, Consolas,  Courier New"/>
-              </a:rPr>
-              <a:t>    ]</a:t>
-            </a:r>
-          </a:p>
-          <a:p>
-            <a:pPr marL="0" indent="0">
-              <a:buNone/>
-            </a:pPr>
-            <a:r>
               <a:rPr lang="de-AT" dirty="0" smtClean="0">
                 <a:solidFill>
                   <a:srgbClr val="000000"/>
@@ -10220,7 +10149,7 @@
       </p:sp>
       <p:sp>
         <p:nvSpPr>
-          <p:cNvPr id="6" name="TextBox 1">
+          <p:cNvPr id="7" name="TextBox 1">
             <a:extLst>
               <a:ext uri="{FF2B5EF4-FFF2-40B4-BE49-F238E27FC236}">
                 <a16:creationId xmlns:a16="http://schemas.microsoft.com/office/drawing/2014/main" id="{E55A1FC0-8E30-4FAB-B566-BDFED0EBDD27}"/>
@@ -10351,6 +10280,551 @@
               <a:rPr lang="de-AT" dirty="0">
                 <a:hlinkClick r:id="rId3"/>
               </a:rPr>
+              <a:t>https://docs.konghq.com/1.4.x/admin-api/#service-object</a:t>
+            </a:r>
+            <a:endParaRPr lang="en-US" dirty="0"/>
+          </a:p>
+        </p:txBody>
+      </p:sp>
+    </p:spTree>
+    <p:extLst>
+      <p:ext uri="{BB962C8B-B14F-4D97-AF65-F5344CB8AC3E}">
+        <p14:creationId xmlns:p14="http://schemas.microsoft.com/office/powerpoint/2010/main" val="1753089440"/>
+      </p:ext>
+    </p:extLst>
+  </p:cSld>
+  <p:clrMapOvr>
+    <a:masterClrMapping/>
+  </p:clrMapOvr>
+  <p:timing>
+    <p:tnLst>
+      <p:par>
+        <p:cTn id="1" dur="indefinite" restart="never" nodeType="tmRoot"/>
+      </p:par>
+    </p:tnLst>
+  </p:timing>
+</p:sld>
+</file>
+
+<file path=ppt/slides/slide22.xml><?xml version="1.0" encoding="utf-8"?>
+<p:sld xmlns:a="http://schemas.openxmlformats.org/drawingml/2006/main" xmlns:r="http://schemas.openxmlformats.org/officeDocument/2006/relationships" xmlns:p="http://schemas.openxmlformats.org/presentationml/2006/main">
+  <p:cSld>
+    <p:spTree>
+      <p:nvGrpSpPr>
+        <p:cNvPr id="1" name=""/>
+        <p:cNvGrpSpPr/>
+        <p:nvPr/>
+      </p:nvGrpSpPr>
+      <p:grpSpPr>
+        <a:xfrm>
+          <a:off x="0" y="0"/>
+          <a:ext cx="0" cy="0"/>
+          <a:chOff x="0" y="0"/>
+          <a:chExt cx="0" cy="0"/>
+        </a:xfrm>
+      </p:grpSpPr>
+      <p:sp>
+        <p:nvSpPr>
+          <p:cNvPr id="2" name="Title 1"/>
+          <p:cNvSpPr>
+            <a:spLocks noGrp="1"/>
+          </p:cNvSpPr>
+          <p:nvPr>
+            <p:ph type="title"/>
+          </p:nvPr>
+        </p:nvSpPr>
+        <p:spPr/>
+        <p:txBody>
+          <a:bodyPr/>
+          <a:lstStyle/>
+          <a:p>
+            <a:r>
+              <a:rPr lang="de-AT" dirty="0" err="1" smtClean="0"/>
+              <a:t>Routes</a:t>
+            </a:r>
+            <a:endParaRPr lang="de-AT" dirty="0"/>
+          </a:p>
+        </p:txBody>
+      </p:sp>
+      <p:sp>
+        <p:nvSpPr>
+          <p:cNvPr id="4" name="Content Placeholder 3"/>
+          <p:cNvSpPr>
+            <a:spLocks noGrp="1"/>
+          </p:cNvSpPr>
+          <p:nvPr>
+            <p:ph sz="half" idx="1"/>
+          </p:nvPr>
+        </p:nvSpPr>
+        <p:spPr/>
+        <p:txBody>
+          <a:bodyPr/>
+          <a:lstStyle/>
+          <a:p>
+            <a:pPr marL="0" indent="0">
+              <a:buNone/>
+            </a:pPr>
+            <a:r>
+              <a:rPr lang="de-AT" dirty="0" err="1" smtClean="0"/>
+              <a:t>Routes</a:t>
+            </a:r>
+            <a:r>
+              <a:rPr lang="de-AT" dirty="0" smtClean="0"/>
+              <a:t> </a:t>
+            </a:r>
+            <a:r>
+              <a:rPr lang="de-AT" dirty="0" err="1" smtClean="0"/>
+              <a:t>defines</a:t>
+            </a:r>
+            <a:r>
+              <a:rPr lang="de-AT" dirty="0" smtClean="0"/>
+              <a:t> </a:t>
+            </a:r>
+            <a:r>
+              <a:rPr lang="de-AT" dirty="0" err="1" smtClean="0"/>
+              <a:t>rules</a:t>
+            </a:r>
+            <a:r>
+              <a:rPr lang="de-AT" dirty="0" smtClean="0"/>
+              <a:t> </a:t>
+            </a:r>
+            <a:r>
+              <a:rPr lang="de-AT" dirty="0" err="1" smtClean="0"/>
+              <a:t>to</a:t>
+            </a:r>
+            <a:r>
+              <a:rPr lang="de-AT" dirty="0" smtClean="0"/>
+              <a:t> </a:t>
+            </a:r>
+            <a:r>
+              <a:rPr lang="de-AT" dirty="0" err="1" smtClean="0"/>
+              <a:t>match</a:t>
+            </a:r>
+            <a:r>
+              <a:rPr lang="de-AT" dirty="0" smtClean="0"/>
+              <a:t> </a:t>
+            </a:r>
+            <a:r>
+              <a:rPr lang="de-AT" dirty="0" err="1" smtClean="0"/>
+              <a:t>client</a:t>
+            </a:r>
+            <a:r>
+              <a:rPr lang="de-AT" dirty="0" smtClean="0"/>
+              <a:t> </a:t>
+            </a:r>
+            <a:r>
+              <a:rPr lang="de-AT" dirty="0" err="1" smtClean="0"/>
+              <a:t>requests</a:t>
+            </a:r>
+            <a:endParaRPr lang="de-AT" dirty="0" smtClean="0"/>
+          </a:p>
+          <a:p>
+            <a:pPr marL="0" indent="0">
+              <a:buNone/>
+            </a:pPr>
+            <a:endParaRPr lang="de-AT" dirty="0"/>
+          </a:p>
+          <a:p>
+            <a:pPr marL="0" indent="0">
+              <a:buNone/>
+            </a:pPr>
+            <a:r>
+              <a:rPr lang="de-AT" dirty="0" err="1" smtClean="0"/>
+              <a:t>Routes</a:t>
+            </a:r>
+            <a:r>
+              <a:rPr lang="de-AT" dirty="0" smtClean="0"/>
+              <a:t> </a:t>
+            </a:r>
+            <a:r>
+              <a:rPr lang="de-AT" dirty="0" err="1" smtClean="0"/>
+              <a:t>are</a:t>
+            </a:r>
+            <a:r>
+              <a:rPr lang="de-AT" dirty="0" smtClean="0"/>
+              <a:t> </a:t>
+            </a:r>
+            <a:r>
+              <a:rPr lang="de-AT" dirty="0" err="1" smtClean="0"/>
+              <a:t>associated</a:t>
+            </a:r>
+            <a:r>
+              <a:rPr lang="de-AT" dirty="0" smtClean="0"/>
+              <a:t> </a:t>
+            </a:r>
+            <a:r>
+              <a:rPr lang="de-AT" dirty="0" err="1" smtClean="0"/>
+              <a:t>with</a:t>
+            </a:r>
+            <a:r>
+              <a:rPr lang="de-AT" dirty="0" smtClean="0"/>
+              <a:t> a Service</a:t>
+            </a:r>
+          </a:p>
+        </p:txBody>
+      </p:sp>
+      <p:sp>
+        <p:nvSpPr>
+          <p:cNvPr id="5" name="Content Placeholder 4"/>
+          <p:cNvSpPr>
+            <a:spLocks noGrp="1"/>
+          </p:cNvSpPr>
+          <p:nvPr>
+            <p:ph sz="half" idx="2"/>
+          </p:nvPr>
+        </p:nvSpPr>
+        <p:spPr/>
+        <p:txBody>
+          <a:bodyPr/>
+          <a:lstStyle/>
+          <a:p>
+            <a:pPr marL="0" indent="0">
+              <a:buNone/>
+            </a:pPr>
+            <a:r>
+              <a:rPr lang="de-AT" dirty="0">
+                <a:solidFill>
+                  <a:srgbClr val="000000"/>
+                </a:solidFill>
+                <a:latin typeface="Fira Code, Consolas,  Courier New"/>
+              </a:rPr>
+              <a:t>{</a:t>
+            </a:r>
+          </a:p>
+          <a:p>
+            <a:pPr marL="0" indent="0">
+              <a:buNone/>
+            </a:pPr>
+            <a:r>
+              <a:rPr lang="de-AT" dirty="0">
+                <a:solidFill>
+                  <a:srgbClr val="000000"/>
+                </a:solidFill>
+                <a:latin typeface="Fira Code, Consolas,  Courier New"/>
+              </a:rPr>
+              <a:t>    </a:t>
+            </a:r>
+            <a:r>
+              <a:rPr lang="de-AT" dirty="0">
+                <a:solidFill>
+                  <a:srgbClr val="0451A5"/>
+                </a:solidFill>
+                <a:latin typeface="Fira Code, Consolas,  Courier New"/>
+              </a:rPr>
+              <a:t>"</a:t>
+            </a:r>
+            <a:r>
+              <a:rPr lang="de-AT" dirty="0" err="1">
+                <a:solidFill>
+                  <a:srgbClr val="0451A5"/>
+                </a:solidFill>
+                <a:latin typeface="Fira Code, Consolas,  Courier New"/>
+              </a:rPr>
+              <a:t>name</a:t>
+            </a:r>
+            <a:r>
+              <a:rPr lang="de-AT" dirty="0">
+                <a:solidFill>
+                  <a:srgbClr val="0451A5"/>
+                </a:solidFill>
+                <a:latin typeface="Fira Code, Consolas,  Courier New"/>
+              </a:rPr>
+              <a:t>"</a:t>
+            </a:r>
+            <a:r>
+              <a:rPr lang="de-AT" dirty="0">
+                <a:solidFill>
+                  <a:srgbClr val="000000"/>
+                </a:solidFill>
+                <a:latin typeface="Fira Code, Consolas,  Courier New"/>
+              </a:rPr>
+              <a:t> : </a:t>
+            </a:r>
+            <a:r>
+              <a:rPr lang="de-AT" dirty="0">
+                <a:solidFill>
+                  <a:srgbClr val="A31515"/>
+                </a:solidFill>
+                <a:latin typeface="Fira Code, Consolas,  Courier New"/>
+              </a:rPr>
+              <a:t>"</a:t>
+            </a:r>
+            <a:r>
+              <a:rPr lang="de-AT" dirty="0" err="1">
+                <a:solidFill>
+                  <a:srgbClr val="A31515"/>
+                </a:solidFill>
+                <a:latin typeface="Fira Code, Consolas,  Courier New"/>
+              </a:rPr>
+              <a:t>calcapi</a:t>
+            </a:r>
+            <a:r>
+              <a:rPr lang="de-AT" dirty="0">
+                <a:solidFill>
+                  <a:srgbClr val="A31515"/>
+                </a:solidFill>
+                <a:latin typeface="Fira Code, Consolas,  Courier New"/>
+              </a:rPr>
+              <a:t>-route"</a:t>
+            </a:r>
+            <a:r>
+              <a:rPr lang="de-AT" dirty="0">
+                <a:solidFill>
+                  <a:srgbClr val="000000"/>
+                </a:solidFill>
+                <a:latin typeface="Fira Code, Consolas,  Courier New"/>
+              </a:rPr>
+              <a:t>,</a:t>
+            </a:r>
+          </a:p>
+          <a:p>
+            <a:pPr marL="0" indent="0">
+              <a:buNone/>
+            </a:pPr>
+            <a:r>
+              <a:rPr lang="de-AT" dirty="0">
+                <a:solidFill>
+                  <a:srgbClr val="000000"/>
+                </a:solidFill>
+                <a:latin typeface="Fira Code, Consolas,  Courier New"/>
+              </a:rPr>
+              <a:t>    </a:t>
+            </a:r>
+            <a:r>
+              <a:rPr lang="de-AT" dirty="0">
+                <a:solidFill>
+                  <a:srgbClr val="0451A5"/>
+                </a:solidFill>
+                <a:latin typeface="Fira Code, Consolas,  Courier New"/>
+              </a:rPr>
+              <a:t>"</a:t>
+            </a:r>
+            <a:r>
+              <a:rPr lang="de-AT" dirty="0" err="1">
+                <a:solidFill>
+                  <a:srgbClr val="0451A5"/>
+                </a:solidFill>
+                <a:latin typeface="Fira Code, Consolas,  Courier New"/>
+              </a:rPr>
+              <a:t>hosts</a:t>
+            </a:r>
+            <a:r>
+              <a:rPr lang="de-AT" dirty="0">
+                <a:solidFill>
+                  <a:srgbClr val="0451A5"/>
+                </a:solidFill>
+                <a:latin typeface="Fira Code, Consolas,  Courier New"/>
+              </a:rPr>
+              <a:t>"</a:t>
+            </a:r>
+            <a:r>
+              <a:rPr lang="de-AT" dirty="0">
+                <a:solidFill>
+                  <a:srgbClr val="000000"/>
+                </a:solidFill>
+                <a:latin typeface="Fira Code, Consolas,  Courier New"/>
+              </a:rPr>
+              <a:t> : [</a:t>
+            </a:r>
+          </a:p>
+          <a:p>
+            <a:pPr marL="0" indent="0">
+              <a:buNone/>
+            </a:pPr>
+            <a:r>
+              <a:rPr lang="de-AT" dirty="0">
+                <a:solidFill>
+                  <a:srgbClr val="000000"/>
+                </a:solidFill>
+                <a:latin typeface="Fira Code, Consolas,  Courier New"/>
+              </a:rPr>
+              <a:t>        </a:t>
+            </a:r>
+            <a:r>
+              <a:rPr lang="de-AT" dirty="0">
+                <a:solidFill>
+                  <a:srgbClr val="A31515"/>
+                </a:solidFill>
+                <a:latin typeface="Fira Code, Consolas,  Courier New"/>
+              </a:rPr>
+              <a:t>"calcapi.com"</a:t>
+            </a:r>
+            <a:endParaRPr lang="de-AT" dirty="0">
+              <a:solidFill>
+                <a:srgbClr val="000000"/>
+              </a:solidFill>
+              <a:latin typeface="Fira Code, Consolas,  Courier New"/>
+            </a:endParaRPr>
+          </a:p>
+          <a:p>
+            <a:pPr marL="0" indent="0">
+              <a:buNone/>
+            </a:pPr>
+            <a:r>
+              <a:rPr lang="de-AT" dirty="0">
+                <a:solidFill>
+                  <a:srgbClr val="000000"/>
+                </a:solidFill>
+                <a:latin typeface="Fira Code, Consolas,  Courier New"/>
+              </a:rPr>
+              <a:t>    ]</a:t>
+            </a:r>
+          </a:p>
+          <a:p>
+            <a:pPr marL="0" indent="0">
+              <a:buNone/>
+            </a:pPr>
+            <a:r>
+              <a:rPr lang="de-AT" dirty="0" smtClean="0">
+                <a:solidFill>
+                  <a:srgbClr val="000000"/>
+                </a:solidFill>
+                <a:latin typeface="Fira Code, Consolas,  Courier New"/>
+              </a:rPr>
+              <a:t>}</a:t>
+            </a:r>
+            <a:endParaRPr lang="de-AT" dirty="0">
+              <a:solidFill>
+                <a:srgbClr val="000000"/>
+              </a:solidFill>
+              <a:latin typeface="Fira Code, Consolas,  Courier New"/>
+            </a:endParaRPr>
+          </a:p>
+        </p:txBody>
+      </p:sp>
+      <p:sp>
+        <p:nvSpPr>
+          <p:cNvPr id="6" name="TextBox 1">
+            <a:extLst>
+              <a:ext uri="{FF2B5EF4-FFF2-40B4-BE49-F238E27FC236}">
+                <a16:creationId xmlns:a16="http://schemas.microsoft.com/office/drawing/2014/main" id="{E55A1FC0-8E30-4FAB-B566-BDFED0EBDD27}"/>
+              </a:ext>
+            </a:extLst>
+          </p:cNvPr>
+          <p:cNvSpPr txBox="1"/>
+          <p:nvPr/>
+        </p:nvSpPr>
+        <p:spPr>
+          <a:xfrm>
+            <a:off x="43543" y="6438899"/>
+            <a:ext cx="8068126" cy="369332"/>
+          </a:xfrm>
+          <a:prstGeom prst="rect">
+            <a:avLst/>
+          </a:prstGeom>
+          <a:noFill/>
+        </p:spPr>
+        <p:txBody>
+          <a:bodyPr rot="0" spcFirstLastPara="0" vert="horz" wrap="square" lIns="91440" tIns="45720" rIns="91440" bIns="45720" numCol="1" spcCol="0" rtlCol="0" fromWordArt="0" anchor="t" anchorCtr="0" forceAA="0" compatLnSpc="1">
+            <a:prstTxWarp prst="textNoShape">
+              <a:avLst/>
+            </a:prstTxWarp>
+            <a:spAutoFit/>
+          </a:bodyPr>
+          <a:lstStyle>
+            <a:defPPr>
+              <a:defRPr lang="en-US"/>
+            </a:defPPr>
+            <a:lvl1pPr marL="0" algn="l" defTabSz="914400" rtl="0" eaLnBrk="1" latinLnBrk="0" hangingPunct="1">
+              <a:defRPr sz="1800" kern="1200">
+                <a:solidFill>
+                  <a:schemeClr val="tx1"/>
+                </a:solidFill>
+                <a:latin typeface="+mn-lt"/>
+                <a:ea typeface="+mn-ea"/>
+                <a:cs typeface="+mn-cs"/>
+              </a:defRPr>
+            </a:lvl1pPr>
+            <a:lvl2pPr marL="457200" algn="l" defTabSz="914400" rtl="0" eaLnBrk="1" latinLnBrk="0" hangingPunct="1">
+              <a:defRPr sz="1800" kern="1200">
+                <a:solidFill>
+                  <a:schemeClr val="tx1"/>
+                </a:solidFill>
+                <a:latin typeface="+mn-lt"/>
+                <a:ea typeface="+mn-ea"/>
+                <a:cs typeface="+mn-cs"/>
+              </a:defRPr>
+            </a:lvl2pPr>
+            <a:lvl3pPr marL="914400" algn="l" defTabSz="914400" rtl="0" eaLnBrk="1" latinLnBrk="0" hangingPunct="1">
+              <a:defRPr sz="1800" kern="1200">
+                <a:solidFill>
+                  <a:schemeClr val="tx1"/>
+                </a:solidFill>
+                <a:latin typeface="+mn-lt"/>
+                <a:ea typeface="+mn-ea"/>
+                <a:cs typeface="+mn-cs"/>
+              </a:defRPr>
+            </a:lvl3pPr>
+            <a:lvl4pPr marL="1371600" algn="l" defTabSz="914400" rtl="0" eaLnBrk="1" latinLnBrk="0" hangingPunct="1">
+              <a:defRPr sz="1800" kern="1200">
+                <a:solidFill>
+                  <a:schemeClr val="tx1"/>
+                </a:solidFill>
+                <a:latin typeface="+mn-lt"/>
+                <a:ea typeface="+mn-ea"/>
+                <a:cs typeface="+mn-cs"/>
+              </a:defRPr>
+            </a:lvl4pPr>
+            <a:lvl5pPr marL="1828800" algn="l" defTabSz="914400" rtl="0" eaLnBrk="1" latinLnBrk="0" hangingPunct="1">
+              <a:defRPr sz="1800" kern="1200">
+                <a:solidFill>
+                  <a:schemeClr val="tx1"/>
+                </a:solidFill>
+                <a:latin typeface="+mn-lt"/>
+                <a:ea typeface="+mn-ea"/>
+                <a:cs typeface="+mn-cs"/>
+              </a:defRPr>
+            </a:lvl5pPr>
+            <a:lvl6pPr marL="2286000" algn="l" defTabSz="914400" rtl="0" eaLnBrk="1" latinLnBrk="0" hangingPunct="1">
+              <a:defRPr sz="1800" kern="1200">
+                <a:solidFill>
+                  <a:schemeClr val="tx1"/>
+                </a:solidFill>
+                <a:latin typeface="+mn-lt"/>
+                <a:ea typeface="+mn-ea"/>
+                <a:cs typeface="+mn-cs"/>
+              </a:defRPr>
+            </a:lvl6pPr>
+            <a:lvl7pPr marL="2743200" algn="l" defTabSz="914400" rtl="0" eaLnBrk="1" latinLnBrk="0" hangingPunct="1">
+              <a:defRPr sz="1800" kern="1200">
+                <a:solidFill>
+                  <a:schemeClr val="tx1"/>
+                </a:solidFill>
+                <a:latin typeface="+mn-lt"/>
+                <a:ea typeface="+mn-ea"/>
+                <a:cs typeface="+mn-cs"/>
+              </a:defRPr>
+            </a:lvl7pPr>
+            <a:lvl8pPr marL="3200400" algn="l" defTabSz="914400" rtl="0" eaLnBrk="1" latinLnBrk="0" hangingPunct="1">
+              <a:defRPr sz="1800" kern="1200">
+                <a:solidFill>
+                  <a:schemeClr val="tx1"/>
+                </a:solidFill>
+                <a:latin typeface="+mn-lt"/>
+                <a:ea typeface="+mn-ea"/>
+                <a:cs typeface="+mn-cs"/>
+              </a:defRPr>
+            </a:lvl8pPr>
+            <a:lvl9pPr marL="3657600" algn="l" defTabSz="914400" rtl="0" eaLnBrk="1" latinLnBrk="0" hangingPunct="1">
+              <a:defRPr sz="1800" kern="1200">
+                <a:solidFill>
+                  <a:schemeClr val="tx1"/>
+                </a:solidFill>
+                <a:latin typeface="+mn-lt"/>
+                <a:ea typeface="+mn-ea"/>
+                <a:cs typeface="+mn-cs"/>
+              </a:defRPr>
+            </a:lvl9pPr>
+          </a:lstStyle>
+          <a:p>
+            <a:r>
+              <a:rPr lang="en-US" dirty="0" smtClean="0"/>
+              <a:t>See: </a:t>
+            </a:r>
+            <a:r>
+              <a:rPr lang="de-AT" dirty="0">
+                <a:hlinkClick r:id="rId3"/>
+              </a:rPr>
               <a:t>https://docs.konghq.com/1.4.x/admin-api/#route-object</a:t>
             </a:r>
             <a:endParaRPr lang="en-US" dirty="0"/>
@@ -10370,7 +10844,7 @@
 </p:sld>
 </file>
 
-<file path=ppt/slides/slide22.xml><?xml version="1.0" encoding="utf-8"?>
+<file path=ppt/slides/slide23.xml><?xml version="1.0" encoding="utf-8"?>
 <p:sld xmlns:a="http://schemas.openxmlformats.org/drawingml/2006/main" xmlns:r="http://schemas.openxmlformats.org/officeDocument/2006/relationships" xmlns:p="http://schemas.openxmlformats.org/presentationml/2006/main">
   <p:cSld>
     <p:spTree>
@@ -11147,7 +11621,7 @@
 </p:sld>
 </file>
 
-<file path=ppt/slides/slide23.xml><?xml version="1.0" encoding="utf-8"?>
+<file path=ppt/slides/slide24.xml><?xml version="1.0" encoding="utf-8"?>
 <p:sld xmlns:a="http://schemas.openxmlformats.org/drawingml/2006/main" xmlns:r="http://schemas.openxmlformats.org/officeDocument/2006/relationships" xmlns:p="http://schemas.openxmlformats.org/presentationml/2006/main">
   <p:cSld>
     <p:spTree>
@@ -11657,7 +12131,7 @@
 </p:sld>
 </file>
 
-<file path=ppt/slides/slide24.xml><?xml version="1.0" encoding="utf-8"?>
+<file path=ppt/slides/slide25.xml><?xml version="1.0" encoding="utf-8"?>
 <p:sld xmlns:a="http://schemas.openxmlformats.org/drawingml/2006/main" xmlns:r="http://schemas.openxmlformats.org/officeDocument/2006/relationships" xmlns:p="http://schemas.openxmlformats.org/presentationml/2006/main">
   <p:cSld>
     <p:spTree>
@@ -11757,7 +12231,7 @@
 </p:sld>
 </file>
 
-<file path=ppt/slides/slide25.xml><?xml version="1.0" encoding="utf-8"?>
+<file path=ppt/slides/slide26.xml><?xml version="1.0" encoding="utf-8"?>
 <p:sld xmlns:a="http://schemas.openxmlformats.org/drawingml/2006/main" xmlns:r="http://schemas.openxmlformats.org/officeDocument/2006/relationships" xmlns:p="http://schemas.openxmlformats.org/presentationml/2006/main">
   <p:cSld>
     <p:spTree>
@@ -11848,7 +12322,7 @@
 </p:sld>
 </file>
 
-<file path=ppt/slides/slide26.xml><?xml version="1.0" encoding="utf-8"?>
+<file path=ppt/slides/slide27.xml><?xml version="1.0" encoding="utf-8"?>
 <p:sld xmlns:a="http://schemas.openxmlformats.org/drawingml/2006/main" xmlns:r="http://schemas.openxmlformats.org/officeDocument/2006/relationships" xmlns:p="http://schemas.openxmlformats.org/presentationml/2006/main">
   <p:cSld>
     <p:spTree>
@@ -11935,7 +12409,7 @@
 </p:sld>
 </file>
 
-<file path=ppt/slides/slide27.xml><?xml version="1.0" encoding="utf-8"?>
+<file path=ppt/slides/slide28.xml><?xml version="1.0" encoding="utf-8"?>
 <p:sld xmlns:a="http://schemas.openxmlformats.org/drawingml/2006/main" xmlns:r="http://schemas.openxmlformats.org/officeDocument/2006/relationships" xmlns:p="http://schemas.openxmlformats.org/presentationml/2006/main">
   <p:cSld>
     <p:spTree>
@@ -12022,7 +12496,7 @@
 </p:sld>
 </file>
 
-<file path=ppt/slides/slide28.xml><?xml version="1.0" encoding="utf-8"?>
+<file path=ppt/slides/slide29.xml><?xml version="1.0" encoding="utf-8"?>
 <p:sld xmlns:a="http://schemas.openxmlformats.org/drawingml/2006/main" xmlns:r="http://schemas.openxmlformats.org/officeDocument/2006/relationships" xmlns:p="http://schemas.openxmlformats.org/presentationml/2006/main">
   <p:cSld>
     <p:spTree>
@@ -12477,539 +12951,6 @@
     <p:extLst>
       <p:ext uri="{BB962C8B-B14F-4D97-AF65-F5344CB8AC3E}">
         <p14:creationId xmlns:p14="http://schemas.microsoft.com/office/powerpoint/2010/main" val="3387577602"/>
-      </p:ext>
-    </p:extLst>
-  </p:cSld>
-  <p:clrMapOvr>
-    <a:masterClrMapping/>
-  </p:clrMapOvr>
-</p:sld>
-</file>
-
-<file path=ppt/slides/slide29.xml><?xml version="1.0" encoding="utf-8"?>
-<p:sld xmlns:a="http://schemas.openxmlformats.org/drawingml/2006/main" xmlns:r="http://schemas.openxmlformats.org/officeDocument/2006/relationships" xmlns:p="http://schemas.openxmlformats.org/presentationml/2006/main">
-  <p:cSld>
-    <p:spTree>
-      <p:nvGrpSpPr>
-        <p:cNvPr id="1" name=""/>
-        <p:cNvGrpSpPr/>
-        <p:nvPr/>
-      </p:nvGrpSpPr>
-      <p:grpSpPr>
-        <a:xfrm>
-          <a:off x="0" y="0"/>
-          <a:ext cx="0" cy="0"/>
-          <a:chOff x="0" y="0"/>
-          <a:chExt cx="0" cy="0"/>
-        </a:xfrm>
-      </p:grpSpPr>
-      <p:sp>
-        <p:nvSpPr>
-          <p:cNvPr id="2" name="Title 1"/>
-          <p:cNvSpPr>
-            <a:spLocks noGrp="1"/>
-          </p:cNvSpPr>
-          <p:nvPr>
-            <p:ph type="title"/>
-          </p:nvPr>
-        </p:nvSpPr>
-        <p:spPr/>
-        <p:txBody>
-          <a:bodyPr/>
-          <a:lstStyle/>
-          <a:p>
-            <a:r>
-              <a:rPr lang="de-AT" dirty="0" smtClean="0"/>
-              <a:t>Targets</a:t>
-            </a:r>
-            <a:endParaRPr lang="de-AT" dirty="0"/>
-          </a:p>
-        </p:txBody>
-      </p:sp>
-      <p:sp>
-        <p:nvSpPr>
-          <p:cNvPr id="4" name="Content Placeholder 3"/>
-          <p:cNvSpPr>
-            <a:spLocks noGrp="1"/>
-          </p:cNvSpPr>
-          <p:nvPr>
-            <p:ph sz="half" idx="1"/>
-          </p:nvPr>
-        </p:nvSpPr>
-        <p:spPr/>
-        <p:txBody>
-          <a:bodyPr/>
-          <a:lstStyle/>
-          <a:p>
-            <a:r>
-              <a:rPr lang="de-AT" dirty="0" smtClean="0"/>
-              <a:t>IP-</a:t>
-            </a:r>
-            <a:r>
-              <a:rPr lang="de-AT" dirty="0" err="1" smtClean="0"/>
-              <a:t>adress</a:t>
-            </a:r>
-            <a:r>
-              <a:rPr lang="de-AT" dirty="0" smtClean="0"/>
-              <a:t> </a:t>
-            </a:r>
-            <a:r>
-              <a:rPr lang="de-AT" dirty="0" err="1" smtClean="0"/>
-              <a:t>or</a:t>
-            </a:r>
-            <a:r>
-              <a:rPr lang="de-AT" dirty="0" smtClean="0"/>
-              <a:t> </a:t>
-            </a:r>
-            <a:r>
-              <a:rPr lang="de-AT" dirty="0" err="1" smtClean="0"/>
-              <a:t>hostname</a:t>
-            </a:r>
-            <a:r>
-              <a:rPr lang="de-AT" dirty="0" smtClean="0"/>
-              <a:t> w/ </a:t>
-            </a:r>
-            <a:r>
-              <a:rPr lang="de-AT" dirty="0" err="1" smtClean="0"/>
-              <a:t>port</a:t>
-            </a:r>
-            <a:r>
-              <a:rPr lang="de-AT" dirty="0" smtClean="0"/>
-              <a:t> </a:t>
-            </a:r>
-            <a:r>
-              <a:rPr lang="de-AT" dirty="0" err="1" smtClean="0"/>
-              <a:t>identifying</a:t>
-            </a:r>
-            <a:r>
-              <a:rPr lang="de-AT" dirty="0" smtClean="0"/>
-              <a:t> an </a:t>
-            </a:r>
-            <a:r>
-              <a:rPr lang="de-AT" dirty="0" err="1" smtClean="0"/>
-              <a:t>instance</a:t>
-            </a:r>
-            <a:r>
-              <a:rPr lang="de-AT" dirty="0" smtClean="0"/>
-              <a:t> </a:t>
-            </a:r>
-            <a:r>
-              <a:rPr lang="de-AT" dirty="0" err="1" smtClean="0"/>
-              <a:t>of</a:t>
-            </a:r>
-            <a:r>
-              <a:rPr lang="de-AT" dirty="0" smtClean="0"/>
-              <a:t> a backend </a:t>
-            </a:r>
-            <a:r>
-              <a:rPr lang="de-AT" dirty="0" err="1" smtClean="0"/>
-              <a:t>service</a:t>
-            </a:r>
-            <a:endParaRPr lang="de-AT" dirty="0" smtClean="0"/>
-          </a:p>
-          <a:p>
-            <a:endParaRPr lang="de-AT" dirty="0"/>
-          </a:p>
-          <a:p>
-            <a:r>
-              <a:rPr lang="de-AT" dirty="0" smtClean="0"/>
-              <a:t>Dynamic </a:t>
-            </a:r>
-            <a:r>
-              <a:rPr lang="de-AT" dirty="0" err="1" smtClean="0"/>
-              <a:t>list</a:t>
-            </a:r>
-            <a:r>
-              <a:rPr lang="de-AT" dirty="0" smtClean="0"/>
-              <a:t> </a:t>
-            </a:r>
-            <a:r>
-              <a:rPr lang="de-AT" dirty="0" err="1" smtClean="0"/>
-              <a:t>with</a:t>
-            </a:r>
-            <a:r>
-              <a:rPr lang="de-AT" dirty="0" smtClean="0"/>
-              <a:t> </a:t>
-            </a:r>
-            <a:r>
-              <a:rPr lang="de-AT" dirty="0" err="1" smtClean="0"/>
-              <a:t>weights</a:t>
-            </a:r>
-            <a:r>
-              <a:rPr lang="de-AT" dirty="0" smtClean="0"/>
-              <a:t> per </a:t>
-            </a:r>
-            <a:r>
-              <a:rPr lang="de-AT" dirty="0" err="1" smtClean="0"/>
-              <a:t>upstream</a:t>
-            </a:r>
-            <a:endParaRPr lang="de-AT" dirty="0" smtClean="0"/>
-          </a:p>
-          <a:p>
-            <a:endParaRPr lang="de-AT" dirty="0"/>
-          </a:p>
-          <a:p>
-            <a:r>
-              <a:rPr lang="de-AT" dirty="0" err="1" smtClean="0"/>
-              <a:t>Cannot</a:t>
-            </a:r>
-            <a:r>
-              <a:rPr lang="de-AT" dirty="0" smtClean="0"/>
-              <a:t> </a:t>
-            </a:r>
-            <a:r>
-              <a:rPr lang="de-AT" dirty="0" err="1" smtClean="0"/>
-              <a:t>be</a:t>
-            </a:r>
-            <a:r>
-              <a:rPr lang="de-AT" dirty="0" smtClean="0"/>
-              <a:t> </a:t>
-            </a:r>
-            <a:r>
-              <a:rPr lang="de-AT" dirty="0" err="1" smtClean="0"/>
-              <a:t>deleted</a:t>
-            </a:r>
-            <a:endParaRPr lang="de-AT" dirty="0" smtClean="0"/>
-          </a:p>
-        </p:txBody>
-      </p:sp>
-      <p:sp>
-        <p:nvSpPr>
-          <p:cNvPr id="5" name="Content Placeholder 4"/>
-          <p:cNvSpPr>
-            <a:spLocks noGrp="1"/>
-          </p:cNvSpPr>
-          <p:nvPr>
-            <p:ph sz="half" idx="2"/>
-          </p:nvPr>
-        </p:nvSpPr>
-        <p:spPr/>
-        <p:txBody>
-          <a:bodyPr/>
-          <a:lstStyle/>
-          <a:p>
-            <a:pPr marL="0" indent="0">
-              <a:buNone/>
-            </a:pPr>
-            <a:r>
-              <a:rPr lang="de-AT" dirty="0">
-                <a:solidFill>
-                  <a:srgbClr val="000000"/>
-                </a:solidFill>
-                <a:latin typeface="Fira Code, Consolas,  Courier New"/>
-              </a:rPr>
-              <a:t>{</a:t>
-            </a:r>
-          </a:p>
-          <a:p>
-            <a:pPr marL="0" indent="0">
-              <a:buNone/>
-            </a:pPr>
-            <a:r>
-              <a:rPr lang="de-AT" dirty="0">
-                <a:solidFill>
-                  <a:srgbClr val="000000"/>
-                </a:solidFill>
-                <a:latin typeface="Fira Code, Consolas,  Courier New"/>
-              </a:rPr>
-              <a:t>    </a:t>
-            </a:r>
-            <a:r>
-              <a:rPr lang="de-AT" dirty="0">
-                <a:solidFill>
-                  <a:srgbClr val="0451A5"/>
-                </a:solidFill>
-                <a:latin typeface="Fira Code, Consolas,  Courier New"/>
-              </a:rPr>
-              <a:t>"</a:t>
-            </a:r>
-            <a:r>
-              <a:rPr lang="de-AT" dirty="0" err="1">
-                <a:solidFill>
-                  <a:srgbClr val="0451A5"/>
-                </a:solidFill>
-                <a:latin typeface="Fira Code, Consolas,  Courier New"/>
-              </a:rPr>
-              <a:t>target</a:t>
-            </a:r>
-            <a:r>
-              <a:rPr lang="de-AT" dirty="0">
-                <a:solidFill>
-                  <a:srgbClr val="0451A5"/>
-                </a:solidFill>
-                <a:latin typeface="Fira Code, Consolas,  Courier New"/>
-              </a:rPr>
-              <a:t>"</a:t>
-            </a:r>
-            <a:r>
-              <a:rPr lang="de-AT" dirty="0">
-                <a:solidFill>
-                  <a:srgbClr val="000000"/>
-                </a:solidFill>
-                <a:latin typeface="Fira Code, Consolas,  Courier New"/>
-              </a:rPr>
-              <a:t> : </a:t>
-            </a:r>
-            <a:r>
-              <a:rPr lang="de-AT" dirty="0">
-                <a:solidFill>
-                  <a:srgbClr val="A31515"/>
-                </a:solidFill>
-                <a:latin typeface="Fira Code, Consolas,  Courier New"/>
-              </a:rPr>
-              <a:t>"calc-api:80"</a:t>
-            </a:r>
-            <a:r>
-              <a:rPr lang="de-AT" dirty="0">
-                <a:solidFill>
-                  <a:srgbClr val="000000"/>
-                </a:solidFill>
-                <a:latin typeface="Fira Code, Consolas,  Courier New"/>
-              </a:rPr>
-              <a:t>,</a:t>
-            </a:r>
-          </a:p>
-          <a:p>
-            <a:pPr marL="0" indent="0">
-              <a:buNone/>
-            </a:pPr>
-            <a:r>
-              <a:rPr lang="de-AT" dirty="0">
-                <a:solidFill>
-                  <a:srgbClr val="000000"/>
-                </a:solidFill>
-                <a:latin typeface="Fira Code, Consolas,  Courier New"/>
-              </a:rPr>
-              <a:t>    </a:t>
-            </a:r>
-            <a:r>
-              <a:rPr lang="de-AT" dirty="0">
-                <a:solidFill>
-                  <a:srgbClr val="0451A5"/>
-                </a:solidFill>
-                <a:latin typeface="Fira Code, Consolas,  Courier New"/>
-              </a:rPr>
-              <a:t>"</a:t>
-            </a:r>
-            <a:r>
-              <a:rPr lang="de-AT" dirty="0" err="1">
-                <a:solidFill>
-                  <a:srgbClr val="0451A5"/>
-                </a:solidFill>
-                <a:latin typeface="Fira Code, Consolas,  Courier New"/>
-              </a:rPr>
-              <a:t>weight</a:t>
-            </a:r>
-            <a:r>
-              <a:rPr lang="de-AT" dirty="0">
-                <a:solidFill>
-                  <a:srgbClr val="0451A5"/>
-                </a:solidFill>
-                <a:latin typeface="Fira Code, Consolas,  Courier New"/>
-              </a:rPr>
-              <a:t>"</a:t>
-            </a:r>
-            <a:r>
-              <a:rPr lang="de-AT" dirty="0">
-                <a:solidFill>
-                  <a:srgbClr val="000000"/>
-                </a:solidFill>
-                <a:latin typeface="Fira Code, Consolas,  Courier New"/>
-              </a:rPr>
-              <a:t>: </a:t>
-            </a:r>
-            <a:r>
-              <a:rPr lang="de-AT" dirty="0">
-                <a:solidFill>
-                  <a:srgbClr val="09885A"/>
-                </a:solidFill>
-                <a:latin typeface="Fira Code, Consolas,  Courier New"/>
-              </a:rPr>
-              <a:t>100</a:t>
-            </a:r>
-            <a:endParaRPr lang="de-AT" dirty="0">
-              <a:solidFill>
-                <a:srgbClr val="000000"/>
-              </a:solidFill>
-              <a:latin typeface="Fira Code, Consolas,  Courier New"/>
-            </a:endParaRPr>
-          </a:p>
-          <a:p>
-            <a:pPr marL="0" indent="0">
-              <a:buNone/>
-            </a:pPr>
-            <a:r>
-              <a:rPr lang="de-AT" dirty="0">
-                <a:solidFill>
-                  <a:srgbClr val="000000"/>
-                </a:solidFill>
-                <a:latin typeface="Fira Code, Consolas,  Courier New"/>
-              </a:rPr>
-              <a:t>}</a:t>
-            </a:r>
-            <a:endParaRPr lang="de-AT" b="0" dirty="0">
-              <a:solidFill>
-                <a:srgbClr val="000000"/>
-              </a:solidFill>
-              <a:effectLst/>
-              <a:latin typeface="Fira Code, Consolas,  Courier New"/>
-            </a:endParaRPr>
-          </a:p>
-        </p:txBody>
-      </p:sp>
-      <p:sp>
-        <p:nvSpPr>
-          <p:cNvPr id="6" name="TextBox 1">
-            <a:extLst>
-              <a:ext uri="{FF2B5EF4-FFF2-40B4-BE49-F238E27FC236}">
-                <a16:creationId xmlns:a16="http://schemas.microsoft.com/office/drawing/2014/main" id="{E55A1FC0-8E30-4FAB-B566-BDFED0EBDD27}"/>
-              </a:ext>
-            </a:extLst>
-          </p:cNvPr>
-          <p:cNvSpPr txBox="1"/>
-          <p:nvPr/>
-        </p:nvSpPr>
-        <p:spPr>
-          <a:xfrm>
-            <a:off x="43543" y="6438899"/>
-            <a:ext cx="8068126" cy="369332"/>
-          </a:xfrm>
-          <a:prstGeom prst="rect">
-            <a:avLst/>
-          </a:prstGeom>
-          <a:noFill/>
-        </p:spPr>
-        <p:txBody>
-          <a:bodyPr rot="0" spcFirstLastPara="0" vert="horz" wrap="square" lIns="91440" tIns="45720" rIns="91440" bIns="45720" numCol="1" spcCol="0" rtlCol="0" fromWordArt="0" anchor="t" anchorCtr="0" forceAA="0" compatLnSpc="1">
-            <a:prstTxWarp prst="textNoShape">
-              <a:avLst/>
-            </a:prstTxWarp>
-            <a:spAutoFit/>
-          </a:bodyPr>
-          <a:lstStyle>
-            <a:defPPr>
-              <a:defRPr lang="en-US"/>
-            </a:defPPr>
-            <a:lvl1pPr marL="0" algn="l" defTabSz="914400" rtl="0" eaLnBrk="1" latinLnBrk="0" hangingPunct="1">
-              <a:defRPr sz="1800" kern="1200">
-                <a:solidFill>
-                  <a:schemeClr val="tx1"/>
-                </a:solidFill>
-                <a:latin typeface="+mn-lt"/>
-                <a:ea typeface="+mn-ea"/>
-                <a:cs typeface="+mn-cs"/>
-              </a:defRPr>
-            </a:lvl1pPr>
-            <a:lvl2pPr marL="457200" algn="l" defTabSz="914400" rtl="0" eaLnBrk="1" latinLnBrk="0" hangingPunct="1">
-              <a:defRPr sz="1800" kern="1200">
-                <a:solidFill>
-                  <a:schemeClr val="tx1"/>
-                </a:solidFill>
-                <a:latin typeface="+mn-lt"/>
-                <a:ea typeface="+mn-ea"/>
-                <a:cs typeface="+mn-cs"/>
-              </a:defRPr>
-            </a:lvl2pPr>
-            <a:lvl3pPr marL="914400" algn="l" defTabSz="914400" rtl="0" eaLnBrk="1" latinLnBrk="0" hangingPunct="1">
-              <a:defRPr sz="1800" kern="1200">
-                <a:solidFill>
-                  <a:schemeClr val="tx1"/>
-                </a:solidFill>
-                <a:latin typeface="+mn-lt"/>
-                <a:ea typeface="+mn-ea"/>
-                <a:cs typeface="+mn-cs"/>
-              </a:defRPr>
-            </a:lvl3pPr>
-            <a:lvl4pPr marL="1371600" algn="l" defTabSz="914400" rtl="0" eaLnBrk="1" latinLnBrk="0" hangingPunct="1">
-              <a:defRPr sz="1800" kern="1200">
-                <a:solidFill>
-                  <a:schemeClr val="tx1"/>
-                </a:solidFill>
-                <a:latin typeface="+mn-lt"/>
-                <a:ea typeface="+mn-ea"/>
-                <a:cs typeface="+mn-cs"/>
-              </a:defRPr>
-            </a:lvl4pPr>
-            <a:lvl5pPr marL="1828800" algn="l" defTabSz="914400" rtl="0" eaLnBrk="1" latinLnBrk="0" hangingPunct="1">
-              <a:defRPr sz="1800" kern="1200">
-                <a:solidFill>
-                  <a:schemeClr val="tx1"/>
-                </a:solidFill>
-                <a:latin typeface="+mn-lt"/>
-                <a:ea typeface="+mn-ea"/>
-                <a:cs typeface="+mn-cs"/>
-              </a:defRPr>
-            </a:lvl5pPr>
-            <a:lvl6pPr marL="2286000" algn="l" defTabSz="914400" rtl="0" eaLnBrk="1" latinLnBrk="0" hangingPunct="1">
-              <a:defRPr sz="1800" kern="1200">
-                <a:solidFill>
-                  <a:schemeClr val="tx1"/>
-                </a:solidFill>
-                <a:latin typeface="+mn-lt"/>
-                <a:ea typeface="+mn-ea"/>
-                <a:cs typeface="+mn-cs"/>
-              </a:defRPr>
-            </a:lvl6pPr>
-            <a:lvl7pPr marL="2743200" algn="l" defTabSz="914400" rtl="0" eaLnBrk="1" latinLnBrk="0" hangingPunct="1">
-              <a:defRPr sz="1800" kern="1200">
-                <a:solidFill>
-                  <a:schemeClr val="tx1"/>
-                </a:solidFill>
-                <a:latin typeface="+mn-lt"/>
-                <a:ea typeface="+mn-ea"/>
-                <a:cs typeface="+mn-cs"/>
-              </a:defRPr>
-            </a:lvl7pPr>
-            <a:lvl8pPr marL="3200400" algn="l" defTabSz="914400" rtl="0" eaLnBrk="1" latinLnBrk="0" hangingPunct="1">
-              <a:defRPr sz="1800" kern="1200">
-                <a:solidFill>
-                  <a:schemeClr val="tx1"/>
-                </a:solidFill>
-                <a:latin typeface="+mn-lt"/>
-                <a:ea typeface="+mn-ea"/>
-                <a:cs typeface="+mn-cs"/>
-              </a:defRPr>
-            </a:lvl8pPr>
-            <a:lvl9pPr marL="3657600" algn="l" defTabSz="914400" rtl="0" eaLnBrk="1" latinLnBrk="0" hangingPunct="1">
-              <a:defRPr sz="1800" kern="1200">
-                <a:solidFill>
-                  <a:schemeClr val="tx1"/>
-                </a:solidFill>
-                <a:latin typeface="+mn-lt"/>
-                <a:ea typeface="+mn-ea"/>
-                <a:cs typeface="+mn-cs"/>
-              </a:defRPr>
-            </a:lvl9pPr>
-          </a:lstStyle>
-          <a:p>
-            <a:r>
-              <a:rPr lang="en-US" dirty="0" smtClean="0"/>
-              <a:t>See</a:t>
-            </a:r>
-            <a:r>
-              <a:rPr lang="en-US" dirty="0"/>
-              <a:t>: </a:t>
-            </a:r>
-            <a:r>
-              <a:rPr lang="en-US" dirty="0">
-                <a:hlinkClick r:id="rId3"/>
-              </a:rPr>
-              <a:t>https://docs.konghq.com/1.4.x/admin-api/#</a:t>
-            </a:r>
-            <a:r>
-              <a:rPr lang="en-US" dirty="0" smtClean="0">
-                <a:hlinkClick r:id="rId3"/>
-              </a:rPr>
-              <a:t>target-object</a:t>
-            </a:r>
-            <a:endParaRPr lang="en-US" dirty="0"/>
-          </a:p>
-        </p:txBody>
-      </p:sp>
-    </p:spTree>
-    <p:extLst>
-      <p:ext uri="{BB962C8B-B14F-4D97-AF65-F5344CB8AC3E}">
-        <p14:creationId xmlns:p14="http://schemas.microsoft.com/office/powerpoint/2010/main" val="4258409465"/>
       </p:ext>
     </p:extLst>
   </p:cSld>
@@ -13211,8 +13152,8 @@
           <a:lstStyle/>
           <a:p>
             <a:r>
-              <a:rPr lang="de-AT" dirty="0" err="1" smtClean="0"/>
-              <a:t>Plugins</a:t>
+              <a:rPr lang="de-AT" dirty="0" smtClean="0"/>
+              <a:t>Targets</a:t>
             </a:r>
             <a:endParaRPr lang="de-AT" dirty="0"/>
           </a:p>
@@ -13228,24 +13169,18 @@
             <p:ph sz="half" idx="1"/>
           </p:nvPr>
         </p:nvSpPr>
-        <p:spPr>
-          <a:xfrm>
-            <a:off x="838200" y="1825625"/>
-            <a:ext cx="5181600" cy="3319883"/>
-          </a:xfrm>
-        </p:spPr>
+        <p:spPr/>
         <p:txBody>
-          <a:bodyPr>
-            <a:spAutoFit/>
-          </a:bodyPr>
+          <a:bodyPr/>
           <a:lstStyle/>
           <a:p>
-            <a:pPr marL="0" indent="0">
-              <a:buNone/>
-            </a:pPr>
+            <a:r>
+              <a:rPr lang="de-AT" dirty="0" smtClean="0"/>
+              <a:t>IP-</a:t>
+            </a:r>
             <a:r>
               <a:rPr lang="de-AT" dirty="0" err="1" smtClean="0"/>
-              <a:t>Plugins</a:t>
+              <a:t>adress</a:t>
             </a:r>
             <a:r>
               <a:rPr lang="de-AT" dirty="0" smtClean="0"/>
@@ -13253,7 +13188,7 @@
             </a:r>
             <a:r>
               <a:rPr lang="de-AT" dirty="0" err="1" smtClean="0"/>
-              <a:t>are</a:t>
+              <a:t>or</a:t>
             </a:r>
             <a:r>
               <a:rPr lang="de-AT" dirty="0" smtClean="0"/>
@@ -13261,7 +13196,15 @@
             </a:r>
             <a:r>
               <a:rPr lang="de-AT" dirty="0" err="1" smtClean="0"/>
-              <a:t>executed</a:t>
+              <a:t>hostname</a:t>
+            </a:r>
+            <a:r>
+              <a:rPr lang="de-AT" dirty="0" smtClean="0"/>
+              <a:t> w/ </a:t>
+            </a:r>
+            <a:r>
+              <a:rPr lang="de-AT" dirty="0" err="1" smtClean="0"/>
+              <a:t>port</a:t>
             </a:r>
             <a:r>
               <a:rPr lang="de-AT" dirty="0" smtClean="0"/>
@@ -13269,23 +13212,15 @@
             </a:r>
             <a:r>
               <a:rPr lang="de-AT" dirty="0" err="1" smtClean="0"/>
-              <a:t>during</a:t>
+              <a:t>identifying</a:t>
             </a:r>
             <a:r>
               <a:rPr lang="de-AT" dirty="0" smtClean="0"/>
-              <a:t> HTTP </a:t>
+              <a:t> an </a:t>
             </a:r>
             <a:r>
               <a:rPr lang="de-AT" dirty="0" err="1" smtClean="0"/>
-              <a:t>request</a:t>
-            </a:r>
-            <a:r>
-              <a:rPr lang="de-AT" dirty="0" smtClean="0"/>
-              <a:t>/</a:t>
-            </a:r>
-            <a:r>
-              <a:rPr lang="de-AT" dirty="0" err="1" smtClean="0"/>
-              <a:t>response</a:t>
+              <a:t>instance</a:t>
             </a:r>
             <a:r>
               <a:rPr lang="de-AT" dirty="0" smtClean="0"/>
@@ -13293,23 +13228,29 @@
             </a:r>
             <a:r>
               <a:rPr lang="de-AT" dirty="0" err="1" smtClean="0"/>
-              <a:t>lifecycle</a:t>
+              <a:t>of</a:t>
+            </a:r>
+            <a:r>
+              <a:rPr lang="de-AT" dirty="0" smtClean="0"/>
+              <a:t> a backend </a:t>
+            </a:r>
+            <a:r>
+              <a:rPr lang="de-AT" dirty="0" err="1" smtClean="0"/>
+              <a:t>service</a:t>
             </a:r>
             <a:endParaRPr lang="de-AT" dirty="0" smtClean="0"/>
           </a:p>
           <a:p>
-            <a:pPr marL="0" indent="0">
-              <a:buNone/>
-            </a:pPr>
-            <a:endParaRPr lang="de-AT" dirty="0" smtClean="0"/>
-          </a:p>
-          <a:p>
-            <a:pPr marL="0" indent="0">
-              <a:buNone/>
-            </a:pPr>
+            <a:endParaRPr lang="de-AT" dirty="0"/>
+          </a:p>
+          <a:p>
+            <a:r>
+              <a:rPr lang="de-AT" dirty="0" smtClean="0"/>
+              <a:t>Dynamic </a:t>
+            </a:r>
             <a:r>
               <a:rPr lang="de-AT" dirty="0" err="1" smtClean="0"/>
-              <a:t>Plugins</a:t>
+              <a:t>list</a:t>
             </a:r>
             <a:r>
               <a:rPr lang="de-AT" dirty="0" smtClean="0"/>
@@ -13317,7 +13258,7 @@
             </a:r>
             <a:r>
               <a:rPr lang="de-AT" dirty="0" err="1" smtClean="0"/>
-              <a:t>are</a:t>
+              <a:t>with</a:t>
             </a:r>
             <a:r>
               <a:rPr lang="de-AT" dirty="0" smtClean="0"/>
@@ -13325,7 +13266,25 @@
             </a:r>
             <a:r>
               <a:rPr lang="de-AT" dirty="0" err="1" smtClean="0"/>
-              <a:t>bound</a:t>
+              <a:t>weights</a:t>
+            </a:r>
+            <a:r>
+              <a:rPr lang="de-AT" dirty="0" smtClean="0"/>
+              <a:t> per </a:t>
+            </a:r>
+            <a:r>
+              <a:rPr lang="de-AT" dirty="0" err="1" smtClean="0"/>
+              <a:t>upstream</a:t>
+            </a:r>
+            <a:endParaRPr lang="de-AT" dirty="0" smtClean="0"/>
+          </a:p>
+          <a:p>
+            <a:endParaRPr lang="de-AT" dirty="0"/>
+          </a:p>
+          <a:p>
+            <a:r>
+              <a:rPr lang="de-AT" dirty="0" err="1" smtClean="0"/>
+              <a:t>Cannot</a:t>
             </a:r>
             <a:r>
               <a:rPr lang="de-AT" dirty="0" smtClean="0"/>
@@ -13333,7 +13292,7 @@
             </a:r>
             <a:r>
               <a:rPr lang="de-AT" dirty="0" err="1" smtClean="0"/>
-              <a:t>to</a:t>
+              <a:t>be</a:t>
             </a:r>
             <a:r>
               <a:rPr lang="de-AT" dirty="0" smtClean="0"/>
@@ -13341,79 +13300,7 @@
             </a:r>
             <a:r>
               <a:rPr lang="de-AT" dirty="0" err="1" smtClean="0"/>
-              <a:t>services</a:t>
-            </a:r>
-            <a:r>
-              <a:rPr lang="de-AT" dirty="0" smtClean="0"/>
-              <a:t>, </a:t>
-            </a:r>
-            <a:r>
-              <a:rPr lang="de-AT" dirty="0" err="1" smtClean="0"/>
-              <a:t>routes</a:t>
-            </a:r>
-            <a:r>
-              <a:rPr lang="de-AT" dirty="0" smtClean="0"/>
-              <a:t> </a:t>
-            </a:r>
-            <a:r>
-              <a:rPr lang="de-AT" dirty="0" err="1" smtClean="0"/>
-              <a:t>and</a:t>
-            </a:r>
-            <a:r>
-              <a:rPr lang="de-AT" dirty="0" smtClean="0"/>
-              <a:t>/</a:t>
-            </a:r>
-            <a:r>
-              <a:rPr lang="de-AT" dirty="0" err="1" smtClean="0"/>
-              <a:t>or</a:t>
-            </a:r>
-            <a:r>
-              <a:rPr lang="de-AT" dirty="0" smtClean="0"/>
-              <a:t> </a:t>
-            </a:r>
-            <a:r>
-              <a:rPr lang="de-AT" dirty="0" err="1" smtClean="0"/>
-              <a:t>consumers</a:t>
-            </a:r>
-            <a:endParaRPr lang="de-AT" dirty="0" smtClean="0"/>
-          </a:p>
-          <a:p>
-            <a:pPr marL="0" indent="0">
-              <a:buNone/>
-            </a:pPr>
-            <a:endParaRPr lang="de-AT" dirty="0"/>
-          </a:p>
-          <a:p>
-            <a:pPr marL="0" indent="0">
-              <a:buNone/>
-            </a:pPr>
-            <a:r>
-              <a:rPr lang="de-AT" dirty="0" err="1" smtClean="0"/>
-              <a:t>Plugins</a:t>
-            </a:r>
-            <a:r>
-              <a:rPr lang="de-AT" dirty="0" smtClean="0"/>
-              <a:t> </a:t>
-            </a:r>
-            <a:r>
-              <a:rPr lang="de-AT" dirty="0" err="1" smtClean="0"/>
-              <a:t>are</a:t>
-            </a:r>
-            <a:r>
-              <a:rPr lang="de-AT" dirty="0" smtClean="0"/>
-              <a:t> </a:t>
-            </a:r>
-            <a:r>
-              <a:rPr lang="de-AT" dirty="0" err="1" smtClean="0"/>
-              <a:t>developed</a:t>
-            </a:r>
-            <a:r>
-              <a:rPr lang="de-AT" dirty="0" smtClean="0"/>
-              <a:t> in </a:t>
-            </a:r>
-            <a:r>
-              <a:rPr lang="de-AT" dirty="0" err="1" smtClean="0"/>
-              <a:t>Lua</a:t>
+              <a:t>deleted</a:t>
             </a:r>
             <a:endParaRPr lang="de-AT" dirty="0" smtClean="0"/>
           </a:p>
@@ -13431,9 +13318,7 @@
         </p:nvSpPr>
         <p:spPr/>
         <p:txBody>
-          <a:bodyPr>
-            <a:normAutofit fontScale="40000" lnSpcReduction="20000"/>
-          </a:bodyPr>
+          <a:bodyPr/>
           <a:lstStyle/>
           <a:p>
             <a:pPr marL="0" indent="0">
@@ -13478,7 +13363,7 @@
                 </a:solidFill>
                 <a:latin typeface="Fira Code, Consolas,  Courier New"/>
               </a:rPr>
-              <a:t>name</a:t>
+              <a:t>target</a:t>
             </a:r>
             <a:r>
               <a:rPr lang="de-AT" dirty="0">
@@ -13496,7 +13381,7 @@
                 </a:solidFill>
                 <a:latin typeface="Fira Code, Consolas,  Courier New"/>
               </a:rPr>
-              <a:t>: </a:t>
+              <a:t> : </a:t>
             </a:r>
             <a:r>
               <a:rPr lang="de-AT" dirty="0">
@@ -13505,25 +13390,7 @@
                 </a:solidFill>
                 <a:latin typeface="Fira Code, Consolas,  Courier New"/>
               </a:rPr>
-              <a:t>"</a:t>
-            </a:r>
-            <a:r>
-              <a:rPr lang="de-AT" dirty="0" err="1">
-                <a:solidFill>
-                  <a:srgbClr val="A31515"/>
-                </a:solidFill>
-                <a:latin typeface="Fira Code, Consolas,  Courier New"/>
-              </a:rPr>
-              <a:t>ip-restriction</a:t>
-            </a:r>
-            <a:r>
-              <a:rPr lang="de-AT" dirty="0">
-                <a:solidFill>
-                  <a:srgbClr val="A31515"/>
-                </a:solidFill>
-                <a:latin typeface="Fira Code, Consolas,  Courier New"/>
-              </a:rPr>
-              <a:t>"</a:t>
+              <a:t>"calc-api:80"</a:t>
             </a:r>
             <a:r>
               <a:rPr lang="de-AT" dirty="0">
@@ -13564,7 +13431,7 @@
                 </a:solidFill>
                 <a:latin typeface="Fira Code, Consolas,  Courier New"/>
               </a:rPr>
-              <a:t>config</a:t>
+              <a:t>weight</a:t>
             </a:r>
             <a:r>
               <a:rPr lang="de-AT" dirty="0">
@@ -13582,477 +13449,16 @@
                 </a:solidFill>
                 <a:latin typeface="Fira Code, Consolas,  Courier New"/>
               </a:rPr>
-              <a:t>: {</a:t>
-            </a:r>
-          </a:p>
-          <a:p>
-            <a:pPr marL="0" indent="0">
-              <a:buNone/>
-            </a:pPr>
-            <a:r>
-              <a:rPr lang="de-AT" dirty="0">
-                <a:solidFill>
-                  <a:srgbClr val="000000"/>
-                </a:solidFill>
-                <a:latin typeface="Fira Code, Consolas,  Courier New"/>
-              </a:rPr>
-              <a:t>        </a:t>
-            </a:r>
-            <a:r>
-              <a:rPr lang="de-AT" dirty="0">
-                <a:solidFill>
-                  <a:srgbClr val="0451A5"/>
-                </a:solidFill>
-                <a:latin typeface="Fira Code, Consolas,  Courier New"/>
-              </a:rPr>
-              <a:t>"</a:t>
-            </a:r>
-            <a:r>
-              <a:rPr lang="de-AT" dirty="0" err="1">
-                <a:solidFill>
-                  <a:srgbClr val="0451A5"/>
-                </a:solidFill>
-                <a:latin typeface="Fira Code, Consolas,  Courier New"/>
-              </a:rPr>
-              <a:t>whitelist</a:t>
-            </a:r>
-            <a:r>
-              <a:rPr lang="de-AT" dirty="0">
-                <a:solidFill>
-                  <a:srgbClr val="0451A5"/>
-                </a:solidFill>
-                <a:latin typeface="Fira Code, Consolas,  Courier New"/>
-              </a:rPr>
-              <a:t>"</a:t>
-            </a:r>
-            <a:r>
-              <a:rPr lang="de-AT" dirty="0">
-                <a:solidFill>
-                  <a:srgbClr val="000000"/>
-                </a:solidFill>
-                <a:latin typeface="Fira Code, Consolas,  Courier New"/>
-              </a:rPr>
-              <a:t>: [</a:t>
-            </a:r>
-          </a:p>
-          <a:p>
-            <a:pPr marL="0" indent="0">
-              <a:buNone/>
-            </a:pPr>
-            <a:r>
-              <a:rPr lang="de-AT" dirty="0">
-                <a:solidFill>
-                  <a:srgbClr val="000000"/>
-                </a:solidFill>
-                <a:latin typeface="Fira Code, Consolas,  Courier New"/>
-              </a:rPr>
-              <a:t>            </a:t>
-            </a:r>
-            <a:r>
-              <a:rPr lang="de-AT" dirty="0">
-                <a:solidFill>
-                  <a:srgbClr val="A31515"/>
-                </a:solidFill>
-                <a:latin typeface="Fira Code, Consolas,  Courier New"/>
-              </a:rPr>
-              <a:t>"172.18.0.0/16"</a:t>
-            </a:r>
-            <a:endParaRPr lang="de-AT" dirty="0">
-              <a:solidFill>
-                <a:srgbClr val="000000"/>
-              </a:solidFill>
-              <a:latin typeface="Fira Code, Consolas,  Courier New"/>
-            </a:endParaRPr>
-          </a:p>
-          <a:p>
-            <a:pPr marL="0" indent="0">
-              <a:buNone/>
-            </a:pPr>
-            <a:r>
-              <a:rPr lang="de-AT" dirty="0">
-                <a:solidFill>
-                  <a:srgbClr val="000000"/>
-                </a:solidFill>
-                <a:latin typeface="Fira Code, Consolas,  Courier New"/>
-              </a:rPr>
-              <a:t>        ]</a:t>
-            </a:r>
-          </a:p>
-          <a:p>
-            <a:pPr marL="0" indent="0">
-              <a:buNone/>
-            </a:pPr>
-            <a:r>
-              <a:rPr lang="de-AT" dirty="0">
-                <a:solidFill>
-                  <a:srgbClr val="000000"/>
-                </a:solidFill>
-                <a:latin typeface="Fira Code, Consolas,  Courier New"/>
-              </a:rPr>
-              <a:t>    },</a:t>
-            </a:r>
-          </a:p>
-          <a:p>
-            <a:pPr marL="0" indent="0">
-              <a:buNone/>
-            </a:pPr>
-            <a:r>
-              <a:rPr lang="de-AT" dirty="0">
-                <a:solidFill>
-                  <a:srgbClr val="000000"/>
-                </a:solidFill>
-                <a:latin typeface="Fira Code, Consolas,  Courier New"/>
-              </a:rPr>
-              <a:t>    </a:t>
-            </a:r>
-            <a:r>
-              <a:rPr lang="de-AT" dirty="0">
-                <a:solidFill>
-                  <a:srgbClr val="0451A5"/>
-                </a:solidFill>
-                <a:latin typeface="Fira Code, Consolas,  Courier New"/>
-              </a:rPr>
-              <a:t>"</a:t>
-            </a:r>
-            <a:r>
-              <a:rPr lang="de-AT" dirty="0" err="1">
-                <a:solidFill>
-                  <a:srgbClr val="0451A5"/>
-                </a:solidFill>
-                <a:latin typeface="Fira Code, Consolas,  Courier New"/>
-              </a:rPr>
-              <a:t>consumer</a:t>
-            </a:r>
-            <a:r>
-              <a:rPr lang="de-AT" dirty="0">
-                <a:solidFill>
-                  <a:srgbClr val="0451A5"/>
-                </a:solidFill>
-                <a:latin typeface="Fira Code, Consolas,  Courier New"/>
-              </a:rPr>
-              <a:t>"</a:t>
-            </a:r>
-            <a:r>
-              <a:rPr lang="de-AT" dirty="0">
-                <a:solidFill>
-                  <a:srgbClr val="000000"/>
-                </a:solidFill>
-                <a:latin typeface="Fira Code, Consolas,  Courier New"/>
-              </a:rPr>
               <a:t>: </a:t>
             </a:r>
             <a:r>
               <a:rPr lang="de-AT" dirty="0">
                 <a:solidFill>
-                  <a:srgbClr val="0000FF"/>
-                </a:solidFill>
-                <a:latin typeface="Fira Code, Consolas,  Courier New"/>
-              </a:rPr>
-              <a:t>null</a:t>
-            </a:r>
-            <a:r>
-              <a:rPr lang="de-AT" dirty="0">
-                <a:solidFill>
-                  <a:srgbClr val="000000"/>
-                </a:solidFill>
-                <a:latin typeface="Fira Code, Consolas,  Courier New"/>
-              </a:rPr>
-              <a:t>,</a:t>
-            </a:r>
-          </a:p>
-          <a:p>
-            <a:pPr marL="0" indent="0">
-              <a:buNone/>
-            </a:pPr>
-            <a:r>
-              <a:rPr lang="de-AT" dirty="0">
-                <a:solidFill>
-                  <a:srgbClr val="000000"/>
-                </a:solidFill>
-                <a:latin typeface="Fira Code, Consolas,  Courier New"/>
-              </a:rPr>
-              <a:t>    </a:t>
-            </a:r>
-            <a:r>
-              <a:rPr lang="de-AT" dirty="0">
-                <a:solidFill>
-                  <a:srgbClr val="0451A5"/>
-                </a:solidFill>
-                <a:latin typeface="Fira Code, Consolas,  Courier New"/>
-              </a:rPr>
-              <a:t>"</a:t>
-            </a:r>
-            <a:r>
-              <a:rPr lang="de-AT" dirty="0" err="1">
-                <a:solidFill>
-                  <a:srgbClr val="0451A5"/>
-                </a:solidFill>
-                <a:latin typeface="Fira Code, Consolas,  Courier New"/>
-              </a:rPr>
-              <a:t>protocols</a:t>
-            </a:r>
-            <a:r>
-              <a:rPr lang="de-AT" dirty="0">
-                <a:solidFill>
-                  <a:srgbClr val="0451A5"/>
-                </a:solidFill>
-                <a:latin typeface="Fira Code, Consolas,  Courier New"/>
-              </a:rPr>
-              <a:t>"</a:t>
-            </a:r>
-            <a:r>
-              <a:rPr lang="de-AT" dirty="0">
-                <a:solidFill>
-                  <a:srgbClr val="000000"/>
-                </a:solidFill>
-                <a:latin typeface="Fira Code, Consolas,  Courier New"/>
-              </a:rPr>
-              <a:t>: [</a:t>
-            </a:r>
-          </a:p>
-          <a:p>
-            <a:pPr marL="0" indent="0">
-              <a:buNone/>
-            </a:pPr>
-            <a:r>
-              <a:rPr lang="de-AT" dirty="0">
-                <a:solidFill>
-                  <a:srgbClr val="000000"/>
-                </a:solidFill>
-                <a:latin typeface="Fira Code, Consolas,  Courier New"/>
-              </a:rPr>
-              <a:t>        </a:t>
-            </a:r>
-            <a:r>
-              <a:rPr lang="de-AT" dirty="0">
-                <a:solidFill>
-                  <a:srgbClr val="A31515"/>
-                </a:solidFill>
-                <a:latin typeface="Fira Code, Consolas,  Courier New"/>
-              </a:rPr>
-              <a:t>"http"</a:t>
-            </a:r>
-            <a:r>
-              <a:rPr lang="de-AT" dirty="0">
-                <a:solidFill>
-                  <a:srgbClr val="000000"/>
-                </a:solidFill>
-                <a:latin typeface="Fira Code, Consolas,  Courier New"/>
-              </a:rPr>
-              <a:t>,</a:t>
-            </a:r>
-          </a:p>
-          <a:p>
-            <a:pPr marL="0" indent="0">
-              <a:buNone/>
-            </a:pPr>
-            <a:r>
-              <a:rPr lang="de-AT" dirty="0">
-                <a:solidFill>
-                  <a:srgbClr val="000000"/>
-                </a:solidFill>
-                <a:latin typeface="Fira Code, Consolas,  Courier New"/>
-              </a:rPr>
-              <a:t>        </a:t>
-            </a:r>
-            <a:r>
-              <a:rPr lang="de-AT" dirty="0">
-                <a:solidFill>
-                  <a:srgbClr val="A31515"/>
-                </a:solidFill>
-                <a:latin typeface="Fira Code, Consolas,  Courier New"/>
-              </a:rPr>
-              <a:t>"https"</a:t>
-            </a:r>
-            <a:endParaRPr lang="de-AT" dirty="0">
-              <a:solidFill>
-                <a:srgbClr val="000000"/>
-              </a:solidFill>
-              <a:latin typeface="Fira Code, Consolas,  Courier New"/>
-            </a:endParaRPr>
-          </a:p>
-          <a:p>
-            <a:pPr marL="0" indent="0">
-              <a:buNone/>
-            </a:pPr>
-            <a:r>
-              <a:rPr lang="de-AT" dirty="0">
-                <a:solidFill>
-                  <a:srgbClr val="000000"/>
-                </a:solidFill>
-                <a:latin typeface="Fira Code, Consolas,  Courier New"/>
-              </a:rPr>
-              <a:t>    ],</a:t>
-            </a:r>
-          </a:p>
-          <a:p>
-            <a:pPr marL="0" indent="0">
-              <a:buNone/>
-            </a:pPr>
-            <a:r>
-              <a:rPr lang="de-AT" dirty="0">
-                <a:solidFill>
-                  <a:srgbClr val="000000"/>
-                </a:solidFill>
-                <a:latin typeface="Fira Code, Consolas,  Courier New"/>
-              </a:rPr>
-              <a:t>    </a:t>
-            </a:r>
-            <a:r>
-              <a:rPr lang="de-AT" dirty="0">
-                <a:solidFill>
-                  <a:srgbClr val="0451A5"/>
-                </a:solidFill>
-                <a:latin typeface="Fira Code, Consolas,  Courier New"/>
-              </a:rPr>
-              <a:t>"route"</a:t>
-            </a:r>
-            <a:r>
-              <a:rPr lang="de-AT" dirty="0">
-                <a:solidFill>
-                  <a:srgbClr val="000000"/>
-                </a:solidFill>
-                <a:latin typeface="Fira Code, Consolas,  Courier New"/>
-              </a:rPr>
-              <a:t>: {</a:t>
-            </a:r>
-          </a:p>
-          <a:p>
-            <a:pPr marL="0" indent="0">
-              <a:buNone/>
-            </a:pPr>
-            <a:r>
-              <a:rPr lang="de-AT" dirty="0">
-                <a:solidFill>
-                  <a:srgbClr val="000000"/>
-                </a:solidFill>
-                <a:latin typeface="Fira Code, Consolas,  Courier New"/>
-              </a:rPr>
-              <a:t>        </a:t>
-            </a:r>
-            <a:r>
-              <a:rPr lang="de-AT" dirty="0">
-                <a:solidFill>
-                  <a:srgbClr val="0451A5"/>
-                </a:solidFill>
-                <a:latin typeface="Fira Code, Consolas,  Courier New"/>
-              </a:rPr>
-              <a:t>"</a:t>
-            </a:r>
-            <a:r>
-              <a:rPr lang="de-AT" dirty="0" err="1">
-                <a:solidFill>
-                  <a:srgbClr val="0451A5"/>
-                </a:solidFill>
-                <a:latin typeface="Fira Code, Consolas,  Courier New"/>
-              </a:rPr>
-              <a:t>id</a:t>
-            </a:r>
-            <a:r>
-              <a:rPr lang="de-AT" dirty="0">
-                <a:solidFill>
-                  <a:srgbClr val="0451A5"/>
-                </a:solidFill>
-                <a:latin typeface="Fira Code, Consolas,  Courier New"/>
-              </a:rPr>
-              <a:t>"</a:t>
-            </a:r>
-            <a:r>
-              <a:rPr lang="de-AT" dirty="0">
-                <a:solidFill>
-                  <a:srgbClr val="000000"/>
-                </a:solidFill>
-                <a:latin typeface="Fira Code, Consolas,  Courier New"/>
-              </a:rPr>
-              <a:t>: </a:t>
-            </a:r>
-            <a:r>
-              <a:rPr lang="de-AT" dirty="0">
-                <a:solidFill>
-                  <a:srgbClr val="A31515"/>
-                </a:solidFill>
-                <a:latin typeface="Fira Code, Consolas,  Courier New"/>
-              </a:rPr>
-              <a:t>"5ff018a3-2a25-567e-8c74-1805c4029fbd"</a:t>
-            </a:r>
-            <a:endParaRPr lang="de-AT" dirty="0">
-              <a:solidFill>
-                <a:srgbClr val="000000"/>
-              </a:solidFill>
-              <a:latin typeface="Fira Code, Consolas,  Courier New"/>
-            </a:endParaRPr>
-          </a:p>
-          <a:p>
-            <a:pPr marL="0" indent="0">
-              <a:buNone/>
-            </a:pPr>
-            <a:r>
-              <a:rPr lang="de-AT" dirty="0">
-                <a:solidFill>
-                  <a:srgbClr val="000000"/>
-                </a:solidFill>
-                <a:latin typeface="Fira Code, Consolas,  Courier New"/>
-              </a:rPr>
-              <a:t>    },</a:t>
-            </a:r>
-          </a:p>
-          <a:p>
-            <a:pPr marL="0" indent="0">
-              <a:buNone/>
-            </a:pPr>
-            <a:r>
-              <a:rPr lang="de-AT" dirty="0">
-                <a:solidFill>
-                  <a:srgbClr val="000000"/>
-                </a:solidFill>
-                <a:latin typeface="Fira Code, Consolas,  Courier New"/>
-              </a:rPr>
-              <a:t>    </a:t>
-            </a:r>
-            <a:r>
-              <a:rPr lang="de-AT" dirty="0">
-                <a:solidFill>
-                  <a:srgbClr val="0451A5"/>
-                </a:solidFill>
-                <a:latin typeface="Fira Code, Consolas,  Courier New"/>
-              </a:rPr>
-              <a:t>"</a:t>
-            </a:r>
-            <a:r>
-              <a:rPr lang="de-AT" dirty="0" err="1">
-                <a:solidFill>
-                  <a:srgbClr val="0451A5"/>
-                </a:solidFill>
-                <a:latin typeface="Fira Code, Consolas,  Courier New"/>
-              </a:rPr>
-              <a:t>service</a:t>
-            </a:r>
-            <a:r>
-              <a:rPr lang="de-AT" dirty="0">
-                <a:solidFill>
-                  <a:srgbClr val="0451A5"/>
-                </a:solidFill>
-                <a:latin typeface="Fira Code, Consolas,  Courier New"/>
-              </a:rPr>
-              <a:t>"</a:t>
-            </a:r>
-            <a:r>
-              <a:rPr lang="de-AT" dirty="0">
-                <a:solidFill>
-                  <a:srgbClr val="000000"/>
-                </a:solidFill>
-                <a:latin typeface="Fira Code, Consolas,  Courier New"/>
-              </a:rPr>
-              <a:t>: </a:t>
-            </a:r>
-            <a:r>
-              <a:rPr lang="de-AT" dirty="0">
-                <a:solidFill>
-                  <a:srgbClr val="0000FF"/>
-                </a:solidFill>
-                <a:latin typeface="Fira Code, Consolas,  Courier New"/>
-              </a:rPr>
-              <a:t>null</a:t>
+                  <a:srgbClr val="09885A"/>
+                </a:solidFill>
+                <a:latin typeface="Fira Code, Consolas,  Courier New"/>
+              </a:rPr>
+              <a:t>100</a:t>
             </a:r>
             <a:endParaRPr lang="de-AT" dirty="0">
               <a:solidFill>
@@ -14211,19 +13617,23 @@
           <a:p>
             <a:r>
               <a:rPr lang="en-US" dirty="0" smtClean="0"/>
-              <a:t>See: </a:t>
-            </a:r>
-            <a:r>
-              <a:rPr lang="de-AT" dirty="0">
+              <a:t>See</a:t>
+            </a:r>
+            <a:r>
+              <a:rPr lang="en-US" dirty="0"/>
+              <a:t>: </a:t>
+            </a:r>
+            <a:r>
+              <a:rPr lang="en-US" dirty="0">
                 <a:hlinkClick r:id="rId3"/>
               </a:rPr>
               <a:t>https://docs.konghq.com/1.4.x/admin-api/#</a:t>
             </a:r>
             <a:r>
-              <a:rPr lang="de-AT" dirty="0" smtClean="0">
+              <a:rPr lang="en-US" dirty="0" smtClean="0">
                 <a:hlinkClick r:id="rId3"/>
               </a:rPr>
-              <a:t>plugin-object</a:t>
+              <a:t>target-object</a:t>
             </a:r>
             <a:endParaRPr lang="en-US" dirty="0"/>
           </a:p>
@@ -14232,7 +13642,7 @@
     </p:spTree>
     <p:extLst>
       <p:ext uri="{BB962C8B-B14F-4D97-AF65-F5344CB8AC3E}">
-        <p14:creationId xmlns:p14="http://schemas.microsoft.com/office/powerpoint/2010/main" val="2735879224"/>
+        <p14:creationId xmlns:p14="http://schemas.microsoft.com/office/powerpoint/2010/main" val="4258409465"/>
       </p:ext>
     </p:extLst>
   </p:cSld>
@@ -14275,8 +13685,8 @@
           <a:lstStyle/>
           <a:p>
             <a:r>
-              <a:rPr lang="de-AT" dirty="0" smtClean="0"/>
-              <a:t>Service Design</a:t>
+              <a:rPr lang="de-AT" dirty="0" err="1" smtClean="0"/>
+              <a:t>Plugins</a:t>
             </a:r>
             <a:endParaRPr lang="de-AT" dirty="0"/>
           </a:p>
@@ -14284,18 +13694,83 @@
       </p:sp>
       <p:sp>
         <p:nvSpPr>
-          <p:cNvPr id="3" name="Content Placeholder 2"/>
+          <p:cNvPr id="4" name="Content Placeholder 3"/>
           <p:cNvSpPr>
             <a:spLocks noGrp="1"/>
           </p:cNvSpPr>
           <p:nvPr>
-            <p:ph idx="1"/>
+            <p:ph sz="half" idx="1"/>
           </p:nvPr>
         </p:nvSpPr>
-        <p:spPr/>
+        <p:spPr>
+          <a:xfrm>
+            <a:off x="838200" y="1825625"/>
+            <a:ext cx="5181600" cy="3319883"/>
+          </a:xfrm>
+        </p:spPr>
         <p:txBody>
-          <a:bodyPr/>
+          <a:bodyPr>
+            <a:spAutoFit/>
+          </a:bodyPr>
           <a:lstStyle/>
+          <a:p>
+            <a:pPr marL="0" indent="0">
+              <a:buNone/>
+            </a:pPr>
+            <a:r>
+              <a:rPr lang="de-AT" dirty="0" err="1" smtClean="0"/>
+              <a:t>Plugins</a:t>
+            </a:r>
+            <a:r>
+              <a:rPr lang="de-AT" dirty="0" smtClean="0"/>
+              <a:t> </a:t>
+            </a:r>
+            <a:r>
+              <a:rPr lang="de-AT" dirty="0" err="1" smtClean="0"/>
+              <a:t>are</a:t>
+            </a:r>
+            <a:r>
+              <a:rPr lang="de-AT" dirty="0" smtClean="0"/>
+              <a:t> </a:t>
+            </a:r>
+            <a:r>
+              <a:rPr lang="de-AT" dirty="0" err="1" smtClean="0"/>
+              <a:t>executed</a:t>
+            </a:r>
+            <a:r>
+              <a:rPr lang="de-AT" dirty="0" smtClean="0"/>
+              <a:t> </a:t>
+            </a:r>
+            <a:r>
+              <a:rPr lang="de-AT" dirty="0" err="1" smtClean="0"/>
+              <a:t>during</a:t>
+            </a:r>
+            <a:r>
+              <a:rPr lang="de-AT" dirty="0" smtClean="0"/>
+              <a:t> HTTP </a:t>
+            </a:r>
+            <a:r>
+              <a:rPr lang="de-AT" dirty="0" err="1" smtClean="0"/>
+              <a:t>request</a:t>
+            </a:r>
+            <a:r>
+              <a:rPr lang="de-AT" dirty="0" smtClean="0"/>
+              <a:t>/</a:t>
+            </a:r>
+            <a:r>
+              <a:rPr lang="de-AT" dirty="0" err="1" smtClean="0"/>
+              <a:t>response</a:t>
+            </a:r>
+            <a:r>
+              <a:rPr lang="de-AT" dirty="0" smtClean="0"/>
+              <a:t> </a:t>
+            </a:r>
+            <a:r>
+              <a:rPr lang="de-AT" dirty="0" err="1" smtClean="0"/>
+              <a:t>lifecycle</a:t>
+            </a:r>
+            <a:endParaRPr lang="de-AT" dirty="0" smtClean="0"/>
+          </a:p>
           <a:p>
             <a:pPr marL="0" indent="0">
               <a:buNone/>
@@ -14307,12 +13782,8 @@
               <a:buNone/>
             </a:pPr>
             <a:r>
-              <a:rPr lang="de-AT" dirty="0" smtClean="0"/>
-              <a:t>Who </a:t>
-            </a:r>
-            <a:r>
               <a:rPr lang="de-AT" dirty="0" err="1" smtClean="0"/>
-              <a:t>operates</a:t>
+              <a:t>Plugins</a:t>
             </a:r>
             <a:r>
               <a:rPr lang="de-AT" dirty="0" smtClean="0"/>
@@ -14320,7 +13791,7 @@
             </a:r>
             <a:r>
               <a:rPr lang="de-AT" dirty="0" err="1" smtClean="0"/>
-              <a:t>your</a:t>
+              <a:t>are</a:t>
             </a:r>
             <a:r>
               <a:rPr lang="de-AT" dirty="0" smtClean="0"/>
@@ -14328,12 +13799,57 @@
             </a:r>
             <a:r>
               <a:rPr lang="de-AT" dirty="0" err="1" smtClean="0"/>
-              <a:t>gateway</a:t>
+              <a:t>bound</a:t>
             </a:r>
             <a:r>
               <a:rPr lang="de-AT" dirty="0" smtClean="0"/>
-              <a:t>?</a:t>
-            </a:r>
+              <a:t> </a:t>
+            </a:r>
+            <a:r>
+              <a:rPr lang="de-AT" dirty="0" err="1" smtClean="0"/>
+              <a:t>to</a:t>
+            </a:r>
+            <a:r>
+              <a:rPr lang="de-AT" dirty="0" smtClean="0"/>
+              <a:t> </a:t>
+            </a:r>
+            <a:r>
+              <a:rPr lang="de-AT" dirty="0" err="1" smtClean="0"/>
+              <a:t>services</a:t>
+            </a:r>
+            <a:r>
+              <a:rPr lang="de-AT" dirty="0" smtClean="0"/>
+              <a:t>, </a:t>
+            </a:r>
+            <a:r>
+              <a:rPr lang="de-AT" dirty="0" err="1" smtClean="0"/>
+              <a:t>routes</a:t>
+            </a:r>
+            <a:r>
+              <a:rPr lang="de-AT" dirty="0" smtClean="0"/>
+              <a:t> </a:t>
+            </a:r>
+            <a:r>
+              <a:rPr lang="de-AT" dirty="0" err="1" smtClean="0"/>
+              <a:t>and</a:t>
+            </a:r>
+            <a:r>
+              <a:rPr lang="de-AT" dirty="0" smtClean="0"/>
+              <a:t>/</a:t>
+            </a:r>
+            <a:r>
+              <a:rPr lang="de-AT" dirty="0" err="1" smtClean="0"/>
+              <a:t>or</a:t>
+            </a:r>
+            <a:r>
+              <a:rPr lang="de-AT" dirty="0" smtClean="0"/>
+              <a:t> </a:t>
+            </a:r>
+            <a:r>
+              <a:rPr lang="de-AT" dirty="0" err="1" smtClean="0"/>
+              <a:t>consumers</a:t>
+            </a:r>
+            <a:endParaRPr lang="de-AT" dirty="0" smtClean="0"/>
           </a:p>
           <a:p>
             <a:pPr marL="0" indent="0">
@@ -14346,12 +13862,8 @@
               <a:buNone/>
             </a:pPr>
             <a:r>
-              <a:rPr lang="de-AT" dirty="0" smtClean="0"/>
-              <a:t>Who </a:t>
-            </a:r>
-            <a:r>
               <a:rPr lang="de-AT" dirty="0" err="1" smtClean="0"/>
-              <a:t>uses</a:t>
+              <a:t>Plugins</a:t>
             </a:r>
             <a:r>
               <a:rPr lang="de-AT" dirty="0" smtClean="0"/>
@@ -14359,7 +13871,7 @@
             </a:r>
             <a:r>
               <a:rPr lang="de-AT" dirty="0" err="1" smtClean="0"/>
-              <a:t>your</a:t>
+              <a:t>are</a:t>
             </a:r>
             <a:r>
               <a:rPr lang="de-AT" dirty="0" smtClean="0"/>
@@ -14367,20 +13879,834 @@
             </a:r>
             <a:r>
               <a:rPr lang="de-AT" dirty="0" err="1" smtClean="0"/>
-              <a:t>gateway</a:t>
+              <a:t>developed</a:t>
             </a:r>
             <a:r>
               <a:rPr lang="de-AT" dirty="0" smtClean="0"/>
-              <a:t>?</a:t>
-            </a:r>
-            <a:endParaRPr lang="de-AT" dirty="0"/>
+              <a:t> in </a:t>
+            </a:r>
+            <a:r>
+              <a:rPr lang="de-AT" dirty="0" err="1" smtClean="0"/>
+              <a:t>Lua</a:t>
+            </a:r>
+            <a:endParaRPr lang="de-AT" dirty="0" smtClean="0"/>
+          </a:p>
+        </p:txBody>
+      </p:sp>
+      <p:sp>
+        <p:nvSpPr>
+          <p:cNvPr id="5" name="Content Placeholder 4"/>
+          <p:cNvSpPr>
+            <a:spLocks noGrp="1"/>
+          </p:cNvSpPr>
+          <p:nvPr>
+            <p:ph sz="half" idx="2"/>
+          </p:nvPr>
+        </p:nvSpPr>
+        <p:spPr/>
+        <p:txBody>
+          <a:bodyPr>
+            <a:normAutofit fontScale="40000" lnSpcReduction="20000"/>
+          </a:bodyPr>
+          <a:lstStyle/>
+          <a:p>
+            <a:pPr marL="0" indent="0">
+              <a:buNone/>
+            </a:pPr>
+            <a:r>
+              <a:rPr lang="de-AT" dirty="0">
+                <a:solidFill>
+                  <a:srgbClr val="000000"/>
+                </a:solidFill>
+                <a:latin typeface="Fira Code, Consolas,  Courier New"/>
+              </a:rPr>
+              <a:t>{</a:t>
+            </a:r>
+          </a:p>
+          <a:p>
+            <a:pPr marL="0" indent="0">
+              <a:buNone/>
+            </a:pPr>
+            <a:r>
+              <a:rPr lang="de-AT" dirty="0">
+                <a:solidFill>
+                  <a:srgbClr val="000000"/>
+                </a:solidFill>
+                <a:latin typeface="Fira Code, Consolas,  Courier New"/>
+              </a:rPr>
+              <a:t>    </a:t>
+            </a:r>
+            <a:r>
+              <a:rPr lang="de-AT" dirty="0">
+                <a:solidFill>
+                  <a:srgbClr val="0451A5"/>
+                </a:solidFill>
+                <a:latin typeface="Fira Code, Consolas,  Courier New"/>
+              </a:rPr>
+              <a:t>"</a:t>
+            </a:r>
+            <a:r>
+              <a:rPr lang="de-AT" dirty="0" err="1">
+                <a:solidFill>
+                  <a:srgbClr val="0451A5"/>
+                </a:solidFill>
+                <a:latin typeface="Fira Code, Consolas,  Courier New"/>
+              </a:rPr>
+              <a:t>name</a:t>
+            </a:r>
+            <a:r>
+              <a:rPr lang="de-AT" dirty="0">
+                <a:solidFill>
+                  <a:srgbClr val="0451A5"/>
+                </a:solidFill>
+                <a:latin typeface="Fira Code, Consolas,  Courier New"/>
+              </a:rPr>
+              <a:t>"</a:t>
+            </a:r>
+            <a:r>
+              <a:rPr lang="de-AT" dirty="0">
+                <a:solidFill>
+                  <a:srgbClr val="000000"/>
+                </a:solidFill>
+                <a:latin typeface="Fira Code, Consolas,  Courier New"/>
+              </a:rPr>
+              <a:t>: </a:t>
+            </a:r>
+            <a:r>
+              <a:rPr lang="de-AT" dirty="0">
+                <a:solidFill>
+                  <a:srgbClr val="A31515"/>
+                </a:solidFill>
+                <a:latin typeface="Fira Code, Consolas,  Courier New"/>
+              </a:rPr>
+              <a:t>"</a:t>
+            </a:r>
+            <a:r>
+              <a:rPr lang="de-AT" dirty="0" err="1">
+                <a:solidFill>
+                  <a:srgbClr val="A31515"/>
+                </a:solidFill>
+                <a:latin typeface="Fira Code, Consolas,  Courier New"/>
+              </a:rPr>
+              <a:t>ip-restriction</a:t>
+            </a:r>
+            <a:r>
+              <a:rPr lang="de-AT" dirty="0">
+                <a:solidFill>
+                  <a:srgbClr val="A31515"/>
+                </a:solidFill>
+                <a:latin typeface="Fira Code, Consolas,  Courier New"/>
+              </a:rPr>
+              <a:t>"</a:t>
+            </a:r>
+            <a:r>
+              <a:rPr lang="de-AT" dirty="0">
+                <a:solidFill>
+                  <a:srgbClr val="000000"/>
+                </a:solidFill>
+                <a:latin typeface="Fira Code, Consolas,  Courier New"/>
+              </a:rPr>
+              <a:t>,</a:t>
+            </a:r>
+          </a:p>
+          <a:p>
+            <a:pPr marL="0" indent="0">
+              <a:buNone/>
+            </a:pPr>
+            <a:r>
+              <a:rPr lang="de-AT" dirty="0">
+                <a:solidFill>
+                  <a:srgbClr val="000000"/>
+                </a:solidFill>
+                <a:latin typeface="Fira Code, Consolas,  Courier New"/>
+              </a:rPr>
+              <a:t>    </a:t>
+            </a:r>
+            <a:r>
+              <a:rPr lang="de-AT" dirty="0">
+                <a:solidFill>
+                  <a:srgbClr val="0451A5"/>
+                </a:solidFill>
+                <a:latin typeface="Fira Code, Consolas,  Courier New"/>
+              </a:rPr>
+              <a:t>"</a:t>
+            </a:r>
+            <a:r>
+              <a:rPr lang="de-AT" dirty="0" err="1">
+                <a:solidFill>
+                  <a:srgbClr val="0451A5"/>
+                </a:solidFill>
+                <a:latin typeface="Fira Code, Consolas,  Courier New"/>
+              </a:rPr>
+              <a:t>config</a:t>
+            </a:r>
+            <a:r>
+              <a:rPr lang="de-AT" dirty="0">
+                <a:solidFill>
+                  <a:srgbClr val="0451A5"/>
+                </a:solidFill>
+                <a:latin typeface="Fira Code, Consolas,  Courier New"/>
+              </a:rPr>
+              <a:t>"</a:t>
+            </a:r>
+            <a:r>
+              <a:rPr lang="de-AT" dirty="0">
+                <a:solidFill>
+                  <a:srgbClr val="000000"/>
+                </a:solidFill>
+                <a:latin typeface="Fira Code, Consolas,  Courier New"/>
+              </a:rPr>
+              <a:t>: {</a:t>
+            </a:r>
+          </a:p>
+          <a:p>
+            <a:pPr marL="0" indent="0">
+              <a:buNone/>
+            </a:pPr>
+            <a:r>
+              <a:rPr lang="de-AT" dirty="0">
+                <a:solidFill>
+                  <a:srgbClr val="000000"/>
+                </a:solidFill>
+                <a:latin typeface="Fira Code, Consolas,  Courier New"/>
+              </a:rPr>
+              <a:t>        </a:t>
+            </a:r>
+            <a:r>
+              <a:rPr lang="de-AT" dirty="0">
+                <a:solidFill>
+                  <a:srgbClr val="0451A5"/>
+                </a:solidFill>
+                <a:latin typeface="Fira Code, Consolas,  Courier New"/>
+              </a:rPr>
+              <a:t>"</a:t>
+            </a:r>
+            <a:r>
+              <a:rPr lang="de-AT" dirty="0" err="1">
+                <a:solidFill>
+                  <a:srgbClr val="0451A5"/>
+                </a:solidFill>
+                <a:latin typeface="Fira Code, Consolas,  Courier New"/>
+              </a:rPr>
+              <a:t>whitelist</a:t>
+            </a:r>
+            <a:r>
+              <a:rPr lang="de-AT" dirty="0">
+                <a:solidFill>
+                  <a:srgbClr val="0451A5"/>
+                </a:solidFill>
+                <a:latin typeface="Fira Code, Consolas,  Courier New"/>
+              </a:rPr>
+              <a:t>"</a:t>
+            </a:r>
+            <a:r>
+              <a:rPr lang="de-AT" dirty="0">
+                <a:solidFill>
+                  <a:srgbClr val="000000"/>
+                </a:solidFill>
+                <a:latin typeface="Fira Code, Consolas,  Courier New"/>
+              </a:rPr>
+              <a:t>: [</a:t>
+            </a:r>
+          </a:p>
+          <a:p>
+            <a:pPr marL="0" indent="0">
+              <a:buNone/>
+            </a:pPr>
+            <a:r>
+              <a:rPr lang="de-AT" dirty="0">
+                <a:solidFill>
+                  <a:srgbClr val="000000"/>
+                </a:solidFill>
+                <a:latin typeface="Fira Code, Consolas,  Courier New"/>
+              </a:rPr>
+              <a:t>            </a:t>
+            </a:r>
+            <a:r>
+              <a:rPr lang="de-AT" dirty="0">
+                <a:solidFill>
+                  <a:srgbClr val="A31515"/>
+                </a:solidFill>
+                <a:latin typeface="Fira Code, Consolas,  Courier New"/>
+              </a:rPr>
+              <a:t>"172.18.0.0/16"</a:t>
+            </a:r>
+            <a:endParaRPr lang="de-AT" dirty="0">
+              <a:solidFill>
+                <a:srgbClr val="000000"/>
+              </a:solidFill>
+              <a:latin typeface="Fira Code, Consolas,  Courier New"/>
+            </a:endParaRPr>
+          </a:p>
+          <a:p>
+            <a:pPr marL="0" indent="0">
+              <a:buNone/>
+            </a:pPr>
+            <a:r>
+              <a:rPr lang="de-AT" dirty="0">
+                <a:solidFill>
+                  <a:srgbClr val="000000"/>
+                </a:solidFill>
+                <a:latin typeface="Fira Code, Consolas,  Courier New"/>
+              </a:rPr>
+              <a:t>        ]</a:t>
+            </a:r>
+          </a:p>
+          <a:p>
+            <a:pPr marL="0" indent="0">
+              <a:buNone/>
+            </a:pPr>
+            <a:r>
+              <a:rPr lang="de-AT" dirty="0">
+                <a:solidFill>
+                  <a:srgbClr val="000000"/>
+                </a:solidFill>
+                <a:latin typeface="Fira Code, Consolas,  Courier New"/>
+              </a:rPr>
+              <a:t>    },</a:t>
+            </a:r>
+          </a:p>
+          <a:p>
+            <a:pPr marL="0" indent="0">
+              <a:buNone/>
+            </a:pPr>
+            <a:r>
+              <a:rPr lang="de-AT" dirty="0">
+                <a:solidFill>
+                  <a:srgbClr val="000000"/>
+                </a:solidFill>
+                <a:latin typeface="Fira Code, Consolas,  Courier New"/>
+              </a:rPr>
+              <a:t>    </a:t>
+            </a:r>
+            <a:r>
+              <a:rPr lang="de-AT" dirty="0">
+                <a:solidFill>
+                  <a:srgbClr val="0451A5"/>
+                </a:solidFill>
+                <a:latin typeface="Fira Code, Consolas,  Courier New"/>
+              </a:rPr>
+              <a:t>"</a:t>
+            </a:r>
+            <a:r>
+              <a:rPr lang="de-AT" dirty="0" err="1">
+                <a:solidFill>
+                  <a:srgbClr val="0451A5"/>
+                </a:solidFill>
+                <a:latin typeface="Fira Code, Consolas,  Courier New"/>
+              </a:rPr>
+              <a:t>consumer</a:t>
+            </a:r>
+            <a:r>
+              <a:rPr lang="de-AT" dirty="0">
+                <a:solidFill>
+                  <a:srgbClr val="0451A5"/>
+                </a:solidFill>
+                <a:latin typeface="Fira Code, Consolas,  Courier New"/>
+              </a:rPr>
+              <a:t>"</a:t>
+            </a:r>
+            <a:r>
+              <a:rPr lang="de-AT" dirty="0">
+                <a:solidFill>
+                  <a:srgbClr val="000000"/>
+                </a:solidFill>
+                <a:latin typeface="Fira Code, Consolas,  Courier New"/>
+              </a:rPr>
+              <a:t>: </a:t>
+            </a:r>
+            <a:r>
+              <a:rPr lang="de-AT" dirty="0">
+                <a:solidFill>
+                  <a:srgbClr val="0000FF"/>
+                </a:solidFill>
+                <a:latin typeface="Fira Code, Consolas,  Courier New"/>
+              </a:rPr>
+              <a:t>null</a:t>
+            </a:r>
+            <a:r>
+              <a:rPr lang="de-AT" dirty="0">
+                <a:solidFill>
+                  <a:srgbClr val="000000"/>
+                </a:solidFill>
+                <a:latin typeface="Fira Code, Consolas,  Courier New"/>
+              </a:rPr>
+              <a:t>,</a:t>
+            </a:r>
+          </a:p>
+          <a:p>
+            <a:pPr marL="0" indent="0">
+              <a:buNone/>
+            </a:pPr>
+            <a:r>
+              <a:rPr lang="de-AT" dirty="0">
+                <a:solidFill>
+                  <a:srgbClr val="000000"/>
+                </a:solidFill>
+                <a:latin typeface="Fira Code, Consolas,  Courier New"/>
+              </a:rPr>
+              <a:t>    </a:t>
+            </a:r>
+            <a:r>
+              <a:rPr lang="de-AT" dirty="0">
+                <a:solidFill>
+                  <a:srgbClr val="0451A5"/>
+                </a:solidFill>
+                <a:latin typeface="Fira Code, Consolas,  Courier New"/>
+              </a:rPr>
+              <a:t>"</a:t>
+            </a:r>
+            <a:r>
+              <a:rPr lang="de-AT" dirty="0" err="1">
+                <a:solidFill>
+                  <a:srgbClr val="0451A5"/>
+                </a:solidFill>
+                <a:latin typeface="Fira Code, Consolas,  Courier New"/>
+              </a:rPr>
+              <a:t>protocols</a:t>
+            </a:r>
+            <a:r>
+              <a:rPr lang="de-AT" dirty="0">
+                <a:solidFill>
+                  <a:srgbClr val="0451A5"/>
+                </a:solidFill>
+                <a:latin typeface="Fira Code, Consolas,  Courier New"/>
+              </a:rPr>
+              <a:t>"</a:t>
+            </a:r>
+            <a:r>
+              <a:rPr lang="de-AT" dirty="0">
+                <a:solidFill>
+                  <a:srgbClr val="000000"/>
+                </a:solidFill>
+                <a:latin typeface="Fira Code, Consolas,  Courier New"/>
+              </a:rPr>
+              <a:t>: [</a:t>
+            </a:r>
+          </a:p>
+          <a:p>
+            <a:pPr marL="0" indent="0">
+              <a:buNone/>
+            </a:pPr>
+            <a:r>
+              <a:rPr lang="de-AT" dirty="0">
+                <a:solidFill>
+                  <a:srgbClr val="000000"/>
+                </a:solidFill>
+                <a:latin typeface="Fira Code, Consolas,  Courier New"/>
+              </a:rPr>
+              <a:t>        </a:t>
+            </a:r>
+            <a:r>
+              <a:rPr lang="de-AT" dirty="0">
+                <a:solidFill>
+                  <a:srgbClr val="A31515"/>
+                </a:solidFill>
+                <a:latin typeface="Fira Code, Consolas,  Courier New"/>
+              </a:rPr>
+              <a:t>"http"</a:t>
+            </a:r>
+            <a:r>
+              <a:rPr lang="de-AT" dirty="0">
+                <a:solidFill>
+                  <a:srgbClr val="000000"/>
+                </a:solidFill>
+                <a:latin typeface="Fira Code, Consolas,  Courier New"/>
+              </a:rPr>
+              <a:t>,</a:t>
+            </a:r>
+          </a:p>
+          <a:p>
+            <a:pPr marL="0" indent="0">
+              <a:buNone/>
+            </a:pPr>
+            <a:r>
+              <a:rPr lang="de-AT" dirty="0">
+                <a:solidFill>
+                  <a:srgbClr val="000000"/>
+                </a:solidFill>
+                <a:latin typeface="Fira Code, Consolas,  Courier New"/>
+              </a:rPr>
+              <a:t>        </a:t>
+            </a:r>
+            <a:r>
+              <a:rPr lang="de-AT" dirty="0">
+                <a:solidFill>
+                  <a:srgbClr val="A31515"/>
+                </a:solidFill>
+                <a:latin typeface="Fira Code, Consolas,  Courier New"/>
+              </a:rPr>
+              <a:t>"https"</a:t>
+            </a:r>
+            <a:endParaRPr lang="de-AT" dirty="0">
+              <a:solidFill>
+                <a:srgbClr val="000000"/>
+              </a:solidFill>
+              <a:latin typeface="Fira Code, Consolas,  Courier New"/>
+            </a:endParaRPr>
+          </a:p>
+          <a:p>
+            <a:pPr marL="0" indent="0">
+              <a:buNone/>
+            </a:pPr>
+            <a:r>
+              <a:rPr lang="de-AT" dirty="0">
+                <a:solidFill>
+                  <a:srgbClr val="000000"/>
+                </a:solidFill>
+                <a:latin typeface="Fira Code, Consolas,  Courier New"/>
+              </a:rPr>
+              <a:t>    ],</a:t>
+            </a:r>
+          </a:p>
+          <a:p>
+            <a:pPr marL="0" indent="0">
+              <a:buNone/>
+            </a:pPr>
+            <a:r>
+              <a:rPr lang="de-AT" dirty="0">
+                <a:solidFill>
+                  <a:srgbClr val="000000"/>
+                </a:solidFill>
+                <a:latin typeface="Fira Code, Consolas,  Courier New"/>
+              </a:rPr>
+              <a:t>    </a:t>
+            </a:r>
+            <a:r>
+              <a:rPr lang="de-AT" dirty="0">
+                <a:solidFill>
+                  <a:srgbClr val="0451A5"/>
+                </a:solidFill>
+                <a:latin typeface="Fira Code, Consolas,  Courier New"/>
+              </a:rPr>
+              <a:t>"route"</a:t>
+            </a:r>
+            <a:r>
+              <a:rPr lang="de-AT" dirty="0">
+                <a:solidFill>
+                  <a:srgbClr val="000000"/>
+                </a:solidFill>
+                <a:latin typeface="Fira Code, Consolas,  Courier New"/>
+              </a:rPr>
+              <a:t>: {</a:t>
+            </a:r>
+          </a:p>
+          <a:p>
+            <a:pPr marL="0" indent="0">
+              <a:buNone/>
+            </a:pPr>
+            <a:r>
+              <a:rPr lang="de-AT" dirty="0">
+                <a:solidFill>
+                  <a:srgbClr val="000000"/>
+                </a:solidFill>
+                <a:latin typeface="Fira Code, Consolas,  Courier New"/>
+              </a:rPr>
+              <a:t>        </a:t>
+            </a:r>
+            <a:r>
+              <a:rPr lang="de-AT" dirty="0">
+                <a:solidFill>
+                  <a:srgbClr val="0451A5"/>
+                </a:solidFill>
+                <a:latin typeface="Fira Code, Consolas,  Courier New"/>
+              </a:rPr>
+              <a:t>"</a:t>
+            </a:r>
+            <a:r>
+              <a:rPr lang="de-AT" dirty="0" err="1">
+                <a:solidFill>
+                  <a:srgbClr val="0451A5"/>
+                </a:solidFill>
+                <a:latin typeface="Fira Code, Consolas,  Courier New"/>
+              </a:rPr>
+              <a:t>id</a:t>
+            </a:r>
+            <a:r>
+              <a:rPr lang="de-AT" dirty="0">
+                <a:solidFill>
+                  <a:srgbClr val="0451A5"/>
+                </a:solidFill>
+                <a:latin typeface="Fira Code, Consolas,  Courier New"/>
+              </a:rPr>
+              <a:t>"</a:t>
+            </a:r>
+            <a:r>
+              <a:rPr lang="de-AT" dirty="0">
+                <a:solidFill>
+                  <a:srgbClr val="000000"/>
+                </a:solidFill>
+                <a:latin typeface="Fira Code, Consolas,  Courier New"/>
+              </a:rPr>
+              <a:t>: </a:t>
+            </a:r>
+            <a:r>
+              <a:rPr lang="de-AT" dirty="0">
+                <a:solidFill>
+                  <a:srgbClr val="A31515"/>
+                </a:solidFill>
+                <a:latin typeface="Fira Code, Consolas,  Courier New"/>
+              </a:rPr>
+              <a:t>"5ff018a3-2a25-567e-8c74-1805c4029fbd"</a:t>
+            </a:r>
+            <a:endParaRPr lang="de-AT" dirty="0">
+              <a:solidFill>
+                <a:srgbClr val="000000"/>
+              </a:solidFill>
+              <a:latin typeface="Fira Code, Consolas,  Courier New"/>
+            </a:endParaRPr>
+          </a:p>
+          <a:p>
+            <a:pPr marL="0" indent="0">
+              <a:buNone/>
+            </a:pPr>
+            <a:r>
+              <a:rPr lang="de-AT" dirty="0">
+                <a:solidFill>
+                  <a:srgbClr val="000000"/>
+                </a:solidFill>
+                <a:latin typeface="Fira Code, Consolas,  Courier New"/>
+              </a:rPr>
+              <a:t>    },</a:t>
+            </a:r>
+          </a:p>
+          <a:p>
+            <a:pPr marL="0" indent="0">
+              <a:buNone/>
+            </a:pPr>
+            <a:r>
+              <a:rPr lang="de-AT" dirty="0">
+                <a:solidFill>
+                  <a:srgbClr val="000000"/>
+                </a:solidFill>
+                <a:latin typeface="Fira Code, Consolas,  Courier New"/>
+              </a:rPr>
+              <a:t>    </a:t>
+            </a:r>
+            <a:r>
+              <a:rPr lang="de-AT" dirty="0">
+                <a:solidFill>
+                  <a:srgbClr val="0451A5"/>
+                </a:solidFill>
+                <a:latin typeface="Fira Code, Consolas,  Courier New"/>
+              </a:rPr>
+              <a:t>"</a:t>
+            </a:r>
+            <a:r>
+              <a:rPr lang="de-AT" dirty="0" err="1">
+                <a:solidFill>
+                  <a:srgbClr val="0451A5"/>
+                </a:solidFill>
+                <a:latin typeface="Fira Code, Consolas,  Courier New"/>
+              </a:rPr>
+              <a:t>service</a:t>
+            </a:r>
+            <a:r>
+              <a:rPr lang="de-AT" dirty="0">
+                <a:solidFill>
+                  <a:srgbClr val="0451A5"/>
+                </a:solidFill>
+                <a:latin typeface="Fira Code, Consolas,  Courier New"/>
+              </a:rPr>
+              <a:t>"</a:t>
+            </a:r>
+            <a:r>
+              <a:rPr lang="de-AT" dirty="0">
+                <a:solidFill>
+                  <a:srgbClr val="000000"/>
+                </a:solidFill>
+                <a:latin typeface="Fira Code, Consolas,  Courier New"/>
+              </a:rPr>
+              <a:t>: </a:t>
+            </a:r>
+            <a:r>
+              <a:rPr lang="de-AT" dirty="0">
+                <a:solidFill>
+                  <a:srgbClr val="0000FF"/>
+                </a:solidFill>
+                <a:latin typeface="Fira Code, Consolas,  Courier New"/>
+              </a:rPr>
+              <a:t>null</a:t>
+            </a:r>
+            <a:endParaRPr lang="de-AT" dirty="0">
+              <a:solidFill>
+                <a:srgbClr val="000000"/>
+              </a:solidFill>
+              <a:latin typeface="Fira Code, Consolas,  Courier New"/>
+            </a:endParaRPr>
+          </a:p>
+          <a:p>
+            <a:pPr marL="0" indent="0">
+              <a:buNone/>
+            </a:pPr>
+            <a:r>
+              <a:rPr lang="de-AT" dirty="0">
+                <a:solidFill>
+                  <a:srgbClr val="000000"/>
+                </a:solidFill>
+                <a:latin typeface="Fira Code, Consolas,  Courier New"/>
+              </a:rPr>
+              <a:t>}</a:t>
+            </a:r>
+            <a:endParaRPr lang="de-AT" b="0" dirty="0">
+              <a:solidFill>
+                <a:srgbClr val="000000"/>
+              </a:solidFill>
+              <a:effectLst/>
+              <a:latin typeface="Fira Code, Consolas,  Courier New"/>
+            </a:endParaRPr>
+          </a:p>
+        </p:txBody>
+      </p:sp>
+      <p:sp>
+        <p:nvSpPr>
+          <p:cNvPr id="6" name="TextBox 1">
+            <a:extLst>
+              <a:ext uri="{FF2B5EF4-FFF2-40B4-BE49-F238E27FC236}">
+                <a16:creationId xmlns:a16="http://schemas.microsoft.com/office/drawing/2014/main" id="{E55A1FC0-8E30-4FAB-B566-BDFED0EBDD27}"/>
+              </a:ext>
+            </a:extLst>
+          </p:cNvPr>
+          <p:cNvSpPr txBox="1"/>
+          <p:nvPr/>
+        </p:nvSpPr>
+        <p:spPr>
+          <a:xfrm>
+            <a:off x="43543" y="6438899"/>
+            <a:ext cx="8068126" cy="369332"/>
+          </a:xfrm>
+          <a:prstGeom prst="rect">
+            <a:avLst/>
+          </a:prstGeom>
+          <a:noFill/>
+        </p:spPr>
+        <p:txBody>
+          <a:bodyPr rot="0" spcFirstLastPara="0" vert="horz" wrap="square" lIns="91440" tIns="45720" rIns="91440" bIns="45720" numCol="1" spcCol="0" rtlCol="0" fromWordArt="0" anchor="t" anchorCtr="0" forceAA="0" compatLnSpc="1">
+            <a:prstTxWarp prst="textNoShape">
+              <a:avLst/>
+            </a:prstTxWarp>
+            <a:spAutoFit/>
+          </a:bodyPr>
+          <a:lstStyle>
+            <a:defPPr>
+              <a:defRPr lang="en-US"/>
+            </a:defPPr>
+            <a:lvl1pPr marL="0" algn="l" defTabSz="914400" rtl="0" eaLnBrk="1" latinLnBrk="0" hangingPunct="1">
+              <a:defRPr sz="1800" kern="1200">
+                <a:solidFill>
+                  <a:schemeClr val="tx1"/>
+                </a:solidFill>
+                <a:latin typeface="+mn-lt"/>
+                <a:ea typeface="+mn-ea"/>
+                <a:cs typeface="+mn-cs"/>
+              </a:defRPr>
+            </a:lvl1pPr>
+            <a:lvl2pPr marL="457200" algn="l" defTabSz="914400" rtl="0" eaLnBrk="1" latinLnBrk="0" hangingPunct="1">
+              <a:defRPr sz="1800" kern="1200">
+                <a:solidFill>
+                  <a:schemeClr val="tx1"/>
+                </a:solidFill>
+                <a:latin typeface="+mn-lt"/>
+                <a:ea typeface="+mn-ea"/>
+                <a:cs typeface="+mn-cs"/>
+              </a:defRPr>
+            </a:lvl2pPr>
+            <a:lvl3pPr marL="914400" algn="l" defTabSz="914400" rtl="0" eaLnBrk="1" latinLnBrk="0" hangingPunct="1">
+              <a:defRPr sz="1800" kern="1200">
+                <a:solidFill>
+                  <a:schemeClr val="tx1"/>
+                </a:solidFill>
+                <a:latin typeface="+mn-lt"/>
+                <a:ea typeface="+mn-ea"/>
+                <a:cs typeface="+mn-cs"/>
+              </a:defRPr>
+            </a:lvl3pPr>
+            <a:lvl4pPr marL="1371600" algn="l" defTabSz="914400" rtl="0" eaLnBrk="1" latinLnBrk="0" hangingPunct="1">
+              <a:defRPr sz="1800" kern="1200">
+                <a:solidFill>
+                  <a:schemeClr val="tx1"/>
+                </a:solidFill>
+                <a:latin typeface="+mn-lt"/>
+                <a:ea typeface="+mn-ea"/>
+                <a:cs typeface="+mn-cs"/>
+              </a:defRPr>
+            </a:lvl4pPr>
+            <a:lvl5pPr marL="1828800" algn="l" defTabSz="914400" rtl="0" eaLnBrk="1" latinLnBrk="0" hangingPunct="1">
+              <a:defRPr sz="1800" kern="1200">
+                <a:solidFill>
+                  <a:schemeClr val="tx1"/>
+                </a:solidFill>
+                <a:latin typeface="+mn-lt"/>
+                <a:ea typeface="+mn-ea"/>
+                <a:cs typeface="+mn-cs"/>
+              </a:defRPr>
+            </a:lvl5pPr>
+            <a:lvl6pPr marL="2286000" algn="l" defTabSz="914400" rtl="0" eaLnBrk="1" latinLnBrk="0" hangingPunct="1">
+              <a:defRPr sz="1800" kern="1200">
+                <a:solidFill>
+                  <a:schemeClr val="tx1"/>
+                </a:solidFill>
+                <a:latin typeface="+mn-lt"/>
+                <a:ea typeface="+mn-ea"/>
+                <a:cs typeface="+mn-cs"/>
+              </a:defRPr>
+            </a:lvl6pPr>
+            <a:lvl7pPr marL="2743200" algn="l" defTabSz="914400" rtl="0" eaLnBrk="1" latinLnBrk="0" hangingPunct="1">
+              <a:defRPr sz="1800" kern="1200">
+                <a:solidFill>
+                  <a:schemeClr val="tx1"/>
+                </a:solidFill>
+                <a:latin typeface="+mn-lt"/>
+                <a:ea typeface="+mn-ea"/>
+                <a:cs typeface="+mn-cs"/>
+              </a:defRPr>
+            </a:lvl7pPr>
+            <a:lvl8pPr marL="3200400" algn="l" defTabSz="914400" rtl="0" eaLnBrk="1" latinLnBrk="0" hangingPunct="1">
+              <a:defRPr sz="1800" kern="1200">
+                <a:solidFill>
+                  <a:schemeClr val="tx1"/>
+                </a:solidFill>
+                <a:latin typeface="+mn-lt"/>
+                <a:ea typeface="+mn-ea"/>
+                <a:cs typeface="+mn-cs"/>
+              </a:defRPr>
+            </a:lvl8pPr>
+            <a:lvl9pPr marL="3657600" algn="l" defTabSz="914400" rtl="0" eaLnBrk="1" latinLnBrk="0" hangingPunct="1">
+              <a:defRPr sz="1800" kern="1200">
+                <a:solidFill>
+                  <a:schemeClr val="tx1"/>
+                </a:solidFill>
+                <a:latin typeface="+mn-lt"/>
+                <a:ea typeface="+mn-ea"/>
+                <a:cs typeface="+mn-cs"/>
+              </a:defRPr>
+            </a:lvl9pPr>
+          </a:lstStyle>
+          <a:p>
+            <a:r>
+              <a:rPr lang="en-US" dirty="0" smtClean="0"/>
+              <a:t>See: </a:t>
+            </a:r>
+            <a:r>
+              <a:rPr lang="de-AT" dirty="0">
+                <a:hlinkClick r:id="rId3"/>
+              </a:rPr>
+              <a:t>https://docs.konghq.com/1.4.x/admin-api/#</a:t>
+            </a:r>
+            <a:r>
+              <a:rPr lang="de-AT" dirty="0" smtClean="0">
+                <a:hlinkClick r:id="rId3"/>
+              </a:rPr>
+              <a:t>plugin-object</a:t>
+            </a:r>
+            <a:endParaRPr lang="en-US" dirty="0"/>
           </a:p>
         </p:txBody>
       </p:sp>
     </p:spTree>
     <p:extLst>
       <p:ext uri="{BB962C8B-B14F-4D97-AF65-F5344CB8AC3E}">
-        <p14:creationId xmlns:p14="http://schemas.microsoft.com/office/powerpoint/2010/main" val="2848102619"/>
+        <p14:creationId xmlns:p14="http://schemas.microsoft.com/office/powerpoint/2010/main" val="2735879224"/>
       </p:ext>
     </p:extLst>
   </p:cSld>
@@ -14423,20 +14749,8 @@
           <a:lstStyle/>
           <a:p>
             <a:r>
-              <a:rPr lang="de-AT" dirty="0" err="1" smtClean="0"/>
-              <a:t>Logging</a:t>
-            </a:r>
-            <a:r>
               <a:rPr lang="de-AT" dirty="0" smtClean="0"/>
-              <a:t> </a:t>
-            </a:r>
-            <a:r>
-              <a:rPr lang="de-AT" dirty="0" err="1" smtClean="0"/>
-              <a:t>and</a:t>
-            </a:r>
-            <a:r>
-              <a:rPr lang="de-AT" dirty="0" smtClean="0"/>
-              <a:t> Monitoring</a:t>
+              <a:t>Service Design</a:t>
             </a:r>
             <a:endParaRPr lang="de-AT" dirty="0"/>
           </a:p>
@@ -14449,77 +14763,29 @@
             <a:spLocks noGrp="1"/>
           </p:cNvSpPr>
           <p:nvPr>
-            <p:ph sz="half" idx="1"/>
+            <p:ph idx="1"/>
           </p:nvPr>
         </p:nvSpPr>
-        <p:spPr>
-          <a:xfrm>
-            <a:off x="838200" y="1825625"/>
-            <a:ext cx="5181600" cy="3448123"/>
-          </a:xfrm>
-        </p:spPr>
+        <p:spPr/>
         <p:txBody>
           <a:bodyPr>
-            <a:spAutoFit/>
+            <a:normAutofit fontScale="92500" lnSpcReduction="20000"/>
           </a:bodyPr>
           <a:lstStyle/>
           <a:p>
             <a:pPr marL="0" indent="0">
               <a:buNone/>
             </a:pPr>
-            <a:r>
-              <a:rPr lang="de-AT" dirty="0" err="1" smtClean="0"/>
-              <a:t>Health</a:t>
-            </a:r>
+            <a:endParaRPr lang="de-AT" dirty="0" smtClean="0"/>
+          </a:p>
+          <a:p>
+            <a:pPr marL="0" indent="0">
+              <a:buNone/>
+            </a:pPr>
             <a:r>
               <a:rPr lang="de-AT" dirty="0" smtClean="0"/>
-              <a:t> </a:t>
-            </a:r>
-            <a:r>
-              <a:rPr lang="de-AT" dirty="0" err="1" smtClean="0"/>
-              <a:t>Routes</a:t>
-            </a:r>
-            <a:r>
-              <a:rPr lang="de-AT" dirty="0" smtClean="0"/>
-              <a:t> </a:t>
-            </a:r>
-            <a:r>
-              <a:rPr lang="de-AT" dirty="0" err="1" smtClean="0"/>
-              <a:t>provided</a:t>
-            </a:r>
-            <a:r>
-              <a:rPr lang="de-AT" dirty="0" smtClean="0"/>
-              <a:t> </a:t>
-            </a:r>
-            <a:r>
-              <a:rPr lang="de-AT" dirty="0" err="1" smtClean="0"/>
-              <a:t>to</a:t>
-            </a:r>
-            <a:r>
-              <a:rPr lang="de-AT" dirty="0" smtClean="0"/>
-              <a:t> </a:t>
-            </a:r>
-            <a:r>
-              <a:rPr lang="de-AT" dirty="0" err="1" smtClean="0"/>
-              <a:t>retrieve</a:t>
-            </a:r>
-            <a:r>
-              <a:rPr lang="de-AT" dirty="0" smtClean="0"/>
-              <a:t> </a:t>
-            </a:r>
-            <a:r>
-              <a:rPr lang="de-AT" dirty="0" err="1" smtClean="0"/>
-              <a:t>node</a:t>
-            </a:r>
-            <a:r>
-              <a:rPr lang="de-AT" dirty="0" smtClean="0"/>
-              <a:t> </a:t>
-            </a:r>
-            <a:r>
-              <a:rPr lang="de-AT" dirty="0" err="1" smtClean="0"/>
-              <a:t>status</a:t>
-            </a:r>
-            <a:endParaRPr lang="de-AT" dirty="0" smtClean="0"/>
+              <a:t>Operations</a:t>
+            </a:r>
           </a:p>
           <a:p>
             <a:pPr marL="0" indent="0">
@@ -14532,785 +14798,53 @@
               <a:buNone/>
             </a:pPr>
             <a:r>
-              <a:rPr lang="de-AT" dirty="0" err="1" smtClean="0"/>
-              <a:t>Plugins</a:t>
-            </a:r>
-            <a:r>
               <a:rPr lang="de-AT" dirty="0" smtClean="0"/>
-              <a:t> </a:t>
-            </a:r>
-            <a:r>
-              <a:rPr lang="de-AT" dirty="0" err="1" smtClean="0"/>
-              <a:t>for</a:t>
-            </a:r>
-            <a:r>
-              <a:rPr lang="de-AT" dirty="0" smtClean="0"/>
-              <a:t> </a:t>
-            </a:r>
-            <a:r>
-              <a:rPr lang="de-AT" dirty="0" err="1" smtClean="0"/>
-              <a:t>integration</a:t>
-            </a:r>
-            <a:r>
-              <a:rPr lang="de-AT" dirty="0" smtClean="0"/>
-              <a:t>, e.g.</a:t>
-            </a:r>
-          </a:p>
-          <a:p>
-            <a:pPr>
-              <a:buFontTx/>
-              <a:buChar char="-"/>
-            </a:pPr>
-            <a:r>
-              <a:rPr lang="de-AT" dirty="0" smtClean="0"/>
-              <a:t>Prometheus</a:t>
-            </a:r>
-          </a:p>
-          <a:p>
-            <a:pPr>
-              <a:buFontTx/>
-              <a:buChar char="-"/>
-            </a:pPr>
-            <a:r>
-              <a:rPr lang="de-AT" dirty="0" smtClean="0"/>
-              <a:t>TCP/UDP Log</a:t>
-            </a:r>
-          </a:p>
-          <a:p>
-            <a:pPr>
-              <a:buFontTx/>
-              <a:buChar char="-"/>
-            </a:pPr>
-            <a:r>
-              <a:rPr lang="de-AT" dirty="0" smtClean="0"/>
-              <a:t>HTTP Log</a:t>
-            </a:r>
-          </a:p>
-        </p:txBody>
-      </p:sp>
-      <p:sp>
-        <p:nvSpPr>
-          <p:cNvPr id="7" name="Content Placeholder 6"/>
-          <p:cNvSpPr>
-            <a:spLocks noGrp="1"/>
-          </p:cNvSpPr>
-          <p:nvPr>
-            <p:ph sz="half" idx="2"/>
-          </p:nvPr>
-        </p:nvSpPr>
-        <p:spPr/>
-        <p:txBody>
-          <a:bodyPr>
-            <a:normAutofit fontScale="55000" lnSpcReduction="20000"/>
-          </a:bodyPr>
-          <a:lstStyle/>
+              <a:t>Development</a:t>
+            </a:r>
+          </a:p>
           <a:p>
             <a:pPr marL="0" indent="0">
               <a:buNone/>
             </a:pPr>
-            <a:r>
-              <a:rPr lang="de-AT" dirty="0">
-                <a:solidFill>
-                  <a:srgbClr val="000000"/>
-                </a:solidFill>
-                <a:latin typeface="Fira Code, Consolas,  Courier New"/>
-              </a:rPr>
-              <a:t>{</a:t>
-            </a:r>
+            <a:endParaRPr lang="de-AT" dirty="0"/>
           </a:p>
           <a:p>
             <a:pPr marL="0" indent="0">
               <a:buNone/>
             </a:pPr>
             <a:r>
-              <a:rPr lang="de-AT" dirty="0">
-                <a:solidFill>
-                  <a:srgbClr val="000000"/>
-                </a:solidFill>
-                <a:latin typeface="Fira Code, Consolas,  Courier New"/>
-              </a:rPr>
-              <a:t>    </a:t>
-            </a:r>
-            <a:r>
-              <a:rPr lang="de-AT" dirty="0">
-                <a:solidFill>
-                  <a:srgbClr val="0451A5"/>
-                </a:solidFill>
-                <a:latin typeface="Fira Code, Consolas,  Courier New"/>
-              </a:rPr>
-              <a:t>"</a:t>
-            </a:r>
-            <a:r>
-              <a:rPr lang="de-AT" dirty="0" err="1">
-                <a:solidFill>
-                  <a:srgbClr val="0451A5"/>
-                </a:solidFill>
-                <a:latin typeface="Fira Code, Consolas,  Courier New"/>
-              </a:rPr>
-              <a:t>database</a:t>
-            </a:r>
-            <a:r>
-              <a:rPr lang="de-AT" dirty="0">
-                <a:solidFill>
-                  <a:srgbClr val="0451A5"/>
-                </a:solidFill>
-                <a:latin typeface="Fira Code, Consolas,  Courier New"/>
-              </a:rPr>
-              <a:t>"</a:t>
-            </a:r>
-            <a:r>
-              <a:rPr lang="de-AT" dirty="0">
-                <a:solidFill>
-                  <a:srgbClr val="000000"/>
-                </a:solidFill>
-                <a:latin typeface="Fira Code, Consolas,  Courier New"/>
-              </a:rPr>
-              <a:t>: {</a:t>
+              <a:rPr lang="de-AT" dirty="0" smtClean="0"/>
+              <a:t>Networking</a:t>
             </a:r>
           </a:p>
           <a:p>
             <a:pPr marL="0" indent="0">
               <a:buNone/>
             </a:pPr>
-            <a:r>
-              <a:rPr lang="de-AT" dirty="0">
-                <a:solidFill>
-                  <a:srgbClr val="000000"/>
-                </a:solidFill>
-                <a:latin typeface="Fira Code, Consolas,  Courier New"/>
-              </a:rPr>
-              <a:t>        </a:t>
-            </a:r>
-            <a:r>
-              <a:rPr lang="de-AT" dirty="0">
-                <a:solidFill>
-                  <a:srgbClr val="0451A5"/>
-                </a:solidFill>
-                <a:latin typeface="Fira Code, Consolas,  Courier New"/>
-              </a:rPr>
-              <a:t>"</a:t>
-            </a:r>
-            <a:r>
-              <a:rPr lang="de-AT" dirty="0" err="1">
-                <a:solidFill>
-                  <a:srgbClr val="0451A5"/>
-                </a:solidFill>
-                <a:latin typeface="Fira Code, Consolas,  Courier New"/>
-              </a:rPr>
-              <a:t>reachable</a:t>
-            </a:r>
-            <a:r>
-              <a:rPr lang="de-AT" dirty="0">
-                <a:solidFill>
-                  <a:srgbClr val="0451A5"/>
-                </a:solidFill>
-                <a:latin typeface="Fira Code, Consolas,  Courier New"/>
-              </a:rPr>
-              <a:t>"</a:t>
-            </a:r>
-            <a:r>
-              <a:rPr lang="de-AT" dirty="0">
-                <a:solidFill>
-                  <a:srgbClr val="000000"/>
-                </a:solidFill>
-                <a:latin typeface="Fira Code, Consolas,  Courier New"/>
-              </a:rPr>
-              <a:t>: </a:t>
-            </a:r>
-            <a:r>
-              <a:rPr lang="de-AT" dirty="0" err="1">
-                <a:solidFill>
-                  <a:srgbClr val="0000FF"/>
-                </a:solidFill>
-                <a:latin typeface="Fira Code, Consolas,  Courier New"/>
-              </a:rPr>
-              <a:t>true</a:t>
-            </a:r>
-            <a:endParaRPr lang="de-AT" dirty="0">
-              <a:solidFill>
-                <a:srgbClr val="000000"/>
-              </a:solidFill>
-              <a:latin typeface="Fira Code, Consolas,  Courier New"/>
-            </a:endParaRPr>
+            <a:endParaRPr lang="de-AT" dirty="0"/>
           </a:p>
           <a:p>
             <a:pPr marL="0" indent="0">
               <a:buNone/>
             </a:pPr>
             <a:r>
-              <a:rPr lang="de-AT" dirty="0">
-                <a:solidFill>
-                  <a:srgbClr val="000000"/>
-                </a:solidFill>
-                <a:latin typeface="Fira Code, Consolas,  Courier New"/>
-              </a:rPr>
-              <a:t>    },</a:t>
+              <a:rPr lang="de-AT" dirty="0" smtClean="0"/>
+              <a:t>Security</a:t>
             </a:r>
           </a:p>
           <a:p>
             <a:pPr marL="0" indent="0">
               <a:buNone/>
             </a:pPr>
-            <a:r>
-              <a:rPr lang="de-AT" dirty="0">
-                <a:solidFill>
-                  <a:srgbClr val="000000"/>
-                </a:solidFill>
-                <a:latin typeface="Fira Code, Consolas,  Courier New"/>
-              </a:rPr>
-              <a:t>    </a:t>
-            </a:r>
-            <a:r>
-              <a:rPr lang="de-AT" dirty="0">
-                <a:solidFill>
-                  <a:srgbClr val="0451A5"/>
-                </a:solidFill>
-                <a:latin typeface="Fira Code, Consolas,  Courier New"/>
-              </a:rPr>
-              <a:t>"</a:t>
-            </a:r>
-            <a:r>
-              <a:rPr lang="de-AT" dirty="0" err="1">
-                <a:solidFill>
-                  <a:srgbClr val="0451A5"/>
-                </a:solidFill>
-                <a:latin typeface="Fira Code, Consolas,  Courier New"/>
-              </a:rPr>
-              <a:t>server</a:t>
-            </a:r>
-            <a:r>
-              <a:rPr lang="de-AT" dirty="0">
-                <a:solidFill>
-                  <a:srgbClr val="0451A5"/>
-                </a:solidFill>
-                <a:latin typeface="Fira Code, Consolas,  Courier New"/>
-              </a:rPr>
-              <a:t>"</a:t>
-            </a:r>
-            <a:r>
-              <a:rPr lang="de-AT" dirty="0">
-                <a:solidFill>
-                  <a:srgbClr val="000000"/>
-                </a:solidFill>
-                <a:latin typeface="Fira Code, Consolas,  Courier New"/>
-              </a:rPr>
-              <a:t>: {</a:t>
-            </a:r>
+            <a:endParaRPr lang="de-AT" dirty="0"/>
           </a:p>
           <a:p>
             <a:pPr marL="0" indent="0">
               <a:buNone/>
             </a:pPr>
             <a:r>
-              <a:rPr lang="de-AT" dirty="0">
-                <a:solidFill>
-                  <a:srgbClr val="000000"/>
-                </a:solidFill>
-                <a:latin typeface="Fira Code, Consolas,  Courier New"/>
-              </a:rPr>
-              <a:t>        </a:t>
-            </a:r>
-            <a:r>
-              <a:rPr lang="de-AT" dirty="0">
-                <a:solidFill>
-                  <a:srgbClr val="0451A5"/>
-                </a:solidFill>
-                <a:latin typeface="Fira Code, Consolas,  Courier New"/>
-              </a:rPr>
-              <a:t>"</a:t>
-            </a:r>
-            <a:r>
-              <a:rPr lang="de-AT" dirty="0" err="1">
-                <a:solidFill>
-                  <a:srgbClr val="0451A5"/>
-                </a:solidFill>
-                <a:latin typeface="Fira Code, Consolas,  Courier New"/>
-              </a:rPr>
-              <a:t>connections_accepted</a:t>
-            </a:r>
-            <a:r>
-              <a:rPr lang="de-AT" dirty="0">
-                <a:solidFill>
-                  <a:srgbClr val="0451A5"/>
-                </a:solidFill>
-                <a:latin typeface="Fira Code, Consolas,  Courier New"/>
-              </a:rPr>
-              <a:t>"</a:t>
-            </a:r>
-            <a:r>
-              <a:rPr lang="de-AT" dirty="0">
-                <a:solidFill>
-                  <a:srgbClr val="000000"/>
-                </a:solidFill>
-                <a:latin typeface="Fira Code, Consolas,  Courier New"/>
-              </a:rPr>
-              <a:t>: </a:t>
-            </a:r>
-            <a:r>
-              <a:rPr lang="de-AT" dirty="0">
-                <a:solidFill>
-                  <a:srgbClr val="09885A"/>
-                </a:solidFill>
-                <a:latin typeface="Fira Code, Consolas,  Courier New"/>
-              </a:rPr>
-              <a:t>162</a:t>
-            </a:r>
-            <a:r>
-              <a:rPr lang="de-AT" dirty="0">
-                <a:solidFill>
-                  <a:srgbClr val="000000"/>
-                </a:solidFill>
-                <a:latin typeface="Fira Code, Consolas,  Courier New"/>
-              </a:rPr>
-              <a:t>,</a:t>
-            </a:r>
-          </a:p>
-          <a:p>
-            <a:pPr marL="0" indent="0">
-              <a:buNone/>
-            </a:pPr>
-            <a:r>
-              <a:rPr lang="de-AT" dirty="0">
-                <a:solidFill>
-                  <a:srgbClr val="000000"/>
-                </a:solidFill>
-                <a:latin typeface="Fira Code, Consolas,  Courier New"/>
-              </a:rPr>
-              <a:t>        </a:t>
-            </a:r>
-            <a:r>
-              <a:rPr lang="de-AT" dirty="0">
-                <a:solidFill>
-                  <a:srgbClr val="0451A5"/>
-                </a:solidFill>
-                <a:latin typeface="Fira Code, Consolas,  Courier New"/>
-              </a:rPr>
-              <a:t>"</a:t>
-            </a:r>
-            <a:r>
-              <a:rPr lang="de-AT" dirty="0" err="1">
-                <a:solidFill>
-                  <a:srgbClr val="0451A5"/>
-                </a:solidFill>
-                <a:latin typeface="Fira Code, Consolas,  Courier New"/>
-              </a:rPr>
-              <a:t>connections_active</a:t>
-            </a:r>
-            <a:r>
-              <a:rPr lang="de-AT" dirty="0">
-                <a:solidFill>
-                  <a:srgbClr val="0451A5"/>
-                </a:solidFill>
-                <a:latin typeface="Fira Code, Consolas,  Courier New"/>
-              </a:rPr>
-              <a:t>"</a:t>
-            </a:r>
-            <a:r>
-              <a:rPr lang="de-AT" dirty="0">
-                <a:solidFill>
-                  <a:srgbClr val="000000"/>
-                </a:solidFill>
-                <a:latin typeface="Fira Code, Consolas,  Courier New"/>
-              </a:rPr>
-              <a:t>: </a:t>
-            </a:r>
-            <a:r>
-              <a:rPr lang="de-AT" dirty="0">
-                <a:solidFill>
-                  <a:srgbClr val="09885A"/>
-                </a:solidFill>
-                <a:latin typeface="Fira Code, Consolas,  Courier New"/>
-              </a:rPr>
-              <a:t>1</a:t>
-            </a:r>
-            <a:r>
-              <a:rPr lang="de-AT" dirty="0">
-                <a:solidFill>
-                  <a:srgbClr val="000000"/>
-                </a:solidFill>
-                <a:latin typeface="Fira Code, Consolas,  Courier New"/>
-              </a:rPr>
-              <a:t>,</a:t>
-            </a:r>
-          </a:p>
-          <a:p>
-            <a:pPr marL="0" indent="0">
-              <a:buNone/>
-            </a:pPr>
-            <a:r>
-              <a:rPr lang="de-AT" dirty="0">
-                <a:solidFill>
-                  <a:srgbClr val="000000"/>
-                </a:solidFill>
-                <a:latin typeface="Fira Code, Consolas,  Courier New"/>
-              </a:rPr>
-              <a:t>        </a:t>
-            </a:r>
-            <a:r>
-              <a:rPr lang="de-AT" dirty="0">
-                <a:solidFill>
-                  <a:srgbClr val="0451A5"/>
-                </a:solidFill>
-                <a:latin typeface="Fira Code, Consolas,  Courier New"/>
-              </a:rPr>
-              <a:t>"</a:t>
-            </a:r>
-            <a:r>
-              <a:rPr lang="de-AT" dirty="0" err="1">
-                <a:solidFill>
-                  <a:srgbClr val="0451A5"/>
-                </a:solidFill>
-                <a:latin typeface="Fira Code, Consolas,  Courier New"/>
-              </a:rPr>
-              <a:t>connections_handled</a:t>
-            </a:r>
-            <a:r>
-              <a:rPr lang="de-AT" dirty="0">
-                <a:solidFill>
-                  <a:srgbClr val="0451A5"/>
-                </a:solidFill>
-                <a:latin typeface="Fira Code, Consolas,  Courier New"/>
-              </a:rPr>
-              <a:t>"</a:t>
-            </a:r>
-            <a:r>
-              <a:rPr lang="de-AT" dirty="0">
-                <a:solidFill>
-                  <a:srgbClr val="000000"/>
-                </a:solidFill>
-                <a:latin typeface="Fira Code, Consolas,  Courier New"/>
-              </a:rPr>
-              <a:t>: </a:t>
-            </a:r>
-            <a:r>
-              <a:rPr lang="de-AT" dirty="0">
-                <a:solidFill>
-                  <a:srgbClr val="09885A"/>
-                </a:solidFill>
-                <a:latin typeface="Fira Code, Consolas,  Courier New"/>
-              </a:rPr>
-              <a:t>162</a:t>
-            </a:r>
-            <a:r>
-              <a:rPr lang="de-AT" dirty="0">
-                <a:solidFill>
-                  <a:srgbClr val="000000"/>
-                </a:solidFill>
-                <a:latin typeface="Fira Code, Consolas,  Courier New"/>
-              </a:rPr>
-              <a:t>,</a:t>
-            </a:r>
-          </a:p>
-          <a:p>
-            <a:pPr marL="0" indent="0">
-              <a:buNone/>
-            </a:pPr>
-            <a:r>
-              <a:rPr lang="de-AT" dirty="0">
-                <a:solidFill>
-                  <a:srgbClr val="000000"/>
-                </a:solidFill>
-                <a:latin typeface="Fira Code, Consolas,  Courier New"/>
-              </a:rPr>
-              <a:t>        </a:t>
-            </a:r>
-            <a:r>
-              <a:rPr lang="de-AT" dirty="0">
-                <a:solidFill>
-                  <a:srgbClr val="0451A5"/>
-                </a:solidFill>
-                <a:latin typeface="Fira Code, Consolas,  Courier New"/>
-              </a:rPr>
-              <a:t>"</a:t>
-            </a:r>
-            <a:r>
-              <a:rPr lang="de-AT" dirty="0" err="1">
-                <a:solidFill>
-                  <a:srgbClr val="0451A5"/>
-                </a:solidFill>
-                <a:latin typeface="Fira Code, Consolas,  Courier New"/>
-              </a:rPr>
-              <a:t>connections_reading</a:t>
-            </a:r>
-            <a:r>
-              <a:rPr lang="de-AT" dirty="0">
-                <a:solidFill>
-                  <a:srgbClr val="0451A5"/>
-                </a:solidFill>
-                <a:latin typeface="Fira Code, Consolas,  Courier New"/>
-              </a:rPr>
-              <a:t>"</a:t>
-            </a:r>
-            <a:r>
-              <a:rPr lang="de-AT" dirty="0">
-                <a:solidFill>
-                  <a:srgbClr val="000000"/>
-                </a:solidFill>
-                <a:latin typeface="Fira Code, Consolas,  Courier New"/>
-              </a:rPr>
-              <a:t>: </a:t>
-            </a:r>
-            <a:r>
-              <a:rPr lang="de-AT" dirty="0">
-                <a:solidFill>
-                  <a:srgbClr val="09885A"/>
-                </a:solidFill>
-                <a:latin typeface="Fira Code, Consolas,  Courier New"/>
-              </a:rPr>
-              <a:t>0</a:t>
-            </a:r>
-            <a:r>
-              <a:rPr lang="de-AT" dirty="0">
-                <a:solidFill>
-                  <a:srgbClr val="000000"/>
-                </a:solidFill>
-                <a:latin typeface="Fira Code, Consolas,  Courier New"/>
-              </a:rPr>
-              <a:t>,</a:t>
-            </a:r>
-          </a:p>
-          <a:p>
-            <a:pPr marL="0" indent="0">
-              <a:buNone/>
-            </a:pPr>
-            <a:r>
-              <a:rPr lang="de-AT" dirty="0">
-                <a:solidFill>
-                  <a:srgbClr val="000000"/>
-                </a:solidFill>
-                <a:latin typeface="Fira Code, Consolas,  Courier New"/>
-              </a:rPr>
-              <a:t>        </a:t>
-            </a:r>
-            <a:r>
-              <a:rPr lang="de-AT" dirty="0">
-                <a:solidFill>
-                  <a:srgbClr val="0451A5"/>
-                </a:solidFill>
-                <a:latin typeface="Fira Code, Consolas,  Courier New"/>
-              </a:rPr>
-              <a:t>"</a:t>
-            </a:r>
-            <a:r>
-              <a:rPr lang="de-AT" dirty="0" err="1">
-                <a:solidFill>
-                  <a:srgbClr val="0451A5"/>
-                </a:solidFill>
-                <a:latin typeface="Fira Code, Consolas,  Courier New"/>
-              </a:rPr>
-              <a:t>connections_waiting</a:t>
-            </a:r>
-            <a:r>
-              <a:rPr lang="de-AT" dirty="0">
-                <a:solidFill>
-                  <a:srgbClr val="0451A5"/>
-                </a:solidFill>
-                <a:latin typeface="Fira Code, Consolas,  Courier New"/>
-              </a:rPr>
-              <a:t>"</a:t>
-            </a:r>
-            <a:r>
-              <a:rPr lang="de-AT" dirty="0">
-                <a:solidFill>
-                  <a:srgbClr val="000000"/>
-                </a:solidFill>
-                <a:latin typeface="Fira Code, Consolas,  Courier New"/>
-              </a:rPr>
-              <a:t>: </a:t>
-            </a:r>
-            <a:r>
-              <a:rPr lang="de-AT" dirty="0">
-                <a:solidFill>
-                  <a:srgbClr val="09885A"/>
-                </a:solidFill>
-                <a:latin typeface="Fira Code, Consolas,  Courier New"/>
-              </a:rPr>
-              <a:t>0</a:t>
-            </a:r>
-            <a:r>
-              <a:rPr lang="de-AT" dirty="0">
-                <a:solidFill>
-                  <a:srgbClr val="000000"/>
-                </a:solidFill>
-                <a:latin typeface="Fira Code, Consolas,  Courier New"/>
-              </a:rPr>
-              <a:t>,</a:t>
-            </a:r>
-          </a:p>
-          <a:p>
-            <a:pPr marL="0" indent="0">
-              <a:buNone/>
-            </a:pPr>
-            <a:r>
-              <a:rPr lang="de-AT" dirty="0">
-                <a:solidFill>
-                  <a:srgbClr val="000000"/>
-                </a:solidFill>
-                <a:latin typeface="Fira Code, Consolas,  Courier New"/>
-              </a:rPr>
-              <a:t>        </a:t>
-            </a:r>
-            <a:r>
-              <a:rPr lang="de-AT" dirty="0">
-                <a:solidFill>
-                  <a:srgbClr val="0451A5"/>
-                </a:solidFill>
-                <a:latin typeface="Fira Code, Consolas,  Courier New"/>
-              </a:rPr>
-              <a:t>"</a:t>
-            </a:r>
-            <a:r>
-              <a:rPr lang="de-AT" dirty="0" err="1">
-                <a:solidFill>
-                  <a:srgbClr val="0451A5"/>
-                </a:solidFill>
-                <a:latin typeface="Fira Code, Consolas,  Courier New"/>
-              </a:rPr>
-              <a:t>connections_writing</a:t>
-            </a:r>
-            <a:r>
-              <a:rPr lang="de-AT" dirty="0">
-                <a:solidFill>
-                  <a:srgbClr val="0451A5"/>
-                </a:solidFill>
-                <a:latin typeface="Fira Code, Consolas,  Courier New"/>
-              </a:rPr>
-              <a:t>"</a:t>
-            </a:r>
-            <a:r>
-              <a:rPr lang="de-AT" dirty="0">
-                <a:solidFill>
-                  <a:srgbClr val="000000"/>
-                </a:solidFill>
-                <a:latin typeface="Fira Code, Consolas,  Courier New"/>
-              </a:rPr>
-              <a:t>: </a:t>
-            </a:r>
-            <a:r>
-              <a:rPr lang="de-AT" dirty="0">
-                <a:solidFill>
-                  <a:srgbClr val="09885A"/>
-                </a:solidFill>
-                <a:latin typeface="Fira Code, Consolas,  Courier New"/>
-              </a:rPr>
-              <a:t>1</a:t>
-            </a:r>
-            <a:r>
-              <a:rPr lang="de-AT" dirty="0">
-                <a:solidFill>
-                  <a:srgbClr val="000000"/>
-                </a:solidFill>
-                <a:latin typeface="Fira Code, Consolas,  Courier New"/>
-              </a:rPr>
-              <a:t>,</a:t>
-            </a:r>
-          </a:p>
-          <a:p>
-            <a:pPr marL="0" indent="0">
-              <a:buNone/>
-            </a:pPr>
-            <a:r>
-              <a:rPr lang="de-AT" dirty="0">
-                <a:solidFill>
-                  <a:srgbClr val="000000"/>
-                </a:solidFill>
-                <a:latin typeface="Fira Code, Consolas,  Courier New"/>
-              </a:rPr>
-              <a:t>        </a:t>
-            </a:r>
-            <a:r>
-              <a:rPr lang="de-AT" dirty="0">
-                <a:solidFill>
-                  <a:srgbClr val="0451A5"/>
-                </a:solidFill>
-                <a:latin typeface="Fira Code, Consolas,  Courier New"/>
-              </a:rPr>
-              <a:t>"</a:t>
-            </a:r>
-            <a:r>
-              <a:rPr lang="de-AT" dirty="0" err="1">
-                <a:solidFill>
-                  <a:srgbClr val="0451A5"/>
-                </a:solidFill>
-                <a:latin typeface="Fira Code, Consolas,  Courier New"/>
-              </a:rPr>
-              <a:t>total_requests</a:t>
-            </a:r>
-            <a:r>
-              <a:rPr lang="de-AT" dirty="0">
-                <a:solidFill>
-                  <a:srgbClr val="0451A5"/>
-                </a:solidFill>
-                <a:latin typeface="Fira Code, Consolas,  Courier New"/>
-              </a:rPr>
-              <a:t>"</a:t>
-            </a:r>
-            <a:r>
-              <a:rPr lang="de-AT" dirty="0">
-                <a:solidFill>
-                  <a:srgbClr val="000000"/>
-                </a:solidFill>
-                <a:latin typeface="Fira Code, Consolas,  Courier New"/>
-              </a:rPr>
-              <a:t>: </a:t>
-            </a:r>
-            <a:r>
-              <a:rPr lang="de-AT" dirty="0">
-                <a:solidFill>
-                  <a:srgbClr val="09885A"/>
-                </a:solidFill>
-                <a:latin typeface="Fira Code, Consolas,  Courier New"/>
-              </a:rPr>
-              <a:t>162</a:t>
-            </a:r>
-            <a:endParaRPr lang="de-AT" dirty="0">
-              <a:solidFill>
-                <a:srgbClr val="000000"/>
-              </a:solidFill>
-              <a:latin typeface="Fira Code, Consolas,  Courier New"/>
-            </a:endParaRPr>
-          </a:p>
-          <a:p>
-            <a:pPr marL="0" indent="0">
-              <a:buNone/>
-            </a:pPr>
-            <a:r>
-              <a:rPr lang="de-AT" dirty="0">
-                <a:solidFill>
-                  <a:srgbClr val="000000"/>
-                </a:solidFill>
-                <a:latin typeface="Fira Code, Consolas,  Courier New"/>
-              </a:rPr>
-              <a:t>    </a:t>
-            </a:r>
-            <a:r>
-              <a:rPr lang="de-AT" dirty="0" smtClean="0">
-                <a:solidFill>
-                  <a:srgbClr val="000000"/>
-                </a:solidFill>
-                <a:latin typeface="Fira Code, Consolas,  Courier New"/>
-              </a:rPr>
-              <a:t>}</a:t>
-            </a:r>
-            <a:endParaRPr lang="de-AT" dirty="0">
-              <a:solidFill>
-                <a:srgbClr val="000000"/>
-              </a:solidFill>
-              <a:latin typeface="Fira Code, Consolas,  Courier New"/>
-            </a:endParaRPr>
-          </a:p>
-          <a:p>
-            <a:pPr marL="0" indent="0">
-              <a:buNone/>
-            </a:pPr>
-            <a:r>
-              <a:rPr lang="de-AT" dirty="0">
-                <a:solidFill>
-                  <a:srgbClr val="000000"/>
-                </a:solidFill>
-                <a:latin typeface="Fira Code, Consolas,  Courier New"/>
-              </a:rPr>
-              <a:t>}</a:t>
+              <a:rPr lang="de-AT" dirty="0" err="1" smtClean="0"/>
+              <a:t>Consumers</a:t>
             </a:r>
             <a:endParaRPr lang="de-AT" dirty="0"/>
           </a:p>
@@ -15443,6 +14977,1256 @@
           <a:p>
             <a:r>
               <a:rPr lang="en-US" dirty="0" smtClean="0"/>
+              <a:t>See</a:t>
+            </a:r>
+            <a:r>
+              <a:rPr lang="en-US" dirty="0"/>
+              <a:t>: </a:t>
+            </a:r>
+            <a:r>
+              <a:rPr lang="en-US" dirty="0" smtClean="0"/>
+              <a:t>Icons </a:t>
+            </a:r>
+            <a:r>
+              <a:rPr lang="en-US" dirty="0"/>
+              <a:t>made by </a:t>
+            </a:r>
+            <a:r>
+              <a:rPr lang="en-US" dirty="0" err="1" smtClean="0">
+                <a:hlinkClick r:id="rId3"/>
+              </a:rPr>
+              <a:t>mynamepong</a:t>
+            </a:r>
+            <a:r>
+              <a:rPr lang="en-US" dirty="0" smtClean="0"/>
+              <a:t> from </a:t>
+            </a:r>
+            <a:r>
+              <a:rPr lang="en-US" dirty="0" smtClean="0">
+                <a:hlinkClick r:id="rId4"/>
+              </a:rPr>
+              <a:t>www.flaticon.com</a:t>
+            </a:r>
+            <a:endParaRPr lang="en-US" dirty="0"/>
+          </a:p>
+        </p:txBody>
+      </p:sp>
+      <p:pic>
+        <p:nvPicPr>
+          <p:cNvPr id="7" name="Picture 6"/>
+          <p:cNvPicPr>
+            <a:picLocks noChangeAspect="1"/>
+          </p:cNvPicPr>
+          <p:nvPr/>
+        </p:nvPicPr>
+        <p:blipFill>
+          <a:blip r:embed="rId5">
+            <a:extLst>
+              <a:ext uri="{28A0092B-C50C-407E-A947-70E740481C1C}">
+                <a14:useLocalDpi xmlns:a14="http://schemas.microsoft.com/office/drawing/2010/main" val="0"/>
+              </a:ext>
+            </a:extLst>
+          </a:blip>
+          <a:stretch>
+            <a:fillRect/>
+          </a:stretch>
+        </p:blipFill>
+        <p:spPr>
+          <a:xfrm>
+            <a:off x="9531463" y="1288862"/>
+            <a:ext cx="1440000" cy="1440000"/>
+          </a:xfrm>
+          <a:prstGeom prst="rect">
+            <a:avLst/>
+          </a:prstGeom>
+        </p:spPr>
+      </p:pic>
+      <p:pic>
+        <p:nvPicPr>
+          <p:cNvPr id="8" name="Picture 7"/>
+          <p:cNvPicPr>
+            <a:picLocks noChangeAspect="1"/>
+          </p:cNvPicPr>
+          <p:nvPr/>
+        </p:nvPicPr>
+        <p:blipFill>
+          <a:blip r:embed="rId6">
+            <a:extLst>
+              <a:ext uri="{28A0092B-C50C-407E-A947-70E740481C1C}">
+                <a14:useLocalDpi xmlns:a14="http://schemas.microsoft.com/office/drawing/2010/main" val="0"/>
+              </a:ext>
+            </a:extLst>
+          </a:blip>
+          <a:stretch>
+            <a:fillRect/>
+          </a:stretch>
+        </p:blipFill>
+        <p:spPr>
+          <a:xfrm>
+            <a:off x="8755040" y="4736963"/>
+            <a:ext cx="1440000" cy="1440000"/>
+          </a:xfrm>
+          <a:prstGeom prst="rect">
+            <a:avLst/>
+          </a:prstGeom>
+        </p:spPr>
+      </p:pic>
+      <p:pic>
+        <p:nvPicPr>
+          <p:cNvPr id="9" name="Picture 8"/>
+          <p:cNvPicPr>
+            <a:picLocks noChangeAspect="1"/>
+          </p:cNvPicPr>
+          <p:nvPr/>
+        </p:nvPicPr>
+        <p:blipFill>
+          <a:blip r:embed="rId7">
+            <a:extLst>
+              <a:ext uri="{28A0092B-C50C-407E-A947-70E740481C1C}">
+                <a14:useLocalDpi xmlns:a14="http://schemas.microsoft.com/office/drawing/2010/main" val="0"/>
+              </a:ext>
+            </a:extLst>
+          </a:blip>
+          <a:stretch>
+            <a:fillRect/>
+          </a:stretch>
+        </p:blipFill>
+        <p:spPr>
+          <a:xfrm>
+            <a:off x="7490559" y="3078324"/>
+            <a:ext cx="1440000" cy="1440000"/>
+          </a:xfrm>
+          <a:prstGeom prst="rect">
+            <a:avLst/>
+          </a:prstGeom>
+        </p:spPr>
+      </p:pic>
+      <p:pic>
+        <p:nvPicPr>
+          <p:cNvPr id="10" name="Picture 9"/>
+          <p:cNvPicPr>
+            <a:picLocks noChangeAspect="1"/>
+          </p:cNvPicPr>
+          <p:nvPr/>
+        </p:nvPicPr>
+        <p:blipFill>
+          <a:blip r:embed="rId8">
+            <a:extLst>
+              <a:ext uri="{28A0092B-C50C-407E-A947-70E740481C1C}">
+                <a14:useLocalDpi xmlns:a14="http://schemas.microsoft.com/office/drawing/2010/main" val="0"/>
+              </a:ext>
+            </a:extLst>
+          </a:blip>
+          <a:stretch>
+            <a:fillRect/>
+          </a:stretch>
+        </p:blipFill>
+        <p:spPr>
+          <a:xfrm>
+            <a:off x="7490559" y="1288862"/>
+            <a:ext cx="1440000" cy="1440000"/>
+          </a:xfrm>
+          <a:prstGeom prst="rect">
+            <a:avLst/>
+          </a:prstGeom>
+        </p:spPr>
+      </p:pic>
+      <p:pic>
+        <p:nvPicPr>
+          <p:cNvPr id="11" name="Picture 10"/>
+          <p:cNvPicPr>
+            <a:picLocks noChangeAspect="1"/>
+          </p:cNvPicPr>
+          <p:nvPr/>
+        </p:nvPicPr>
+        <p:blipFill>
+          <a:blip r:embed="rId9">
+            <a:extLst>
+              <a:ext uri="{28A0092B-C50C-407E-A947-70E740481C1C}">
+                <a14:useLocalDpi xmlns:a14="http://schemas.microsoft.com/office/drawing/2010/main" val="0"/>
+              </a:ext>
+            </a:extLst>
+          </a:blip>
+          <a:stretch>
+            <a:fillRect/>
+          </a:stretch>
+        </p:blipFill>
+        <p:spPr>
+          <a:xfrm>
+            <a:off x="9531463" y="3078324"/>
+            <a:ext cx="1440000" cy="1440000"/>
+          </a:xfrm>
+          <a:prstGeom prst="rect">
+            <a:avLst/>
+          </a:prstGeom>
+        </p:spPr>
+      </p:pic>
+    </p:spTree>
+    <p:extLst>
+      <p:ext uri="{BB962C8B-B14F-4D97-AF65-F5344CB8AC3E}">
+        <p14:creationId xmlns:p14="http://schemas.microsoft.com/office/powerpoint/2010/main" val="2848102619"/>
+      </p:ext>
+    </p:extLst>
+  </p:cSld>
+  <p:clrMapOvr>
+    <a:masterClrMapping/>
+  </p:clrMapOvr>
+</p:sld>
+</file>
+
+<file path=ppt/slides/slide33.xml><?xml version="1.0" encoding="utf-8"?>
+<p:sld xmlns:a="http://schemas.openxmlformats.org/drawingml/2006/main" xmlns:r="http://schemas.openxmlformats.org/officeDocument/2006/relationships" xmlns:p="http://schemas.openxmlformats.org/presentationml/2006/main">
+  <p:cSld>
+    <p:spTree>
+      <p:nvGrpSpPr>
+        <p:cNvPr id="1" name=""/>
+        <p:cNvGrpSpPr/>
+        <p:nvPr/>
+      </p:nvGrpSpPr>
+      <p:grpSpPr>
+        <a:xfrm>
+          <a:off x="0" y="0"/>
+          <a:ext cx="0" cy="0"/>
+          <a:chOff x="0" y="0"/>
+          <a:chExt cx="0" cy="0"/>
+        </a:xfrm>
+      </p:grpSpPr>
+      <p:sp>
+        <p:nvSpPr>
+          <p:cNvPr id="2" name="Title 1"/>
+          <p:cNvSpPr>
+            <a:spLocks noGrp="1"/>
+          </p:cNvSpPr>
+          <p:nvPr>
+            <p:ph type="title"/>
+          </p:nvPr>
+        </p:nvSpPr>
+        <p:spPr/>
+        <p:txBody>
+          <a:bodyPr/>
+          <a:lstStyle/>
+          <a:p>
+            <a:r>
+              <a:rPr lang="de-AT" dirty="0" err="1" smtClean="0"/>
+              <a:t>Logging</a:t>
+            </a:r>
+            <a:r>
+              <a:rPr lang="de-AT" dirty="0" smtClean="0"/>
+              <a:t> </a:t>
+            </a:r>
+            <a:r>
+              <a:rPr lang="de-AT" dirty="0" err="1" smtClean="0"/>
+              <a:t>and</a:t>
+            </a:r>
+            <a:r>
+              <a:rPr lang="de-AT" dirty="0" smtClean="0"/>
+              <a:t> Monitoring</a:t>
+            </a:r>
+            <a:endParaRPr lang="de-AT" dirty="0"/>
+          </a:p>
+        </p:txBody>
+      </p:sp>
+      <p:sp>
+        <p:nvSpPr>
+          <p:cNvPr id="3" name="Content Placeholder 2"/>
+          <p:cNvSpPr>
+            <a:spLocks noGrp="1"/>
+          </p:cNvSpPr>
+          <p:nvPr>
+            <p:ph sz="half" idx="1"/>
+          </p:nvPr>
+        </p:nvSpPr>
+        <p:spPr>
+          <a:xfrm>
+            <a:off x="838200" y="1825625"/>
+            <a:ext cx="5181600" cy="3448123"/>
+          </a:xfrm>
+        </p:spPr>
+        <p:txBody>
+          <a:bodyPr>
+            <a:spAutoFit/>
+          </a:bodyPr>
+          <a:lstStyle/>
+          <a:p>
+            <a:pPr marL="0" indent="0">
+              <a:buNone/>
+            </a:pPr>
+            <a:r>
+              <a:rPr lang="de-AT" dirty="0" err="1" smtClean="0"/>
+              <a:t>Health</a:t>
+            </a:r>
+            <a:r>
+              <a:rPr lang="de-AT" dirty="0" smtClean="0"/>
+              <a:t> </a:t>
+            </a:r>
+            <a:r>
+              <a:rPr lang="de-AT" dirty="0" err="1" smtClean="0"/>
+              <a:t>Routes</a:t>
+            </a:r>
+            <a:r>
+              <a:rPr lang="de-AT" dirty="0" smtClean="0"/>
+              <a:t> </a:t>
+            </a:r>
+            <a:r>
+              <a:rPr lang="de-AT" dirty="0" err="1" smtClean="0"/>
+              <a:t>provided</a:t>
+            </a:r>
+            <a:r>
+              <a:rPr lang="de-AT" dirty="0" smtClean="0"/>
+              <a:t> </a:t>
+            </a:r>
+            <a:r>
+              <a:rPr lang="de-AT" dirty="0" err="1" smtClean="0"/>
+              <a:t>to</a:t>
+            </a:r>
+            <a:r>
+              <a:rPr lang="de-AT" dirty="0" smtClean="0"/>
+              <a:t> </a:t>
+            </a:r>
+            <a:r>
+              <a:rPr lang="de-AT" dirty="0" err="1" smtClean="0"/>
+              <a:t>retrieve</a:t>
+            </a:r>
+            <a:r>
+              <a:rPr lang="de-AT" dirty="0" smtClean="0"/>
+              <a:t> </a:t>
+            </a:r>
+            <a:r>
+              <a:rPr lang="de-AT" dirty="0" err="1" smtClean="0"/>
+              <a:t>node</a:t>
+            </a:r>
+            <a:r>
+              <a:rPr lang="de-AT" dirty="0" smtClean="0"/>
+              <a:t> </a:t>
+            </a:r>
+            <a:r>
+              <a:rPr lang="de-AT" dirty="0" err="1" smtClean="0"/>
+              <a:t>status</a:t>
+            </a:r>
+            <a:endParaRPr lang="de-AT" dirty="0" smtClean="0"/>
+          </a:p>
+          <a:p>
+            <a:pPr marL="0" indent="0">
+              <a:buNone/>
+            </a:pPr>
+            <a:endParaRPr lang="de-AT" dirty="0"/>
+          </a:p>
+          <a:p>
+            <a:pPr marL="0" indent="0">
+              <a:buNone/>
+            </a:pPr>
+            <a:r>
+              <a:rPr lang="de-AT" dirty="0" err="1" smtClean="0"/>
+              <a:t>Plugins</a:t>
+            </a:r>
+            <a:r>
+              <a:rPr lang="de-AT" dirty="0" smtClean="0"/>
+              <a:t> </a:t>
+            </a:r>
+            <a:r>
+              <a:rPr lang="de-AT" dirty="0" err="1" smtClean="0"/>
+              <a:t>for</a:t>
+            </a:r>
+            <a:r>
+              <a:rPr lang="de-AT" dirty="0" smtClean="0"/>
+              <a:t> </a:t>
+            </a:r>
+            <a:r>
+              <a:rPr lang="de-AT" dirty="0" err="1" smtClean="0"/>
+              <a:t>integration</a:t>
+            </a:r>
+            <a:r>
+              <a:rPr lang="de-AT" dirty="0" smtClean="0"/>
+              <a:t>, e.g.</a:t>
+            </a:r>
+          </a:p>
+          <a:p>
+            <a:pPr>
+              <a:buFontTx/>
+              <a:buChar char="-"/>
+            </a:pPr>
+            <a:r>
+              <a:rPr lang="de-AT" dirty="0" smtClean="0"/>
+              <a:t>Prometheus</a:t>
+            </a:r>
+          </a:p>
+          <a:p>
+            <a:pPr>
+              <a:buFontTx/>
+              <a:buChar char="-"/>
+            </a:pPr>
+            <a:r>
+              <a:rPr lang="de-AT" dirty="0" smtClean="0"/>
+              <a:t>TCP/UDP Log</a:t>
+            </a:r>
+          </a:p>
+          <a:p>
+            <a:pPr>
+              <a:buFontTx/>
+              <a:buChar char="-"/>
+            </a:pPr>
+            <a:r>
+              <a:rPr lang="de-AT" dirty="0" smtClean="0"/>
+              <a:t>HTTP Log</a:t>
+            </a:r>
+          </a:p>
+        </p:txBody>
+      </p:sp>
+      <p:sp>
+        <p:nvSpPr>
+          <p:cNvPr id="7" name="Content Placeholder 6"/>
+          <p:cNvSpPr>
+            <a:spLocks noGrp="1"/>
+          </p:cNvSpPr>
+          <p:nvPr>
+            <p:ph sz="half" idx="2"/>
+          </p:nvPr>
+        </p:nvSpPr>
+        <p:spPr/>
+        <p:txBody>
+          <a:bodyPr>
+            <a:normAutofit fontScale="55000" lnSpcReduction="20000"/>
+          </a:bodyPr>
+          <a:lstStyle/>
+          <a:p>
+            <a:pPr marL="0" indent="0">
+              <a:buNone/>
+            </a:pPr>
+            <a:r>
+              <a:rPr lang="de-AT" dirty="0">
+                <a:solidFill>
+                  <a:srgbClr val="000000"/>
+                </a:solidFill>
+                <a:latin typeface="Fira Code, Consolas,  Courier New"/>
+              </a:rPr>
+              <a:t>{</a:t>
+            </a:r>
+          </a:p>
+          <a:p>
+            <a:pPr marL="0" indent="0">
+              <a:buNone/>
+            </a:pPr>
+            <a:r>
+              <a:rPr lang="de-AT" dirty="0">
+                <a:solidFill>
+                  <a:srgbClr val="000000"/>
+                </a:solidFill>
+                <a:latin typeface="Fira Code, Consolas,  Courier New"/>
+              </a:rPr>
+              <a:t>    </a:t>
+            </a:r>
+            <a:r>
+              <a:rPr lang="de-AT" dirty="0">
+                <a:solidFill>
+                  <a:srgbClr val="0451A5"/>
+                </a:solidFill>
+                <a:latin typeface="Fira Code, Consolas,  Courier New"/>
+              </a:rPr>
+              <a:t>"</a:t>
+            </a:r>
+            <a:r>
+              <a:rPr lang="de-AT" dirty="0" err="1">
+                <a:solidFill>
+                  <a:srgbClr val="0451A5"/>
+                </a:solidFill>
+                <a:latin typeface="Fira Code, Consolas,  Courier New"/>
+              </a:rPr>
+              <a:t>database</a:t>
+            </a:r>
+            <a:r>
+              <a:rPr lang="de-AT" dirty="0">
+                <a:solidFill>
+                  <a:srgbClr val="0451A5"/>
+                </a:solidFill>
+                <a:latin typeface="Fira Code, Consolas,  Courier New"/>
+              </a:rPr>
+              <a:t>"</a:t>
+            </a:r>
+            <a:r>
+              <a:rPr lang="de-AT" dirty="0">
+                <a:solidFill>
+                  <a:srgbClr val="000000"/>
+                </a:solidFill>
+                <a:latin typeface="Fira Code, Consolas,  Courier New"/>
+              </a:rPr>
+              <a:t>: {</a:t>
+            </a:r>
+          </a:p>
+          <a:p>
+            <a:pPr marL="0" indent="0">
+              <a:buNone/>
+            </a:pPr>
+            <a:r>
+              <a:rPr lang="de-AT" dirty="0">
+                <a:solidFill>
+                  <a:srgbClr val="000000"/>
+                </a:solidFill>
+                <a:latin typeface="Fira Code, Consolas,  Courier New"/>
+              </a:rPr>
+              <a:t>        </a:t>
+            </a:r>
+            <a:r>
+              <a:rPr lang="de-AT" dirty="0">
+                <a:solidFill>
+                  <a:srgbClr val="0451A5"/>
+                </a:solidFill>
+                <a:latin typeface="Fira Code, Consolas,  Courier New"/>
+              </a:rPr>
+              <a:t>"</a:t>
+            </a:r>
+            <a:r>
+              <a:rPr lang="de-AT" dirty="0" err="1">
+                <a:solidFill>
+                  <a:srgbClr val="0451A5"/>
+                </a:solidFill>
+                <a:latin typeface="Fira Code, Consolas,  Courier New"/>
+              </a:rPr>
+              <a:t>reachable</a:t>
+            </a:r>
+            <a:r>
+              <a:rPr lang="de-AT" dirty="0">
+                <a:solidFill>
+                  <a:srgbClr val="0451A5"/>
+                </a:solidFill>
+                <a:latin typeface="Fira Code, Consolas,  Courier New"/>
+              </a:rPr>
+              <a:t>"</a:t>
+            </a:r>
+            <a:r>
+              <a:rPr lang="de-AT" dirty="0">
+                <a:solidFill>
+                  <a:srgbClr val="000000"/>
+                </a:solidFill>
+                <a:latin typeface="Fira Code, Consolas,  Courier New"/>
+              </a:rPr>
+              <a:t>: </a:t>
+            </a:r>
+            <a:r>
+              <a:rPr lang="de-AT" dirty="0" err="1">
+                <a:solidFill>
+                  <a:srgbClr val="0000FF"/>
+                </a:solidFill>
+                <a:latin typeface="Fira Code, Consolas,  Courier New"/>
+              </a:rPr>
+              <a:t>true</a:t>
+            </a:r>
+            <a:endParaRPr lang="de-AT" dirty="0">
+              <a:solidFill>
+                <a:srgbClr val="000000"/>
+              </a:solidFill>
+              <a:latin typeface="Fira Code, Consolas,  Courier New"/>
+            </a:endParaRPr>
+          </a:p>
+          <a:p>
+            <a:pPr marL="0" indent="0">
+              <a:buNone/>
+            </a:pPr>
+            <a:r>
+              <a:rPr lang="de-AT" dirty="0">
+                <a:solidFill>
+                  <a:srgbClr val="000000"/>
+                </a:solidFill>
+                <a:latin typeface="Fira Code, Consolas,  Courier New"/>
+              </a:rPr>
+              <a:t>    },</a:t>
+            </a:r>
+          </a:p>
+          <a:p>
+            <a:pPr marL="0" indent="0">
+              <a:buNone/>
+            </a:pPr>
+            <a:r>
+              <a:rPr lang="de-AT" dirty="0">
+                <a:solidFill>
+                  <a:srgbClr val="000000"/>
+                </a:solidFill>
+                <a:latin typeface="Fira Code, Consolas,  Courier New"/>
+              </a:rPr>
+              <a:t>    </a:t>
+            </a:r>
+            <a:r>
+              <a:rPr lang="de-AT" dirty="0">
+                <a:solidFill>
+                  <a:srgbClr val="0451A5"/>
+                </a:solidFill>
+                <a:latin typeface="Fira Code, Consolas,  Courier New"/>
+              </a:rPr>
+              <a:t>"</a:t>
+            </a:r>
+            <a:r>
+              <a:rPr lang="de-AT" dirty="0" err="1">
+                <a:solidFill>
+                  <a:srgbClr val="0451A5"/>
+                </a:solidFill>
+                <a:latin typeface="Fira Code, Consolas,  Courier New"/>
+              </a:rPr>
+              <a:t>server</a:t>
+            </a:r>
+            <a:r>
+              <a:rPr lang="de-AT" dirty="0">
+                <a:solidFill>
+                  <a:srgbClr val="0451A5"/>
+                </a:solidFill>
+                <a:latin typeface="Fira Code, Consolas,  Courier New"/>
+              </a:rPr>
+              <a:t>"</a:t>
+            </a:r>
+            <a:r>
+              <a:rPr lang="de-AT" dirty="0">
+                <a:solidFill>
+                  <a:srgbClr val="000000"/>
+                </a:solidFill>
+                <a:latin typeface="Fira Code, Consolas,  Courier New"/>
+              </a:rPr>
+              <a:t>: {</a:t>
+            </a:r>
+          </a:p>
+          <a:p>
+            <a:pPr marL="0" indent="0">
+              <a:buNone/>
+            </a:pPr>
+            <a:r>
+              <a:rPr lang="de-AT" dirty="0">
+                <a:solidFill>
+                  <a:srgbClr val="000000"/>
+                </a:solidFill>
+                <a:latin typeface="Fira Code, Consolas,  Courier New"/>
+              </a:rPr>
+              <a:t>        </a:t>
+            </a:r>
+            <a:r>
+              <a:rPr lang="de-AT" dirty="0">
+                <a:solidFill>
+                  <a:srgbClr val="0451A5"/>
+                </a:solidFill>
+                <a:latin typeface="Fira Code, Consolas,  Courier New"/>
+              </a:rPr>
+              <a:t>"</a:t>
+            </a:r>
+            <a:r>
+              <a:rPr lang="de-AT" dirty="0" err="1">
+                <a:solidFill>
+                  <a:srgbClr val="0451A5"/>
+                </a:solidFill>
+                <a:latin typeface="Fira Code, Consolas,  Courier New"/>
+              </a:rPr>
+              <a:t>connections_accepted</a:t>
+            </a:r>
+            <a:r>
+              <a:rPr lang="de-AT" dirty="0">
+                <a:solidFill>
+                  <a:srgbClr val="0451A5"/>
+                </a:solidFill>
+                <a:latin typeface="Fira Code, Consolas,  Courier New"/>
+              </a:rPr>
+              <a:t>"</a:t>
+            </a:r>
+            <a:r>
+              <a:rPr lang="de-AT" dirty="0">
+                <a:solidFill>
+                  <a:srgbClr val="000000"/>
+                </a:solidFill>
+                <a:latin typeface="Fira Code, Consolas,  Courier New"/>
+              </a:rPr>
+              <a:t>: </a:t>
+            </a:r>
+            <a:r>
+              <a:rPr lang="de-AT" dirty="0">
+                <a:solidFill>
+                  <a:srgbClr val="09885A"/>
+                </a:solidFill>
+                <a:latin typeface="Fira Code, Consolas,  Courier New"/>
+              </a:rPr>
+              <a:t>162</a:t>
+            </a:r>
+            <a:r>
+              <a:rPr lang="de-AT" dirty="0">
+                <a:solidFill>
+                  <a:srgbClr val="000000"/>
+                </a:solidFill>
+                <a:latin typeface="Fira Code, Consolas,  Courier New"/>
+              </a:rPr>
+              <a:t>,</a:t>
+            </a:r>
+          </a:p>
+          <a:p>
+            <a:pPr marL="0" indent="0">
+              <a:buNone/>
+            </a:pPr>
+            <a:r>
+              <a:rPr lang="de-AT" dirty="0">
+                <a:solidFill>
+                  <a:srgbClr val="000000"/>
+                </a:solidFill>
+                <a:latin typeface="Fira Code, Consolas,  Courier New"/>
+              </a:rPr>
+              <a:t>        </a:t>
+            </a:r>
+            <a:r>
+              <a:rPr lang="de-AT" dirty="0">
+                <a:solidFill>
+                  <a:srgbClr val="0451A5"/>
+                </a:solidFill>
+                <a:latin typeface="Fira Code, Consolas,  Courier New"/>
+              </a:rPr>
+              <a:t>"</a:t>
+            </a:r>
+            <a:r>
+              <a:rPr lang="de-AT" dirty="0" err="1">
+                <a:solidFill>
+                  <a:srgbClr val="0451A5"/>
+                </a:solidFill>
+                <a:latin typeface="Fira Code, Consolas,  Courier New"/>
+              </a:rPr>
+              <a:t>connections_active</a:t>
+            </a:r>
+            <a:r>
+              <a:rPr lang="de-AT" dirty="0">
+                <a:solidFill>
+                  <a:srgbClr val="0451A5"/>
+                </a:solidFill>
+                <a:latin typeface="Fira Code, Consolas,  Courier New"/>
+              </a:rPr>
+              <a:t>"</a:t>
+            </a:r>
+            <a:r>
+              <a:rPr lang="de-AT" dirty="0">
+                <a:solidFill>
+                  <a:srgbClr val="000000"/>
+                </a:solidFill>
+                <a:latin typeface="Fira Code, Consolas,  Courier New"/>
+              </a:rPr>
+              <a:t>: </a:t>
+            </a:r>
+            <a:r>
+              <a:rPr lang="de-AT" dirty="0">
+                <a:solidFill>
+                  <a:srgbClr val="09885A"/>
+                </a:solidFill>
+                <a:latin typeface="Fira Code, Consolas,  Courier New"/>
+              </a:rPr>
+              <a:t>1</a:t>
+            </a:r>
+            <a:r>
+              <a:rPr lang="de-AT" dirty="0">
+                <a:solidFill>
+                  <a:srgbClr val="000000"/>
+                </a:solidFill>
+                <a:latin typeface="Fira Code, Consolas,  Courier New"/>
+              </a:rPr>
+              <a:t>,</a:t>
+            </a:r>
+          </a:p>
+          <a:p>
+            <a:pPr marL="0" indent="0">
+              <a:buNone/>
+            </a:pPr>
+            <a:r>
+              <a:rPr lang="de-AT" dirty="0">
+                <a:solidFill>
+                  <a:srgbClr val="000000"/>
+                </a:solidFill>
+                <a:latin typeface="Fira Code, Consolas,  Courier New"/>
+              </a:rPr>
+              <a:t>        </a:t>
+            </a:r>
+            <a:r>
+              <a:rPr lang="de-AT" dirty="0">
+                <a:solidFill>
+                  <a:srgbClr val="0451A5"/>
+                </a:solidFill>
+                <a:latin typeface="Fira Code, Consolas,  Courier New"/>
+              </a:rPr>
+              <a:t>"</a:t>
+            </a:r>
+            <a:r>
+              <a:rPr lang="de-AT" dirty="0" err="1">
+                <a:solidFill>
+                  <a:srgbClr val="0451A5"/>
+                </a:solidFill>
+                <a:latin typeface="Fira Code, Consolas,  Courier New"/>
+              </a:rPr>
+              <a:t>connections_handled</a:t>
+            </a:r>
+            <a:r>
+              <a:rPr lang="de-AT" dirty="0">
+                <a:solidFill>
+                  <a:srgbClr val="0451A5"/>
+                </a:solidFill>
+                <a:latin typeface="Fira Code, Consolas,  Courier New"/>
+              </a:rPr>
+              <a:t>"</a:t>
+            </a:r>
+            <a:r>
+              <a:rPr lang="de-AT" dirty="0">
+                <a:solidFill>
+                  <a:srgbClr val="000000"/>
+                </a:solidFill>
+                <a:latin typeface="Fira Code, Consolas,  Courier New"/>
+              </a:rPr>
+              <a:t>: </a:t>
+            </a:r>
+            <a:r>
+              <a:rPr lang="de-AT" dirty="0">
+                <a:solidFill>
+                  <a:srgbClr val="09885A"/>
+                </a:solidFill>
+                <a:latin typeface="Fira Code, Consolas,  Courier New"/>
+              </a:rPr>
+              <a:t>162</a:t>
+            </a:r>
+            <a:r>
+              <a:rPr lang="de-AT" dirty="0">
+                <a:solidFill>
+                  <a:srgbClr val="000000"/>
+                </a:solidFill>
+                <a:latin typeface="Fira Code, Consolas,  Courier New"/>
+              </a:rPr>
+              <a:t>,</a:t>
+            </a:r>
+          </a:p>
+          <a:p>
+            <a:pPr marL="0" indent="0">
+              <a:buNone/>
+            </a:pPr>
+            <a:r>
+              <a:rPr lang="de-AT" dirty="0">
+                <a:solidFill>
+                  <a:srgbClr val="000000"/>
+                </a:solidFill>
+                <a:latin typeface="Fira Code, Consolas,  Courier New"/>
+              </a:rPr>
+              <a:t>        </a:t>
+            </a:r>
+            <a:r>
+              <a:rPr lang="de-AT" dirty="0">
+                <a:solidFill>
+                  <a:srgbClr val="0451A5"/>
+                </a:solidFill>
+                <a:latin typeface="Fira Code, Consolas,  Courier New"/>
+              </a:rPr>
+              <a:t>"</a:t>
+            </a:r>
+            <a:r>
+              <a:rPr lang="de-AT" dirty="0" err="1">
+                <a:solidFill>
+                  <a:srgbClr val="0451A5"/>
+                </a:solidFill>
+                <a:latin typeface="Fira Code, Consolas,  Courier New"/>
+              </a:rPr>
+              <a:t>connections_reading</a:t>
+            </a:r>
+            <a:r>
+              <a:rPr lang="de-AT" dirty="0">
+                <a:solidFill>
+                  <a:srgbClr val="0451A5"/>
+                </a:solidFill>
+                <a:latin typeface="Fira Code, Consolas,  Courier New"/>
+              </a:rPr>
+              <a:t>"</a:t>
+            </a:r>
+            <a:r>
+              <a:rPr lang="de-AT" dirty="0">
+                <a:solidFill>
+                  <a:srgbClr val="000000"/>
+                </a:solidFill>
+                <a:latin typeface="Fira Code, Consolas,  Courier New"/>
+              </a:rPr>
+              <a:t>: </a:t>
+            </a:r>
+            <a:r>
+              <a:rPr lang="de-AT" dirty="0">
+                <a:solidFill>
+                  <a:srgbClr val="09885A"/>
+                </a:solidFill>
+                <a:latin typeface="Fira Code, Consolas,  Courier New"/>
+              </a:rPr>
+              <a:t>0</a:t>
+            </a:r>
+            <a:r>
+              <a:rPr lang="de-AT" dirty="0">
+                <a:solidFill>
+                  <a:srgbClr val="000000"/>
+                </a:solidFill>
+                <a:latin typeface="Fira Code, Consolas,  Courier New"/>
+              </a:rPr>
+              <a:t>,</a:t>
+            </a:r>
+          </a:p>
+          <a:p>
+            <a:pPr marL="0" indent="0">
+              <a:buNone/>
+            </a:pPr>
+            <a:r>
+              <a:rPr lang="de-AT" dirty="0">
+                <a:solidFill>
+                  <a:srgbClr val="000000"/>
+                </a:solidFill>
+                <a:latin typeface="Fira Code, Consolas,  Courier New"/>
+              </a:rPr>
+              <a:t>        </a:t>
+            </a:r>
+            <a:r>
+              <a:rPr lang="de-AT" dirty="0">
+                <a:solidFill>
+                  <a:srgbClr val="0451A5"/>
+                </a:solidFill>
+                <a:latin typeface="Fira Code, Consolas,  Courier New"/>
+              </a:rPr>
+              <a:t>"</a:t>
+            </a:r>
+            <a:r>
+              <a:rPr lang="de-AT" dirty="0" err="1">
+                <a:solidFill>
+                  <a:srgbClr val="0451A5"/>
+                </a:solidFill>
+                <a:latin typeface="Fira Code, Consolas,  Courier New"/>
+              </a:rPr>
+              <a:t>connections_waiting</a:t>
+            </a:r>
+            <a:r>
+              <a:rPr lang="de-AT" dirty="0">
+                <a:solidFill>
+                  <a:srgbClr val="0451A5"/>
+                </a:solidFill>
+                <a:latin typeface="Fira Code, Consolas,  Courier New"/>
+              </a:rPr>
+              <a:t>"</a:t>
+            </a:r>
+            <a:r>
+              <a:rPr lang="de-AT" dirty="0">
+                <a:solidFill>
+                  <a:srgbClr val="000000"/>
+                </a:solidFill>
+                <a:latin typeface="Fira Code, Consolas,  Courier New"/>
+              </a:rPr>
+              <a:t>: </a:t>
+            </a:r>
+            <a:r>
+              <a:rPr lang="de-AT" dirty="0">
+                <a:solidFill>
+                  <a:srgbClr val="09885A"/>
+                </a:solidFill>
+                <a:latin typeface="Fira Code, Consolas,  Courier New"/>
+              </a:rPr>
+              <a:t>0</a:t>
+            </a:r>
+            <a:r>
+              <a:rPr lang="de-AT" dirty="0">
+                <a:solidFill>
+                  <a:srgbClr val="000000"/>
+                </a:solidFill>
+                <a:latin typeface="Fira Code, Consolas,  Courier New"/>
+              </a:rPr>
+              <a:t>,</a:t>
+            </a:r>
+          </a:p>
+          <a:p>
+            <a:pPr marL="0" indent="0">
+              <a:buNone/>
+            </a:pPr>
+            <a:r>
+              <a:rPr lang="de-AT" dirty="0">
+                <a:solidFill>
+                  <a:srgbClr val="000000"/>
+                </a:solidFill>
+                <a:latin typeface="Fira Code, Consolas,  Courier New"/>
+              </a:rPr>
+              <a:t>        </a:t>
+            </a:r>
+            <a:r>
+              <a:rPr lang="de-AT" dirty="0">
+                <a:solidFill>
+                  <a:srgbClr val="0451A5"/>
+                </a:solidFill>
+                <a:latin typeface="Fira Code, Consolas,  Courier New"/>
+              </a:rPr>
+              <a:t>"</a:t>
+            </a:r>
+            <a:r>
+              <a:rPr lang="de-AT" dirty="0" err="1">
+                <a:solidFill>
+                  <a:srgbClr val="0451A5"/>
+                </a:solidFill>
+                <a:latin typeface="Fira Code, Consolas,  Courier New"/>
+              </a:rPr>
+              <a:t>connections_writing</a:t>
+            </a:r>
+            <a:r>
+              <a:rPr lang="de-AT" dirty="0">
+                <a:solidFill>
+                  <a:srgbClr val="0451A5"/>
+                </a:solidFill>
+                <a:latin typeface="Fira Code, Consolas,  Courier New"/>
+              </a:rPr>
+              <a:t>"</a:t>
+            </a:r>
+            <a:r>
+              <a:rPr lang="de-AT" dirty="0">
+                <a:solidFill>
+                  <a:srgbClr val="000000"/>
+                </a:solidFill>
+                <a:latin typeface="Fira Code, Consolas,  Courier New"/>
+              </a:rPr>
+              <a:t>: </a:t>
+            </a:r>
+            <a:r>
+              <a:rPr lang="de-AT" dirty="0">
+                <a:solidFill>
+                  <a:srgbClr val="09885A"/>
+                </a:solidFill>
+                <a:latin typeface="Fira Code, Consolas,  Courier New"/>
+              </a:rPr>
+              <a:t>1</a:t>
+            </a:r>
+            <a:r>
+              <a:rPr lang="de-AT" dirty="0">
+                <a:solidFill>
+                  <a:srgbClr val="000000"/>
+                </a:solidFill>
+                <a:latin typeface="Fira Code, Consolas,  Courier New"/>
+              </a:rPr>
+              <a:t>,</a:t>
+            </a:r>
+          </a:p>
+          <a:p>
+            <a:pPr marL="0" indent="0">
+              <a:buNone/>
+            </a:pPr>
+            <a:r>
+              <a:rPr lang="de-AT" dirty="0">
+                <a:solidFill>
+                  <a:srgbClr val="000000"/>
+                </a:solidFill>
+                <a:latin typeface="Fira Code, Consolas,  Courier New"/>
+              </a:rPr>
+              <a:t>        </a:t>
+            </a:r>
+            <a:r>
+              <a:rPr lang="de-AT" dirty="0">
+                <a:solidFill>
+                  <a:srgbClr val="0451A5"/>
+                </a:solidFill>
+                <a:latin typeface="Fira Code, Consolas,  Courier New"/>
+              </a:rPr>
+              <a:t>"</a:t>
+            </a:r>
+            <a:r>
+              <a:rPr lang="de-AT" dirty="0" err="1">
+                <a:solidFill>
+                  <a:srgbClr val="0451A5"/>
+                </a:solidFill>
+                <a:latin typeface="Fira Code, Consolas,  Courier New"/>
+              </a:rPr>
+              <a:t>total_requests</a:t>
+            </a:r>
+            <a:r>
+              <a:rPr lang="de-AT" dirty="0">
+                <a:solidFill>
+                  <a:srgbClr val="0451A5"/>
+                </a:solidFill>
+                <a:latin typeface="Fira Code, Consolas,  Courier New"/>
+              </a:rPr>
+              <a:t>"</a:t>
+            </a:r>
+            <a:r>
+              <a:rPr lang="de-AT" dirty="0">
+                <a:solidFill>
+                  <a:srgbClr val="000000"/>
+                </a:solidFill>
+                <a:latin typeface="Fira Code, Consolas,  Courier New"/>
+              </a:rPr>
+              <a:t>: </a:t>
+            </a:r>
+            <a:r>
+              <a:rPr lang="de-AT" dirty="0">
+                <a:solidFill>
+                  <a:srgbClr val="09885A"/>
+                </a:solidFill>
+                <a:latin typeface="Fira Code, Consolas,  Courier New"/>
+              </a:rPr>
+              <a:t>162</a:t>
+            </a:r>
+            <a:endParaRPr lang="de-AT" dirty="0">
+              <a:solidFill>
+                <a:srgbClr val="000000"/>
+              </a:solidFill>
+              <a:latin typeface="Fira Code, Consolas,  Courier New"/>
+            </a:endParaRPr>
+          </a:p>
+          <a:p>
+            <a:pPr marL="0" indent="0">
+              <a:buNone/>
+            </a:pPr>
+            <a:r>
+              <a:rPr lang="de-AT" dirty="0">
+                <a:solidFill>
+                  <a:srgbClr val="000000"/>
+                </a:solidFill>
+                <a:latin typeface="Fira Code, Consolas,  Courier New"/>
+              </a:rPr>
+              <a:t>    </a:t>
+            </a:r>
+            <a:r>
+              <a:rPr lang="de-AT" dirty="0" smtClean="0">
+                <a:solidFill>
+                  <a:srgbClr val="000000"/>
+                </a:solidFill>
+                <a:latin typeface="Fira Code, Consolas,  Courier New"/>
+              </a:rPr>
+              <a:t>}</a:t>
+            </a:r>
+            <a:endParaRPr lang="de-AT" dirty="0">
+              <a:solidFill>
+                <a:srgbClr val="000000"/>
+              </a:solidFill>
+              <a:latin typeface="Fira Code, Consolas,  Courier New"/>
+            </a:endParaRPr>
+          </a:p>
+          <a:p>
+            <a:pPr marL="0" indent="0">
+              <a:buNone/>
+            </a:pPr>
+            <a:r>
+              <a:rPr lang="de-AT" dirty="0">
+                <a:solidFill>
+                  <a:srgbClr val="000000"/>
+                </a:solidFill>
+                <a:latin typeface="Fira Code, Consolas,  Courier New"/>
+              </a:rPr>
+              <a:t>}</a:t>
+            </a:r>
+            <a:endParaRPr lang="de-AT" dirty="0"/>
+          </a:p>
+        </p:txBody>
+      </p:sp>
+      <p:sp>
+        <p:nvSpPr>
+          <p:cNvPr id="6" name="TextBox 1">
+            <a:extLst>
+              <a:ext uri="{FF2B5EF4-FFF2-40B4-BE49-F238E27FC236}">
+                <a16:creationId xmlns:a16="http://schemas.microsoft.com/office/drawing/2014/main" id="{E55A1FC0-8E30-4FAB-B566-BDFED0EBDD27}"/>
+              </a:ext>
+            </a:extLst>
+          </p:cNvPr>
+          <p:cNvSpPr txBox="1"/>
+          <p:nvPr/>
+        </p:nvSpPr>
+        <p:spPr>
+          <a:xfrm>
+            <a:off x="43543" y="6438899"/>
+            <a:ext cx="8068126" cy="369332"/>
+          </a:xfrm>
+          <a:prstGeom prst="rect">
+            <a:avLst/>
+          </a:prstGeom>
+          <a:noFill/>
+        </p:spPr>
+        <p:txBody>
+          <a:bodyPr rot="0" spcFirstLastPara="0" vert="horz" wrap="square" lIns="91440" tIns="45720" rIns="91440" bIns="45720" numCol="1" spcCol="0" rtlCol="0" fromWordArt="0" anchor="t" anchorCtr="0" forceAA="0" compatLnSpc="1">
+            <a:prstTxWarp prst="textNoShape">
+              <a:avLst/>
+            </a:prstTxWarp>
+            <a:spAutoFit/>
+          </a:bodyPr>
+          <a:lstStyle>
+            <a:defPPr>
+              <a:defRPr lang="en-US"/>
+            </a:defPPr>
+            <a:lvl1pPr marL="0" algn="l" defTabSz="914400" rtl="0" eaLnBrk="1" latinLnBrk="0" hangingPunct="1">
+              <a:defRPr sz="1800" kern="1200">
+                <a:solidFill>
+                  <a:schemeClr val="tx1"/>
+                </a:solidFill>
+                <a:latin typeface="+mn-lt"/>
+                <a:ea typeface="+mn-ea"/>
+                <a:cs typeface="+mn-cs"/>
+              </a:defRPr>
+            </a:lvl1pPr>
+            <a:lvl2pPr marL="457200" algn="l" defTabSz="914400" rtl="0" eaLnBrk="1" latinLnBrk="0" hangingPunct="1">
+              <a:defRPr sz="1800" kern="1200">
+                <a:solidFill>
+                  <a:schemeClr val="tx1"/>
+                </a:solidFill>
+                <a:latin typeface="+mn-lt"/>
+                <a:ea typeface="+mn-ea"/>
+                <a:cs typeface="+mn-cs"/>
+              </a:defRPr>
+            </a:lvl2pPr>
+            <a:lvl3pPr marL="914400" algn="l" defTabSz="914400" rtl="0" eaLnBrk="1" latinLnBrk="0" hangingPunct="1">
+              <a:defRPr sz="1800" kern="1200">
+                <a:solidFill>
+                  <a:schemeClr val="tx1"/>
+                </a:solidFill>
+                <a:latin typeface="+mn-lt"/>
+                <a:ea typeface="+mn-ea"/>
+                <a:cs typeface="+mn-cs"/>
+              </a:defRPr>
+            </a:lvl3pPr>
+            <a:lvl4pPr marL="1371600" algn="l" defTabSz="914400" rtl="0" eaLnBrk="1" latinLnBrk="0" hangingPunct="1">
+              <a:defRPr sz="1800" kern="1200">
+                <a:solidFill>
+                  <a:schemeClr val="tx1"/>
+                </a:solidFill>
+                <a:latin typeface="+mn-lt"/>
+                <a:ea typeface="+mn-ea"/>
+                <a:cs typeface="+mn-cs"/>
+              </a:defRPr>
+            </a:lvl4pPr>
+            <a:lvl5pPr marL="1828800" algn="l" defTabSz="914400" rtl="0" eaLnBrk="1" latinLnBrk="0" hangingPunct="1">
+              <a:defRPr sz="1800" kern="1200">
+                <a:solidFill>
+                  <a:schemeClr val="tx1"/>
+                </a:solidFill>
+                <a:latin typeface="+mn-lt"/>
+                <a:ea typeface="+mn-ea"/>
+                <a:cs typeface="+mn-cs"/>
+              </a:defRPr>
+            </a:lvl5pPr>
+            <a:lvl6pPr marL="2286000" algn="l" defTabSz="914400" rtl="0" eaLnBrk="1" latinLnBrk="0" hangingPunct="1">
+              <a:defRPr sz="1800" kern="1200">
+                <a:solidFill>
+                  <a:schemeClr val="tx1"/>
+                </a:solidFill>
+                <a:latin typeface="+mn-lt"/>
+                <a:ea typeface="+mn-ea"/>
+                <a:cs typeface="+mn-cs"/>
+              </a:defRPr>
+            </a:lvl6pPr>
+            <a:lvl7pPr marL="2743200" algn="l" defTabSz="914400" rtl="0" eaLnBrk="1" latinLnBrk="0" hangingPunct="1">
+              <a:defRPr sz="1800" kern="1200">
+                <a:solidFill>
+                  <a:schemeClr val="tx1"/>
+                </a:solidFill>
+                <a:latin typeface="+mn-lt"/>
+                <a:ea typeface="+mn-ea"/>
+                <a:cs typeface="+mn-cs"/>
+              </a:defRPr>
+            </a:lvl7pPr>
+            <a:lvl8pPr marL="3200400" algn="l" defTabSz="914400" rtl="0" eaLnBrk="1" latinLnBrk="0" hangingPunct="1">
+              <a:defRPr sz="1800" kern="1200">
+                <a:solidFill>
+                  <a:schemeClr val="tx1"/>
+                </a:solidFill>
+                <a:latin typeface="+mn-lt"/>
+                <a:ea typeface="+mn-ea"/>
+                <a:cs typeface="+mn-cs"/>
+              </a:defRPr>
+            </a:lvl8pPr>
+            <a:lvl9pPr marL="3657600" algn="l" defTabSz="914400" rtl="0" eaLnBrk="1" latinLnBrk="0" hangingPunct="1">
+              <a:defRPr sz="1800" kern="1200">
+                <a:solidFill>
+                  <a:schemeClr val="tx1"/>
+                </a:solidFill>
+                <a:latin typeface="+mn-lt"/>
+                <a:ea typeface="+mn-ea"/>
+                <a:cs typeface="+mn-cs"/>
+              </a:defRPr>
+            </a:lvl9pPr>
+          </a:lstStyle>
+          <a:p>
+            <a:r>
+              <a:rPr lang="en-US" dirty="0" smtClean="0"/>
               <a:t>See: </a:t>
             </a:r>
             <a:r>
@@ -15468,7 +16252,7 @@
 </p:sld>
 </file>
 
-<file path=ppt/slides/slide33.xml><?xml version="1.0" encoding="utf-8"?>
+<file path=ppt/slides/slide34.xml><?xml version="1.0" encoding="utf-8"?>
 <p:sld xmlns:a="http://schemas.openxmlformats.org/drawingml/2006/main" xmlns:r="http://schemas.openxmlformats.org/officeDocument/2006/relationships" xmlns:p="http://schemas.openxmlformats.org/presentationml/2006/main">
   <p:cSld>
     <p:spTree>
@@ -15867,7 +16651,7 @@
 </p:sld>
 </file>
 
-<file path=ppt/slides/slide34.xml><?xml version="1.0" encoding="utf-8"?>
+<file path=ppt/slides/slide35.xml><?xml version="1.0" encoding="utf-8"?>
 <p:sld xmlns:a="http://schemas.openxmlformats.org/drawingml/2006/main" xmlns:r="http://schemas.openxmlformats.org/officeDocument/2006/relationships" xmlns:p="http://schemas.openxmlformats.org/presentationml/2006/main">
   <p:cSld>
     <p:spTree>
@@ -16016,7 +16800,7 @@
 </p:sld>
 </file>
 
-<file path=ppt/slides/slide35.xml><?xml version="1.0" encoding="utf-8"?>
+<file path=ppt/slides/slide36.xml><?xml version="1.0" encoding="utf-8"?>
 <p:sld xmlns:a="http://schemas.openxmlformats.org/drawingml/2006/main" xmlns:r="http://schemas.openxmlformats.org/officeDocument/2006/relationships" xmlns:p="http://schemas.openxmlformats.org/presentationml/2006/main">
   <p:cSld>
     <p:spTree>
@@ -16343,7 +17127,7 @@
             </a:r>
             <a:r>
               <a:rPr lang="de-AT" dirty="0" smtClean="0"/>
-              <a:t> - Java RMI</a:t>
+              <a:t> Java RMI</a:t>
             </a:r>
             <a:endParaRPr lang="de-AT" dirty="0"/>
           </a:p>
@@ -18474,8 +19258,21 @@
           <a:p>
             <a:r>
               <a:rPr lang="de-AT" dirty="0"/>
-              <a:t>Wie funktioniert API Management</a:t>
-            </a:r>
+              <a:t>Basic </a:t>
+            </a:r>
+            <a:r>
+              <a:rPr lang="de-AT" dirty="0" err="1"/>
+              <a:t>operating</a:t>
+            </a:r>
+            <a:r>
+              <a:rPr lang="de-AT" dirty="0"/>
+              <a:t> </a:t>
+            </a:r>
+            <a:r>
+              <a:rPr lang="de-AT" dirty="0" err="1"/>
+              <a:t>principle</a:t>
+            </a:r>
+            <a:endParaRPr lang="de-AT" dirty="0"/>
           </a:p>
         </p:txBody>
       </p:sp>
@@ -18494,7 +19291,7 @@
         <p:spPr>
           <a:xfrm>
             <a:off x="5021974" y="4987216"/>
-            <a:ext cx="2533066" cy="461665"/>
+            <a:ext cx="1754776" cy="461665"/>
           </a:xfrm>
           <a:prstGeom prst="rect">
             <a:avLst/>
@@ -18515,9 +19312,10 @@
           </a:lstStyle>
           <a:p>
             <a:r>
-              <a:rPr lang="en-US" dirty="0"/>
-              <a:t>API Management</a:t>
-            </a:r>
+              <a:rPr lang="en-US" dirty="0" smtClean="0"/>
+              <a:t>API Gateway</a:t>
+            </a:r>
+            <a:endParaRPr lang="en-US" dirty="0"/>
           </a:p>
         </p:txBody>
       </p:sp>
@@ -18723,36 +19521,6 @@
       </p:sp>
       <p:pic>
         <p:nvPicPr>
-          <p:cNvPr id="14" name="Picture 13" descr="A picture containing vector graphics&#10;&#10;Description generated with high confidence">
-            <a:extLst>
-              <a:ext uri="{FF2B5EF4-FFF2-40B4-BE49-F238E27FC236}">
-                <a16:creationId xmlns:a16="http://schemas.microsoft.com/office/drawing/2014/main" id="{D33C9AAF-2D66-4CB0-BD4D-0CF5FBE76AEA}"/>
-              </a:ext>
-            </a:extLst>
-          </p:cNvPr>
-          <p:cNvPicPr>
-            <a:picLocks noChangeAspect="1"/>
-          </p:cNvPicPr>
-          <p:nvPr/>
-        </p:nvPicPr>
-        <p:blipFill>
-          <a:blip r:embed="rId3"/>
-          <a:stretch>
-            <a:fillRect/>
-          </a:stretch>
-        </p:blipFill>
-        <p:spPr>
-          <a:xfrm>
-            <a:off x="5234206" y="2341102"/>
-            <a:ext cx="2108602" cy="2108602"/>
-          </a:xfrm>
-          <a:prstGeom prst="rect">
-            <a:avLst/>
-          </a:prstGeom>
-        </p:spPr>
-      </p:pic>
-      <p:pic>
-        <p:nvPicPr>
           <p:cNvPr id="15" name="Picture 14">
             <a:extLst>
               <a:ext uri="{FF2B5EF4-FFF2-40B4-BE49-F238E27FC236}">
@@ -18766,7 +19534,7 @@
           <p:nvPr/>
         </p:nvPicPr>
         <p:blipFill>
-          <a:blip r:embed="rId4">
+          <a:blip r:embed="rId3">
             <a:duotone>
               <a:prstClr val="black"/>
               <a:srgbClr val="00B0F0">
@@ -18865,6 +19633,30 @@
           </a:p>
         </p:txBody>
       </p:sp>
+      <p:pic>
+        <p:nvPicPr>
+          <p:cNvPr id="3" name="Picture 2"/>
+          <p:cNvPicPr>
+            <a:picLocks noChangeAspect="1"/>
+          </p:cNvPicPr>
+          <p:nvPr/>
+        </p:nvPicPr>
+        <p:blipFill>
+          <a:blip r:embed="rId4"/>
+          <a:stretch>
+            <a:fillRect/>
+          </a:stretch>
+        </p:blipFill>
+        <p:spPr>
+          <a:xfrm>
+            <a:off x="4952840" y="2400156"/>
+            <a:ext cx="2286319" cy="2057687"/>
+          </a:xfrm>
+          <a:prstGeom prst="rect">
+            <a:avLst/>
+          </a:prstGeom>
+        </p:spPr>
+      </p:pic>
     </p:spTree>
     <p:extLst>
       <p:ext uri="{BB962C8B-B14F-4D97-AF65-F5344CB8AC3E}">
